--- a/docs/90_presentation/チーム開発12th.pptx
+++ b/docs/90_presentation/チーム開発12th.pptx
@@ -5,7 +5,7 @@
     <p:sldMasterId id="2147483648" r:id="rId1"/>
   </p:sldMasterIdLst>
   <p:notesMasterIdLst>
-    <p:notesMasterId r:id="rId17"/>
+    <p:notesMasterId r:id="rId18"/>
   </p:notesMasterIdLst>
   <p:sldIdLst>
     <p:sldId id="256" r:id="rId2"/>
@@ -14,15 +14,16 @@
     <p:sldId id="262" r:id="rId5"/>
     <p:sldId id="263" r:id="rId6"/>
     <p:sldId id="268" r:id="rId7"/>
-    <p:sldId id="267" r:id="rId8"/>
-    <p:sldId id="274" r:id="rId9"/>
-    <p:sldId id="269" r:id="rId10"/>
-    <p:sldId id="270" r:id="rId11"/>
-    <p:sldId id="271" r:id="rId12"/>
-    <p:sldId id="265" r:id="rId13"/>
-    <p:sldId id="272" r:id="rId14"/>
-    <p:sldId id="266" r:id="rId15"/>
-    <p:sldId id="273" r:id="rId16"/>
+    <p:sldId id="275" r:id="rId8"/>
+    <p:sldId id="267" r:id="rId9"/>
+    <p:sldId id="274" r:id="rId10"/>
+    <p:sldId id="269" r:id="rId11"/>
+    <p:sldId id="270" r:id="rId12"/>
+    <p:sldId id="271" r:id="rId13"/>
+    <p:sldId id="265" r:id="rId14"/>
+    <p:sldId id="272" r:id="rId15"/>
+    <p:sldId id="266" r:id="rId16"/>
+    <p:sldId id="273" r:id="rId17"/>
   </p:sldIdLst>
   <p:sldSz cx="12192000" cy="6858000"/>
   <p:notesSz cx="6858000" cy="9144000"/>
@@ -6476,8 +6477,8 @@
         </p:nvSpPr>
         <p:spPr>
           <a:xfrm>
-            <a:off x="1507067" y="2368821"/>
-            <a:ext cx="7316422" cy="876692"/>
+            <a:off x="1507067" y="2368820"/>
+            <a:ext cx="8458866" cy="898361"/>
           </a:xfrm>
         </p:spPr>
         <p:txBody>
@@ -6487,14 +6488,14 @@
             <a:pPr algn="l"/>
             <a:r>
               <a:rPr lang="ja-JP" altLang="en-US" dirty="0">
-                <a:latin typeface="Meiryo UI" panose="020B0604030504040204" pitchFamily="50" charset="-128"/>
-                <a:ea typeface="Meiryo UI" panose="020B0604030504040204" pitchFamily="50" charset="-128"/>
+                <a:latin typeface="Noto Sans JP" panose="020B0200000000000000" pitchFamily="50" charset="-128"/>
+                <a:ea typeface="Noto Sans JP" panose="020B0200000000000000" pitchFamily="50" charset="-128"/>
               </a:rPr>
               <a:t>共通点発見アプリについて</a:t>
             </a:r>
             <a:endParaRPr kumimoji="1" lang="ja-JP" altLang="en-US" dirty="0">
-              <a:latin typeface="Meiryo UI" panose="020B0604030504040204" pitchFamily="50" charset="-128"/>
-              <a:ea typeface="Meiryo UI" panose="020B0604030504040204" pitchFamily="50" charset="-128"/>
+              <a:latin typeface="Noto Sans JP" panose="020B0200000000000000" pitchFamily="50" charset="-128"/>
+              <a:ea typeface="Noto Sans JP" panose="020B0200000000000000" pitchFamily="50" charset="-128"/>
             </a:endParaRPr>
           </a:p>
         </p:txBody>
@@ -6533,8 +6534,8 @@
                 <a:solidFill>
                   <a:schemeClr val="tx1"/>
                 </a:solidFill>
-                <a:latin typeface="Meiryo UI" panose="020B0604030504040204" pitchFamily="50" charset="-128"/>
-                <a:ea typeface="Meiryo UI" panose="020B0604030504040204" pitchFamily="50" charset="-128"/>
+                <a:latin typeface="Noto Sans JP" panose="020B0200000000000000" pitchFamily="50" charset="-128"/>
+                <a:ea typeface="Noto Sans JP" panose="020B0200000000000000" pitchFamily="50" charset="-128"/>
               </a:rPr>
               <a:t>プロジェクトメンバー</a:t>
             </a:r>
@@ -6542,8 +6543,8 @@
               <a:solidFill>
                 <a:schemeClr val="tx1"/>
               </a:solidFill>
-              <a:latin typeface="Meiryo UI" panose="020B0604030504040204" pitchFamily="50" charset="-128"/>
-              <a:ea typeface="Meiryo UI" panose="020B0604030504040204" pitchFamily="50" charset="-128"/>
+              <a:latin typeface="Noto Sans JP" panose="020B0200000000000000" pitchFamily="50" charset="-128"/>
+              <a:ea typeface="Noto Sans JP" panose="020B0200000000000000" pitchFamily="50" charset="-128"/>
             </a:endParaRPr>
           </a:p>
           <a:p>
@@ -6553,8 +6554,8 @@
                 <a:solidFill>
                   <a:schemeClr val="tx1"/>
                 </a:solidFill>
-                <a:latin typeface="Meiryo UI" panose="020B0604030504040204" pitchFamily="50" charset="-128"/>
-                <a:ea typeface="Meiryo UI" panose="020B0604030504040204" pitchFamily="50" charset="-128"/>
+                <a:latin typeface="Noto Sans JP" panose="020B0200000000000000" pitchFamily="50" charset="-128"/>
+                <a:ea typeface="Noto Sans JP" panose="020B0200000000000000" pitchFamily="50" charset="-128"/>
               </a:rPr>
               <a:t>石本 純貴</a:t>
             </a:r>
@@ -6562,8 +6563,8 @@
               <a:solidFill>
                 <a:schemeClr val="tx1"/>
               </a:solidFill>
-              <a:latin typeface="Meiryo UI" panose="020B0604030504040204" pitchFamily="50" charset="-128"/>
-              <a:ea typeface="Meiryo UI" panose="020B0604030504040204" pitchFamily="50" charset="-128"/>
+              <a:latin typeface="Noto Sans JP" panose="020B0200000000000000" pitchFamily="50" charset="-128"/>
+              <a:ea typeface="Noto Sans JP" panose="020B0200000000000000" pitchFamily="50" charset="-128"/>
             </a:endParaRPr>
           </a:p>
           <a:p>
@@ -6573,8 +6574,8 @@
                 <a:solidFill>
                   <a:schemeClr val="tx1"/>
                 </a:solidFill>
-                <a:latin typeface="Meiryo UI" panose="020B0604030504040204" pitchFamily="50" charset="-128"/>
-                <a:ea typeface="Meiryo UI" panose="020B0604030504040204" pitchFamily="50" charset="-128"/>
+                <a:latin typeface="Noto Sans JP" panose="020B0200000000000000" pitchFamily="50" charset="-128"/>
+                <a:ea typeface="Noto Sans JP" panose="020B0200000000000000" pitchFamily="50" charset="-128"/>
               </a:rPr>
               <a:t>怡田 嶺哉</a:t>
             </a:r>
@@ -6582,8 +6583,8 @@
               <a:solidFill>
                 <a:schemeClr val="tx1"/>
               </a:solidFill>
-              <a:latin typeface="Meiryo UI" panose="020B0604030504040204" pitchFamily="50" charset="-128"/>
-              <a:ea typeface="Meiryo UI" panose="020B0604030504040204" pitchFamily="50" charset="-128"/>
+              <a:latin typeface="Noto Sans JP" panose="020B0200000000000000" pitchFamily="50" charset="-128"/>
+              <a:ea typeface="Noto Sans JP" panose="020B0200000000000000" pitchFamily="50" charset="-128"/>
             </a:endParaRPr>
           </a:p>
           <a:p>
@@ -6593,8 +6594,8 @@
                 <a:solidFill>
                   <a:schemeClr val="tx1"/>
                 </a:solidFill>
-                <a:latin typeface="Meiryo UI" panose="020B0604030504040204" pitchFamily="50" charset="-128"/>
-                <a:ea typeface="Meiryo UI" panose="020B0604030504040204" pitchFamily="50" charset="-128"/>
+                <a:latin typeface="Noto Sans JP" panose="020B0200000000000000" pitchFamily="50" charset="-128"/>
+                <a:ea typeface="Noto Sans JP" panose="020B0200000000000000" pitchFamily="50" charset="-128"/>
               </a:rPr>
               <a:t>棚 英雄</a:t>
             </a:r>
@@ -6602,8 +6603,8 @@
               <a:solidFill>
                 <a:schemeClr val="tx1"/>
               </a:solidFill>
-              <a:latin typeface="Meiryo UI" panose="020B0604030504040204" pitchFamily="50" charset="-128"/>
-              <a:ea typeface="Meiryo UI" panose="020B0604030504040204" pitchFamily="50" charset="-128"/>
+              <a:latin typeface="Noto Sans JP" panose="020B0200000000000000" pitchFamily="50" charset="-128"/>
+              <a:ea typeface="Noto Sans JP" panose="020B0200000000000000" pitchFamily="50" charset="-128"/>
             </a:endParaRPr>
           </a:p>
           <a:p>
@@ -6613,8 +6614,8 @@
                 <a:solidFill>
                   <a:schemeClr val="tx1"/>
                 </a:solidFill>
-                <a:latin typeface="Meiryo UI" panose="020B0604030504040204" pitchFamily="50" charset="-128"/>
-                <a:ea typeface="Meiryo UI" panose="020B0604030504040204" pitchFamily="50" charset="-128"/>
+                <a:latin typeface="Noto Sans JP" panose="020B0200000000000000" pitchFamily="50" charset="-128"/>
+                <a:ea typeface="Noto Sans JP" panose="020B0200000000000000" pitchFamily="50" charset="-128"/>
               </a:rPr>
               <a:t>前渕 竜盛</a:t>
             </a:r>
@@ -6625,8 +6626,8 @@
               <a:solidFill>
                 <a:schemeClr val="tx1"/>
               </a:solidFill>
-              <a:latin typeface="Meiryo UI" panose="020B0604030504040204" pitchFamily="50" charset="-128"/>
-              <a:ea typeface="Meiryo UI" panose="020B0604030504040204" pitchFamily="50" charset="-128"/>
+              <a:latin typeface="Noto Sans JP" panose="020B0200000000000000" pitchFamily="50" charset="-128"/>
+              <a:ea typeface="Noto Sans JP" panose="020B0200000000000000" pitchFamily="50" charset="-128"/>
             </a:endParaRPr>
           </a:p>
         </p:txBody>
@@ -6645,6 +6646,1450 @@
 </file>
 
 <file path=ppt/slides/slide10.xml><?xml version="1.0" encoding="utf-8"?>
+<p:sld xmlns:a="http://schemas.openxmlformats.org/drawingml/2006/main" xmlns:r="http://schemas.openxmlformats.org/officeDocument/2006/relationships" xmlns:p="http://schemas.openxmlformats.org/presentationml/2006/main">
+  <p:cSld>
+    <p:spTree>
+      <p:nvGrpSpPr>
+        <p:cNvPr id="1" name="">
+          <a:extLst>
+            <a:ext uri="{FF2B5EF4-FFF2-40B4-BE49-F238E27FC236}">
+              <a16:creationId xmlns:a16="http://schemas.microsoft.com/office/drawing/2014/main" id="{48DB6FC3-B502-51E1-1ADF-1B69A161DA4A}"/>
+            </a:ext>
+          </a:extLst>
+        </p:cNvPr>
+        <p:cNvGrpSpPr/>
+        <p:nvPr/>
+      </p:nvGrpSpPr>
+      <p:grpSpPr>
+        <a:xfrm>
+          <a:off x="0" y="0"/>
+          <a:ext cx="0" cy="0"/>
+          <a:chOff x="0" y="0"/>
+          <a:chExt cx="0" cy="0"/>
+        </a:xfrm>
+      </p:grpSpPr>
+      <p:sp>
+        <p:nvSpPr>
+          <p:cNvPr id="2" name="タイトル 1">
+            <a:extLst>
+              <a:ext uri="{FF2B5EF4-FFF2-40B4-BE49-F238E27FC236}">
+                <a16:creationId xmlns:a16="http://schemas.microsoft.com/office/drawing/2014/main" id="{212DFAD3-50EF-9098-1B56-0A10E4212E64}"/>
+              </a:ext>
+            </a:extLst>
+          </p:cNvPr>
+          <p:cNvSpPr>
+            <a:spLocks noGrp="1"/>
+          </p:cNvSpPr>
+          <p:nvPr>
+            <p:ph type="title"/>
+          </p:nvPr>
+        </p:nvSpPr>
+        <p:spPr>
+          <a:xfrm>
+            <a:off x="677332" y="609600"/>
+            <a:ext cx="5418667" cy="582706"/>
+          </a:xfrm>
+        </p:spPr>
+        <p:txBody>
+          <a:bodyPr>
+            <a:normAutofit fontScale="90000"/>
+          </a:bodyPr>
+          <a:lstStyle/>
+          <a:p>
+            <a:pPr lvl="0" defTabSz="914400" eaLnBrk="0" fontAlgn="base" hangingPunct="0">
+              <a:spcAft>
+                <a:spcPct val="0"/>
+              </a:spcAft>
+            </a:pPr>
+            <a:r>
+              <a:rPr kumimoji="0" lang="en-US" altLang="ja-JP" dirty="0">
+                <a:solidFill>
+                  <a:schemeClr val="tx1"/>
+                </a:solidFill>
+                <a:latin typeface="Noto Sans JP" panose="020B0200000000000000" pitchFamily="50" charset="-128"/>
+                <a:ea typeface="Noto Sans JP" panose="020B0200000000000000" pitchFamily="50" charset="-128"/>
+              </a:rPr>
+              <a:t>4.</a:t>
+            </a:r>
+            <a:r>
+              <a:rPr kumimoji="0" lang="ja-JP" altLang="en-US" dirty="0">
+                <a:solidFill>
+                  <a:schemeClr val="tx1"/>
+                </a:solidFill>
+                <a:latin typeface="Noto Sans JP" panose="020B0200000000000000" pitchFamily="50" charset="-128"/>
+                <a:ea typeface="Noto Sans JP" panose="020B0200000000000000" pitchFamily="50" charset="-128"/>
+              </a:rPr>
+              <a:t>共通点発見アプリ使用手順</a:t>
+            </a:r>
+            <a:endParaRPr kumimoji="0" lang="en-US" altLang="ja-JP" dirty="0">
+              <a:solidFill>
+                <a:schemeClr val="tx1"/>
+              </a:solidFill>
+              <a:latin typeface="Noto Sans JP" panose="020B0200000000000000" pitchFamily="50" charset="-128"/>
+              <a:ea typeface="Noto Sans JP" panose="020B0200000000000000" pitchFamily="50" charset="-128"/>
+            </a:endParaRPr>
+          </a:p>
+        </p:txBody>
+      </p:sp>
+      <p:sp>
+        <p:nvSpPr>
+          <p:cNvPr id="5" name="Rectangle 2">
+            <a:extLst>
+              <a:ext uri="{FF2B5EF4-FFF2-40B4-BE49-F238E27FC236}">
+                <a16:creationId xmlns:a16="http://schemas.microsoft.com/office/drawing/2014/main" id="{F58F66A6-FB25-2803-2785-810CC6476083}"/>
+              </a:ext>
+            </a:extLst>
+          </p:cNvPr>
+          <p:cNvSpPr>
+            <a:spLocks noChangeArrowheads="1"/>
+          </p:cNvSpPr>
+          <p:nvPr/>
+        </p:nvSpPr>
+        <p:spPr bwMode="auto">
+          <a:xfrm>
+            <a:off x="677334" y="1192307"/>
+            <a:ext cx="5019239" cy="461665"/>
+          </a:xfrm>
+          <a:prstGeom prst="rect">
+            <a:avLst/>
+          </a:prstGeom>
+          <a:solidFill>
+            <a:schemeClr val="accent1">
+              <a:lumMod val="20000"/>
+              <a:lumOff val="80000"/>
+            </a:schemeClr>
+          </a:solidFill>
+          <a:ln w="9525">
+            <a:noFill/>
+            <a:miter lim="800000"/>
+            <a:headEnd/>
+            <a:tailEnd/>
+          </a:ln>
+          <a:effectLst/>
+        </p:spPr>
+        <p:txBody>
+          <a:bodyPr vert="horz" wrap="square" lIns="91440" tIns="45720" rIns="91440" bIns="45720" numCol="1" anchor="ctr" anchorCtr="0" compatLnSpc="1">
+            <a:prstTxWarp prst="textNoShape">
+              <a:avLst/>
+            </a:prstTxWarp>
+            <a:spAutoFit/>
+          </a:bodyPr>
+          <a:lstStyle/>
+          <a:p>
+            <a:pPr lvl="0" defTabSz="914400" eaLnBrk="0" fontAlgn="base" hangingPunct="0">
+              <a:spcBef>
+                <a:spcPct val="0"/>
+              </a:spcBef>
+              <a:spcAft>
+                <a:spcPct val="0"/>
+              </a:spcAft>
+            </a:pPr>
+            <a:r>
+              <a:rPr lang="ja-JP" altLang="en-US" sz="2400" dirty="0">
+                <a:latin typeface="Noto Sans JP" panose="020B0200000000000000" pitchFamily="50" charset="-128"/>
+                <a:ea typeface="Noto Sans JP" panose="020B0200000000000000" pitchFamily="50" charset="-128"/>
+              </a:rPr>
+              <a:t>フェーズ</a:t>
+            </a:r>
+            <a:r>
+              <a:rPr lang="en-US" altLang="ja-JP" sz="2400" dirty="0">
+                <a:latin typeface="Noto Sans JP" panose="020B0200000000000000" pitchFamily="50" charset="-128"/>
+                <a:ea typeface="Noto Sans JP" panose="020B0200000000000000" pitchFamily="50" charset="-128"/>
+              </a:rPr>
+              <a:t>5.</a:t>
+            </a:r>
+            <a:r>
+              <a:rPr lang="ja-JP" altLang="en-US" sz="2400" dirty="0">
+                <a:latin typeface="Noto Sans JP" panose="020B0200000000000000" pitchFamily="50" charset="-128"/>
+                <a:ea typeface="Noto Sans JP" panose="020B0200000000000000" pitchFamily="50" charset="-128"/>
+              </a:rPr>
+              <a:t>共通度表示</a:t>
+            </a:r>
+            <a:endParaRPr kumimoji="0" lang="ja-JP" altLang="en-US" sz="2400" i="0" u="none" strike="noStrike" cap="none" normalizeH="0" baseline="0" dirty="0">
+              <a:ln>
+                <a:noFill/>
+              </a:ln>
+              <a:solidFill>
+                <a:schemeClr val="tx1"/>
+              </a:solidFill>
+              <a:effectLst/>
+              <a:latin typeface="Noto Sans JP" panose="020B0200000000000000" pitchFamily="50" charset="-128"/>
+              <a:ea typeface="Noto Sans JP" panose="020B0200000000000000" pitchFamily="50" charset="-128"/>
+            </a:endParaRPr>
+          </a:p>
+        </p:txBody>
+      </p:sp>
+      <p:sp>
+        <p:nvSpPr>
+          <p:cNvPr id="4" name="Rectangle 2">
+            <a:extLst>
+              <a:ext uri="{FF2B5EF4-FFF2-40B4-BE49-F238E27FC236}">
+                <a16:creationId xmlns:a16="http://schemas.microsoft.com/office/drawing/2014/main" id="{CAD479DF-5EBE-BB2B-DDF6-B53018C3C3A2}"/>
+              </a:ext>
+            </a:extLst>
+          </p:cNvPr>
+          <p:cNvSpPr>
+            <a:spLocks noChangeArrowheads="1"/>
+          </p:cNvSpPr>
+          <p:nvPr/>
+        </p:nvSpPr>
+        <p:spPr bwMode="auto">
+          <a:xfrm>
+            <a:off x="677332" y="1775012"/>
+            <a:ext cx="9072843" cy="461665"/>
+          </a:xfrm>
+          <a:prstGeom prst="rect">
+            <a:avLst/>
+          </a:prstGeom>
+          <a:noFill/>
+          <a:ln w="9525">
+            <a:noFill/>
+            <a:miter lim="800000"/>
+            <a:headEnd/>
+            <a:tailEnd/>
+          </a:ln>
+          <a:effectLst/>
+        </p:spPr>
+        <p:txBody>
+          <a:bodyPr vert="horz" wrap="square" lIns="91440" tIns="45720" rIns="91440" bIns="45720" numCol="1" anchor="ctr" anchorCtr="0" compatLnSpc="1">
+            <a:prstTxWarp prst="textNoShape">
+              <a:avLst/>
+            </a:prstTxWarp>
+            <a:spAutoFit/>
+          </a:bodyPr>
+          <a:lstStyle/>
+          <a:p>
+            <a:pPr lvl="0" defTabSz="914400" eaLnBrk="0" fontAlgn="base" hangingPunct="0">
+              <a:spcBef>
+                <a:spcPct val="0"/>
+              </a:spcBef>
+              <a:spcAft>
+                <a:spcPct val="0"/>
+              </a:spcAft>
+            </a:pPr>
+            <a:r>
+              <a:rPr lang="ja-JP" altLang="en-US" sz="2400" dirty="0">
+                <a:latin typeface="Noto Sans JP" panose="020B0200000000000000" pitchFamily="50" charset="-128"/>
+                <a:ea typeface="Noto Sans JP" panose="020B0200000000000000" pitchFamily="50" charset="-128"/>
+              </a:rPr>
+              <a:t>共通度一覧画面によりグループメンバー同士の共通度を確認する</a:t>
+            </a:r>
+            <a:endParaRPr lang="en-US" altLang="ja-JP" sz="2400" dirty="0">
+              <a:latin typeface="Noto Sans JP" panose="020B0200000000000000" pitchFamily="50" charset="-128"/>
+              <a:ea typeface="Noto Sans JP" panose="020B0200000000000000" pitchFamily="50" charset="-128"/>
+            </a:endParaRPr>
+          </a:p>
+        </p:txBody>
+      </p:sp>
+      <p:sp>
+        <p:nvSpPr>
+          <p:cNvPr id="18" name="Rectangle 2">
+            <a:extLst>
+              <a:ext uri="{FF2B5EF4-FFF2-40B4-BE49-F238E27FC236}">
+                <a16:creationId xmlns:a16="http://schemas.microsoft.com/office/drawing/2014/main" id="{93C3573A-3737-DEB1-4D3D-0B7CB8AB748A}"/>
+              </a:ext>
+            </a:extLst>
+          </p:cNvPr>
+          <p:cNvSpPr>
+            <a:spLocks noChangeArrowheads="1"/>
+          </p:cNvSpPr>
+          <p:nvPr/>
+        </p:nvSpPr>
+        <p:spPr bwMode="auto">
+          <a:xfrm>
+            <a:off x="1833909" y="5285854"/>
+            <a:ext cx="920129" cy="276999"/>
+          </a:xfrm>
+          <a:prstGeom prst="rect">
+            <a:avLst/>
+          </a:prstGeom>
+          <a:noFill/>
+          <a:ln w="9525">
+            <a:noFill/>
+            <a:miter lim="800000"/>
+            <a:headEnd/>
+            <a:tailEnd/>
+          </a:ln>
+          <a:effectLst/>
+        </p:spPr>
+        <p:txBody>
+          <a:bodyPr vert="horz" wrap="square" lIns="91440" tIns="45720" rIns="91440" bIns="45720" numCol="1" anchor="ctr" anchorCtr="0" compatLnSpc="1">
+            <a:prstTxWarp prst="textNoShape">
+              <a:avLst/>
+            </a:prstTxWarp>
+            <a:spAutoFit/>
+          </a:bodyPr>
+          <a:lstStyle/>
+          <a:p>
+            <a:pPr lvl="0" defTabSz="914400" eaLnBrk="0" fontAlgn="base" hangingPunct="0">
+              <a:spcBef>
+                <a:spcPct val="0"/>
+              </a:spcBef>
+              <a:spcAft>
+                <a:spcPct val="0"/>
+              </a:spcAft>
+            </a:pPr>
+            <a:r>
+              <a:rPr lang="ja-JP" altLang="en-US" sz="1200" dirty="0">
+                <a:latin typeface="Noto Sans JP" panose="020B0200000000000000" pitchFamily="50" charset="-128"/>
+                <a:ea typeface="Noto Sans JP" panose="020B0200000000000000" pitchFamily="50" charset="-128"/>
+              </a:rPr>
+              <a:t>グループ</a:t>
+            </a:r>
+            <a:r>
+              <a:rPr lang="en-US" altLang="ja-JP" sz="1200" dirty="0">
+                <a:latin typeface="Noto Sans JP" panose="020B0200000000000000" pitchFamily="50" charset="-128"/>
+                <a:ea typeface="Noto Sans JP" panose="020B0200000000000000" pitchFamily="50" charset="-128"/>
+              </a:rPr>
+              <a:t>C</a:t>
+            </a:r>
+          </a:p>
+        </p:txBody>
+      </p:sp>
+      <p:pic>
+        <p:nvPicPr>
+          <p:cNvPr id="28" name="グラフィックス 27" descr="ユーザー">
+            <a:extLst>
+              <a:ext uri="{FF2B5EF4-FFF2-40B4-BE49-F238E27FC236}">
+                <a16:creationId xmlns:a16="http://schemas.microsoft.com/office/drawing/2014/main" id="{4141091D-A007-B788-D1B2-2C9BCBC2618E}"/>
+              </a:ext>
+            </a:extLst>
+          </p:cNvPr>
+          <p:cNvPicPr>
+            <a:picLocks noChangeAspect="1"/>
+          </p:cNvPicPr>
+          <p:nvPr/>
+        </p:nvPicPr>
+        <p:blipFill>
+          <a:blip r:embed="rId2">
+            <a:extLst>
+              <a:ext uri="{96DAC541-7B7A-43D3-8B79-37D633B846F1}">
+                <asvg:svgBlip xmlns:asvg="http://schemas.microsoft.com/office/drawing/2016/SVG/main" r:embed="rId3"/>
+              </a:ext>
+            </a:extLst>
+          </a:blip>
+          <a:stretch>
+            <a:fillRect/>
+          </a:stretch>
+        </p:blipFill>
+        <p:spPr>
+          <a:xfrm>
+            <a:off x="1311465" y="4423408"/>
+            <a:ext cx="519956" cy="519956"/>
+          </a:xfrm>
+          <a:prstGeom prst="rect">
+            <a:avLst/>
+          </a:prstGeom>
+        </p:spPr>
+      </p:pic>
+      <p:sp>
+        <p:nvSpPr>
+          <p:cNvPr id="29" name="Rectangle 2">
+            <a:extLst>
+              <a:ext uri="{FF2B5EF4-FFF2-40B4-BE49-F238E27FC236}">
+                <a16:creationId xmlns:a16="http://schemas.microsoft.com/office/drawing/2014/main" id="{1AC2E30F-783A-5294-FE2F-76A27C710B9B}"/>
+              </a:ext>
+            </a:extLst>
+          </p:cNvPr>
+          <p:cNvSpPr>
+            <a:spLocks noChangeArrowheads="1"/>
+          </p:cNvSpPr>
+          <p:nvPr/>
+        </p:nvSpPr>
+        <p:spPr bwMode="auto">
+          <a:xfrm>
+            <a:off x="1161556" y="4907509"/>
+            <a:ext cx="765985" cy="276999"/>
+          </a:xfrm>
+          <a:prstGeom prst="rect">
+            <a:avLst/>
+          </a:prstGeom>
+          <a:noFill/>
+          <a:ln w="9525">
+            <a:noFill/>
+            <a:miter lim="800000"/>
+            <a:headEnd/>
+            <a:tailEnd/>
+          </a:ln>
+          <a:effectLst/>
+        </p:spPr>
+        <p:txBody>
+          <a:bodyPr vert="horz" wrap="square" lIns="91440" tIns="45720" rIns="91440" bIns="45720" numCol="1" anchor="ctr" anchorCtr="0" compatLnSpc="1">
+            <a:prstTxWarp prst="textNoShape">
+              <a:avLst/>
+            </a:prstTxWarp>
+            <a:spAutoFit/>
+          </a:bodyPr>
+          <a:lstStyle/>
+          <a:p>
+            <a:pPr lvl="0" defTabSz="914400" eaLnBrk="0" fontAlgn="base" hangingPunct="0">
+              <a:spcBef>
+                <a:spcPct val="0"/>
+              </a:spcBef>
+              <a:spcAft>
+                <a:spcPct val="0"/>
+              </a:spcAft>
+            </a:pPr>
+            <a:r>
+              <a:rPr lang="ja-JP" altLang="en-US" sz="1200" dirty="0">
+                <a:latin typeface="Noto Sans JP" panose="020B0200000000000000" pitchFamily="50" charset="-128"/>
+                <a:ea typeface="Noto Sans JP" panose="020B0200000000000000" pitchFamily="50" charset="-128"/>
+              </a:rPr>
+              <a:t>参加者</a:t>
+            </a:r>
+            <a:r>
+              <a:rPr lang="en-US" altLang="ja-JP" sz="1200" dirty="0">
+                <a:latin typeface="Noto Sans JP" panose="020B0200000000000000" pitchFamily="50" charset="-128"/>
+                <a:ea typeface="Noto Sans JP" panose="020B0200000000000000" pitchFamily="50" charset="-128"/>
+              </a:rPr>
+              <a:t>5</a:t>
+            </a:r>
+          </a:p>
+        </p:txBody>
+      </p:sp>
+      <p:pic>
+        <p:nvPicPr>
+          <p:cNvPr id="30" name="グラフィックス 29" descr="ユーザー">
+            <a:extLst>
+              <a:ext uri="{FF2B5EF4-FFF2-40B4-BE49-F238E27FC236}">
+                <a16:creationId xmlns:a16="http://schemas.microsoft.com/office/drawing/2014/main" id="{BAC2B9B2-9DE7-34F8-0821-594D8E461A52}"/>
+              </a:ext>
+            </a:extLst>
+          </p:cNvPr>
+          <p:cNvPicPr>
+            <a:picLocks noChangeAspect="1"/>
+          </p:cNvPicPr>
+          <p:nvPr/>
+        </p:nvPicPr>
+        <p:blipFill>
+          <a:blip r:embed="rId2">
+            <a:extLst>
+              <a:ext uri="{96DAC541-7B7A-43D3-8B79-37D633B846F1}">
+                <asvg:svgBlip xmlns:asvg="http://schemas.microsoft.com/office/drawing/2016/SVG/main" r:embed="rId3"/>
+              </a:ext>
+            </a:extLst>
+          </a:blip>
+          <a:stretch>
+            <a:fillRect/>
+          </a:stretch>
+        </p:blipFill>
+        <p:spPr>
+          <a:xfrm>
+            <a:off x="1915340" y="4423408"/>
+            <a:ext cx="519956" cy="519956"/>
+          </a:xfrm>
+          <a:prstGeom prst="rect">
+            <a:avLst/>
+          </a:prstGeom>
+        </p:spPr>
+      </p:pic>
+      <p:pic>
+        <p:nvPicPr>
+          <p:cNvPr id="32" name="グラフィックス 31" descr="ユーザー">
+            <a:extLst>
+              <a:ext uri="{FF2B5EF4-FFF2-40B4-BE49-F238E27FC236}">
+                <a16:creationId xmlns:a16="http://schemas.microsoft.com/office/drawing/2014/main" id="{BEE8349F-8E85-6654-C70A-9E324FD5228F}"/>
+              </a:ext>
+            </a:extLst>
+          </p:cNvPr>
+          <p:cNvPicPr>
+            <a:picLocks noChangeAspect="1"/>
+          </p:cNvPicPr>
+          <p:nvPr/>
+        </p:nvPicPr>
+        <p:blipFill>
+          <a:blip r:embed="rId2">
+            <a:extLst>
+              <a:ext uri="{96DAC541-7B7A-43D3-8B79-37D633B846F1}">
+                <asvg:svgBlip xmlns:asvg="http://schemas.microsoft.com/office/drawing/2016/SVG/main" r:embed="rId3"/>
+              </a:ext>
+            </a:extLst>
+          </a:blip>
+          <a:stretch>
+            <a:fillRect/>
+          </a:stretch>
+        </p:blipFill>
+        <p:spPr>
+          <a:xfrm>
+            <a:off x="2603134" y="4423408"/>
+            <a:ext cx="519956" cy="519956"/>
+          </a:xfrm>
+          <a:prstGeom prst="rect">
+            <a:avLst/>
+          </a:prstGeom>
+        </p:spPr>
+      </p:pic>
+      <p:sp>
+        <p:nvSpPr>
+          <p:cNvPr id="33" name="正方形/長方形 32">
+            <a:extLst>
+              <a:ext uri="{FF2B5EF4-FFF2-40B4-BE49-F238E27FC236}">
+                <a16:creationId xmlns:a16="http://schemas.microsoft.com/office/drawing/2014/main" id="{A5B44715-9670-6DEE-97D5-3FC7132620F6}"/>
+              </a:ext>
+            </a:extLst>
+          </p:cNvPr>
+          <p:cNvSpPr/>
+          <p:nvPr/>
+        </p:nvSpPr>
+        <p:spPr>
+          <a:xfrm>
+            <a:off x="1143627" y="3863776"/>
+            <a:ext cx="2184902" cy="1398501"/>
+          </a:xfrm>
+          <a:prstGeom prst="rect">
+            <a:avLst/>
+          </a:prstGeom>
+          <a:noFill/>
+          <a:ln>
+            <a:prstDash val="sysDot"/>
+          </a:ln>
+        </p:spPr>
+        <p:style>
+          <a:lnRef idx="2">
+            <a:schemeClr val="accent1">
+              <a:shade val="15000"/>
+            </a:schemeClr>
+          </a:lnRef>
+          <a:fillRef idx="1">
+            <a:schemeClr val="accent1"/>
+          </a:fillRef>
+          <a:effectRef idx="0">
+            <a:schemeClr val="accent1"/>
+          </a:effectRef>
+          <a:fontRef idx="minor">
+            <a:schemeClr val="lt1"/>
+          </a:fontRef>
+        </p:style>
+        <p:txBody>
+          <a:bodyPr rtlCol="0" anchor="ctr"/>
+          <a:lstStyle/>
+          <a:p>
+            <a:pPr algn="ctr"/>
+            <a:endParaRPr kumimoji="1" lang="ja-JP" altLang="en-US">
+              <a:latin typeface="Noto Sans JP" panose="020B0200000000000000" pitchFamily="50" charset="-128"/>
+              <a:ea typeface="Noto Sans JP" panose="020B0200000000000000" pitchFamily="50" charset="-128"/>
+            </a:endParaRPr>
+          </a:p>
+        </p:txBody>
+      </p:sp>
+      <p:pic>
+        <p:nvPicPr>
+          <p:cNvPr id="37" name="グラフィックス 36" descr="インターネット">
+            <a:extLst>
+              <a:ext uri="{FF2B5EF4-FFF2-40B4-BE49-F238E27FC236}">
+                <a16:creationId xmlns:a16="http://schemas.microsoft.com/office/drawing/2014/main" id="{4AA6423E-6F9E-495A-3F24-4EC04DD8D53B}"/>
+              </a:ext>
+            </a:extLst>
+          </p:cNvPr>
+          <p:cNvPicPr>
+            <a:picLocks noChangeAspect="1"/>
+          </p:cNvPicPr>
+          <p:nvPr/>
+        </p:nvPicPr>
+        <p:blipFill>
+          <a:blip r:embed="rId4">
+            <a:extLst>
+              <a:ext uri="{96DAC541-7B7A-43D3-8B79-37D633B846F1}">
+                <asvg:svgBlip xmlns:asvg="http://schemas.microsoft.com/office/drawing/2016/SVG/main" r:embed="rId5"/>
+              </a:ext>
+            </a:extLst>
+          </a:blip>
+          <a:stretch>
+            <a:fillRect/>
+          </a:stretch>
+        </p:blipFill>
+        <p:spPr>
+          <a:xfrm>
+            <a:off x="1927046" y="3985021"/>
+            <a:ext cx="516155" cy="516155"/>
+          </a:xfrm>
+          <a:prstGeom prst="rect">
+            <a:avLst/>
+          </a:prstGeom>
+        </p:spPr>
+      </p:pic>
+      <p:pic>
+        <p:nvPicPr>
+          <p:cNvPr id="39" name="グラフィックス 38" descr="インターネット">
+            <a:extLst>
+              <a:ext uri="{FF2B5EF4-FFF2-40B4-BE49-F238E27FC236}">
+                <a16:creationId xmlns:a16="http://schemas.microsoft.com/office/drawing/2014/main" id="{9DF64CD0-DFDA-733B-76F7-CBCB0C50B853}"/>
+              </a:ext>
+            </a:extLst>
+          </p:cNvPr>
+          <p:cNvPicPr>
+            <a:picLocks noChangeAspect="1"/>
+          </p:cNvPicPr>
+          <p:nvPr/>
+        </p:nvPicPr>
+        <p:blipFill>
+          <a:blip r:embed="rId4">
+            <a:extLst>
+              <a:ext uri="{96DAC541-7B7A-43D3-8B79-37D633B846F1}">
+                <asvg:svgBlip xmlns:asvg="http://schemas.microsoft.com/office/drawing/2016/SVG/main" r:embed="rId5"/>
+              </a:ext>
+            </a:extLst>
+          </a:blip>
+          <a:stretch>
+            <a:fillRect/>
+          </a:stretch>
+        </p:blipFill>
+        <p:spPr>
+          <a:xfrm>
+            <a:off x="1269538" y="3985021"/>
+            <a:ext cx="516155" cy="516155"/>
+          </a:xfrm>
+          <a:prstGeom prst="rect">
+            <a:avLst/>
+          </a:prstGeom>
+        </p:spPr>
+      </p:pic>
+      <p:pic>
+        <p:nvPicPr>
+          <p:cNvPr id="42" name="グラフィックス 41" descr="インターネット">
+            <a:extLst>
+              <a:ext uri="{FF2B5EF4-FFF2-40B4-BE49-F238E27FC236}">
+                <a16:creationId xmlns:a16="http://schemas.microsoft.com/office/drawing/2014/main" id="{5B449C65-EDDA-006A-DBD7-7793A2B16D04}"/>
+              </a:ext>
+            </a:extLst>
+          </p:cNvPr>
+          <p:cNvPicPr>
+            <a:picLocks noChangeAspect="1"/>
+          </p:cNvPicPr>
+          <p:nvPr/>
+        </p:nvPicPr>
+        <p:blipFill>
+          <a:blip r:embed="rId4">
+            <a:extLst>
+              <a:ext uri="{96DAC541-7B7A-43D3-8B79-37D633B846F1}">
+                <asvg:svgBlip xmlns:asvg="http://schemas.microsoft.com/office/drawing/2016/SVG/main" r:embed="rId5"/>
+              </a:ext>
+            </a:extLst>
+          </a:blip>
+          <a:stretch>
+            <a:fillRect/>
+          </a:stretch>
+        </p:blipFill>
+        <p:spPr>
+          <a:xfrm>
+            <a:off x="2600149" y="3985021"/>
+            <a:ext cx="516155" cy="516155"/>
+          </a:xfrm>
+          <a:prstGeom prst="rect">
+            <a:avLst/>
+          </a:prstGeom>
+        </p:spPr>
+      </p:pic>
+      <p:sp>
+        <p:nvSpPr>
+          <p:cNvPr id="43" name="Rectangle 2">
+            <a:extLst>
+              <a:ext uri="{FF2B5EF4-FFF2-40B4-BE49-F238E27FC236}">
+                <a16:creationId xmlns:a16="http://schemas.microsoft.com/office/drawing/2014/main" id="{EFA43C2A-06DF-2565-052B-9AF051031337}"/>
+              </a:ext>
+            </a:extLst>
+          </p:cNvPr>
+          <p:cNvSpPr>
+            <a:spLocks noChangeArrowheads="1"/>
+          </p:cNvSpPr>
+          <p:nvPr/>
+        </p:nvSpPr>
+        <p:spPr bwMode="auto">
+          <a:xfrm>
+            <a:off x="2509533" y="4907509"/>
+            <a:ext cx="765985" cy="276999"/>
+          </a:xfrm>
+          <a:prstGeom prst="rect">
+            <a:avLst/>
+          </a:prstGeom>
+          <a:noFill/>
+          <a:ln w="9525">
+            <a:noFill/>
+            <a:miter lim="800000"/>
+            <a:headEnd/>
+            <a:tailEnd/>
+          </a:ln>
+          <a:effectLst/>
+        </p:spPr>
+        <p:txBody>
+          <a:bodyPr vert="horz" wrap="square" lIns="91440" tIns="45720" rIns="91440" bIns="45720" numCol="1" anchor="ctr" anchorCtr="0" compatLnSpc="1">
+            <a:prstTxWarp prst="textNoShape">
+              <a:avLst/>
+            </a:prstTxWarp>
+            <a:spAutoFit/>
+          </a:bodyPr>
+          <a:lstStyle/>
+          <a:p>
+            <a:pPr lvl="0" defTabSz="914400" eaLnBrk="0" fontAlgn="base" hangingPunct="0">
+              <a:spcBef>
+                <a:spcPct val="0"/>
+              </a:spcBef>
+              <a:spcAft>
+                <a:spcPct val="0"/>
+              </a:spcAft>
+            </a:pPr>
+            <a:r>
+              <a:rPr lang="ja-JP" altLang="en-US" sz="1200" dirty="0">
+                <a:latin typeface="Noto Sans JP" panose="020B0200000000000000" pitchFamily="50" charset="-128"/>
+                <a:ea typeface="Noto Sans JP" panose="020B0200000000000000" pitchFamily="50" charset="-128"/>
+              </a:rPr>
+              <a:t>参加者</a:t>
+            </a:r>
+            <a:r>
+              <a:rPr lang="en-US" altLang="ja-JP" sz="1200" dirty="0">
+                <a:latin typeface="Noto Sans JP" panose="020B0200000000000000" pitchFamily="50" charset="-128"/>
+                <a:ea typeface="Noto Sans JP" panose="020B0200000000000000" pitchFamily="50" charset="-128"/>
+              </a:rPr>
+              <a:t>7</a:t>
+            </a:r>
+          </a:p>
+        </p:txBody>
+      </p:sp>
+      <p:sp>
+        <p:nvSpPr>
+          <p:cNvPr id="44" name="Rectangle 2">
+            <a:extLst>
+              <a:ext uri="{FF2B5EF4-FFF2-40B4-BE49-F238E27FC236}">
+                <a16:creationId xmlns:a16="http://schemas.microsoft.com/office/drawing/2014/main" id="{D4C0C47A-0828-9217-E8EE-6F34D6D0CF21}"/>
+              </a:ext>
+            </a:extLst>
+          </p:cNvPr>
+          <p:cNvSpPr>
+            <a:spLocks noChangeArrowheads="1"/>
+          </p:cNvSpPr>
+          <p:nvPr/>
+        </p:nvSpPr>
+        <p:spPr bwMode="auto">
+          <a:xfrm>
+            <a:off x="1793250" y="4907509"/>
+            <a:ext cx="765985" cy="276999"/>
+          </a:xfrm>
+          <a:prstGeom prst="rect">
+            <a:avLst/>
+          </a:prstGeom>
+          <a:noFill/>
+          <a:ln w="9525">
+            <a:noFill/>
+            <a:miter lim="800000"/>
+            <a:headEnd/>
+            <a:tailEnd/>
+          </a:ln>
+          <a:effectLst/>
+        </p:spPr>
+        <p:txBody>
+          <a:bodyPr vert="horz" wrap="square" lIns="91440" tIns="45720" rIns="91440" bIns="45720" numCol="1" anchor="ctr" anchorCtr="0" compatLnSpc="1">
+            <a:prstTxWarp prst="textNoShape">
+              <a:avLst/>
+            </a:prstTxWarp>
+            <a:spAutoFit/>
+          </a:bodyPr>
+          <a:lstStyle/>
+          <a:p>
+            <a:pPr lvl="0" defTabSz="914400" eaLnBrk="0" fontAlgn="base" hangingPunct="0">
+              <a:spcBef>
+                <a:spcPct val="0"/>
+              </a:spcBef>
+              <a:spcAft>
+                <a:spcPct val="0"/>
+              </a:spcAft>
+            </a:pPr>
+            <a:r>
+              <a:rPr lang="ja-JP" altLang="en-US" sz="1200" dirty="0">
+                <a:latin typeface="Noto Sans JP" panose="020B0200000000000000" pitchFamily="50" charset="-128"/>
+                <a:ea typeface="Noto Sans JP" panose="020B0200000000000000" pitchFamily="50" charset="-128"/>
+              </a:rPr>
+              <a:t>参加者</a:t>
+            </a:r>
+            <a:r>
+              <a:rPr lang="en-US" altLang="ja-JP" sz="1200" dirty="0">
+                <a:latin typeface="Noto Sans JP" panose="020B0200000000000000" pitchFamily="50" charset="-128"/>
+                <a:ea typeface="Noto Sans JP" panose="020B0200000000000000" pitchFamily="50" charset="-128"/>
+              </a:rPr>
+              <a:t>6</a:t>
+            </a:r>
+          </a:p>
+        </p:txBody>
+      </p:sp>
+      <p:sp>
+        <p:nvSpPr>
+          <p:cNvPr id="46" name="矢印: 下カーブ 45">
+            <a:extLst>
+              <a:ext uri="{FF2B5EF4-FFF2-40B4-BE49-F238E27FC236}">
+                <a16:creationId xmlns:a16="http://schemas.microsoft.com/office/drawing/2014/main" id="{67AD79A5-C323-C658-EF68-4406B094C26E}"/>
+              </a:ext>
+            </a:extLst>
+          </p:cNvPr>
+          <p:cNvSpPr/>
+          <p:nvPr/>
+        </p:nvSpPr>
+        <p:spPr>
+          <a:xfrm rot="20555155">
+            <a:off x="1037380" y="2361050"/>
+            <a:ext cx="4035139" cy="1130861"/>
+          </a:xfrm>
+          <a:prstGeom prst="curvedDownArrow">
+            <a:avLst/>
+          </a:prstGeom>
+          <a:solidFill>
+            <a:schemeClr val="accent1">
+              <a:lumMod val="20000"/>
+              <a:lumOff val="80000"/>
+            </a:schemeClr>
+          </a:solidFill>
+          <a:ln>
+            <a:noFill/>
+          </a:ln>
+        </p:spPr>
+        <p:style>
+          <a:lnRef idx="2">
+            <a:schemeClr val="accent1">
+              <a:shade val="15000"/>
+            </a:schemeClr>
+          </a:lnRef>
+          <a:fillRef idx="1">
+            <a:schemeClr val="accent1"/>
+          </a:fillRef>
+          <a:effectRef idx="0">
+            <a:schemeClr val="accent1"/>
+          </a:effectRef>
+          <a:fontRef idx="minor">
+            <a:schemeClr val="lt1"/>
+          </a:fontRef>
+        </p:style>
+        <p:txBody>
+          <a:bodyPr rtlCol="0" anchor="ctr"/>
+          <a:lstStyle/>
+          <a:p>
+            <a:pPr algn="ctr"/>
+            <a:endParaRPr kumimoji="1" lang="ja-JP" altLang="en-US">
+              <a:solidFill>
+                <a:schemeClr val="tx1"/>
+              </a:solidFill>
+              <a:latin typeface="Noto Sans JP" panose="020B0200000000000000" pitchFamily="50" charset="-128"/>
+              <a:ea typeface="Noto Sans JP" panose="020B0200000000000000" pitchFamily="50" charset="-128"/>
+            </a:endParaRPr>
+          </a:p>
+        </p:txBody>
+      </p:sp>
+      <p:sp>
+        <p:nvSpPr>
+          <p:cNvPr id="6" name="正方形/長方形 5">
+            <a:extLst>
+              <a:ext uri="{FF2B5EF4-FFF2-40B4-BE49-F238E27FC236}">
+                <a16:creationId xmlns:a16="http://schemas.microsoft.com/office/drawing/2014/main" id="{A4AAB3E5-FB77-37B3-E49A-2D81A1D32438}"/>
+              </a:ext>
+            </a:extLst>
+          </p:cNvPr>
+          <p:cNvSpPr/>
+          <p:nvPr/>
+        </p:nvSpPr>
+        <p:spPr>
+          <a:xfrm>
+            <a:off x="5176301" y="2262748"/>
+            <a:ext cx="2806719" cy="4168588"/>
+          </a:xfrm>
+          <a:prstGeom prst="rect">
+            <a:avLst/>
+          </a:prstGeom>
+          <a:noFill/>
+        </p:spPr>
+        <p:style>
+          <a:lnRef idx="2">
+            <a:schemeClr val="accent1">
+              <a:shade val="15000"/>
+            </a:schemeClr>
+          </a:lnRef>
+          <a:fillRef idx="1">
+            <a:schemeClr val="accent1"/>
+          </a:fillRef>
+          <a:effectRef idx="0">
+            <a:schemeClr val="accent1"/>
+          </a:effectRef>
+          <a:fontRef idx="minor">
+            <a:schemeClr val="lt1"/>
+          </a:fontRef>
+        </p:style>
+        <p:txBody>
+          <a:bodyPr rtlCol="0" anchor="ctr"/>
+          <a:lstStyle/>
+          <a:p>
+            <a:pPr algn="ctr"/>
+            <a:endParaRPr kumimoji="1" lang="en-US" altLang="ja-JP" dirty="0">
+              <a:solidFill>
+                <a:schemeClr val="tx1"/>
+              </a:solidFill>
+              <a:latin typeface="Noto Sans JP" panose="020B0200000000000000" pitchFamily="50" charset="-128"/>
+              <a:ea typeface="Noto Sans JP" panose="020B0200000000000000" pitchFamily="50" charset="-128"/>
+            </a:endParaRPr>
+          </a:p>
+        </p:txBody>
+      </p:sp>
+      <p:sp>
+        <p:nvSpPr>
+          <p:cNvPr id="25" name="Rectangle 2">
+            <a:extLst>
+              <a:ext uri="{FF2B5EF4-FFF2-40B4-BE49-F238E27FC236}">
+                <a16:creationId xmlns:a16="http://schemas.microsoft.com/office/drawing/2014/main" id="{305B5F80-863E-64DE-4E6E-BE12C0A6AFDD}"/>
+              </a:ext>
+            </a:extLst>
+          </p:cNvPr>
+          <p:cNvSpPr>
+            <a:spLocks noChangeArrowheads="1"/>
+          </p:cNvSpPr>
+          <p:nvPr/>
+        </p:nvSpPr>
+        <p:spPr bwMode="auto">
+          <a:xfrm>
+            <a:off x="5608949" y="6489663"/>
+            <a:ext cx="1994546" cy="276999"/>
+          </a:xfrm>
+          <a:prstGeom prst="rect">
+            <a:avLst/>
+          </a:prstGeom>
+          <a:noFill/>
+          <a:ln w="9525">
+            <a:noFill/>
+            <a:miter lim="800000"/>
+            <a:headEnd/>
+            <a:tailEnd/>
+          </a:ln>
+          <a:effectLst/>
+        </p:spPr>
+        <p:txBody>
+          <a:bodyPr vert="horz" wrap="square" lIns="91440" tIns="45720" rIns="91440" bIns="45720" numCol="1" anchor="ctr" anchorCtr="0" compatLnSpc="1">
+            <a:prstTxWarp prst="textNoShape">
+              <a:avLst/>
+            </a:prstTxWarp>
+            <a:spAutoFit/>
+          </a:bodyPr>
+          <a:lstStyle/>
+          <a:p>
+            <a:pPr lvl="0" defTabSz="914400" eaLnBrk="0" fontAlgn="base" hangingPunct="0">
+              <a:spcBef>
+                <a:spcPct val="0"/>
+              </a:spcBef>
+              <a:spcAft>
+                <a:spcPct val="0"/>
+              </a:spcAft>
+            </a:pPr>
+            <a:r>
+              <a:rPr lang="ja-JP" altLang="en-US" sz="1200" dirty="0">
+                <a:latin typeface="Noto Sans JP" panose="020B0200000000000000" pitchFamily="50" charset="-128"/>
+                <a:ea typeface="Noto Sans JP" panose="020B0200000000000000" pitchFamily="50" charset="-128"/>
+              </a:rPr>
+              <a:t>参加者</a:t>
+            </a:r>
+            <a:r>
+              <a:rPr lang="en-US" altLang="ja-JP" sz="1200" dirty="0">
+                <a:latin typeface="Noto Sans JP" panose="020B0200000000000000" pitchFamily="50" charset="-128"/>
+                <a:ea typeface="Noto Sans JP" panose="020B0200000000000000" pitchFamily="50" charset="-128"/>
+              </a:rPr>
+              <a:t>5</a:t>
+            </a:r>
+            <a:r>
+              <a:rPr lang="ja-JP" altLang="en-US" sz="1200" dirty="0">
+                <a:latin typeface="Noto Sans JP" panose="020B0200000000000000" pitchFamily="50" charset="-128"/>
+                <a:ea typeface="Noto Sans JP" panose="020B0200000000000000" pitchFamily="50" charset="-128"/>
+              </a:rPr>
+              <a:t>共通度一覧画面</a:t>
+            </a:r>
+            <a:endParaRPr lang="en-US" altLang="ja-JP" sz="1200" dirty="0">
+              <a:latin typeface="Noto Sans JP" panose="020B0200000000000000" pitchFamily="50" charset="-128"/>
+              <a:ea typeface="Noto Sans JP" panose="020B0200000000000000" pitchFamily="50" charset="-128"/>
+            </a:endParaRPr>
+          </a:p>
+        </p:txBody>
+      </p:sp>
+      <p:sp>
+        <p:nvSpPr>
+          <p:cNvPr id="26" name="Rectangle 2">
+            <a:extLst>
+              <a:ext uri="{FF2B5EF4-FFF2-40B4-BE49-F238E27FC236}">
+                <a16:creationId xmlns:a16="http://schemas.microsoft.com/office/drawing/2014/main" id="{FA7972C0-3DBD-D528-BFB1-D6B82C91CACB}"/>
+              </a:ext>
+            </a:extLst>
+          </p:cNvPr>
+          <p:cNvSpPr>
+            <a:spLocks noChangeArrowheads="1"/>
+          </p:cNvSpPr>
+          <p:nvPr/>
+        </p:nvSpPr>
+        <p:spPr bwMode="auto">
+          <a:xfrm>
+            <a:off x="5152659" y="2772224"/>
+            <a:ext cx="2598405" cy="276999"/>
+          </a:xfrm>
+          <a:prstGeom prst="rect">
+            <a:avLst/>
+          </a:prstGeom>
+          <a:noFill/>
+          <a:ln w="9525">
+            <a:noFill/>
+            <a:miter lim="800000"/>
+            <a:headEnd/>
+            <a:tailEnd/>
+          </a:ln>
+          <a:effectLst/>
+        </p:spPr>
+        <p:txBody>
+          <a:bodyPr vert="horz" wrap="square" lIns="91440" tIns="45720" rIns="91440" bIns="45720" numCol="1" anchor="ctr" anchorCtr="0" compatLnSpc="1">
+            <a:prstTxWarp prst="textNoShape">
+              <a:avLst/>
+            </a:prstTxWarp>
+            <a:spAutoFit/>
+          </a:bodyPr>
+          <a:lstStyle/>
+          <a:p>
+            <a:pPr lvl="0" defTabSz="914400" eaLnBrk="0" fontAlgn="base" hangingPunct="0">
+              <a:spcBef>
+                <a:spcPct val="0"/>
+              </a:spcBef>
+              <a:spcAft>
+                <a:spcPct val="0"/>
+              </a:spcAft>
+            </a:pPr>
+            <a:r>
+              <a:rPr lang="ja-JP" altLang="en-US" sz="1200" b="1" dirty="0">
+                <a:latin typeface="Noto Sans JP" panose="020B0200000000000000" pitchFamily="50" charset="-128"/>
+                <a:ea typeface="Noto Sans JP" panose="020B0200000000000000" pitchFamily="50" charset="-128"/>
+              </a:rPr>
+              <a:t>参加者</a:t>
+            </a:r>
+            <a:r>
+              <a:rPr lang="en-US" altLang="ja-JP" sz="1200" b="1" dirty="0">
+                <a:latin typeface="Noto Sans JP" panose="020B0200000000000000" pitchFamily="50" charset="-128"/>
+                <a:ea typeface="Noto Sans JP" panose="020B0200000000000000" pitchFamily="50" charset="-128"/>
+              </a:rPr>
+              <a:t>6</a:t>
+            </a:r>
+            <a:r>
+              <a:rPr lang="ja-JP" altLang="en-US" sz="1200" b="1" dirty="0">
+                <a:latin typeface="Noto Sans JP" panose="020B0200000000000000" pitchFamily="50" charset="-128"/>
+                <a:ea typeface="Noto Sans JP" panose="020B0200000000000000" pitchFamily="50" charset="-128"/>
+              </a:rPr>
+              <a:t>さんとの共通度は</a:t>
+            </a:r>
+            <a:r>
+              <a:rPr lang="en-US" altLang="ja-JP" sz="1200" b="1" dirty="0">
+                <a:solidFill>
+                  <a:srgbClr val="FF0000"/>
+                </a:solidFill>
+                <a:latin typeface="Noto Sans JP" panose="020B0200000000000000" pitchFamily="50" charset="-128"/>
+                <a:ea typeface="Noto Sans JP" panose="020B0200000000000000" pitchFamily="50" charset="-128"/>
+              </a:rPr>
+              <a:t>80</a:t>
+            </a:r>
+            <a:r>
+              <a:rPr lang="ja-JP" altLang="en-US" sz="1200" b="1" dirty="0">
+                <a:solidFill>
+                  <a:srgbClr val="FF0000"/>
+                </a:solidFill>
+                <a:latin typeface="Noto Sans JP" panose="020B0200000000000000" pitchFamily="50" charset="-128"/>
+                <a:ea typeface="Noto Sans JP" panose="020B0200000000000000" pitchFamily="50" charset="-128"/>
+              </a:rPr>
+              <a:t>％</a:t>
+            </a:r>
+            <a:r>
+              <a:rPr lang="ja-JP" altLang="en-US" sz="1200" b="1" dirty="0">
+                <a:latin typeface="Noto Sans JP" panose="020B0200000000000000" pitchFamily="50" charset="-128"/>
+                <a:ea typeface="Noto Sans JP" panose="020B0200000000000000" pitchFamily="50" charset="-128"/>
+              </a:rPr>
+              <a:t>です</a:t>
+            </a:r>
+            <a:endParaRPr lang="en-US" altLang="ja-JP" sz="1200" b="1" dirty="0">
+              <a:latin typeface="Noto Sans JP" panose="020B0200000000000000" pitchFamily="50" charset="-128"/>
+              <a:ea typeface="Noto Sans JP" panose="020B0200000000000000" pitchFamily="50" charset="-128"/>
+            </a:endParaRPr>
+          </a:p>
+        </p:txBody>
+      </p:sp>
+      <p:sp>
+        <p:nvSpPr>
+          <p:cNvPr id="27" name="Rectangle 2">
+            <a:extLst>
+              <a:ext uri="{FF2B5EF4-FFF2-40B4-BE49-F238E27FC236}">
+                <a16:creationId xmlns:a16="http://schemas.microsoft.com/office/drawing/2014/main" id="{67E6DEA1-6D6B-E471-3F25-E34FF01C0BE1}"/>
+              </a:ext>
+            </a:extLst>
+          </p:cNvPr>
+          <p:cNvSpPr>
+            <a:spLocks noChangeArrowheads="1"/>
+          </p:cNvSpPr>
+          <p:nvPr/>
+        </p:nvSpPr>
+        <p:spPr bwMode="auto">
+          <a:xfrm>
+            <a:off x="6585736" y="3049223"/>
+            <a:ext cx="1165328" cy="276999"/>
+          </a:xfrm>
+          <a:prstGeom prst="rect">
+            <a:avLst/>
+          </a:prstGeom>
+          <a:noFill/>
+          <a:ln w="9525">
+            <a:noFill/>
+            <a:miter lim="800000"/>
+            <a:headEnd/>
+            <a:tailEnd/>
+          </a:ln>
+          <a:effectLst/>
+        </p:spPr>
+        <p:txBody>
+          <a:bodyPr vert="horz" wrap="square" lIns="91440" tIns="45720" rIns="91440" bIns="45720" numCol="1" anchor="ctr" anchorCtr="0" compatLnSpc="1">
+            <a:prstTxWarp prst="textNoShape">
+              <a:avLst/>
+            </a:prstTxWarp>
+            <a:spAutoFit/>
+          </a:bodyPr>
+          <a:lstStyle/>
+          <a:p>
+            <a:pPr lvl="0" defTabSz="914400" eaLnBrk="0" fontAlgn="base" hangingPunct="0">
+              <a:spcBef>
+                <a:spcPct val="0"/>
+              </a:spcBef>
+              <a:spcAft>
+                <a:spcPct val="0"/>
+              </a:spcAft>
+            </a:pPr>
+            <a:r>
+              <a:rPr lang="ja-JP" altLang="en-US" sz="1200" b="1" dirty="0">
+                <a:solidFill>
+                  <a:srgbClr val="0070C0"/>
+                </a:solidFill>
+                <a:latin typeface="Noto Sans JP" panose="020B0200000000000000" pitchFamily="50" charset="-128"/>
+                <a:ea typeface="Noto Sans JP" panose="020B0200000000000000" pitchFamily="50" charset="-128"/>
+              </a:rPr>
+              <a:t>詳細はこちら</a:t>
+            </a:r>
+            <a:endParaRPr lang="en-US" altLang="ja-JP" sz="1200" b="1" dirty="0">
+              <a:solidFill>
+                <a:srgbClr val="0070C0"/>
+              </a:solidFill>
+              <a:latin typeface="Noto Sans JP" panose="020B0200000000000000" pitchFamily="50" charset="-128"/>
+              <a:ea typeface="Noto Sans JP" panose="020B0200000000000000" pitchFamily="50" charset="-128"/>
+            </a:endParaRPr>
+          </a:p>
+        </p:txBody>
+      </p:sp>
+      <p:sp>
+        <p:nvSpPr>
+          <p:cNvPr id="31" name="Rectangle 2">
+            <a:extLst>
+              <a:ext uri="{FF2B5EF4-FFF2-40B4-BE49-F238E27FC236}">
+                <a16:creationId xmlns:a16="http://schemas.microsoft.com/office/drawing/2014/main" id="{C8BB63AB-7AAE-7765-BA9B-E5FB5735B641}"/>
+              </a:ext>
+            </a:extLst>
+          </p:cNvPr>
+          <p:cNvSpPr>
+            <a:spLocks noChangeArrowheads="1"/>
+          </p:cNvSpPr>
+          <p:nvPr/>
+        </p:nvSpPr>
+        <p:spPr bwMode="auto">
+          <a:xfrm>
+            <a:off x="5152659" y="3432290"/>
+            <a:ext cx="2598405" cy="276999"/>
+          </a:xfrm>
+          <a:prstGeom prst="rect">
+            <a:avLst/>
+          </a:prstGeom>
+          <a:noFill/>
+          <a:ln w="9525">
+            <a:noFill/>
+            <a:miter lim="800000"/>
+            <a:headEnd/>
+            <a:tailEnd/>
+          </a:ln>
+          <a:effectLst/>
+        </p:spPr>
+        <p:txBody>
+          <a:bodyPr vert="horz" wrap="square" lIns="91440" tIns="45720" rIns="91440" bIns="45720" numCol="1" anchor="ctr" anchorCtr="0" compatLnSpc="1">
+            <a:prstTxWarp prst="textNoShape">
+              <a:avLst/>
+            </a:prstTxWarp>
+            <a:spAutoFit/>
+          </a:bodyPr>
+          <a:lstStyle/>
+          <a:p>
+            <a:pPr lvl="0" defTabSz="914400" eaLnBrk="0" fontAlgn="base" hangingPunct="0">
+              <a:spcBef>
+                <a:spcPct val="0"/>
+              </a:spcBef>
+              <a:spcAft>
+                <a:spcPct val="0"/>
+              </a:spcAft>
+            </a:pPr>
+            <a:r>
+              <a:rPr lang="ja-JP" altLang="en-US" sz="1200" b="1" dirty="0">
+                <a:latin typeface="Noto Sans JP" panose="020B0200000000000000" pitchFamily="50" charset="-128"/>
+                <a:ea typeface="Noto Sans JP" panose="020B0200000000000000" pitchFamily="50" charset="-128"/>
+              </a:rPr>
+              <a:t>参加者</a:t>
+            </a:r>
+            <a:r>
+              <a:rPr lang="en-US" altLang="ja-JP" sz="1200" b="1" dirty="0">
+                <a:latin typeface="Noto Sans JP" panose="020B0200000000000000" pitchFamily="50" charset="-128"/>
+                <a:ea typeface="Noto Sans JP" panose="020B0200000000000000" pitchFamily="50" charset="-128"/>
+              </a:rPr>
+              <a:t>7</a:t>
+            </a:r>
+            <a:r>
+              <a:rPr lang="ja-JP" altLang="en-US" sz="1200" b="1" dirty="0">
+                <a:latin typeface="Noto Sans JP" panose="020B0200000000000000" pitchFamily="50" charset="-128"/>
+                <a:ea typeface="Noto Sans JP" panose="020B0200000000000000" pitchFamily="50" charset="-128"/>
+              </a:rPr>
+              <a:t>さんとの共通度は</a:t>
+            </a:r>
+            <a:r>
+              <a:rPr lang="en-US" altLang="ja-JP" sz="1200" b="1" dirty="0">
+                <a:solidFill>
+                  <a:srgbClr val="FF0000"/>
+                </a:solidFill>
+                <a:latin typeface="Noto Sans JP" panose="020B0200000000000000" pitchFamily="50" charset="-128"/>
+                <a:ea typeface="Noto Sans JP" panose="020B0200000000000000" pitchFamily="50" charset="-128"/>
+              </a:rPr>
+              <a:t>20</a:t>
+            </a:r>
+            <a:r>
+              <a:rPr lang="ja-JP" altLang="en-US" sz="1200" b="1" dirty="0">
+                <a:solidFill>
+                  <a:srgbClr val="FF0000"/>
+                </a:solidFill>
+                <a:latin typeface="Noto Sans JP" panose="020B0200000000000000" pitchFamily="50" charset="-128"/>
+                <a:ea typeface="Noto Sans JP" panose="020B0200000000000000" pitchFamily="50" charset="-128"/>
+              </a:rPr>
+              <a:t>％</a:t>
+            </a:r>
+            <a:r>
+              <a:rPr lang="ja-JP" altLang="en-US" sz="1200" b="1" dirty="0">
+                <a:latin typeface="Noto Sans JP" panose="020B0200000000000000" pitchFamily="50" charset="-128"/>
+                <a:ea typeface="Noto Sans JP" panose="020B0200000000000000" pitchFamily="50" charset="-128"/>
+              </a:rPr>
+              <a:t>です</a:t>
+            </a:r>
+            <a:endParaRPr lang="en-US" altLang="ja-JP" sz="1200" b="1" dirty="0">
+              <a:latin typeface="Noto Sans JP" panose="020B0200000000000000" pitchFamily="50" charset="-128"/>
+              <a:ea typeface="Noto Sans JP" panose="020B0200000000000000" pitchFamily="50" charset="-128"/>
+            </a:endParaRPr>
+          </a:p>
+        </p:txBody>
+      </p:sp>
+      <p:sp>
+        <p:nvSpPr>
+          <p:cNvPr id="34" name="Rectangle 2">
+            <a:extLst>
+              <a:ext uri="{FF2B5EF4-FFF2-40B4-BE49-F238E27FC236}">
+                <a16:creationId xmlns:a16="http://schemas.microsoft.com/office/drawing/2014/main" id="{F22B912D-C974-DC56-E7BE-0F4AD5ACCC9B}"/>
+              </a:ext>
+            </a:extLst>
+          </p:cNvPr>
+          <p:cNvSpPr>
+            <a:spLocks noChangeArrowheads="1"/>
+          </p:cNvSpPr>
+          <p:nvPr/>
+        </p:nvSpPr>
+        <p:spPr bwMode="auto">
+          <a:xfrm>
+            <a:off x="6585736" y="3709289"/>
+            <a:ext cx="1165327" cy="276999"/>
+          </a:xfrm>
+          <a:prstGeom prst="rect">
+            <a:avLst/>
+          </a:prstGeom>
+          <a:noFill/>
+          <a:ln w="9525">
+            <a:noFill/>
+            <a:miter lim="800000"/>
+            <a:headEnd/>
+            <a:tailEnd/>
+          </a:ln>
+          <a:effectLst/>
+        </p:spPr>
+        <p:txBody>
+          <a:bodyPr vert="horz" wrap="square" lIns="91440" tIns="45720" rIns="91440" bIns="45720" numCol="1" anchor="ctr" anchorCtr="0" compatLnSpc="1">
+            <a:prstTxWarp prst="textNoShape">
+              <a:avLst/>
+            </a:prstTxWarp>
+            <a:spAutoFit/>
+          </a:bodyPr>
+          <a:lstStyle/>
+          <a:p>
+            <a:pPr lvl="0" defTabSz="914400" eaLnBrk="0" fontAlgn="base" hangingPunct="0">
+              <a:spcBef>
+                <a:spcPct val="0"/>
+              </a:spcBef>
+              <a:spcAft>
+                <a:spcPct val="0"/>
+              </a:spcAft>
+            </a:pPr>
+            <a:r>
+              <a:rPr lang="ja-JP" altLang="en-US" sz="1200" b="1" dirty="0">
+                <a:solidFill>
+                  <a:srgbClr val="0070C0"/>
+                </a:solidFill>
+                <a:latin typeface="Noto Sans JP" panose="020B0200000000000000" pitchFamily="50" charset="-128"/>
+                <a:ea typeface="Noto Sans JP" panose="020B0200000000000000" pitchFamily="50" charset="-128"/>
+              </a:rPr>
+              <a:t>詳細はこちら</a:t>
+            </a:r>
+            <a:endParaRPr lang="en-US" altLang="ja-JP" sz="1200" b="1" dirty="0">
+              <a:solidFill>
+                <a:srgbClr val="0070C0"/>
+              </a:solidFill>
+              <a:latin typeface="Noto Sans JP" panose="020B0200000000000000" pitchFamily="50" charset="-128"/>
+              <a:ea typeface="Noto Sans JP" panose="020B0200000000000000" pitchFamily="50" charset="-128"/>
+            </a:endParaRPr>
+          </a:p>
+        </p:txBody>
+      </p:sp>
+      <p:sp>
+        <p:nvSpPr>
+          <p:cNvPr id="35" name="Rectangle 2">
+            <a:extLst>
+              <a:ext uri="{FF2B5EF4-FFF2-40B4-BE49-F238E27FC236}">
+                <a16:creationId xmlns:a16="http://schemas.microsoft.com/office/drawing/2014/main" id="{7915244F-3AA5-1756-5003-4C38D71FFC8F}"/>
+              </a:ext>
+            </a:extLst>
+          </p:cNvPr>
+          <p:cNvSpPr>
+            <a:spLocks noChangeArrowheads="1"/>
+          </p:cNvSpPr>
+          <p:nvPr/>
+        </p:nvSpPr>
+        <p:spPr bwMode="auto">
+          <a:xfrm>
+            <a:off x="5307019" y="4933939"/>
+            <a:ext cx="2444044" cy="276999"/>
+          </a:xfrm>
+          <a:prstGeom prst="rect">
+            <a:avLst/>
+          </a:prstGeom>
+          <a:solidFill>
+            <a:schemeClr val="tx2">
+              <a:lumMod val="20000"/>
+              <a:lumOff val="80000"/>
+            </a:schemeClr>
+          </a:solidFill>
+          <a:ln w="9525">
+            <a:noFill/>
+            <a:miter lim="800000"/>
+            <a:headEnd/>
+            <a:tailEnd/>
+          </a:ln>
+          <a:effectLst/>
+        </p:spPr>
+        <p:txBody>
+          <a:bodyPr vert="horz" wrap="square" lIns="91440" tIns="45720" rIns="91440" bIns="45720" numCol="1" anchor="ctr" anchorCtr="0" compatLnSpc="1">
+            <a:prstTxWarp prst="textNoShape">
+              <a:avLst/>
+            </a:prstTxWarp>
+            <a:spAutoFit/>
+          </a:bodyPr>
+          <a:lstStyle/>
+          <a:p>
+            <a:pPr lvl="0" defTabSz="914400" eaLnBrk="0" fontAlgn="base" hangingPunct="0">
+              <a:spcBef>
+                <a:spcPct val="0"/>
+              </a:spcBef>
+              <a:spcAft>
+                <a:spcPct val="0"/>
+              </a:spcAft>
+            </a:pPr>
+            <a:r>
+              <a:rPr lang="ja-JP" altLang="en-US" sz="1200" b="1" dirty="0">
+                <a:latin typeface="Noto Sans JP" panose="020B0200000000000000" pitchFamily="50" charset="-128"/>
+                <a:ea typeface="Noto Sans JP" panose="020B0200000000000000" pitchFamily="50" charset="-128"/>
+              </a:rPr>
+              <a:t>メンバーの回答結果を表示する</a:t>
+            </a:r>
+            <a:endParaRPr lang="en-US" altLang="ja-JP" sz="1200" b="1" dirty="0">
+              <a:latin typeface="Noto Sans JP" panose="020B0200000000000000" pitchFamily="50" charset="-128"/>
+              <a:ea typeface="Noto Sans JP" panose="020B0200000000000000" pitchFamily="50" charset="-128"/>
+            </a:endParaRPr>
+          </a:p>
+        </p:txBody>
+      </p:sp>
+      <p:sp>
+        <p:nvSpPr>
+          <p:cNvPr id="36" name="Rectangle 2">
+            <a:extLst>
+              <a:ext uri="{FF2B5EF4-FFF2-40B4-BE49-F238E27FC236}">
+                <a16:creationId xmlns:a16="http://schemas.microsoft.com/office/drawing/2014/main" id="{1BE44FC2-BC5D-6E28-8897-1A6BCFE51808}"/>
+              </a:ext>
+            </a:extLst>
+          </p:cNvPr>
+          <p:cNvSpPr>
+            <a:spLocks noChangeArrowheads="1"/>
+          </p:cNvSpPr>
+          <p:nvPr/>
+        </p:nvSpPr>
+        <p:spPr bwMode="auto">
+          <a:xfrm>
+            <a:off x="6686942" y="5304915"/>
+            <a:ext cx="811158" cy="276999"/>
+          </a:xfrm>
+          <a:prstGeom prst="rect">
+            <a:avLst/>
+          </a:prstGeom>
+          <a:solidFill>
+            <a:schemeClr val="tx2">
+              <a:lumMod val="20000"/>
+              <a:lumOff val="80000"/>
+            </a:schemeClr>
+          </a:solidFill>
+          <a:ln w="9525">
+            <a:noFill/>
+            <a:miter lim="800000"/>
+            <a:headEnd/>
+            <a:tailEnd/>
+          </a:ln>
+          <a:effectLst/>
+        </p:spPr>
+        <p:txBody>
+          <a:bodyPr vert="horz" wrap="square" lIns="91440" tIns="45720" rIns="91440" bIns="45720" numCol="1" anchor="ctr" anchorCtr="0" compatLnSpc="1">
+            <a:prstTxWarp prst="textNoShape">
+              <a:avLst/>
+            </a:prstTxWarp>
+            <a:spAutoFit/>
+          </a:bodyPr>
+          <a:lstStyle/>
+          <a:p>
+            <a:pPr lvl="0" defTabSz="914400" eaLnBrk="0" fontAlgn="base" hangingPunct="0">
+              <a:spcBef>
+                <a:spcPct val="0"/>
+              </a:spcBef>
+              <a:spcAft>
+                <a:spcPct val="0"/>
+              </a:spcAft>
+            </a:pPr>
+            <a:r>
+              <a:rPr lang="ja-JP" altLang="en-US" sz="1200" b="1" dirty="0">
+                <a:latin typeface="Noto Sans JP" panose="020B0200000000000000" pitchFamily="50" charset="-128"/>
+                <a:ea typeface="Noto Sans JP" panose="020B0200000000000000" pitchFamily="50" charset="-128"/>
+              </a:rPr>
+              <a:t>終了する</a:t>
+            </a:r>
+            <a:endParaRPr lang="en-US" altLang="ja-JP" sz="1200" b="1" dirty="0">
+              <a:latin typeface="Noto Sans JP" panose="020B0200000000000000" pitchFamily="50" charset="-128"/>
+              <a:ea typeface="Noto Sans JP" panose="020B0200000000000000" pitchFamily="50" charset="-128"/>
+            </a:endParaRPr>
+          </a:p>
+        </p:txBody>
+      </p:sp>
+    </p:spTree>
+    <p:extLst>
+      <p:ext uri="{BB962C8B-B14F-4D97-AF65-F5344CB8AC3E}">
+        <p14:creationId xmlns:p14="http://schemas.microsoft.com/office/powerpoint/2010/main" val="1912537477"/>
+      </p:ext>
+    </p:extLst>
+  </p:cSld>
+  <p:clrMapOvr>
+    <a:masterClrMapping/>
+  </p:clrMapOvr>
+</p:sld>
+</file>
+
+<file path=ppt/slides/slide11.xml><?xml version="1.0" encoding="utf-8"?>
 <p:sld xmlns:a="http://schemas.openxmlformats.org/drawingml/2006/main" xmlns:r="http://schemas.openxmlformats.org/officeDocument/2006/relationships" xmlns:p="http://schemas.openxmlformats.org/presentationml/2006/main">
   <p:cSld>
     <p:spTree>
@@ -6705,8 +8150,8 @@
                 <a:solidFill>
                   <a:schemeClr val="tx1"/>
                 </a:solidFill>
-                <a:latin typeface="Meiryo UI" panose="020B0604030504040204" pitchFamily="50" charset="-128"/>
-                <a:ea typeface="Meiryo UI" panose="020B0604030504040204" pitchFamily="50" charset="-128"/>
+                <a:latin typeface="Noto Sans JP" panose="020B0200000000000000" pitchFamily="50" charset="-128"/>
+                <a:ea typeface="Noto Sans JP" panose="020B0200000000000000" pitchFamily="50" charset="-128"/>
               </a:rPr>
               <a:t>4.</a:t>
             </a:r>
@@ -6715,8 +8160,8 @@
                 <a:solidFill>
                   <a:schemeClr val="tx1"/>
                 </a:solidFill>
-                <a:latin typeface="Meiryo UI" panose="020B0604030504040204" pitchFamily="50" charset="-128"/>
-                <a:ea typeface="Meiryo UI" panose="020B0604030504040204" pitchFamily="50" charset="-128"/>
+                <a:latin typeface="Noto Sans JP" panose="020B0200000000000000" pitchFamily="50" charset="-128"/>
+                <a:ea typeface="Noto Sans JP" panose="020B0200000000000000" pitchFamily="50" charset="-128"/>
               </a:rPr>
               <a:t>共通点発見アプリ使用手順</a:t>
             </a:r>
@@ -6724,8 +8169,8 @@
               <a:solidFill>
                 <a:schemeClr val="tx1"/>
               </a:solidFill>
-              <a:latin typeface="Meiryo UI" panose="020B0604030504040204" pitchFamily="50" charset="-128"/>
-              <a:ea typeface="Meiryo UI" panose="020B0604030504040204" pitchFamily="50" charset="-128"/>
+              <a:latin typeface="Noto Sans JP" panose="020B0200000000000000" pitchFamily="50" charset="-128"/>
+              <a:ea typeface="Noto Sans JP" panose="020B0200000000000000" pitchFamily="50" charset="-128"/>
             </a:endParaRPr>
           </a:p>
         </p:txBody>
@@ -6785,45 +8230,24 @@
             </a:pPr>
             <a:r>
               <a:rPr lang="ja-JP" altLang="en-US" sz="2400" dirty="0">
-                <a:latin typeface="Meiryo UI" panose="020B0604030504040204" pitchFamily="50" charset="-128"/>
-                <a:ea typeface="Meiryo UI" panose="020B0604030504040204" pitchFamily="50" charset="-128"/>
+                <a:latin typeface="Noto Sans JP" panose="020B0200000000000000" pitchFamily="50" charset="-128"/>
+                <a:ea typeface="Noto Sans JP" panose="020B0200000000000000" pitchFamily="50" charset="-128"/>
               </a:rPr>
               <a:t>フェーズ</a:t>
             </a:r>
             <a:r>
               <a:rPr lang="en-US" altLang="ja-JP" sz="2400" dirty="0">
-                <a:latin typeface="Meiryo UI" panose="020B0604030504040204" pitchFamily="50" charset="-128"/>
-                <a:ea typeface="Meiryo UI" panose="020B0604030504040204" pitchFamily="50" charset="-128"/>
-              </a:rPr>
-              <a:t>5.</a:t>
+                <a:latin typeface="Noto Sans JP" panose="020B0200000000000000" pitchFamily="50" charset="-128"/>
+                <a:ea typeface="Noto Sans JP" panose="020B0200000000000000" pitchFamily="50" charset="-128"/>
+              </a:rPr>
+              <a:t>6.</a:t>
             </a:r>
             <a:r>
               <a:rPr lang="ja-JP" altLang="en-US" sz="2400" dirty="0">
-                <a:latin typeface="Meiryo UI" panose="020B0604030504040204" pitchFamily="50" charset="-128"/>
-                <a:ea typeface="Meiryo UI" panose="020B0604030504040204" pitchFamily="50" charset="-128"/>
-              </a:rPr>
-              <a:t>イベント開始後</a:t>
-            </a:r>
-            <a:r>
-              <a:rPr lang="en-US" altLang="ja-JP" sz="2400" dirty="0">
-                <a:latin typeface="Meiryo UI" panose="020B0604030504040204" pitchFamily="50" charset="-128"/>
-                <a:ea typeface="Meiryo UI" panose="020B0604030504040204" pitchFamily="50" charset="-128"/>
-              </a:rPr>
-              <a:t>(</a:t>
-            </a:r>
-            <a:r>
-              <a:rPr lang="ja-JP" altLang="en-US" sz="2400" dirty="0">
-                <a:latin typeface="Meiryo UI" panose="020B0604030504040204" pitchFamily="50" charset="-128"/>
-                <a:ea typeface="Meiryo UI" panose="020B0604030504040204" pitchFamily="50" charset="-128"/>
+                <a:latin typeface="Noto Sans JP" panose="020B0200000000000000" pitchFamily="50" charset="-128"/>
+                <a:ea typeface="Noto Sans JP" panose="020B0200000000000000" pitchFamily="50" charset="-128"/>
               </a:rPr>
               <a:t>共通度詳細表示</a:t>
-            </a:r>
-            <a:r>
-              <a:rPr lang="en-US" altLang="ja-JP" sz="2400" dirty="0">
-                <a:latin typeface="Meiryo UI" panose="020B0604030504040204" pitchFamily="50" charset="-128"/>
-                <a:ea typeface="Meiryo UI" panose="020B0604030504040204" pitchFamily="50" charset="-128"/>
-              </a:rPr>
-              <a:t>)</a:t>
             </a:r>
             <a:endParaRPr kumimoji="0" lang="ja-JP" altLang="en-US" sz="2400" i="0" u="none" strike="noStrike" cap="none" normalizeH="0" baseline="0" dirty="0">
               <a:ln>
@@ -6833,8 +8257,8 @@
                 <a:schemeClr val="tx1"/>
               </a:solidFill>
               <a:effectLst/>
-              <a:latin typeface="Meiryo UI" panose="020B0604030504040204" pitchFamily="50" charset="-128"/>
-              <a:ea typeface="Meiryo UI" panose="020B0604030504040204" pitchFamily="50" charset="-128"/>
+              <a:latin typeface="Noto Sans JP" panose="020B0200000000000000" pitchFamily="50" charset="-128"/>
+              <a:ea typeface="Noto Sans JP" panose="020B0200000000000000" pitchFamily="50" charset="-128"/>
             </a:endParaRPr>
           </a:p>
         </p:txBody>
@@ -6856,7 +8280,7 @@
         <p:spPr bwMode="auto">
           <a:xfrm>
             <a:off x="677332" y="1708218"/>
-            <a:ext cx="9164252" cy="830997"/>
+            <a:ext cx="10316016" cy="830997"/>
           </a:xfrm>
           <a:prstGeom prst="rect">
             <a:avLst/>
@@ -6889,14 +8313,14 @@
             </a:pPr>
             <a:r>
               <a:rPr lang="ja-JP" altLang="en-US" sz="2400" dirty="0">
-                <a:latin typeface="Meiryo UI" panose="020B0604030504040204" pitchFamily="50" charset="-128"/>
-                <a:ea typeface="Meiryo UI" panose="020B0604030504040204" pitchFamily="50" charset="-128"/>
+                <a:latin typeface="Noto Sans JP" panose="020B0200000000000000" pitchFamily="50" charset="-128"/>
+                <a:ea typeface="Noto Sans JP" panose="020B0200000000000000" pitchFamily="50" charset="-128"/>
               </a:rPr>
               <a:t>共通度一覧画面の「詳細はこちら」を押下して共通度詳細画面を確認する</a:t>
             </a:r>
             <a:endParaRPr lang="en-US" altLang="ja-JP" sz="2400" dirty="0">
-              <a:latin typeface="Meiryo UI" panose="020B0604030504040204" pitchFamily="50" charset="-128"/>
-              <a:ea typeface="Meiryo UI" panose="020B0604030504040204" pitchFamily="50" charset="-128"/>
+              <a:latin typeface="Noto Sans JP" panose="020B0200000000000000" pitchFamily="50" charset="-128"/>
+              <a:ea typeface="Noto Sans JP" panose="020B0200000000000000" pitchFamily="50" charset="-128"/>
             </a:endParaRPr>
           </a:p>
           <a:p>
@@ -6910,28 +8334,28 @@
             </a:pPr>
             <a:r>
               <a:rPr lang="en-US" altLang="ja-JP" sz="2400" dirty="0">
-                <a:latin typeface="Meiryo UI" panose="020B0604030504040204" pitchFamily="50" charset="-128"/>
-                <a:ea typeface="Meiryo UI" panose="020B0604030504040204" pitchFamily="50" charset="-128"/>
+                <a:latin typeface="Noto Sans JP" panose="020B0200000000000000" pitchFamily="50" charset="-128"/>
+                <a:ea typeface="Noto Sans JP" panose="020B0200000000000000" pitchFamily="50" charset="-128"/>
               </a:rPr>
               <a:t>※</a:t>
             </a:r>
             <a:r>
               <a:rPr lang="ja-JP" altLang="en-US" sz="2400" b="1" u="sng" dirty="0">
-                <a:latin typeface="Meiryo UI" panose="020B0604030504040204" pitchFamily="50" charset="-128"/>
-                <a:ea typeface="Meiryo UI" panose="020B0604030504040204" pitchFamily="50" charset="-128"/>
+                <a:latin typeface="Noto Sans JP" panose="020B0200000000000000" pitchFamily="50" charset="-128"/>
+                <a:ea typeface="Noto Sans JP" panose="020B0200000000000000" pitchFamily="50" charset="-128"/>
               </a:rPr>
               <a:t>共通度に応じて</a:t>
             </a:r>
             <a:r>
               <a:rPr lang="ja-JP" altLang="en-US" sz="2400" dirty="0">
-                <a:latin typeface="Meiryo UI" panose="020B0604030504040204" pitchFamily="50" charset="-128"/>
-                <a:ea typeface="Meiryo UI" panose="020B0604030504040204" pitchFamily="50" charset="-128"/>
+                <a:latin typeface="Noto Sans JP" panose="020B0200000000000000" pitchFamily="50" charset="-128"/>
+                <a:ea typeface="Noto Sans JP" panose="020B0200000000000000" pitchFamily="50" charset="-128"/>
               </a:rPr>
               <a:t>共通度詳細画面の内容は変わる</a:t>
             </a:r>
             <a:endParaRPr lang="en-US" altLang="ja-JP" sz="2400" dirty="0">
-              <a:latin typeface="Meiryo UI" panose="020B0604030504040204" pitchFamily="50" charset="-128"/>
-              <a:ea typeface="Meiryo UI" panose="020B0604030504040204" pitchFamily="50" charset="-128"/>
+              <a:latin typeface="Noto Sans JP" panose="020B0200000000000000" pitchFamily="50" charset="-128"/>
+              <a:ea typeface="Noto Sans JP" panose="020B0200000000000000" pitchFamily="50" charset="-128"/>
             </a:endParaRPr>
           </a:p>
         </p:txBody>
@@ -6983,6 +8407,8 @@
               <a:solidFill>
                 <a:schemeClr val="tx1"/>
               </a:solidFill>
+              <a:latin typeface="Noto Sans JP" panose="020B0200000000000000" pitchFamily="50" charset="-128"/>
+              <a:ea typeface="Noto Sans JP" panose="020B0200000000000000" pitchFamily="50" charset="-128"/>
             </a:endParaRPr>
           </a:p>
         </p:txBody>
@@ -7037,8 +8463,8 @@
             </a:pPr>
             <a:r>
               <a:rPr lang="ja-JP" altLang="en-US" sz="1200" dirty="0">
-                <a:latin typeface="Meiryo UI" panose="020B0604030504040204" pitchFamily="50" charset="-128"/>
-                <a:ea typeface="Meiryo UI" panose="020B0604030504040204" pitchFamily="50" charset="-128"/>
+                <a:latin typeface="Noto Sans JP" panose="020B0200000000000000" pitchFamily="50" charset="-128"/>
+                <a:ea typeface="Noto Sans JP" panose="020B0200000000000000" pitchFamily="50" charset="-128"/>
               </a:rPr>
               <a:t>共通度詳細画面（共通度</a:t>
             </a:r>
@@ -7047,21 +8473,21 @@
                 <a:solidFill>
                   <a:srgbClr val="FF0000"/>
                 </a:solidFill>
-                <a:latin typeface="Meiryo UI" panose="020B0604030504040204" pitchFamily="50" charset="-128"/>
-                <a:ea typeface="Meiryo UI" panose="020B0604030504040204" pitchFamily="50" charset="-128"/>
+                <a:latin typeface="Noto Sans JP" panose="020B0200000000000000" pitchFamily="50" charset="-128"/>
+                <a:ea typeface="Noto Sans JP" panose="020B0200000000000000" pitchFamily="50" charset="-128"/>
               </a:rPr>
               <a:t>低</a:t>
             </a:r>
             <a:r>
               <a:rPr lang="ja-JP" altLang="en-US" sz="1200" dirty="0">
-                <a:latin typeface="Meiryo UI" panose="020B0604030504040204" pitchFamily="50" charset="-128"/>
-                <a:ea typeface="Meiryo UI" panose="020B0604030504040204" pitchFamily="50" charset="-128"/>
+                <a:latin typeface="Noto Sans JP" panose="020B0200000000000000" pitchFamily="50" charset="-128"/>
+                <a:ea typeface="Noto Sans JP" panose="020B0200000000000000" pitchFamily="50" charset="-128"/>
               </a:rPr>
               <a:t>）</a:t>
             </a:r>
             <a:endParaRPr lang="en-US" altLang="ja-JP" sz="1200" dirty="0">
-              <a:latin typeface="Meiryo UI" panose="020B0604030504040204" pitchFamily="50" charset="-128"/>
-              <a:ea typeface="Meiryo UI" panose="020B0604030504040204" pitchFamily="50" charset="-128"/>
+              <a:latin typeface="Noto Sans JP" panose="020B0200000000000000" pitchFamily="50" charset="-128"/>
+              <a:ea typeface="Noto Sans JP" panose="020B0200000000000000" pitchFamily="50" charset="-128"/>
             </a:endParaRPr>
           </a:p>
         </p:txBody>
@@ -7116,28 +8542,28 @@
             </a:pPr>
             <a:r>
               <a:rPr lang="ja-JP" altLang="en-US" sz="1200" b="1" dirty="0">
-                <a:latin typeface="Meiryo UI" panose="020B0604030504040204" pitchFamily="50" charset="-128"/>
-                <a:ea typeface="Meiryo UI" panose="020B0604030504040204" pitchFamily="50" charset="-128"/>
+                <a:latin typeface="Noto Sans JP" panose="020B0200000000000000" pitchFamily="50" charset="-128"/>
+                <a:ea typeface="Noto Sans JP" panose="020B0200000000000000" pitchFamily="50" charset="-128"/>
               </a:rPr>
               <a:t>参加者</a:t>
             </a:r>
             <a:r>
               <a:rPr lang="en-US" altLang="ja-JP" sz="1200" b="1" dirty="0">
-                <a:latin typeface="Meiryo UI" panose="020B0604030504040204" pitchFamily="50" charset="-128"/>
-                <a:ea typeface="Meiryo UI" panose="020B0604030504040204" pitchFamily="50" charset="-128"/>
+                <a:latin typeface="Noto Sans JP" panose="020B0200000000000000" pitchFamily="50" charset="-128"/>
+                <a:ea typeface="Noto Sans JP" panose="020B0200000000000000" pitchFamily="50" charset="-128"/>
               </a:rPr>
               <a:t>6</a:t>
             </a:r>
             <a:r>
               <a:rPr lang="ja-JP" altLang="en-US" sz="1200" b="1" dirty="0">
-                <a:latin typeface="Meiryo UI" panose="020B0604030504040204" pitchFamily="50" charset="-128"/>
-                <a:ea typeface="Meiryo UI" panose="020B0604030504040204" pitchFamily="50" charset="-128"/>
-              </a:rPr>
-              <a:t>さんとの共通度は低いです</a:t>
+                <a:latin typeface="Noto Sans JP" panose="020B0200000000000000" pitchFamily="50" charset="-128"/>
+                <a:ea typeface="Noto Sans JP" panose="020B0200000000000000" pitchFamily="50" charset="-128"/>
+              </a:rPr>
+              <a:t>さんとの共通度は低です</a:t>
             </a:r>
             <a:endParaRPr lang="en-US" altLang="ja-JP" sz="1200" b="1" dirty="0">
-              <a:latin typeface="Meiryo UI" panose="020B0604030504040204" pitchFamily="50" charset="-128"/>
-              <a:ea typeface="Meiryo UI" panose="020B0604030504040204" pitchFamily="50" charset="-128"/>
+              <a:latin typeface="Noto Sans JP" panose="020B0200000000000000" pitchFamily="50" charset="-128"/>
+              <a:ea typeface="Noto Sans JP" panose="020B0200000000000000" pitchFamily="50" charset="-128"/>
             </a:endParaRPr>
           </a:p>
         </p:txBody>
@@ -7192,14 +8618,14 @@
             </a:pPr>
             <a:r>
               <a:rPr lang="ja-JP" altLang="en-US" sz="1200" b="1" dirty="0">
-                <a:latin typeface="Meiryo UI" panose="020B0604030504040204" pitchFamily="50" charset="-128"/>
-                <a:ea typeface="Meiryo UI" panose="020B0604030504040204" pitchFamily="50" charset="-128"/>
+                <a:latin typeface="Noto Sans JP" panose="020B0200000000000000" pitchFamily="50" charset="-128"/>
+                <a:ea typeface="Noto Sans JP" panose="020B0200000000000000" pitchFamily="50" charset="-128"/>
               </a:rPr>
               <a:t>ーーーーーーーー</a:t>
             </a:r>
             <a:endParaRPr lang="en-US" altLang="ja-JP" sz="1200" b="1" dirty="0">
-              <a:latin typeface="Meiryo UI" panose="020B0604030504040204" pitchFamily="50" charset="-128"/>
-              <a:ea typeface="Meiryo UI" panose="020B0604030504040204" pitchFamily="50" charset="-128"/>
+              <a:latin typeface="Noto Sans JP" panose="020B0200000000000000" pitchFamily="50" charset="-128"/>
+              <a:ea typeface="Noto Sans JP" panose="020B0200000000000000" pitchFamily="50" charset="-128"/>
             </a:endParaRPr>
           </a:p>
           <a:p>
@@ -7213,14 +8639,14 @@
             </a:pPr>
             <a:r>
               <a:rPr lang="ja-JP" altLang="en-US" sz="1200" b="1" dirty="0">
-                <a:latin typeface="Meiryo UI" panose="020B0604030504040204" pitchFamily="50" charset="-128"/>
-                <a:ea typeface="Meiryo UI" panose="020B0604030504040204" pitchFamily="50" charset="-128"/>
+                <a:latin typeface="Noto Sans JP" panose="020B0200000000000000" pitchFamily="50" charset="-128"/>
+                <a:ea typeface="Noto Sans JP" panose="020B0200000000000000" pitchFamily="50" charset="-128"/>
               </a:rPr>
               <a:t>ーーーーーーーー</a:t>
             </a:r>
             <a:endParaRPr lang="en-US" altLang="ja-JP" sz="1200" b="1" dirty="0">
-              <a:latin typeface="Meiryo UI" panose="020B0604030504040204" pitchFamily="50" charset="-128"/>
-              <a:ea typeface="Meiryo UI" panose="020B0604030504040204" pitchFamily="50" charset="-128"/>
+              <a:latin typeface="Noto Sans JP" panose="020B0200000000000000" pitchFamily="50" charset="-128"/>
+              <a:ea typeface="Noto Sans JP" panose="020B0200000000000000" pitchFamily="50" charset="-128"/>
             </a:endParaRPr>
           </a:p>
           <a:p>
@@ -7234,14 +8660,14 @@
             </a:pPr>
             <a:r>
               <a:rPr lang="ja-JP" altLang="en-US" sz="1200" b="1" dirty="0">
-                <a:latin typeface="Meiryo UI" panose="020B0604030504040204" pitchFamily="50" charset="-128"/>
-                <a:ea typeface="Meiryo UI" panose="020B0604030504040204" pitchFamily="50" charset="-128"/>
+                <a:latin typeface="Noto Sans JP" panose="020B0200000000000000" pitchFamily="50" charset="-128"/>
+                <a:ea typeface="Noto Sans JP" panose="020B0200000000000000" pitchFamily="50" charset="-128"/>
               </a:rPr>
               <a:t>ーーーーーーーー</a:t>
             </a:r>
             <a:endParaRPr lang="en-US" altLang="ja-JP" sz="1200" b="1" dirty="0">
-              <a:latin typeface="Meiryo UI" panose="020B0604030504040204" pitchFamily="50" charset="-128"/>
-              <a:ea typeface="Meiryo UI" panose="020B0604030504040204" pitchFamily="50" charset="-128"/>
+              <a:latin typeface="Noto Sans JP" panose="020B0200000000000000" pitchFamily="50" charset="-128"/>
+              <a:ea typeface="Noto Sans JP" panose="020B0200000000000000" pitchFamily="50" charset="-128"/>
             </a:endParaRPr>
           </a:p>
           <a:p>
@@ -7255,14 +8681,14 @@
             </a:pPr>
             <a:r>
               <a:rPr lang="ja-JP" altLang="en-US" sz="1200" b="1" dirty="0">
-                <a:latin typeface="Meiryo UI" panose="020B0604030504040204" pitchFamily="50" charset="-128"/>
-                <a:ea typeface="Meiryo UI" panose="020B0604030504040204" pitchFamily="50" charset="-128"/>
+                <a:latin typeface="Noto Sans JP" panose="020B0200000000000000" pitchFamily="50" charset="-128"/>
+                <a:ea typeface="Noto Sans JP" panose="020B0200000000000000" pitchFamily="50" charset="-128"/>
               </a:rPr>
               <a:t>ーーーーーーーー</a:t>
             </a:r>
             <a:endParaRPr lang="en-US" altLang="ja-JP" sz="1200" b="1" dirty="0">
-              <a:latin typeface="Meiryo UI" panose="020B0604030504040204" pitchFamily="50" charset="-128"/>
-              <a:ea typeface="Meiryo UI" panose="020B0604030504040204" pitchFamily="50" charset="-128"/>
+              <a:latin typeface="Noto Sans JP" panose="020B0200000000000000" pitchFamily="50" charset="-128"/>
+              <a:ea typeface="Noto Sans JP" panose="020B0200000000000000" pitchFamily="50" charset="-128"/>
             </a:endParaRPr>
           </a:p>
           <a:p>
@@ -7275,8 +8701,8 @@
               </a:spcAft>
             </a:pPr>
             <a:endParaRPr lang="en-US" altLang="ja-JP" sz="1200" b="1" dirty="0">
-              <a:latin typeface="Meiryo UI" panose="020B0604030504040204" pitchFamily="50" charset="-128"/>
-              <a:ea typeface="Meiryo UI" panose="020B0604030504040204" pitchFamily="50" charset="-128"/>
+              <a:latin typeface="Noto Sans JP" panose="020B0200000000000000" pitchFamily="50" charset="-128"/>
+              <a:ea typeface="Noto Sans JP" panose="020B0200000000000000" pitchFamily="50" charset="-128"/>
             </a:endParaRPr>
           </a:p>
         </p:txBody>
@@ -7328,6 +8754,8 @@
               <a:solidFill>
                 <a:schemeClr val="tx1"/>
               </a:solidFill>
+              <a:latin typeface="Noto Sans JP" panose="020B0200000000000000" pitchFamily="50" charset="-128"/>
+              <a:ea typeface="Noto Sans JP" panose="020B0200000000000000" pitchFamily="50" charset="-128"/>
             </a:endParaRPr>
           </a:p>
         </p:txBody>
@@ -7382,8 +8810,8 @@
             </a:pPr>
             <a:r>
               <a:rPr lang="ja-JP" altLang="en-US" sz="1200" dirty="0">
-                <a:latin typeface="Meiryo UI" panose="020B0604030504040204" pitchFamily="50" charset="-128"/>
-                <a:ea typeface="Meiryo UI" panose="020B0604030504040204" pitchFamily="50" charset="-128"/>
+                <a:latin typeface="Noto Sans JP" panose="020B0200000000000000" pitchFamily="50" charset="-128"/>
+                <a:ea typeface="Noto Sans JP" panose="020B0200000000000000" pitchFamily="50" charset="-128"/>
               </a:rPr>
               <a:t>共通度詳細画面（共通度</a:t>
             </a:r>
@@ -7392,21 +8820,21 @@
                 <a:solidFill>
                   <a:srgbClr val="FF0000"/>
                 </a:solidFill>
-                <a:latin typeface="Meiryo UI" panose="020B0604030504040204" pitchFamily="50" charset="-128"/>
-                <a:ea typeface="Meiryo UI" panose="020B0604030504040204" pitchFamily="50" charset="-128"/>
+                <a:latin typeface="Noto Sans JP" panose="020B0200000000000000" pitchFamily="50" charset="-128"/>
+                <a:ea typeface="Noto Sans JP" panose="020B0200000000000000" pitchFamily="50" charset="-128"/>
               </a:rPr>
               <a:t>中</a:t>
             </a:r>
             <a:r>
               <a:rPr lang="ja-JP" altLang="en-US" sz="1200" dirty="0">
-                <a:latin typeface="Meiryo UI" panose="020B0604030504040204" pitchFamily="50" charset="-128"/>
-                <a:ea typeface="Meiryo UI" panose="020B0604030504040204" pitchFamily="50" charset="-128"/>
+                <a:latin typeface="Noto Sans JP" panose="020B0200000000000000" pitchFamily="50" charset="-128"/>
+                <a:ea typeface="Noto Sans JP" panose="020B0200000000000000" pitchFamily="50" charset="-128"/>
               </a:rPr>
               <a:t>）</a:t>
             </a:r>
             <a:endParaRPr lang="en-US" altLang="ja-JP" sz="1200" dirty="0">
-              <a:latin typeface="Meiryo UI" panose="020B0604030504040204" pitchFamily="50" charset="-128"/>
-              <a:ea typeface="Meiryo UI" panose="020B0604030504040204" pitchFamily="50" charset="-128"/>
+              <a:latin typeface="Noto Sans JP" panose="020B0200000000000000" pitchFamily="50" charset="-128"/>
+              <a:ea typeface="Noto Sans JP" panose="020B0200000000000000" pitchFamily="50" charset="-128"/>
             </a:endParaRPr>
           </a:p>
         </p:txBody>
@@ -7461,28 +8889,28 @@
             </a:pPr>
             <a:r>
               <a:rPr lang="ja-JP" altLang="en-US" sz="1200" b="1" dirty="0">
-                <a:latin typeface="Meiryo UI" panose="020B0604030504040204" pitchFamily="50" charset="-128"/>
-                <a:ea typeface="Meiryo UI" panose="020B0604030504040204" pitchFamily="50" charset="-128"/>
+                <a:latin typeface="Noto Sans JP" panose="020B0200000000000000" pitchFamily="50" charset="-128"/>
+                <a:ea typeface="Noto Sans JP" panose="020B0200000000000000" pitchFamily="50" charset="-128"/>
               </a:rPr>
               <a:t>参加者</a:t>
             </a:r>
             <a:r>
               <a:rPr lang="en-US" altLang="ja-JP" sz="1200" b="1" dirty="0">
-                <a:latin typeface="Meiryo UI" panose="020B0604030504040204" pitchFamily="50" charset="-128"/>
-                <a:ea typeface="Meiryo UI" panose="020B0604030504040204" pitchFamily="50" charset="-128"/>
+                <a:latin typeface="Noto Sans JP" panose="020B0200000000000000" pitchFamily="50" charset="-128"/>
+                <a:ea typeface="Noto Sans JP" panose="020B0200000000000000" pitchFamily="50" charset="-128"/>
               </a:rPr>
               <a:t>6</a:t>
             </a:r>
             <a:r>
               <a:rPr lang="ja-JP" altLang="en-US" sz="1200" b="1" dirty="0">
-                <a:latin typeface="Meiryo UI" panose="020B0604030504040204" pitchFamily="50" charset="-128"/>
-                <a:ea typeface="Meiryo UI" panose="020B0604030504040204" pitchFamily="50" charset="-128"/>
+                <a:latin typeface="Noto Sans JP" panose="020B0200000000000000" pitchFamily="50" charset="-128"/>
+                <a:ea typeface="Noto Sans JP" panose="020B0200000000000000" pitchFamily="50" charset="-128"/>
               </a:rPr>
               <a:t>さんとの共通度は中です</a:t>
             </a:r>
             <a:endParaRPr lang="en-US" altLang="ja-JP" sz="1200" b="1" dirty="0">
-              <a:latin typeface="Meiryo UI" panose="020B0604030504040204" pitchFamily="50" charset="-128"/>
-              <a:ea typeface="Meiryo UI" panose="020B0604030504040204" pitchFamily="50" charset="-128"/>
+              <a:latin typeface="Noto Sans JP" panose="020B0200000000000000" pitchFamily="50" charset="-128"/>
+              <a:ea typeface="Noto Sans JP" panose="020B0200000000000000" pitchFamily="50" charset="-128"/>
             </a:endParaRPr>
           </a:p>
         </p:txBody>
@@ -7537,14 +8965,14 @@
             </a:pPr>
             <a:r>
               <a:rPr lang="ja-JP" altLang="en-US" sz="1200" b="1" dirty="0">
-                <a:latin typeface="Meiryo UI" panose="020B0604030504040204" pitchFamily="50" charset="-128"/>
-                <a:ea typeface="Meiryo UI" panose="020B0604030504040204" pitchFamily="50" charset="-128"/>
+                <a:latin typeface="Noto Sans JP" panose="020B0200000000000000" pitchFamily="50" charset="-128"/>
+                <a:ea typeface="Noto Sans JP" panose="020B0200000000000000" pitchFamily="50" charset="-128"/>
               </a:rPr>
               <a:t>ーーーーーーーー</a:t>
             </a:r>
             <a:endParaRPr lang="en-US" altLang="ja-JP" sz="1200" b="1" dirty="0">
-              <a:latin typeface="Meiryo UI" panose="020B0604030504040204" pitchFamily="50" charset="-128"/>
-              <a:ea typeface="Meiryo UI" panose="020B0604030504040204" pitchFamily="50" charset="-128"/>
+              <a:latin typeface="Noto Sans JP" panose="020B0200000000000000" pitchFamily="50" charset="-128"/>
+              <a:ea typeface="Noto Sans JP" panose="020B0200000000000000" pitchFamily="50" charset="-128"/>
             </a:endParaRPr>
           </a:p>
           <a:p>
@@ -7558,14 +8986,14 @@
             </a:pPr>
             <a:r>
               <a:rPr lang="ja-JP" altLang="en-US" sz="1200" b="1" dirty="0">
-                <a:latin typeface="Meiryo UI" panose="020B0604030504040204" pitchFamily="50" charset="-128"/>
-                <a:ea typeface="Meiryo UI" panose="020B0604030504040204" pitchFamily="50" charset="-128"/>
+                <a:latin typeface="Noto Sans JP" panose="020B0200000000000000" pitchFamily="50" charset="-128"/>
+                <a:ea typeface="Noto Sans JP" panose="020B0200000000000000" pitchFamily="50" charset="-128"/>
               </a:rPr>
               <a:t>ーーーーーーーー</a:t>
             </a:r>
             <a:endParaRPr lang="en-US" altLang="ja-JP" sz="1200" b="1" dirty="0">
-              <a:latin typeface="Meiryo UI" panose="020B0604030504040204" pitchFamily="50" charset="-128"/>
-              <a:ea typeface="Meiryo UI" panose="020B0604030504040204" pitchFamily="50" charset="-128"/>
+              <a:latin typeface="Noto Sans JP" panose="020B0200000000000000" pitchFamily="50" charset="-128"/>
+              <a:ea typeface="Noto Sans JP" panose="020B0200000000000000" pitchFamily="50" charset="-128"/>
             </a:endParaRPr>
           </a:p>
           <a:p>
@@ -7579,14 +9007,14 @@
             </a:pPr>
             <a:r>
               <a:rPr lang="ja-JP" altLang="en-US" sz="1200" b="1" dirty="0">
-                <a:latin typeface="Meiryo UI" panose="020B0604030504040204" pitchFamily="50" charset="-128"/>
-                <a:ea typeface="Meiryo UI" panose="020B0604030504040204" pitchFamily="50" charset="-128"/>
+                <a:latin typeface="Noto Sans JP" panose="020B0200000000000000" pitchFamily="50" charset="-128"/>
+                <a:ea typeface="Noto Sans JP" panose="020B0200000000000000" pitchFamily="50" charset="-128"/>
               </a:rPr>
               <a:t>ーーーーーーーー</a:t>
             </a:r>
             <a:endParaRPr lang="en-US" altLang="ja-JP" sz="1200" b="1" dirty="0">
-              <a:latin typeface="Meiryo UI" panose="020B0604030504040204" pitchFamily="50" charset="-128"/>
-              <a:ea typeface="Meiryo UI" panose="020B0604030504040204" pitchFamily="50" charset="-128"/>
+              <a:latin typeface="Noto Sans JP" panose="020B0200000000000000" pitchFamily="50" charset="-128"/>
+              <a:ea typeface="Noto Sans JP" panose="020B0200000000000000" pitchFamily="50" charset="-128"/>
             </a:endParaRPr>
           </a:p>
           <a:p>
@@ -7600,14 +9028,14 @@
             </a:pPr>
             <a:r>
               <a:rPr lang="ja-JP" altLang="en-US" sz="1200" b="1" dirty="0">
-                <a:latin typeface="Meiryo UI" panose="020B0604030504040204" pitchFamily="50" charset="-128"/>
-                <a:ea typeface="Meiryo UI" panose="020B0604030504040204" pitchFamily="50" charset="-128"/>
+                <a:latin typeface="Noto Sans JP" panose="020B0200000000000000" pitchFamily="50" charset="-128"/>
+                <a:ea typeface="Noto Sans JP" panose="020B0200000000000000" pitchFamily="50" charset="-128"/>
               </a:rPr>
               <a:t>ーーーーーーーー</a:t>
             </a:r>
             <a:endParaRPr lang="en-US" altLang="ja-JP" sz="1200" b="1" dirty="0">
-              <a:latin typeface="Meiryo UI" panose="020B0604030504040204" pitchFamily="50" charset="-128"/>
-              <a:ea typeface="Meiryo UI" panose="020B0604030504040204" pitchFamily="50" charset="-128"/>
+              <a:latin typeface="Noto Sans JP" panose="020B0200000000000000" pitchFamily="50" charset="-128"/>
+              <a:ea typeface="Noto Sans JP" panose="020B0200000000000000" pitchFamily="50" charset="-128"/>
             </a:endParaRPr>
           </a:p>
           <a:p>
@@ -7620,8 +9048,8 @@
               </a:spcAft>
             </a:pPr>
             <a:endParaRPr lang="en-US" altLang="ja-JP" sz="1200" b="1" dirty="0">
-              <a:latin typeface="Meiryo UI" panose="020B0604030504040204" pitchFamily="50" charset="-128"/>
-              <a:ea typeface="Meiryo UI" panose="020B0604030504040204" pitchFamily="50" charset="-128"/>
+              <a:latin typeface="Noto Sans JP" panose="020B0200000000000000" pitchFamily="50" charset="-128"/>
+              <a:ea typeface="Noto Sans JP" panose="020B0200000000000000" pitchFamily="50" charset="-128"/>
             </a:endParaRPr>
           </a:p>
         </p:txBody>
@@ -7673,6 +9101,8 @@
               <a:solidFill>
                 <a:schemeClr val="tx1"/>
               </a:solidFill>
+              <a:latin typeface="Noto Sans JP" panose="020B0200000000000000" pitchFamily="50" charset="-128"/>
+              <a:ea typeface="Noto Sans JP" panose="020B0200000000000000" pitchFamily="50" charset="-128"/>
             </a:endParaRPr>
           </a:p>
         </p:txBody>
@@ -7727,8 +9157,8 @@
             </a:pPr>
             <a:r>
               <a:rPr lang="ja-JP" altLang="en-US" sz="1200" dirty="0">
-                <a:latin typeface="Meiryo UI" panose="020B0604030504040204" pitchFamily="50" charset="-128"/>
-                <a:ea typeface="Meiryo UI" panose="020B0604030504040204" pitchFamily="50" charset="-128"/>
+                <a:latin typeface="Noto Sans JP" panose="020B0200000000000000" pitchFamily="50" charset="-128"/>
+                <a:ea typeface="Noto Sans JP" panose="020B0200000000000000" pitchFamily="50" charset="-128"/>
               </a:rPr>
               <a:t>共通度詳細画面（共通度</a:t>
             </a:r>
@@ -7737,21 +9167,21 @@
                 <a:solidFill>
                   <a:srgbClr val="FF0000"/>
                 </a:solidFill>
-                <a:latin typeface="Meiryo UI" panose="020B0604030504040204" pitchFamily="50" charset="-128"/>
-                <a:ea typeface="Meiryo UI" panose="020B0604030504040204" pitchFamily="50" charset="-128"/>
+                <a:latin typeface="Noto Sans JP" panose="020B0200000000000000" pitchFamily="50" charset="-128"/>
+                <a:ea typeface="Noto Sans JP" panose="020B0200000000000000" pitchFamily="50" charset="-128"/>
               </a:rPr>
               <a:t>高</a:t>
             </a:r>
             <a:r>
               <a:rPr lang="ja-JP" altLang="en-US" sz="1200" dirty="0">
-                <a:latin typeface="Meiryo UI" panose="020B0604030504040204" pitchFamily="50" charset="-128"/>
-                <a:ea typeface="Meiryo UI" panose="020B0604030504040204" pitchFamily="50" charset="-128"/>
+                <a:latin typeface="Noto Sans JP" panose="020B0200000000000000" pitchFamily="50" charset="-128"/>
+                <a:ea typeface="Noto Sans JP" panose="020B0200000000000000" pitchFamily="50" charset="-128"/>
               </a:rPr>
               <a:t>）</a:t>
             </a:r>
             <a:endParaRPr lang="en-US" altLang="ja-JP" sz="1200" dirty="0">
-              <a:latin typeface="Meiryo UI" panose="020B0604030504040204" pitchFamily="50" charset="-128"/>
-              <a:ea typeface="Meiryo UI" panose="020B0604030504040204" pitchFamily="50" charset="-128"/>
+              <a:latin typeface="Noto Sans JP" panose="020B0200000000000000" pitchFamily="50" charset="-128"/>
+              <a:ea typeface="Noto Sans JP" panose="020B0200000000000000" pitchFamily="50" charset="-128"/>
             </a:endParaRPr>
           </a:p>
         </p:txBody>
@@ -7806,28 +9236,28 @@
             </a:pPr>
             <a:r>
               <a:rPr lang="ja-JP" altLang="en-US" sz="1200" b="1" dirty="0">
-                <a:latin typeface="Meiryo UI" panose="020B0604030504040204" pitchFamily="50" charset="-128"/>
-                <a:ea typeface="Meiryo UI" panose="020B0604030504040204" pitchFamily="50" charset="-128"/>
+                <a:latin typeface="Noto Sans JP" panose="020B0200000000000000" pitchFamily="50" charset="-128"/>
+                <a:ea typeface="Noto Sans JP" panose="020B0200000000000000" pitchFamily="50" charset="-128"/>
               </a:rPr>
               <a:t>参加者</a:t>
             </a:r>
             <a:r>
               <a:rPr lang="en-US" altLang="ja-JP" sz="1200" b="1" dirty="0">
-                <a:latin typeface="Meiryo UI" panose="020B0604030504040204" pitchFamily="50" charset="-128"/>
-                <a:ea typeface="Meiryo UI" panose="020B0604030504040204" pitchFamily="50" charset="-128"/>
+                <a:latin typeface="Noto Sans JP" panose="020B0200000000000000" pitchFamily="50" charset="-128"/>
+                <a:ea typeface="Noto Sans JP" panose="020B0200000000000000" pitchFamily="50" charset="-128"/>
               </a:rPr>
               <a:t>6</a:t>
             </a:r>
             <a:r>
               <a:rPr lang="ja-JP" altLang="en-US" sz="1200" b="1" dirty="0">
-                <a:latin typeface="Meiryo UI" panose="020B0604030504040204" pitchFamily="50" charset="-128"/>
-                <a:ea typeface="Meiryo UI" panose="020B0604030504040204" pitchFamily="50" charset="-128"/>
-              </a:rPr>
-              <a:t>さんとの共通度は高いです</a:t>
+                <a:latin typeface="Noto Sans JP" panose="020B0200000000000000" pitchFamily="50" charset="-128"/>
+                <a:ea typeface="Noto Sans JP" panose="020B0200000000000000" pitchFamily="50" charset="-128"/>
+              </a:rPr>
+              <a:t>さんとの共通度は高です</a:t>
             </a:r>
             <a:endParaRPr lang="en-US" altLang="ja-JP" sz="1200" b="1" dirty="0">
-              <a:latin typeface="Meiryo UI" panose="020B0604030504040204" pitchFamily="50" charset="-128"/>
-              <a:ea typeface="Meiryo UI" panose="020B0604030504040204" pitchFamily="50" charset="-128"/>
+              <a:latin typeface="Noto Sans JP" panose="020B0200000000000000" pitchFamily="50" charset="-128"/>
+              <a:ea typeface="Noto Sans JP" panose="020B0200000000000000" pitchFamily="50" charset="-128"/>
             </a:endParaRPr>
           </a:p>
         </p:txBody>
@@ -7882,14 +9312,14 @@
             </a:pPr>
             <a:r>
               <a:rPr lang="ja-JP" altLang="en-US" sz="1200" b="1" dirty="0">
-                <a:latin typeface="Meiryo UI" panose="020B0604030504040204" pitchFamily="50" charset="-128"/>
-                <a:ea typeface="Meiryo UI" panose="020B0604030504040204" pitchFamily="50" charset="-128"/>
+                <a:latin typeface="Noto Sans JP" panose="020B0200000000000000" pitchFamily="50" charset="-128"/>
+                <a:ea typeface="Noto Sans JP" panose="020B0200000000000000" pitchFamily="50" charset="-128"/>
               </a:rPr>
               <a:t>ーーーーーーーー</a:t>
             </a:r>
             <a:endParaRPr lang="en-US" altLang="ja-JP" sz="1200" b="1" dirty="0">
-              <a:latin typeface="Meiryo UI" panose="020B0604030504040204" pitchFamily="50" charset="-128"/>
-              <a:ea typeface="Meiryo UI" panose="020B0604030504040204" pitchFamily="50" charset="-128"/>
+              <a:latin typeface="Noto Sans JP" panose="020B0200000000000000" pitchFamily="50" charset="-128"/>
+              <a:ea typeface="Noto Sans JP" panose="020B0200000000000000" pitchFamily="50" charset="-128"/>
             </a:endParaRPr>
           </a:p>
           <a:p>
@@ -7903,14 +9333,14 @@
             </a:pPr>
             <a:r>
               <a:rPr lang="ja-JP" altLang="en-US" sz="1200" b="1" dirty="0">
-                <a:latin typeface="Meiryo UI" panose="020B0604030504040204" pitchFamily="50" charset="-128"/>
-                <a:ea typeface="Meiryo UI" panose="020B0604030504040204" pitchFamily="50" charset="-128"/>
+                <a:latin typeface="Noto Sans JP" panose="020B0200000000000000" pitchFamily="50" charset="-128"/>
+                <a:ea typeface="Noto Sans JP" panose="020B0200000000000000" pitchFamily="50" charset="-128"/>
               </a:rPr>
               <a:t>ーーーーーーーー</a:t>
             </a:r>
             <a:endParaRPr lang="en-US" altLang="ja-JP" sz="1200" b="1" dirty="0">
-              <a:latin typeface="Meiryo UI" panose="020B0604030504040204" pitchFamily="50" charset="-128"/>
-              <a:ea typeface="Meiryo UI" panose="020B0604030504040204" pitchFamily="50" charset="-128"/>
+              <a:latin typeface="Noto Sans JP" panose="020B0200000000000000" pitchFamily="50" charset="-128"/>
+              <a:ea typeface="Noto Sans JP" panose="020B0200000000000000" pitchFamily="50" charset="-128"/>
             </a:endParaRPr>
           </a:p>
           <a:p>
@@ -7924,14 +9354,14 @@
             </a:pPr>
             <a:r>
               <a:rPr lang="ja-JP" altLang="en-US" sz="1200" b="1" dirty="0">
-                <a:latin typeface="Meiryo UI" panose="020B0604030504040204" pitchFamily="50" charset="-128"/>
-                <a:ea typeface="Meiryo UI" panose="020B0604030504040204" pitchFamily="50" charset="-128"/>
+                <a:latin typeface="Noto Sans JP" panose="020B0200000000000000" pitchFamily="50" charset="-128"/>
+                <a:ea typeface="Noto Sans JP" panose="020B0200000000000000" pitchFamily="50" charset="-128"/>
               </a:rPr>
               <a:t>ーーーーーーーー</a:t>
             </a:r>
             <a:endParaRPr lang="en-US" altLang="ja-JP" sz="1200" b="1" dirty="0">
-              <a:latin typeface="Meiryo UI" panose="020B0604030504040204" pitchFamily="50" charset="-128"/>
-              <a:ea typeface="Meiryo UI" panose="020B0604030504040204" pitchFamily="50" charset="-128"/>
+              <a:latin typeface="Noto Sans JP" panose="020B0200000000000000" pitchFamily="50" charset="-128"/>
+              <a:ea typeface="Noto Sans JP" panose="020B0200000000000000" pitchFamily="50" charset="-128"/>
             </a:endParaRPr>
           </a:p>
           <a:p>
@@ -7945,14 +9375,14 @@
             </a:pPr>
             <a:r>
               <a:rPr lang="ja-JP" altLang="en-US" sz="1200" b="1" dirty="0">
-                <a:latin typeface="Meiryo UI" panose="020B0604030504040204" pitchFamily="50" charset="-128"/>
-                <a:ea typeface="Meiryo UI" panose="020B0604030504040204" pitchFamily="50" charset="-128"/>
+                <a:latin typeface="Noto Sans JP" panose="020B0200000000000000" pitchFamily="50" charset="-128"/>
+                <a:ea typeface="Noto Sans JP" panose="020B0200000000000000" pitchFamily="50" charset="-128"/>
               </a:rPr>
               <a:t>ーーーーーーーー</a:t>
             </a:r>
             <a:endParaRPr lang="en-US" altLang="ja-JP" sz="1200" b="1" dirty="0">
-              <a:latin typeface="Meiryo UI" panose="020B0604030504040204" pitchFamily="50" charset="-128"/>
-              <a:ea typeface="Meiryo UI" panose="020B0604030504040204" pitchFamily="50" charset="-128"/>
+              <a:latin typeface="Noto Sans JP" panose="020B0200000000000000" pitchFamily="50" charset="-128"/>
+              <a:ea typeface="Noto Sans JP" panose="020B0200000000000000" pitchFamily="50" charset="-128"/>
             </a:endParaRPr>
           </a:p>
           <a:p>
@@ -7965,8 +9395,8 @@
               </a:spcAft>
             </a:pPr>
             <a:endParaRPr lang="en-US" altLang="ja-JP" sz="1200" b="1" dirty="0">
-              <a:latin typeface="Meiryo UI" panose="020B0604030504040204" pitchFamily="50" charset="-128"/>
-              <a:ea typeface="Meiryo UI" panose="020B0604030504040204" pitchFamily="50" charset="-128"/>
+              <a:latin typeface="Noto Sans JP" panose="020B0200000000000000" pitchFamily="50" charset="-128"/>
+              <a:ea typeface="Noto Sans JP" panose="020B0200000000000000" pitchFamily="50" charset="-128"/>
             </a:endParaRPr>
           </a:p>
         </p:txBody>
@@ -8026,14 +9456,14 @@
             </a:pPr>
             <a:r>
               <a:rPr lang="ja-JP" altLang="en-US" sz="1200" dirty="0">
-                <a:latin typeface="Meiryo UI" panose="020B0604030504040204" pitchFamily="50" charset="-128"/>
-                <a:ea typeface="Meiryo UI" panose="020B0604030504040204" pitchFamily="50" charset="-128"/>
+                <a:latin typeface="Noto Sans JP" panose="020B0200000000000000" pitchFamily="50" charset="-128"/>
+                <a:ea typeface="Noto Sans JP" panose="020B0200000000000000" pitchFamily="50" charset="-128"/>
               </a:rPr>
               <a:t>戻る</a:t>
             </a:r>
             <a:endParaRPr lang="en-US" altLang="ja-JP" sz="1200" dirty="0">
-              <a:latin typeface="Meiryo UI" panose="020B0604030504040204" pitchFamily="50" charset="-128"/>
-              <a:ea typeface="Meiryo UI" panose="020B0604030504040204" pitchFamily="50" charset="-128"/>
+              <a:latin typeface="Noto Sans JP" panose="020B0200000000000000" pitchFamily="50" charset="-128"/>
+              <a:ea typeface="Noto Sans JP" panose="020B0200000000000000" pitchFamily="50" charset="-128"/>
             </a:endParaRPr>
           </a:p>
         </p:txBody>
@@ -8093,14 +9523,14 @@
             </a:pPr>
             <a:r>
               <a:rPr lang="ja-JP" altLang="en-US" sz="1200" dirty="0">
-                <a:latin typeface="Meiryo UI" panose="020B0604030504040204" pitchFamily="50" charset="-128"/>
-                <a:ea typeface="Meiryo UI" panose="020B0604030504040204" pitchFamily="50" charset="-128"/>
+                <a:latin typeface="Noto Sans JP" panose="020B0200000000000000" pitchFamily="50" charset="-128"/>
+                <a:ea typeface="Noto Sans JP" panose="020B0200000000000000" pitchFamily="50" charset="-128"/>
               </a:rPr>
               <a:t>戻る</a:t>
             </a:r>
             <a:endParaRPr lang="en-US" altLang="ja-JP" sz="1200" dirty="0">
-              <a:latin typeface="Meiryo UI" panose="020B0604030504040204" pitchFamily="50" charset="-128"/>
-              <a:ea typeface="Meiryo UI" panose="020B0604030504040204" pitchFamily="50" charset="-128"/>
+              <a:latin typeface="Noto Sans JP" panose="020B0200000000000000" pitchFamily="50" charset="-128"/>
+              <a:ea typeface="Noto Sans JP" panose="020B0200000000000000" pitchFamily="50" charset="-128"/>
             </a:endParaRPr>
           </a:p>
         </p:txBody>
@@ -8160,14 +9590,14 @@
             </a:pPr>
             <a:r>
               <a:rPr lang="ja-JP" altLang="en-US" sz="1200" dirty="0">
-                <a:latin typeface="Meiryo UI" panose="020B0604030504040204" pitchFamily="50" charset="-128"/>
-                <a:ea typeface="Meiryo UI" panose="020B0604030504040204" pitchFamily="50" charset="-128"/>
+                <a:latin typeface="Noto Sans JP" panose="020B0200000000000000" pitchFamily="50" charset="-128"/>
+                <a:ea typeface="Noto Sans JP" panose="020B0200000000000000" pitchFamily="50" charset="-128"/>
               </a:rPr>
               <a:t>戻る</a:t>
             </a:r>
             <a:endParaRPr lang="en-US" altLang="ja-JP" sz="1200" dirty="0">
-              <a:latin typeface="Meiryo UI" panose="020B0604030504040204" pitchFamily="50" charset="-128"/>
-              <a:ea typeface="Meiryo UI" panose="020B0604030504040204" pitchFamily="50" charset="-128"/>
+              <a:latin typeface="Noto Sans JP" panose="020B0200000000000000" pitchFamily="50" charset="-128"/>
+              <a:ea typeface="Noto Sans JP" panose="020B0200000000000000" pitchFamily="50" charset="-128"/>
             </a:endParaRPr>
           </a:p>
         </p:txBody>
@@ -8185,7 +9615,7 @@
 </p:sld>
 </file>
 
-<file path=ppt/slides/slide11.xml><?xml version="1.0" encoding="utf-8"?>
+<file path=ppt/slides/slide12.xml><?xml version="1.0" encoding="utf-8"?>
 <p:sld xmlns:a="http://schemas.openxmlformats.org/drawingml/2006/main" xmlns:r="http://schemas.openxmlformats.org/officeDocument/2006/relationships" xmlns:p="http://schemas.openxmlformats.org/presentationml/2006/main">
   <p:cSld>
     <p:spTree>
@@ -8246,8 +9676,8 @@
                 <a:solidFill>
                   <a:schemeClr val="tx1"/>
                 </a:solidFill>
-                <a:latin typeface="Meiryo UI" panose="020B0604030504040204" pitchFamily="50" charset="-128"/>
-                <a:ea typeface="Meiryo UI" panose="020B0604030504040204" pitchFamily="50" charset="-128"/>
+                <a:latin typeface="Noto Sans JP" panose="020B0200000000000000" pitchFamily="50" charset="-128"/>
+                <a:ea typeface="Noto Sans JP" panose="020B0200000000000000" pitchFamily="50" charset="-128"/>
               </a:rPr>
               <a:t>4.</a:t>
             </a:r>
@@ -8256,8 +9686,8 @@
                 <a:solidFill>
                   <a:schemeClr val="tx1"/>
                 </a:solidFill>
-                <a:latin typeface="Meiryo UI" panose="020B0604030504040204" pitchFamily="50" charset="-128"/>
-                <a:ea typeface="Meiryo UI" panose="020B0604030504040204" pitchFamily="50" charset="-128"/>
+                <a:latin typeface="Noto Sans JP" panose="020B0200000000000000" pitchFamily="50" charset="-128"/>
+                <a:ea typeface="Noto Sans JP" panose="020B0200000000000000" pitchFamily="50" charset="-128"/>
               </a:rPr>
               <a:t>共通点発見アプリ使用手順</a:t>
             </a:r>
@@ -8265,8 +9695,8 @@
               <a:solidFill>
                 <a:schemeClr val="tx1"/>
               </a:solidFill>
-              <a:latin typeface="Meiryo UI" panose="020B0604030504040204" pitchFamily="50" charset="-128"/>
-              <a:ea typeface="Meiryo UI" panose="020B0604030504040204" pitchFamily="50" charset="-128"/>
+              <a:latin typeface="Noto Sans JP" panose="020B0200000000000000" pitchFamily="50" charset="-128"/>
+              <a:ea typeface="Noto Sans JP" panose="020B0200000000000000" pitchFamily="50" charset="-128"/>
             </a:endParaRPr>
           </a:p>
         </p:txBody>
@@ -8287,7 +9717,7 @@
         </p:nvSpPr>
         <p:spPr bwMode="auto">
           <a:xfrm>
-            <a:off x="677334" y="1192307"/>
+            <a:off x="677334" y="1182682"/>
             <a:ext cx="5796714" cy="461665"/>
           </a:xfrm>
           <a:prstGeom prst="rect">
@@ -8326,45 +9756,24 @@
             </a:pPr>
             <a:r>
               <a:rPr lang="ja-JP" altLang="en-US" sz="2400" dirty="0">
-                <a:latin typeface="Meiryo UI" panose="020B0604030504040204" pitchFamily="50" charset="-128"/>
-                <a:ea typeface="Meiryo UI" panose="020B0604030504040204" pitchFamily="50" charset="-128"/>
+                <a:latin typeface="Noto Sans JP" panose="020B0200000000000000" pitchFamily="50" charset="-128"/>
+                <a:ea typeface="Noto Sans JP" panose="020B0200000000000000" pitchFamily="50" charset="-128"/>
               </a:rPr>
               <a:t>フェーズ</a:t>
             </a:r>
             <a:r>
               <a:rPr lang="en-US" altLang="ja-JP" sz="2400" dirty="0">
-                <a:latin typeface="Meiryo UI" panose="020B0604030504040204" pitchFamily="50" charset="-128"/>
-                <a:ea typeface="Meiryo UI" panose="020B0604030504040204" pitchFamily="50" charset="-128"/>
-              </a:rPr>
-              <a:t>6.</a:t>
+                <a:latin typeface="Noto Sans JP" panose="020B0200000000000000" pitchFamily="50" charset="-128"/>
+                <a:ea typeface="Noto Sans JP" panose="020B0200000000000000" pitchFamily="50" charset="-128"/>
+              </a:rPr>
+              <a:t>7.</a:t>
             </a:r>
             <a:r>
               <a:rPr lang="ja-JP" altLang="en-US" sz="2400" dirty="0">
-                <a:latin typeface="Meiryo UI" panose="020B0604030504040204" pitchFamily="50" charset="-128"/>
-                <a:ea typeface="Meiryo UI" panose="020B0604030504040204" pitchFamily="50" charset="-128"/>
-              </a:rPr>
-              <a:t>イベント開始後</a:t>
-            </a:r>
-            <a:r>
-              <a:rPr lang="en-US" altLang="ja-JP" sz="2400" dirty="0">
-                <a:latin typeface="Meiryo UI" panose="020B0604030504040204" pitchFamily="50" charset="-128"/>
-                <a:ea typeface="Meiryo UI" panose="020B0604030504040204" pitchFamily="50" charset="-128"/>
-              </a:rPr>
-              <a:t>(</a:t>
-            </a:r>
-            <a:r>
-              <a:rPr lang="ja-JP" altLang="en-US" sz="2400" dirty="0">
-                <a:latin typeface="Meiryo UI" panose="020B0604030504040204" pitchFamily="50" charset="-128"/>
-                <a:ea typeface="Meiryo UI" panose="020B0604030504040204" pitchFamily="50" charset="-128"/>
+                <a:latin typeface="Noto Sans JP" panose="020B0200000000000000" pitchFamily="50" charset="-128"/>
+                <a:ea typeface="Noto Sans JP" panose="020B0200000000000000" pitchFamily="50" charset="-128"/>
               </a:rPr>
               <a:t>回答内容確認</a:t>
-            </a:r>
-            <a:r>
-              <a:rPr lang="en-US" altLang="ja-JP" sz="2400" dirty="0">
-                <a:latin typeface="Meiryo UI" panose="020B0604030504040204" pitchFamily="50" charset="-128"/>
-                <a:ea typeface="Meiryo UI" panose="020B0604030504040204" pitchFamily="50" charset="-128"/>
-              </a:rPr>
-              <a:t>)</a:t>
             </a:r>
             <a:endParaRPr kumimoji="0" lang="ja-JP" altLang="en-US" sz="2400" i="0" u="none" strike="noStrike" cap="none" normalizeH="0" baseline="0" dirty="0">
               <a:ln>
@@ -8374,8 +9783,8 @@
                 <a:schemeClr val="tx1"/>
               </a:solidFill>
               <a:effectLst/>
-              <a:latin typeface="Meiryo UI" panose="020B0604030504040204" pitchFamily="50" charset="-128"/>
-              <a:ea typeface="Meiryo UI" panose="020B0604030504040204" pitchFamily="50" charset="-128"/>
+              <a:latin typeface="Noto Sans JP" panose="020B0200000000000000" pitchFamily="50" charset="-128"/>
+              <a:ea typeface="Noto Sans JP" panose="020B0200000000000000" pitchFamily="50" charset="-128"/>
             </a:endParaRPr>
           </a:p>
         </p:txBody>
@@ -8397,7 +9806,7 @@
         <p:spPr bwMode="auto">
           <a:xfrm>
             <a:off x="677332" y="1708218"/>
-            <a:ext cx="8975715" cy="830997"/>
+            <a:ext cx="9709841" cy="830997"/>
           </a:xfrm>
           <a:prstGeom prst="rect">
             <a:avLst/>
@@ -8430,14 +9839,14 @@
             </a:pPr>
             <a:r>
               <a:rPr lang="ja-JP" altLang="en-US" sz="2400" dirty="0">
-                <a:latin typeface="Meiryo UI" panose="020B0604030504040204" pitchFamily="50" charset="-128"/>
-                <a:ea typeface="Meiryo UI" panose="020B0604030504040204" pitchFamily="50" charset="-128"/>
+                <a:latin typeface="Noto Sans JP" panose="020B0200000000000000" pitchFamily="50" charset="-128"/>
+                <a:ea typeface="Noto Sans JP" panose="020B0200000000000000" pitchFamily="50" charset="-128"/>
               </a:rPr>
               <a:t>回答確認画面にて共通度画面の「メンバーの回答結果を表示する」を</a:t>
             </a:r>
             <a:endParaRPr lang="en-US" altLang="ja-JP" sz="2400" dirty="0">
-              <a:latin typeface="Meiryo UI" panose="020B0604030504040204" pitchFamily="50" charset="-128"/>
-              <a:ea typeface="Meiryo UI" panose="020B0604030504040204" pitchFamily="50" charset="-128"/>
+              <a:latin typeface="Noto Sans JP" panose="020B0200000000000000" pitchFamily="50" charset="-128"/>
+              <a:ea typeface="Noto Sans JP" panose="020B0200000000000000" pitchFamily="50" charset="-128"/>
             </a:endParaRPr>
           </a:p>
           <a:p>
@@ -8451,14 +9860,14 @@
             </a:pPr>
             <a:r>
               <a:rPr lang="ja-JP" altLang="en-US" sz="2400" dirty="0">
-                <a:latin typeface="Meiryo UI" panose="020B0604030504040204" pitchFamily="50" charset="-128"/>
-                <a:ea typeface="Meiryo UI" panose="020B0604030504040204" pitchFamily="50" charset="-128"/>
+                <a:latin typeface="Noto Sans JP" panose="020B0200000000000000" pitchFamily="50" charset="-128"/>
+                <a:ea typeface="Noto Sans JP" panose="020B0200000000000000" pitchFamily="50" charset="-128"/>
               </a:rPr>
               <a:t>押下してメンバーの回答内容を確認する</a:t>
             </a:r>
             <a:endParaRPr lang="en-US" altLang="ja-JP" sz="2400" dirty="0">
-              <a:latin typeface="Meiryo UI" panose="020B0604030504040204" pitchFamily="50" charset="-128"/>
-              <a:ea typeface="Meiryo UI" panose="020B0604030504040204" pitchFamily="50" charset="-128"/>
+              <a:latin typeface="Noto Sans JP" panose="020B0200000000000000" pitchFamily="50" charset="-128"/>
+              <a:ea typeface="Noto Sans JP" panose="020B0200000000000000" pitchFamily="50" charset="-128"/>
             </a:endParaRPr>
           </a:p>
         </p:txBody>
@@ -8510,6 +9919,8 @@
               <a:solidFill>
                 <a:schemeClr val="tx1"/>
               </a:solidFill>
+              <a:latin typeface="Noto Sans JP" panose="020B0200000000000000" pitchFamily="50" charset="-128"/>
+              <a:ea typeface="Noto Sans JP" panose="020B0200000000000000" pitchFamily="50" charset="-128"/>
             </a:endParaRPr>
           </a:p>
         </p:txBody>
@@ -8564,14 +9975,14 @@
             </a:pPr>
             <a:r>
               <a:rPr lang="ja-JP" altLang="en-US" sz="1200" dirty="0">
-                <a:latin typeface="Meiryo UI" panose="020B0604030504040204" pitchFamily="50" charset="-128"/>
-                <a:ea typeface="Meiryo UI" panose="020B0604030504040204" pitchFamily="50" charset="-128"/>
+                <a:latin typeface="Noto Sans JP" panose="020B0200000000000000" pitchFamily="50" charset="-128"/>
+                <a:ea typeface="Noto Sans JP" panose="020B0200000000000000" pitchFamily="50" charset="-128"/>
               </a:rPr>
               <a:t>回答確認画面</a:t>
             </a:r>
             <a:endParaRPr lang="en-US" altLang="ja-JP" sz="1200" dirty="0">
-              <a:latin typeface="Meiryo UI" panose="020B0604030504040204" pitchFamily="50" charset="-128"/>
-              <a:ea typeface="Meiryo UI" panose="020B0604030504040204" pitchFamily="50" charset="-128"/>
+              <a:latin typeface="Noto Sans JP" panose="020B0200000000000000" pitchFamily="50" charset="-128"/>
+              <a:ea typeface="Noto Sans JP" panose="020B0200000000000000" pitchFamily="50" charset="-128"/>
             </a:endParaRPr>
           </a:p>
         </p:txBody>
@@ -8631,14 +10042,14 @@
             </a:pPr>
             <a:r>
               <a:rPr lang="ja-JP" altLang="en-US" sz="1200" dirty="0">
-                <a:latin typeface="Meiryo UI" panose="020B0604030504040204" pitchFamily="50" charset="-128"/>
-                <a:ea typeface="Meiryo UI" panose="020B0604030504040204" pitchFamily="50" charset="-128"/>
+                <a:latin typeface="Noto Sans JP" panose="020B0200000000000000" pitchFamily="50" charset="-128"/>
+                <a:ea typeface="Noto Sans JP" panose="020B0200000000000000" pitchFamily="50" charset="-128"/>
               </a:rPr>
               <a:t>戻る</a:t>
             </a:r>
             <a:endParaRPr lang="en-US" altLang="ja-JP" sz="1200" dirty="0">
-              <a:latin typeface="Meiryo UI" panose="020B0604030504040204" pitchFamily="50" charset="-128"/>
-              <a:ea typeface="Meiryo UI" panose="020B0604030504040204" pitchFamily="50" charset="-128"/>
+              <a:latin typeface="Noto Sans JP" panose="020B0200000000000000" pitchFamily="50" charset="-128"/>
+              <a:ea typeface="Noto Sans JP" panose="020B0200000000000000" pitchFamily="50" charset="-128"/>
             </a:endParaRPr>
           </a:p>
         </p:txBody>
@@ -9217,14 +10628,14 @@
             </a:pPr>
             <a:r>
               <a:rPr lang="ja-JP" altLang="en-US" sz="1200" dirty="0">
-                <a:latin typeface="Meiryo UI" panose="020B0604030504040204" pitchFamily="50" charset="-128"/>
-                <a:ea typeface="Meiryo UI" panose="020B0604030504040204" pitchFamily="50" charset="-128"/>
+                <a:latin typeface="Noto Sans JP" panose="020B0200000000000000" pitchFamily="50" charset="-128"/>
+                <a:ea typeface="Noto Sans JP" panose="020B0200000000000000" pitchFamily="50" charset="-128"/>
               </a:rPr>
               <a:t>回答結果は以下です</a:t>
             </a:r>
             <a:endParaRPr lang="en-US" altLang="ja-JP" sz="1200" dirty="0">
-              <a:latin typeface="Meiryo UI" panose="020B0604030504040204" pitchFamily="50" charset="-128"/>
-              <a:ea typeface="Meiryo UI" panose="020B0604030504040204" pitchFamily="50" charset="-128"/>
+              <a:latin typeface="Noto Sans JP" panose="020B0200000000000000" pitchFamily="50" charset="-128"/>
+              <a:ea typeface="Noto Sans JP" panose="020B0200000000000000" pitchFamily="50" charset="-128"/>
             </a:endParaRPr>
           </a:p>
         </p:txBody>
@@ -9242,7 +10653,7 @@
 </p:sld>
 </file>
 
-<file path=ppt/slides/slide12.xml><?xml version="1.0" encoding="utf-8"?>
+<file path=ppt/slides/slide13.xml><?xml version="1.0" encoding="utf-8"?>
 <p:sld xmlns:a="http://schemas.openxmlformats.org/drawingml/2006/main" xmlns:r="http://schemas.openxmlformats.org/officeDocument/2006/relationships" xmlns:p="http://schemas.openxmlformats.org/presentationml/2006/main">
   <p:cSld>
     <p:spTree>
@@ -9303,8 +10714,8 @@
                 <a:solidFill>
                   <a:schemeClr val="tx1"/>
                 </a:solidFill>
-                <a:latin typeface="Meiryo UI" panose="020B0604030504040204" pitchFamily="50" charset="-128"/>
-                <a:ea typeface="Meiryo UI" panose="020B0604030504040204" pitchFamily="50" charset="-128"/>
+                <a:latin typeface="Noto Sans JP" panose="020B0200000000000000" pitchFamily="50" charset="-128"/>
+                <a:ea typeface="Noto Sans JP" panose="020B0200000000000000" pitchFamily="50" charset="-128"/>
               </a:rPr>
               <a:t>5.</a:t>
             </a:r>
@@ -9313,8 +10724,8 @@
                 <a:solidFill>
                   <a:schemeClr val="tx1"/>
                 </a:solidFill>
-                <a:latin typeface="Meiryo UI" panose="020B0604030504040204" pitchFamily="50" charset="-128"/>
-                <a:ea typeface="Meiryo UI" panose="020B0604030504040204" pitchFamily="50" charset="-128"/>
+                <a:latin typeface="Noto Sans JP" panose="020B0200000000000000" pitchFamily="50" charset="-128"/>
+                <a:ea typeface="Noto Sans JP" panose="020B0200000000000000" pitchFamily="50" charset="-128"/>
               </a:rPr>
               <a:t>役割分担</a:t>
             </a:r>
@@ -9322,8 +10733,8 @@
               <a:solidFill>
                 <a:schemeClr val="tx1"/>
               </a:solidFill>
-              <a:latin typeface="Meiryo UI" panose="020B0604030504040204" pitchFamily="50" charset="-128"/>
-              <a:ea typeface="Meiryo UI" panose="020B0604030504040204" pitchFamily="50" charset="-128"/>
+              <a:latin typeface="Noto Sans JP" panose="020B0200000000000000" pitchFamily="50" charset="-128"/>
+              <a:ea typeface="Noto Sans JP" panose="020B0200000000000000" pitchFamily="50" charset="-128"/>
             </a:endParaRPr>
           </a:p>
         </p:txBody>
@@ -9396,8 +10807,8 @@
                   <a:schemeClr val="tx1"/>
                 </a:solidFill>
                 <a:effectLst/>
-                <a:latin typeface="Meiryo UI" panose="020B0604030504040204" pitchFamily="50" charset="-128"/>
-                <a:ea typeface="Meiryo UI" panose="020B0604030504040204" pitchFamily="50" charset="-128"/>
+                <a:latin typeface="Noto Sans JP" panose="020B0200000000000000" pitchFamily="50" charset="-128"/>
+                <a:ea typeface="Noto Sans JP" panose="020B0200000000000000" pitchFamily="50" charset="-128"/>
               </a:rPr>
               <a:t>役割</a:t>
             </a:r>
@@ -9460,8 +10871,8 @@
                 <a:schemeClr val="tx1"/>
               </a:solidFill>
               <a:effectLst/>
-              <a:latin typeface="Meiryo UI" panose="020B0604030504040204" pitchFamily="50" charset="-128"/>
-              <a:ea typeface="Meiryo UI" panose="020B0604030504040204" pitchFamily="50" charset="-128"/>
+              <a:latin typeface="Noto Sans JP" panose="020B0200000000000000" pitchFamily="50" charset="-128"/>
+              <a:ea typeface="Noto Sans JP" panose="020B0200000000000000" pitchFamily="50" charset="-128"/>
             </a:endParaRPr>
           </a:p>
         </p:txBody>
@@ -9516,14 +10927,14 @@
             </a:pPr>
             <a:r>
               <a:rPr lang="ja-JP" altLang="en-US" sz="2400" dirty="0">
-                <a:latin typeface="Meiryo UI" panose="020B0604030504040204" pitchFamily="50" charset="-128"/>
-                <a:ea typeface="Meiryo UI" panose="020B0604030504040204" pitchFamily="50" charset="-128"/>
+                <a:latin typeface="Noto Sans JP" panose="020B0200000000000000" pitchFamily="50" charset="-128"/>
+                <a:ea typeface="Noto Sans JP" panose="020B0200000000000000" pitchFamily="50" charset="-128"/>
               </a:rPr>
               <a:t>・バックエンド　　　　　　　　　：</a:t>
             </a:r>
             <a:endParaRPr lang="en-US" altLang="ja-JP" sz="2400" dirty="0">
-              <a:latin typeface="Meiryo UI" panose="020B0604030504040204" pitchFamily="50" charset="-128"/>
-              <a:ea typeface="Meiryo UI" panose="020B0604030504040204" pitchFamily="50" charset="-128"/>
+              <a:latin typeface="Noto Sans JP" panose="020B0200000000000000" pitchFamily="50" charset="-128"/>
+              <a:ea typeface="Noto Sans JP" panose="020B0200000000000000" pitchFamily="50" charset="-128"/>
             </a:endParaRPr>
           </a:p>
           <a:p>
@@ -9537,42 +10948,42 @@
             </a:pPr>
             <a:r>
               <a:rPr lang="ja-JP" altLang="en-US" sz="2400" dirty="0">
-                <a:latin typeface="Meiryo UI" panose="020B0604030504040204" pitchFamily="50" charset="-128"/>
-                <a:ea typeface="Meiryo UI" panose="020B0604030504040204" pitchFamily="50" charset="-128"/>
+                <a:latin typeface="Noto Sans JP" panose="020B0200000000000000" pitchFamily="50" charset="-128"/>
+                <a:ea typeface="Noto Sans JP" panose="020B0200000000000000" pitchFamily="50" charset="-128"/>
               </a:rPr>
               <a:t>・フロント（</a:t>
             </a:r>
             <a:r>
               <a:rPr lang="en-US" altLang="ja-JP" sz="2400" dirty="0">
-                <a:latin typeface="Meiryo UI" panose="020B0604030504040204" pitchFamily="50" charset="-128"/>
-                <a:ea typeface="Meiryo UI" panose="020B0604030504040204" pitchFamily="50" charset="-128"/>
+                <a:latin typeface="Noto Sans JP" panose="020B0200000000000000" pitchFamily="50" charset="-128"/>
+                <a:ea typeface="Noto Sans JP" panose="020B0200000000000000" pitchFamily="50" charset="-128"/>
               </a:rPr>
               <a:t>HTML</a:t>
             </a:r>
             <a:r>
               <a:rPr lang="ja-JP" altLang="en-US" sz="2400" dirty="0">
-                <a:latin typeface="Meiryo UI" panose="020B0604030504040204" pitchFamily="50" charset="-128"/>
-                <a:ea typeface="Meiryo UI" panose="020B0604030504040204" pitchFamily="50" charset="-128"/>
+                <a:latin typeface="Noto Sans JP" panose="020B0200000000000000" pitchFamily="50" charset="-128"/>
+                <a:ea typeface="Noto Sans JP" panose="020B0200000000000000" pitchFamily="50" charset="-128"/>
               </a:rPr>
               <a:t>・</a:t>
             </a:r>
             <a:r>
               <a:rPr lang="en-US" altLang="ja-JP" sz="2400" dirty="0">
-                <a:latin typeface="Meiryo UI" panose="020B0604030504040204" pitchFamily="50" charset="-128"/>
-                <a:ea typeface="Meiryo UI" panose="020B0604030504040204" pitchFamily="50" charset="-128"/>
+                <a:latin typeface="Noto Sans JP" panose="020B0200000000000000" pitchFamily="50" charset="-128"/>
+                <a:ea typeface="Noto Sans JP" panose="020B0200000000000000" pitchFamily="50" charset="-128"/>
               </a:rPr>
               <a:t>CSS</a:t>
             </a:r>
             <a:r>
               <a:rPr lang="ja-JP" altLang="en-US" sz="2400" dirty="0">
-                <a:latin typeface="Meiryo UI" panose="020B0604030504040204" pitchFamily="50" charset="-128"/>
-                <a:ea typeface="Meiryo UI" panose="020B0604030504040204" pitchFamily="50" charset="-128"/>
-              </a:rPr>
-              <a:t>） ：</a:t>
+                <a:latin typeface="Noto Sans JP" panose="020B0200000000000000" pitchFamily="50" charset="-128"/>
+                <a:ea typeface="Noto Sans JP" panose="020B0200000000000000" pitchFamily="50" charset="-128"/>
+              </a:rPr>
+              <a:t>） 　　　  ：</a:t>
             </a:r>
             <a:endParaRPr lang="en-US" altLang="ja-JP" sz="2400" dirty="0">
-              <a:latin typeface="Meiryo UI" panose="020B0604030504040204" pitchFamily="50" charset="-128"/>
-              <a:ea typeface="Meiryo UI" panose="020B0604030504040204" pitchFamily="50" charset="-128"/>
+              <a:latin typeface="Noto Sans JP" panose="020B0200000000000000" pitchFamily="50" charset="-128"/>
+              <a:ea typeface="Noto Sans JP" panose="020B0200000000000000" pitchFamily="50" charset="-128"/>
             </a:endParaRPr>
           </a:p>
           <a:p>
@@ -9586,28 +10997,28 @@
             </a:pPr>
             <a:r>
               <a:rPr lang="ja-JP" altLang="en-US" sz="2400" dirty="0">
-                <a:latin typeface="Meiryo UI" panose="020B0604030504040204" pitchFamily="50" charset="-128"/>
-                <a:ea typeface="Meiryo UI" panose="020B0604030504040204" pitchFamily="50" charset="-128"/>
+                <a:latin typeface="Noto Sans JP" panose="020B0200000000000000" pitchFamily="50" charset="-128"/>
+                <a:ea typeface="Noto Sans JP" panose="020B0200000000000000" pitchFamily="50" charset="-128"/>
               </a:rPr>
               <a:t>・フロント（</a:t>
             </a:r>
             <a:r>
               <a:rPr lang="en-US" altLang="ja-JP" sz="2400" dirty="0">
-                <a:latin typeface="Meiryo UI" panose="020B0604030504040204" pitchFamily="50" charset="-128"/>
-                <a:ea typeface="Meiryo UI" panose="020B0604030504040204" pitchFamily="50" charset="-128"/>
+                <a:latin typeface="Noto Sans JP" panose="020B0200000000000000" pitchFamily="50" charset="-128"/>
+                <a:ea typeface="Noto Sans JP" panose="020B0200000000000000" pitchFamily="50" charset="-128"/>
               </a:rPr>
               <a:t>JS</a:t>
             </a:r>
             <a:r>
               <a:rPr lang="ja-JP" altLang="en-US" sz="2400" dirty="0">
-                <a:latin typeface="Meiryo UI" panose="020B0604030504040204" pitchFamily="50" charset="-128"/>
-                <a:ea typeface="Meiryo UI" panose="020B0604030504040204" pitchFamily="50" charset="-128"/>
-              </a:rPr>
-              <a:t>）             ：</a:t>
+                <a:latin typeface="Noto Sans JP" panose="020B0200000000000000" pitchFamily="50" charset="-128"/>
+                <a:ea typeface="Noto Sans JP" panose="020B0200000000000000" pitchFamily="50" charset="-128"/>
+              </a:rPr>
+              <a:t>）                                    ：</a:t>
             </a:r>
             <a:endParaRPr lang="en-US" altLang="ja-JP" sz="2400" dirty="0">
-              <a:latin typeface="Meiryo UI" panose="020B0604030504040204" pitchFamily="50" charset="-128"/>
-              <a:ea typeface="Meiryo UI" panose="020B0604030504040204" pitchFamily="50" charset="-128"/>
+              <a:latin typeface="Noto Sans JP" panose="020B0200000000000000" pitchFamily="50" charset="-128"/>
+              <a:ea typeface="Noto Sans JP" panose="020B0200000000000000" pitchFamily="50" charset="-128"/>
             </a:endParaRPr>
           </a:p>
           <a:p>
@@ -9621,29 +11032,29 @@
             </a:pPr>
             <a:r>
               <a:rPr lang="ja-JP" altLang="en-US" sz="2400" dirty="0">
-                <a:latin typeface="Meiryo UI" panose="020B0604030504040204" pitchFamily="50" charset="-128"/>
-                <a:ea typeface="Meiryo UI" panose="020B0604030504040204" pitchFamily="50" charset="-128"/>
+                <a:latin typeface="Noto Sans JP" panose="020B0200000000000000" pitchFamily="50" charset="-128"/>
+                <a:ea typeface="Noto Sans JP" panose="020B0200000000000000" pitchFamily="50" charset="-128"/>
               </a:rPr>
               <a:t>・</a:t>
             </a:r>
             <a:r>
               <a:rPr lang="en-US" altLang="ja-JP" sz="2400" dirty="0">
-                <a:latin typeface="Meiryo UI" panose="020B0604030504040204" pitchFamily="50" charset="-128"/>
-                <a:ea typeface="Meiryo UI" panose="020B0604030504040204" pitchFamily="50" charset="-128"/>
-              </a:rPr>
-              <a:t>DB                          </a:t>
+                <a:latin typeface="Noto Sans JP" panose="020B0200000000000000" pitchFamily="50" charset="-128"/>
+                <a:ea typeface="Noto Sans JP" panose="020B0200000000000000" pitchFamily="50" charset="-128"/>
+              </a:rPr>
+              <a:t>DB                                                              </a:t>
             </a:r>
             <a:r>
               <a:rPr lang="ja-JP" altLang="en-US" sz="2400" dirty="0">
-                <a:latin typeface="Meiryo UI" panose="020B0604030504040204" pitchFamily="50" charset="-128"/>
-                <a:ea typeface="Meiryo UI" panose="020B0604030504040204" pitchFamily="50" charset="-128"/>
+                <a:latin typeface="Noto Sans JP" panose="020B0200000000000000" pitchFamily="50" charset="-128"/>
+                <a:ea typeface="Noto Sans JP" panose="020B0200000000000000" pitchFamily="50" charset="-128"/>
               </a:rPr>
               <a:t>：</a:t>
             </a:r>
             <a:r>
               <a:rPr lang="en-US" altLang="ja-JP" sz="2400" dirty="0">
-                <a:latin typeface="Meiryo UI" panose="020B0604030504040204" pitchFamily="50" charset="-128"/>
-                <a:ea typeface="Meiryo UI" panose="020B0604030504040204" pitchFamily="50" charset="-128"/>
+                <a:latin typeface="Noto Sans JP" panose="020B0200000000000000" pitchFamily="50" charset="-128"/>
+                <a:ea typeface="Noto Sans JP" panose="020B0200000000000000" pitchFamily="50" charset="-128"/>
               </a:rPr>
               <a:t>  </a:t>
             </a:r>
@@ -9658,8 +11069,8 @@
               </a:spcAft>
             </a:pPr>
             <a:endParaRPr lang="en-US" altLang="ja-JP" sz="2400" dirty="0">
-              <a:latin typeface="Meiryo UI" panose="020B0604030504040204" pitchFamily="50" charset="-128"/>
-              <a:ea typeface="Meiryo UI" panose="020B0604030504040204" pitchFamily="50" charset="-128"/>
+              <a:latin typeface="Noto Sans JP" panose="020B0200000000000000" pitchFamily="50" charset="-128"/>
+              <a:ea typeface="Noto Sans JP" panose="020B0200000000000000" pitchFamily="50" charset="-128"/>
             </a:endParaRPr>
           </a:p>
         </p:txBody>
@@ -9677,7 +11088,7 @@
 </p:sld>
 </file>
 
-<file path=ppt/slides/slide13.xml><?xml version="1.0" encoding="utf-8"?>
+<file path=ppt/slides/slide14.xml><?xml version="1.0" encoding="utf-8"?>
 <p:sld xmlns:a="http://schemas.openxmlformats.org/drawingml/2006/main" xmlns:r="http://schemas.openxmlformats.org/officeDocument/2006/relationships" xmlns:p="http://schemas.openxmlformats.org/presentationml/2006/main">
   <p:cSld>
     <p:spTree>
@@ -9738,8 +11149,8 @@
                 <a:solidFill>
                   <a:schemeClr val="tx1"/>
                 </a:solidFill>
-                <a:latin typeface="Meiryo UI" panose="020B0604030504040204" pitchFamily="50" charset="-128"/>
-                <a:ea typeface="Meiryo UI" panose="020B0604030504040204" pitchFamily="50" charset="-128"/>
+                <a:latin typeface="Noto Sans JP" panose="020B0200000000000000" pitchFamily="50" charset="-128"/>
+                <a:ea typeface="Noto Sans JP" panose="020B0200000000000000" pitchFamily="50" charset="-128"/>
               </a:rPr>
               <a:t>6.</a:t>
             </a:r>
@@ -9748,8 +11159,8 @@
                 <a:solidFill>
                   <a:schemeClr val="tx1"/>
                 </a:solidFill>
-                <a:latin typeface="Meiryo UI" panose="020B0604030504040204" pitchFamily="50" charset="-128"/>
-                <a:ea typeface="Meiryo UI" panose="020B0604030504040204" pitchFamily="50" charset="-128"/>
+                <a:latin typeface="Noto Sans JP" panose="020B0200000000000000" pitchFamily="50" charset="-128"/>
+                <a:ea typeface="Noto Sans JP" panose="020B0200000000000000" pitchFamily="50" charset="-128"/>
               </a:rPr>
               <a:t>改善点</a:t>
             </a:r>
@@ -9817,8 +11228,8 @@
             </a:pPr>
             <a:r>
               <a:rPr lang="ja-JP" altLang="en-US" sz="2400" dirty="0">
-                <a:latin typeface="Meiryo UI" panose="020B0604030504040204" pitchFamily="50" charset="-128"/>
-                <a:ea typeface="Meiryo UI" panose="020B0604030504040204" pitchFamily="50" charset="-128"/>
+                <a:latin typeface="Noto Sans JP" panose="020B0200000000000000" pitchFamily="50" charset="-128"/>
+                <a:ea typeface="Noto Sans JP" panose="020B0200000000000000" pitchFamily="50" charset="-128"/>
               </a:rPr>
               <a:t>改善点</a:t>
             </a:r>
@@ -9830,8 +11241,8 @@
                 <a:schemeClr val="tx1"/>
               </a:solidFill>
               <a:effectLst/>
-              <a:latin typeface="Meiryo UI" panose="020B0604030504040204" pitchFamily="50" charset="-128"/>
-              <a:ea typeface="Meiryo UI" panose="020B0604030504040204" pitchFamily="50" charset="-128"/>
+              <a:latin typeface="Noto Sans JP" panose="020B0200000000000000" pitchFamily="50" charset="-128"/>
+              <a:ea typeface="Noto Sans JP" panose="020B0200000000000000" pitchFamily="50" charset="-128"/>
             </a:endParaRPr>
           </a:p>
         </p:txBody>
@@ -9886,14 +11297,14 @@
             </a:pPr>
             <a:r>
               <a:rPr lang="ja-JP" altLang="en-US" sz="2400" dirty="0">
-                <a:latin typeface="Meiryo UI" panose="020B0604030504040204" pitchFamily="50" charset="-128"/>
-                <a:ea typeface="Meiryo UI" panose="020B0604030504040204" pitchFamily="50" charset="-128"/>
+                <a:latin typeface="Noto Sans JP" panose="020B0200000000000000" pitchFamily="50" charset="-128"/>
+                <a:ea typeface="Noto Sans JP" panose="020B0200000000000000" pitchFamily="50" charset="-128"/>
               </a:rPr>
               <a:t>例えば、、、</a:t>
             </a:r>
             <a:endParaRPr lang="en-US" altLang="ja-JP" sz="2400" dirty="0">
-              <a:latin typeface="Meiryo UI" panose="020B0604030504040204" pitchFamily="50" charset="-128"/>
-              <a:ea typeface="Meiryo UI" panose="020B0604030504040204" pitchFamily="50" charset="-128"/>
+              <a:latin typeface="Noto Sans JP" panose="020B0200000000000000" pitchFamily="50" charset="-128"/>
+              <a:ea typeface="Noto Sans JP" panose="020B0200000000000000" pitchFamily="50" charset="-128"/>
             </a:endParaRPr>
           </a:p>
           <a:p>
@@ -9914,8 +11325,8 @@
                   <a:schemeClr val="tx1"/>
                 </a:solidFill>
                 <a:effectLst/>
-                <a:latin typeface="Meiryo UI" panose="020B0604030504040204" pitchFamily="50" charset="-128"/>
-                <a:ea typeface="Meiryo UI" panose="020B0604030504040204" pitchFamily="50" charset="-128"/>
+                <a:latin typeface="Noto Sans JP" panose="020B0200000000000000" pitchFamily="50" charset="-128"/>
+                <a:ea typeface="Noto Sans JP" panose="020B0200000000000000" pitchFamily="50" charset="-128"/>
               </a:rPr>
               <a:t>git</a:t>
             </a:r>
@@ -9928,8 +11339,8 @@
                   <a:schemeClr val="tx1"/>
                 </a:solidFill>
                 <a:effectLst/>
-                <a:latin typeface="Meiryo UI" panose="020B0604030504040204" pitchFamily="50" charset="-128"/>
-                <a:ea typeface="Meiryo UI" panose="020B0604030504040204" pitchFamily="50" charset="-128"/>
+                <a:latin typeface="Noto Sans JP" panose="020B0200000000000000" pitchFamily="50" charset="-128"/>
+                <a:ea typeface="Noto Sans JP" panose="020B0200000000000000" pitchFamily="50" charset="-128"/>
               </a:rPr>
               <a:t>によるソース管理</a:t>
             </a:r>
@@ -9949,7 +11360,7 @@
 </p:sld>
 </file>
 
-<file path=ppt/slides/slide14.xml><?xml version="1.0" encoding="utf-8"?>
+<file path=ppt/slides/slide15.xml><?xml version="1.0" encoding="utf-8"?>
 <p:sld xmlns:a="http://schemas.openxmlformats.org/drawingml/2006/main" xmlns:r="http://schemas.openxmlformats.org/officeDocument/2006/relationships" xmlns:p="http://schemas.openxmlformats.org/presentationml/2006/main">
   <p:cSld>
     <p:spTree>
@@ -10010,8 +11421,8 @@
                 <a:solidFill>
                   <a:schemeClr val="tx1"/>
                 </a:solidFill>
-                <a:latin typeface="Meiryo UI" panose="020B0604030504040204" pitchFamily="50" charset="-128"/>
-                <a:ea typeface="Meiryo UI" panose="020B0604030504040204" pitchFamily="50" charset="-128"/>
+                <a:latin typeface="Noto Sans JP" panose="020B0200000000000000" pitchFamily="50" charset="-128"/>
+                <a:ea typeface="Noto Sans JP" panose="020B0200000000000000" pitchFamily="50" charset="-128"/>
               </a:rPr>
               <a:t>7.</a:t>
             </a:r>
@@ -10020,8 +11431,8 @@
                 <a:solidFill>
                   <a:schemeClr val="tx1"/>
                 </a:solidFill>
-                <a:latin typeface="Meiryo UI" panose="020B0604030504040204" pitchFamily="50" charset="-128"/>
-                <a:ea typeface="Meiryo UI" panose="020B0604030504040204" pitchFamily="50" charset="-128"/>
+                <a:latin typeface="Noto Sans JP" panose="020B0200000000000000" pitchFamily="50" charset="-128"/>
+                <a:ea typeface="Noto Sans JP" panose="020B0200000000000000" pitchFamily="50" charset="-128"/>
               </a:rPr>
               <a:t>まとめ</a:t>
             </a:r>
@@ -10029,8 +11440,8 @@
               <a:solidFill>
                 <a:schemeClr val="tx1"/>
               </a:solidFill>
-              <a:latin typeface="Meiryo UI" panose="020B0604030504040204" pitchFamily="50" charset="-128"/>
-              <a:ea typeface="Meiryo UI" panose="020B0604030504040204" pitchFamily="50" charset="-128"/>
+              <a:latin typeface="Noto Sans JP" panose="020B0200000000000000" pitchFamily="50" charset="-128"/>
+              <a:ea typeface="Noto Sans JP" panose="020B0200000000000000" pitchFamily="50" charset="-128"/>
             </a:endParaRPr>
           </a:p>
         </p:txBody>
@@ -10103,8 +11514,8 @@
                   <a:schemeClr val="tx1"/>
                 </a:solidFill>
                 <a:effectLst/>
-                <a:latin typeface="Meiryo UI" panose="020B0604030504040204" pitchFamily="50" charset="-128"/>
-                <a:ea typeface="Meiryo UI" panose="020B0604030504040204" pitchFamily="50" charset="-128"/>
+                <a:latin typeface="Noto Sans JP" panose="020B0200000000000000" pitchFamily="50" charset="-128"/>
+                <a:ea typeface="Noto Sans JP" panose="020B0200000000000000" pitchFamily="50" charset="-128"/>
               </a:rPr>
               <a:t>学んだこと</a:t>
             </a:r>
@@ -10160,7 +11571,10 @@
               </a:spcAft>
             </a:pPr>
             <a:r>
-              <a:rPr lang="ja-JP" altLang="en-US" sz="2400" dirty="0"/>
+              <a:rPr lang="ja-JP" altLang="en-US" sz="2400" dirty="0">
+                <a:latin typeface="Noto Sans JP" panose="020B0200000000000000" pitchFamily="50" charset="-128"/>
+                <a:ea typeface="Noto Sans JP" panose="020B0200000000000000" pitchFamily="50" charset="-128"/>
+              </a:rPr>
               <a:t>ーーーー</a:t>
             </a:r>
             <a:endParaRPr kumimoji="0" lang="ja-JP" altLang="en-US" sz="2400" i="0" u="none" strike="noStrike" cap="none" normalizeH="0" baseline="0" dirty="0">
@@ -10171,8 +11585,8 @@
                 <a:schemeClr val="tx1"/>
               </a:solidFill>
               <a:effectLst/>
-              <a:latin typeface="Meiryo UI" panose="020B0604030504040204" pitchFamily="50" charset="-128"/>
-              <a:ea typeface="Meiryo UI" panose="020B0604030504040204" pitchFamily="50" charset="-128"/>
+              <a:latin typeface="Noto Sans JP" panose="020B0200000000000000" pitchFamily="50" charset="-128"/>
+              <a:ea typeface="Noto Sans JP" panose="020B0200000000000000" pitchFamily="50" charset="-128"/>
             </a:endParaRPr>
           </a:p>
         </p:txBody>
@@ -10190,7 +11604,7 @@
 </p:sld>
 </file>
 
-<file path=ppt/slides/slide15.xml><?xml version="1.0" encoding="utf-8"?>
+<file path=ppt/slides/slide16.xml><?xml version="1.0" encoding="utf-8"?>
 <p:sld xmlns:a="http://schemas.openxmlformats.org/drawingml/2006/main" xmlns:r="http://schemas.openxmlformats.org/officeDocument/2006/relationships" xmlns:p="http://schemas.openxmlformats.org/presentationml/2006/main">
   <p:cSld>
     <p:spTree>
@@ -10251,8 +11665,8 @@
                 <a:solidFill>
                   <a:schemeClr val="tx1"/>
                 </a:solidFill>
-                <a:latin typeface="Meiryo UI" panose="020B0604030504040204" pitchFamily="50" charset="-128"/>
-                <a:ea typeface="Meiryo UI" panose="020B0604030504040204" pitchFamily="50" charset="-128"/>
+                <a:latin typeface="Noto Sans JP" panose="020B0200000000000000" pitchFamily="50" charset="-128"/>
+                <a:ea typeface="Noto Sans JP" panose="020B0200000000000000" pitchFamily="50" charset="-128"/>
               </a:rPr>
               <a:t>8.</a:t>
             </a:r>
@@ -10261,8 +11675,8 @@
                 <a:solidFill>
                   <a:schemeClr val="tx1"/>
                 </a:solidFill>
-                <a:latin typeface="Meiryo UI" panose="020B0604030504040204" pitchFamily="50" charset="-128"/>
-                <a:ea typeface="Meiryo UI" panose="020B0604030504040204" pitchFamily="50" charset="-128"/>
+                <a:latin typeface="Noto Sans JP" panose="020B0200000000000000" pitchFamily="50" charset="-128"/>
+                <a:ea typeface="Noto Sans JP" panose="020B0200000000000000" pitchFamily="50" charset="-128"/>
               </a:rPr>
               <a:t>付録</a:t>
             </a:r>
@@ -10270,8 +11684,8 @@
               <a:solidFill>
                 <a:schemeClr val="tx1"/>
               </a:solidFill>
-              <a:latin typeface="Meiryo UI" panose="020B0604030504040204" pitchFamily="50" charset="-128"/>
-              <a:ea typeface="Meiryo UI" panose="020B0604030504040204" pitchFamily="50" charset="-128"/>
+              <a:latin typeface="Noto Sans JP" panose="020B0200000000000000" pitchFamily="50" charset="-128"/>
+              <a:ea typeface="Noto Sans JP" panose="020B0200000000000000" pitchFamily="50" charset="-128"/>
             </a:endParaRPr>
           </a:p>
         </p:txBody>
@@ -10293,7 +11707,7 @@
         <p:spPr bwMode="auto">
           <a:xfrm>
             <a:off x="677334" y="1192306"/>
-            <a:ext cx="3304115" cy="461665"/>
+            <a:ext cx="4161794" cy="461665"/>
           </a:xfrm>
           <a:prstGeom prst="rect">
             <a:avLst/>
@@ -10337,8 +11751,8 @@
             </a:pPr>
             <a:r>
               <a:rPr lang="ja-JP" altLang="en-US" sz="2400" dirty="0">
-                <a:latin typeface="Meiryo UI" panose="020B0604030504040204" pitchFamily="50" charset="-128"/>
-                <a:ea typeface="Meiryo UI" panose="020B0604030504040204" pitchFamily="50" charset="-128"/>
+                <a:latin typeface="Noto Sans JP" panose="020B0200000000000000" pitchFamily="50" charset="-128"/>
+                <a:ea typeface="Noto Sans JP" panose="020B0200000000000000" pitchFamily="50" charset="-128"/>
               </a:rPr>
               <a:t>ドキュメント・ソースコード</a:t>
             </a:r>
@@ -10350,8 +11764,8 @@
                 <a:schemeClr val="tx1"/>
               </a:solidFill>
               <a:effectLst/>
-              <a:latin typeface="Meiryo UI" panose="020B0604030504040204" pitchFamily="50" charset="-128"/>
-              <a:ea typeface="Meiryo UI" panose="020B0604030504040204" pitchFamily="50" charset="-128"/>
+              <a:latin typeface="Noto Sans JP" panose="020B0200000000000000" pitchFamily="50" charset="-128"/>
+              <a:ea typeface="Noto Sans JP" panose="020B0200000000000000" pitchFamily="50" charset="-128"/>
             </a:endParaRPr>
           </a:p>
         </p:txBody>
@@ -10406,8 +11820,8 @@
             </a:pPr>
             <a:r>
               <a:rPr lang="en-US" altLang="ja-JP" sz="2400" dirty="0">
-                <a:latin typeface="Meiryo UI" panose="020B0604030504040204" pitchFamily="50" charset="-128"/>
-                <a:ea typeface="Meiryo UI" panose="020B0604030504040204" pitchFamily="50" charset="-128"/>
+                <a:latin typeface="Noto Sans JP" panose="020B0200000000000000" pitchFamily="50" charset="-128"/>
+                <a:ea typeface="Noto Sans JP" panose="020B0200000000000000" pitchFamily="50" charset="-128"/>
               </a:rPr>
               <a:t>https://github.com/ryuseim1115/apprentice-term6-team-dev</a:t>
             </a:r>
@@ -10419,8 +11833,8 @@
                 <a:schemeClr val="tx1"/>
               </a:solidFill>
               <a:effectLst/>
-              <a:latin typeface="Meiryo UI" panose="020B0604030504040204" pitchFamily="50" charset="-128"/>
-              <a:ea typeface="Meiryo UI" panose="020B0604030504040204" pitchFamily="50" charset="-128"/>
+              <a:latin typeface="Noto Sans JP" panose="020B0200000000000000" pitchFamily="50" charset="-128"/>
+              <a:ea typeface="Noto Sans JP" panose="020B0200000000000000" pitchFamily="50" charset="-128"/>
             </a:endParaRPr>
           </a:p>
         </p:txBody>
@@ -10494,115 +11908,11 @@
                 <a:solidFill>
                   <a:schemeClr val="tx1"/>
                 </a:solidFill>
-                <a:latin typeface="Meiryo UI" panose="020B0604030504040204" pitchFamily="50" charset="-128"/>
-                <a:ea typeface="Meiryo UI" panose="020B0604030504040204" pitchFamily="50" charset="-128"/>
+                <a:latin typeface="Noto Sans JP" panose="020B0200000000000000" pitchFamily="50" charset="-128"/>
+                <a:ea typeface="Noto Sans JP" panose="020B0200000000000000" pitchFamily="50" charset="-128"/>
               </a:rPr>
               <a:t>目次</a:t>
             </a:r>
-          </a:p>
-        </p:txBody>
-      </p:sp>
-      <p:sp>
-        <p:nvSpPr>
-          <p:cNvPr id="3" name="タイトル 1">
-            <a:extLst>
-              <a:ext uri="{FF2B5EF4-FFF2-40B4-BE49-F238E27FC236}">
-                <a16:creationId xmlns:a16="http://schemas.microsoft.com/office/drawing/2014/main" id="{92D1E47F-F105-19D7-F5E8-A148CD49D2C8}"/>
-              </a:ext>
-            </a:extLst>
-          </p:cNvPr>
-          <p:cNvSpPr txBox="1">
-            <a:spLocks/>
-          </p:cNvSpPr>
-          <p:nvPr/>
-        </p:nvSpPr>
-        <p:spPr>
-          <a:xfrm>
-            <a:off x="1340722" y="3137646"/>
-            <a:ext cx="8596668" cy="1308847"/>
-          </a:xfrm>
-          <a:prstGeom prst="rect">
-            <a:avLst/>
-          </a:prstGeom>
-        </p:spPr>
-        <p:txBody>
-          <a:bodyPr vert="horz" lIns="91440" tIns="45720" rIns="91440" bIns="45720" rtlCol="0" anchor="t">
-            <a:normAutofit fontScale="97500"/>
-          </a:bodyPr>
-          <a:lstStyle>
-            <a:lvl1pPr algn="l" defTabSz="457200" rtl="0" eaLnBrk="1" latinLnBrk="0" hangingPunct="1">
-              <a:spcBef>
-                <a:spcPct val="0"/>
-              </a:spcBef>
-              <a:buNone/>
-              <a:defRPr kumimoji="1" sz="3600" kern="1200">
-                <a:solidFill>
-                  <a:schemeClr val="accent1"/>
-                </a:solidFill>
-                <a:latin typeface="+mj-lt"/>
-                <a:ea typeface="+mj-ea"/>
-                <a:cs typeface="+mj-cs"/>
-              </a:defRPr>
-            </a:lvl1pPr>
-            <a:lvl2pPr eaLnBrk="1" hangingPunct="1">
-              <a:defRPr kumimoji="1">
-                <a:solidFill>
-                  <a:schemeClr val="tx2"/>
-                </a:solidFill>
-              </a:defRPr>
-            </a:lvl2pPr>
-            <a:lvl3pPr eaLnBrk="1" hangingPunct="1">
-              <a:defRPr kumimoji="1">
-                <a:solidFill>
-                  <a:schemeClr val="tx2"/>
-                </a:solidFill>
-              </a:defRPr>
-            </a:lvl3pPr>
-            <a:lvl4pPr eaLnBrk="1" hangingPunct="1">
-              <a:defRPr kumimoji="1">
-                <a:solidFill>
-                  <a:schemeClr val="tx2"/>
-                </a:solidFill>
-              </a:defRPr>
-            </a:lvl4pPr>
-            <a:lvl5pPr eaLnBrk="1" hangingPunct="1">
-              <a:defRPr kumimoji="1">
-                <a:solidFill>
-                  <a:schemeClr val="tx2"/>
-                </a:solidFill>
-              </a:defRPr>
-            </a:lvl5pPr>
-            <a:lvl6pPr eaLnBrk="1" hangingPunct="1">
-              <a:defRPr kumimoji="1">
-                <a:solidFill>
-                  <a:schemeClr val="tx2"/>
-                </a:solidFill>
-              </a:defRPr>
-            </a:lvl6pPr>
-            <a:lvl7pPr eaLnBrk="1" hangingPunct="1">
-              <a:defRPr kumimoji="1">
-                <a:solidFill>
-                  <a:schemeClr val="tx2"/>
-                </a:solidFill>
-              </a:defRPr>
-            </a:lvl7pPr>
-            <a:lvl8pPr eaLnBrk="1" hangingPunct="1">
-              <a:defRPr kumimoji="1">
-                <a:solidFill>
-                  <a:schemeClr val="tx2"/>
-                </a:solidFill>
-              </a:defRPr>
-            </a:lvl8pPr>
-            <a:lvl9pPr eaLnBrk="1" hangingPunct="1">
-              <a:defRPr kumimoji="1">
-                <a:solidFill>
-                  <a:schemeClr val="tx2"/>
-                </a:solidFill>
-              </a:defRPr>
-            </a:lvl9pPr>
-          </a:lstStyle>
-          <a:p>
-            <a:endParaRPr lang="en-US" altLang="ja-JP" sz="1600" dirty="0"/>
           </a:p>
         </p:txBody>
       </p:sp>
@@ -10687,8 +11997,8 @@
             </a:pPr>
             <a:r>
               <a:rPr lang="en-US" altLang="ja-JP" sz="2400" dirty="0">
-                <a:latin typeface="Meiryo UI" panose="020B0604030504040204" pitchFamily="50" charset="-128"/>
-                <a:ea typeface="Meiryo UI" panose="020B0604030504040204" pitchFamily="50" charset="-128"/>
+                <a:latin typeface="Noto Sans JP" panose="020B0200000000000000" pitchFamily="50" charset="-128"/>
+                <a:ea typeface="Noto Sans JP" panose="020B0200000000000000" pitchFamily="50" charset="-128"/>
               </a:rPr>
               <a:t>1.</a:t>
             </a:r>
@@ -10701,8 +12011,8 @@
                   <a:schemeClr val="tx1"/>
                 </a:solidFill>
                 <a:effectLst/>
-                <a:latin typeface="Meiryo UI" panose="020B0604030504040204" pitchFamily="50" charset="-128"/>
-                <a:ea typeface="Meiryo UI" panose="020B0604030504040204" pitchFamily="50" charset="-128"/>
+                <a:latin typeface="Noto Sans JP" panose="020B0200000000000000" pitchFamily="50" charset="-128"/>
+                <a:ea typeface="Noto Sans JP" panose="020B0200000000000000" pitchFamily="50" charset="-128"/>
               </a:rPr>
               <a:t>背景・課題</a:t>
             </a:r>
@@ -10724,15 +12034,15 @@
             </a:pPr>
             <a:r>
               <a:rPr lang="en-US" altLang="ja-JP" sz="2400" dirty="0">
-                <a:latin typeface="Meiryo UI" panose="020B0604030504040204" pitchFamily="50" charset="-128"/>
-                <a:ea typeface="Meiryo UI" panose="020B0604030504040204" pitchFamily="50" charset="-128"/>
+                <a:latin typeface="Noto Sans JP" panose="020B0200000000000000" pitchFamily="50" charset="-128"/>
+                <a:ea typeface="Noto Sans JP" panose="020B0200000000000000" pitchFamily="50" charset="-128"/>
               </a:rPr>
               <a:t>2.</a:t>
             </a:r>
             <a:r>
               <a:rPr lang="ja-JP" altLang="en-US" sz="2400" dirty="0">
-                <a:latin typeface="Meiryo UI" panose="020B0604030504040204" pitchFamily="50" charset="-128"/>
-                <a:ea typeface="Meiryo UI" panose="020B0604030504040204" pitchFamily="50" charset="-128"/>
+                <a:latin typeface="Noto Sans JP" panose="020B0200000000000000" pitchFamily="50" charset="-128"/>
+                <a:ea typeface="Noto Sans JP" panose="020B0200000000000000" pitchFamily="50" charset="-128"/>
               </a:rPr>
               <a:t>共通点発見</a:t>
             </a:r>
@@ -10745,8 +12055,8 @@
                   <a:schemeClr val="tx1"/>
                 </a:solidFill>
                 <a:effectLst/>
-                <a:latin typeface="Meiryo UI" panose="020B0604030504040204" pitchFamily="50" charset="-128"/>
-                <a:ea typeface="Meiryo UI" panose="020B0604030504040204" pitchFamily="50" charset="-128"/>
+                <a:latin typeface="Noto Sans JP" panose="020B0200000000000000" pitchFamily="50" charset="-128"/>
+                <a:ea typeface="Noto Sans JP" panose="020B0200000000000000" pitchFamily="50" charset="-128"/>
               </a:rPr>
               <a:t>アプリ開発目的</a:t>
             </a:r>
@@ -10758,8 +12068,8 @@
                 <a:schemeClr val="tx1"/>
               </a:solidFill>
               <a:effectLst/>
-              <a:latin typeface="Meiryo UI" panose="020B0604030504040204" pitchFamily="50" charset="-128"/>
-              <a:ea typeface="Meiryo UI" panose="020B0604030504040204" pitchFamily="50" charset="-128"/>
+              <a:latin typeface="Noto Sans JP" panose="020B0200000000000000" pitchFamily="50" charset="-128"/>
+              <a:ea typeface="Noto Sans JP" panose="020B0200000000000000" pitchFamily="50" charset="-128"/>
             </a:endParaRPr>
           </a:p>
           <a:p>
@@ -10780,8 +12090,8 @@
                   <a:schemeClr val="tx1"/>
                 </a:solidFill>
                 <a:effectLst/>
-                <a:latin typeface="Meiryo UI" panose="020B0604030504040204" pitchFamily="50" charset="-128"/>
-                <a:ea typeface="Meiryo UI" panose="020B0604030504040204" pitchFamily="50" charset="-128"/>
+                <a:latin typeface="Noto Sans JP" panose="020B0200000000000000" pitchFamily="50" charset="-128"/>
+                <a:ea typeface="Noto Sans JP" panose="020B0200000000000000" pitchFamily="50" charset="-128"/>
               </a:rPr>
               <a:t>3.</a:t>
             </a:r>
@@ -10794,15 +12104,15 @@
                   <a:schemeClr val="tx1"/>
                 </a:solidFill>
                 <a:effectLst/>
-                <a:latin typeface="Meiryo UI" panose="020B0604030504040204" pitchFamily="50" charset="-128"/>
-                <a:ea typeface="Meiryo UI" panose="020B0604030504040204" pitchFamily="50" charset="-128"/>
+                <a:latin typeface="Noto Sans JP" panose="020B0200000000000000" pitchFamily="50" charset="-128"/>
+                <a:ea typeface="Noto Sans JP" panose="020B0200000000000000" pitchFamily="50" charset="-128"/>
               </a:rPr>
               <a:t>共通点発見</a:t>
             </a:r>
             <a:r>
               <a:rPr lang="ja-JP" altLang="ja-JP" sz="2400" dirty="0">
-                <a:latin typeface="Meiryo UI" panose="020B0604030504040204" pitchFamily="50" charset="-128"/>
-                <a:ea typeface="Meiryo UI" panose="020B0604030504040204" pitchFamily="50" charset="-128"/>
+                <a:latin typeface="Noto Sans JP" panose="020B0200000000000000" pitchFamily="50" charset="-128"/>
+                <a:ea typeface="Noto Sans JP" panose="020B0200000000000000" pitchFamily="50" charset="-128"/>
               </a:rPr>
               <a:t>アプリ概要</a:t>
             </a:r>
@@ -10814,8 +12124,8 @@
                 <a:schemeClr val="tx1"/>
               </a:solidFill>
               <a:effectLst/>
-              <a:latin typeface="Meiryo UI" panose="020B0604030504040204" pitchFamily="50" charset="-128"/>
-              <a:ea typeface="Meiryo UI" panose="020B0604030504040204" pitchFamily="50" charset="-128"/>
+              <a:latin typeface="Noto Sans JP" panose="020B0200000000000000" pitchFamily="50" charset="-128"/>
+              <a:ea typeface="Noto Sans JP" panose="020B0200000000000000" pitchFamily="50" charset="-128"/>
             </a:endParaRPr>
           </a:p>
           <a:p>
@@ -10842,8 +12152,8 @@
                   <a:schemeClr val="tx1"/>
                 </a:solidFill>
                 <a:effectLst/>
-                <a:latin typeface="Meiryo UI" panose="020B0604030504040204" pitchFamily="50" charset="-128"/>
-                <a:ea typeface="Meiryo UI" panose="020B0604030504040204" pitchFamily="50" charset="-128"/>
+                <a:latin typeface="Noto Sans JP" panose="020B0200000000000000" pitchFamily="50" charset="-128"/>
+                <a:ea typeface="Noto Sans JP" panose="020B0200000000000000" pitchFamily="50" charset="-128"/>
               </a:rPr>
               <a:t>4.</a:t>
             </a:r>
@@ -10856,21 +12166,21 @@
                   <a:schemeClr val="tx1"/>
                 </a:solidFill>
                 <a:effectLst/>
-                <a:latin typeface="Meiryo UI" panose="020B0604030504040204" pitchFamily="50" charset="-128"/>
-                <a:ea typeface="Meiryo UI" panose="020B0604030504040204" pitchFamily="50" charset="-128"/>
+                <a:latin typeface="Noto Sans JP" panose="020B0200000000000000" pitchFamily="50" charset="-128"/>
+                <a:ea typeface="Noto Sans JP" panose="020B0200000000000000" pitchFamily="50" charset="-128"/>
               </a:rPr>
               <a:t>共通点発見アプリ</a:t>
             </a:r>
             <a:r>
               <a:rPr lang="ja-JP" altLang="en-US" sz="2400" dirty="0">
-                <a:latin typeface="Meiryo UI" panose="020B0604030504040204" pitchFamily="50" charset="-128"/>
-                <a:ea typeface="Meiryo UI" panose="020B0604030504040204" pitchFamily="50" charset="-128"/>
+                <a:latin typeface="Noto Sans JP" panose="020B0200000000000000" pitchFamily="50" charset="-128"/>
+                <a:ea typeface="Noto Sans JP" panose="020B0200000000000000" pitchFamily="50" charset="-128"/>
               </a:rPr>
               <a:t>使用手順</a:t>
             </a:r>
             <a:endParaRPr lang="en-US" altLang="ja-JP" sz="2400" dirty="0">
-              <a:latin typeface="Meiryo UI" panose="020B0604030504040204" pitchFamily="50" charset="-128"/>
-              <a:ea typeface="Meiryo UI" panose="020B0604030504040204" pitchFamily="50" charset="-128"/>
+              <a:latin typeface="Noto Sans JP" panose="020B0200000000000000" pitchFamily="50" charset="-128"/>
+              <a:ea typeface="Noto Sans JP" panose="020B0200000000000000" pitchFamily="50" charset="-128"/>
             </a:endParaRPr>
           </a:p>
           <a:p>
@@ -10897,15 +12207,15 @@
                   <a:schemeClr val="tx1"/>
                 </a:solidFill>
                 <a:effectLst/>
-                <a:latin typeface="Meiryo UI" panose="020B0604030504040204" pitchFamily="50" charset="-128"/>
-                <a:ea typeface="Meiryo UI" panose="020B0604030504040204" pitchFamily="50" charset="-128"/>
+                <a:latin typeface="Noto Sans JP" panose="020B0200000000000000" pitchFamily="50" charset="-128"/>
+                <a:ea typeface="Noto Sans JP" panose="020B0200000000000000" pitchFamily="50" charset="-128"/>
               </a:rPr>
               <a:t>5.</a:t>
             </a:r>
             <a:r>
               <a:rPr lang="ja-JP" altLang="en-US" sz="2400" dirty="0">
-                <a:latin typeface="Meiryo UI" panose="020B0604030504040204" pitchFamily="50" charset="-128"/>
-                <a:ea typeface="Meiryo UI" panose="020B0604030504040204" pitchFamily="50" charset="-128"/>
+                <a:latin typeface="Noto Sans JP" panose="020B0200000000000000" pitchFamily="50" charset="-128"/>
+                <a:ea typeface="Noto Sans JP" panose="020B0200000000000000" pitchFamily="50" charset="-128"/>
               </a:rPr>
               <a:t>役割分担</a:t>
             </a:r>
@@ -10917,8 +12227,8 @@
                 <a:schemeClr val="tx1"/>
               </a:solidFill>
               <a:effectLst/>
-              <a:latin typeface="Meiryo UI" panose="020B0604030504040204" pitchFamily="50" charset="-128"/>
-              <a:ea typeface="Meiryo UI" panose="020B0604030504040204" pitchFamily="50" charset="-128"/>
+              <a:latin typeface="Noto Sans JP" panose="020B0200000000000000" pitchFamily="50" charset="-128"/>
+              <a:ea typeface="Noto Sans JP" panose="020B0200000000000000" pitchFamily="50" charset="-128"/>
             </a:endParaRPr>
           </a:p>
           <a:p>
@@ -10945,8 +12255,8 @@
                   <a:schemeClr val="tx1"/>
                 </a:solidFill>
                 <a:effectLst/>
-                <a:latin typeface="Meiryo UI" panose="020B0604030504040204" pitchFamily="50" charset="-128"/>
-                <a:ea typeface="Meiryo UI" panose="020B0604030504040204" pitchFamily="50" charset="-128"/>
+                <a:latin typeface="Noto Sans JP" panose="020B0200000000000000" pitchFamily="50" charset="-128"/>
+                <a:ea typeface="Noto Sans JP" panose="020B0200000000000000" pitchFamily="50" charset="-128"/>
               </a:rPr>
               <a:t>6.</a:t>
             </a:r>
@@ -10959,8 +12269,8 @@
                   <a:schemeClr val="tx1"/>
                 </a:solidFill>
                 <a:effectLst/>
-                <a:latin typeface="Meiryo UI" panose="020B0604030504040204" pitchFamily="50" charset="-128"/>
-                <a:ea typeface="Meiryo UI" panose="020B0604030504040204" pitchFamily="50" charset="-128"/>
+                <a:latin typeface="Noto Sans JP" panose="020B0200000000000000" pitchFamily="50" charset="-128"/>
+                <a:ea typeface="Noto Sans JP" panose="020B0200000000000000" pitchFamily="50" charset="-128"/>
               </a:rPr>
               <a:t>改善点</a:t>
             </a:r>
@@ -10982,8 +12292,8 @@
             </a:pPr>
             <a:r>
               <a:rPr lang="en-US" altLang="ja-JP" sz="2400" dirty="0">
-                <a:latin typeface="Meiryo UI" panose="020B0604030504040204" pitchFamily="50" charset="-128"/>
-                <a:ea typeface="Meiryo UI" panose="020B0604030504040204" pitchFamily="50" charset="-128"/>
+                <a:latin typeface="Noto Sans JP" panose="020B0200000000000000" pitchFamily="50" charset="-128"/>
+                <a:ea typeface="Noto Sans JP" panose="020B0200000000000000" pitchFamily="50" charset="-128"/>
               </a:rPr>
               <a:t>7</a:t>
             </a:r>
@@ -10996,8 +12306,8 @@
                   <a:schemeClr val="tx1"/>
                 </a:solidFill>
                 <a:effectLst/>
-                <a:latin typeface="Meiryo UI" panose="020B0604030504040204" pitchFamily="50" charset="-128"/>
-                <a:ea typeface="Meiryo UI" panose="020B0604030504040204" pitchFamily="50" charset="-128"/>
+                <a:latin typeface="Noto Sans JP" panose="020B0200000000000000" pitchFamily="50" charset="-128"/>
+                <a:ea typeface="Noto Sans JP" panose="020B0200000000000000" pitchFamily="50" charset="-128"/>
               </a:rPr>
               <a:t>.</a:t>
             </a:r>
@@ -11010,8 +12320,8 @@
                   <a:schemeClr val="tx1"/>
                 </a:solidFill>
                 <a:effectLst/>
-                <a:latin typeface="Meiryo UI" panose="020B0604030504040204" pitchFamily="50" charset="-128"/>
-                <a:ea typeface="Meiryo UI" panose="020B0604030504040204" pitchFamily="50" charset="-128"/>
+                <a:latin typeface="Noto Sans JP" panose="020B0200000000000000" pitchFamily="50" charset="-128"/>
+                <a:ea typeface="Noto Sans JP" panose="020B0200000000000000" pitchFamily="50" charset="-128"/>
               </a:rPr>
               <a:t>まとめ</a:t>
             </a:r>
@@ -11023,8 +12333,8 @@
                 <a:schemeClr val="tx1"/>
               </a:solidFill>
               <a:effectLst/>
-              <a:latin typeface="Meiryo UI" panose="020B0604030504040204" pitchFamily="50" charset="-128"/>
-              <a:ea typeface="Meiryo UI" panose="020B0604030504040204" pitchFamily="50" charset="-128"/>
+              <a:latin typeface="Noto Sans JP" panose="020B0200000000000000" pitchFamily="50" charset="-128"/>
+              <a:ea typeface="Noto Sans JP" panose="020B0200000000000000" pitchFamily="50" charset="-128"/>
             </a:endParaRPr>
           </a:p>
           <a:p>
@@ -11051,8 +12361,8 @@
                   <a:schemeClr val="tx1"/>
                 </a:solidFill>
                 <a:effectLst/>
-                <a:latin typeface="Meiryo UI" panose="020B0604030504040204" pitchFamily="50" charset="-128"/>
-                <a:ea typeface="Meiryo UI" panose="020B0604030504040204" pitchFamily="50" charset="-128"/>
+                <a:latin typeface="Noto Sans JP" panose="020B0200000000000000" pitchFamily="50" charset="-128"/>
+                <a:ea typeface="Noto Sans JP" panose="020B0200000000000000" pitchFamily="50" charset="-128"/>
               </a:rPr>
               <a:t>8.</a:t>
             </a:r>
@@ -11065,8 +12375,8 @@
                   <a:schemeClr val="tx1"/>
                 </a:solidFill>
                 <a:effectLst/>
-                <a:latin typeface="Meiryo UI" panose="020B0604030504040204" pitchFamily="50" charset="-128"/>
-                <a:ea typeface="Meiryo UI" panose="020B0604030504040204" pitchFamily="50" charset="-128"/>
+                <a:latin typeface="Noto Sans JP" panose="020B0200000000000000" pitchFamily="50" charset="-128"/>
+                <a:ea typeface="Noto Sans JP" panose="020B0200000000000000" pitchFamily="50" charset="-128"/>
               </a:rPr>
               <a:t>付録</a:t>
             </a:r>
@@ -11128,7 +12438,7 @@
         <p:spPr>
           <a:xfrm>
             <a:off x="677333" y="609600"/>
-            <a:ext cx="2442385" cy="582706"/>
+            <a:ext cx="2713139" cy="582706"/>
           </a:xfrm>
         </p:spPr>
         <p:txBody>
@@ -11142,8 +12452,8 @@
                 <a:solidFill>
                   <a:schemeClr val="tx1"/>
                 </a:solidFill>
-                <a:latin typeface="Meiryo UI" panose="020B0604030504040204" pitchFamily="50" charset="-128"/>
-                <a:ea typeface="Meiryo UI" panose="020B0604030504040204" pitchFamily="50" charset="-128"/>
+                <a:latin typeface="Noto Sans JP" panose="020B0200000000000000" pitchFamily="50" charset="-128"/>
+                <a:ea typeface="Noto Sans JP" panose="020B0200000000000000" pitchFamily="50" charset="-128"/>
               </a:rPr>
               <a:t>1.</a:t>
             </a:r>
@@ -11152,8 +12462,8 @@
                 <a:solidFill>
                   <a:schemeClr val="tx1"/>
                 </a:solidFill>
-                <a:latin typeface="Meiryo UI" panose="020B0604030504040204" pitchFamily="50" charset="-128"/>
-                <a:ea typeface="Meiryo UI" panose="020B0604030504040204" pitchFamily="50" charset="-128"/>
+                <a:latin typeface="Noto Sans JP" panose="020B0200000000000000" pitchFamily="50" charset="-128"/>
+                <a:ea typeface="Noto Sans JP" panose="020B0200000000000000" pitchFamily="50" charset="-128"/>
               </a:rPr>
               <a:t>背景・課題</a:t>
             </a:r>
@@ -11161,6 +12471,8 @@
               <a:solidFill>
                 <a:schemeClr val="tx1"/>
               </a:solidFill>
+              <a:latin typeface="Noto Sans JP" panose="020B0200000000000000" pitchFamily="50" charset="-128"/>
+              <a:ea typeface="Noto Sans JP" panose="020B0200000000000000" pitchFamily="50" charset="-128"/>
             </a:endParaRPr>
           </a:p>
         </p:txBody>
@@ -11226,8 +12538,8 @@
             </a:pPr>
             <a:r>
               <a:rPr lang="ja-JP" altLang="en-US" sz="2400" dirty="0">
-                <a:latin typeface="Meiryo UI" panose="020B0604030504040204" pitchFamily="50" charset="-128"/>
-                <a:ea typeface="Meiryo UI" panose="020B0604030504040204" pitchFamily="50" charset="-128"/>
+                <a:latin typeface="Noto Sans JP" panose="020B0200000000000000" pitchFamily="50" charset="-128"/>
+                <a:ea typeface="Noto Sans JP" panose="020B0200000000000000" pitchFamily="50" charset="-128"/>
               </a:rPr>
               <a:t>背景</a:t>
             </a:r>
@@ -11239,8 +12551,8 @@
                 <a:schemeClr val="tx1"/>
               </a:solidFill>
               <a:effectLst/>
-              <a:latin typeface="Meiryo UI" panose="020B0604030504040204" pitchFamily="50" charset="-128"/>
-              <a:ea typeface="Meiryo UI" panose="020B0604030504040204" pitchFamily="50" charset="-128"/>
+              <a:latin typeface="Noto Sans JP" panose="020B0200000000000000" pitchFamily="50" charset="-128"/>
+              <a:ea typeface="Noto Sans JP" panose="020B0200000000000000" pitchFamily="50" charset="-128"/>
             </a:endParaRPr>
           </a:p>
         </p:txBody>
@@ -11294,34 +12606,58 @@
               </a:spcAft>
             </a:pPr>
             <a:r>
-              <a:rPr lang="ja-JP" altLang="en-US" sz="2400" dirty="0"/>
+              <a:rPr lang="ja-JP" altLang="en-US" sz="2400" dirty="0">
+                <a:latin typeface="Noto Sans JP" panose="020B0200000000000000" pitchFamily="50" charset="-128"/>
+                <a:ea typeface="Noto Sans JP" panose="020B0200000000000000" pitchFamily="50" charset="-128"/>
+              </a:rPr>
               <a:t>リモートワーク普及により、</a:t>
             </a:r>
             <a:r>
-              <a:rPr lang="ja-JP" altLang="en-US" sz="2400" b="1" u="sng" dirty="0"/>
+              <a:rPr lang="ja-JP" altLang="en-US" sz="2400" b="1" u="sng" dirty="0">
+                <a:latin typeface="Noto Sans JP" panose="020B0200000000000000" pitchFamily="50" charset="-128"/>
+                <a:ea typeface="Noto Sans JP" panose="020B0200000000000000" pitchFamily="50" charset="-128"/>
+              </a:rPr>
               <a:t>オンライン交流機会</a:t>
             </a:r>
             <a:r>
-              <a:rPr lang="ja-JP" altLang="en-US" sz="2400" dirty="0"/>
+              <a:rPr lang="ja-JP" altLang="en-US" sz="2400" dirty="0">
+                <a:latin typeface="Noto Sans JP" panose="020B0200000000000000" pitchFamily="50" charset="-128"/>
+                <a:ea typeface="Noto Sans JP" panose="020B0200000000000000" pitchFamily="50" charset="-128"/>
+              </a:rPr>
               <a:t>が増加している。オンラインは対面交流と比べて</a:t>
             </a:r>
             <a:r>
-              <a:rPr lang="ja-JP" altLang="en-US" sz="2400" b="1" u="sng" dirty="0"/>
+              <a:rPr lang="ja-JP" altLang="en-US" sz="2400" b="1" u="sng" dirty="0">
+                <a:latin typeface="Noto Sans JP" panose="020B0200000000000000" pitchFamily="50" charset="-128"/>
+                <a:ea typeface="Noto Sans JP" panose="020B0200000000000000" pitchFamily="50" charset="-128"/>
+              </a:rPr>
               <a:t>情報量が少なく</a:t>
             </a:r>
             <a:r>
-              <a:rPr lang="ja-JP" altLang="en-US" sz="2400" dirty="0"/>
+              <a:rPr lang="ja-JP" altLang="en-US" sz="2400" dirty="0">
+                <a:latin typeface="Noto Sans JP" panose="020B0200000000000000" pitchFamily="50" charset="-128"/>
+                <a:ea typeface="Noto Sans JP" panose="020B0200000000000000" pitchFamily="50" charset="-128"/>
+              </a:rPr>
               <a:t>、</a:t>
             </a:r>
             <a:r>
-              <a:rPr lang="ja-JP" altLang="en-US" sz="2400" b="1" u="sng" dirty="0"/>
+              <a:rPr lang="ja-JP" altLang="en-US" sz="2400" b="1" u="sng" dirty="0">
+                <a:latin typeface="Noto Sans JP" panose="020B0200000000000000" pitchFamily="50" charset="-128"/>
+                <a:ea typeface="Noto Sans JP" panose="020B0200000000000000" pitchFamily="50" charset="-128"/>
+              </a:rPr>
               <a:t>共通の話題</a:t>
             </a:r>
             <a:r>
-              <a:rPr lang="ja-JP" altLang="en-US" sz="2400" dirty="0"/>
+              <a:rPr lang="ja-JP" altLang="en-US" sz="2400" dirty="0">
+                <a:latin typeface="Noto Sans JP" panose="020B0200000000000000" pitchFamily="50" charset="-128"/>
+                <a:ea typeface="Noto Sans JP" panose="020B0200000000000000" pitchFamily="50" charset="-128"/>
+              </a:rPr>
               <a:t>を見つけることが難しい。</a:t>
             </a:r>
-            <a:endParaRPr lang="en-US" altLang="ja-JP" sz="2400" dirty="0"/>
+            <a:endParaRPr lang="en-US" altLang="ja-JP" sz="2400" dirty="0">
+              <a:latin typeface="Noto Sans JP" panose="020B0200000000000000" pitchFamily="50" charset="-128"/>
+              <a:ea typeface="Noto Sans JP" panose="020B0200000000000000" pitchFamily="50" charset="-128"/>
+            </a:endParaRPr>
           </a:p>
         </p:txBody>
       </p:sp>
@@ -11393,8 +12729,8 @@
                   <a:schemeClr val="tx1"/>
                 </a:solidFill>
                 <a:effectLst/>
-                <a:latin typeface="Meiryo UI" panose="020B0604030504040204" pitchFamily="50" charset="-128"/>
-                <a:ea typeface="Meiryo UI" panose="020B0604030504040204" pitchFamily="50" charset="-128"/>
+                <a:latin typeface="Noto Sans JP" panose="020B0200000000000000" pitchFamily="50" charset="-128"/>
+                <a:ea typeface="Noto Sans JP" panose="020B0200000000000000" pitchFamily="50" charset="-128"/>
               </a:rPr>
               <a:t>課題</a:t>
             </a:r>
@@ -11450,17 +12786,19 @@
               </a:spcAft>
             </a:pPr>
             <a:r>
-              <a:rPr lang="ja-JP" altLang="en-US" sz="2400" dirty="0"/>
+              <a:rPr lang="ja-JP" altLang="en-US" sz="2400" dirty="0">
+                <a:latin typeface="Noto Sans JP" panose="020B0200000000000000" pitchFamily="50" charset="-128"/>
+                <a:ea typeface="Noto Sans JP" panose="020B0200000000000000" pitchFamily="50" charset="-128"/>
+              </a:rPr>
               <a:t>オンラインはオフラインと比べて</a:t>
             </a:r>
             <a:r>
-              <a:rPr lang="ja-JP" altLang="en-US" sz="2400" b="1" u="sng" dirty="0"/>
+              <a:rPr lang="ja-JP" altLang="en-US" sz="2400" b="1" u="sng" dirty="0">
+                <a:latin typeface="Noto Sans JP" panose="020B0200000000000000" pitchFamily="50" charset="-128"/>
+                <a:ea typeface="Noto Sans JP" panose="020B0200000000000000" pitchFamily="50" charset="-128"/>
+              </a:rPr>
               <a:t>関係構築が難しい</a:t>
             </a:r>
-            <a:endParaRPr lang="ja-JP" altLang="en-US" sz="2400" b="1" u="sng" dirty="0">
-              <a:latin typeface="Meiryo UI" panose="020B0604030504040204" pitchFamily="50" charset="-128"/>
-              <a:ea typeface="Meiryo UI" panose="020B0604030504040204" pitchFamily="50" charset="-128"/>
-            </a:endParaRPr>
           </a:p>
         </p:txBody>
       </p:sp>
@@ -11562,7 +12900,10 @@
             <a:lstStyle/>
             <a:p>
               <a:pPr algn="ctr"/>
-              <a:endParaRPr kumimoji="1" lang="ja-JP" altLang="en-US"/>
+              <a:endParaRPr kumimoji="1" lang="ja-JP" altLang="en-US">
+                <a:latin typeface="Noto Sans JP" panose="020B0200000000000000" pitchFamily="50" charset="-128"/>
+                <a:ea typeface="Noto Sans JP" panose="020B0200000000000000" pitchFamily="50" charset="-128"/>
+              </a:endParaRPr>
             </a:p>
           </p:txBody>
         </p:sp>
@@ -11624,6 +12965,8 @@
                   <a:solidFill>
                     <a:schemeClr val="tx1"/>
                   </a:solidFill>
+                  <a:latin typeface="Noto Sans JP" panose="020B0200000000000000" pitchFamily="50" charset="-128"/>
+                  <a:ea typeface="Noto Sans JP" panose="020B0200000000000000" pitchFamily="50" charset="-128"/>
                 </a:rPr>
                 <a:t>同じノート持ってます</a:t>
               </a:r>
@@ -11678,7 +13021,10 @@
             <a:lstStyle/>
             <a:p>
               <a:pPr algn="ctr"/>
-              <a:endParaRPr kumimoji="1" lang="ja-JP" altLang="en-US"/>
+              <a:endParaRPr kumimoji="1" lang="ja-JP" altLang="en-US">
+                <a:latin typeface="Noto Sans JP" panose="020B0200000000000000" pitchFamily="50" charset="-128"/>
+                <a:ea typeface="Noto Sans JP" panose="020B0200000000000000" pitchFamily="50" charset="-128"/>
+              </a:endParaRPr>
             </a:p>
           </p:txBody>
         </p:sp>
@@ -11730,7 +13076,10 @@
             <a:lstStyle/>
             <a:p>
               <a:pPr algn="ctr"/>
-              <a:endParaRPr kumimoji="1" lang="ja-JP" altLang="en-US"/>
+              <a:endParaRPr kumimoji="1" lang="ja-JP" altLang="en-US">
+                <a:latin typeface="Noto Sans JP" panose="020B0200000000000000" pitchFamily="50" charset="-128"/>
+                <a:ea typeface="Noto Sans JP" panose="020B0200000000000000" pitchFamily="50" charset="-128"/>
+              </a:endParaRPr>
             </a:p>
           </p:txBody>
         </p:sp>
@@ -11784,7 +13133,10 @@
           <a:p>
             <a:pPr algn="ctr"/>
             <a:r>
-              <a:rPr kumimoji="1" lang="ja-JP" altLang="en-US" sz="1200" dirty="0"/>
+              <a:rPr kumimoji="1" lang="ja-JP" altLang="en-US" sz="1200" dirty="0">
+                <a:latin typeface="Noto Sans JP" panose="020B0200000000000000" pitchFamily="50" charset="-128"/>
+                <a:ea typeface="Noto Sans JP" panose="020B0200000000000000" pitchFamily="50" charset="-128"/>
+              </a:rPr>
               <a:t>オンライン</a:t>
             </a:r>
           </a:p>
@@ -11839,7 +13191,10 @@
           <a:p>
             <a:pPr algn="ctr"/>
             <a:r>
-              <a:rPr kumimoji="1" lang="ja-JP" altLang="en-US" sz="1200" dirty="0"/>
+              <a:rPr kumimoji="1" lang="ja-JP" altLang="en-US" sz="1200" dirty="0">
+                <a:latin typeface="Noto Sans JP" panose="020B0200000000000000" pitchFamily="50" charset="-128"/>
+                <a:ea typeface="Noto Sans JP" panose="020B0200000000000000" pitchFamily="50" charset="-128"/>
+              </a:rPr>
               <a:t>オフライン</a:t>
             </a:r>
           </a:p>
@@ -11900,7 +13255,7 @@
         <p:spPr>
           <a:xfrm>
             <a:off x="677333" y="609600"/>
-            <a:ext cx="3760196" cy="582706"/>
+            <a:ext cx="3493975" cy="582706"/>
           </a:xfrm>
         </p:spPr>
         <p:txBody>
@@ -11919,8 +13274,8 @@
                 <a:solidFill>
                   <a:schemeClr val="tx1"/>
                 </a:solidFill>
-                <a:latin typeface="Meiryo UI" panose="020B0604030504040204" pitchFamily="50" charset="-128"/>
-                <a:ea typeface="Meiryo UI" panose="020B0604030504040204" pitchFamily="50" charset="-128"/>
+                <a:latin typeface="Noto Sans JP" panose="020B0200000000000000" pitchFamily="50" charset="-128"/>
+                <a:ea typeface="Noto Sans JP" panose="020B0200000000000000" pitchFamily="50" charset="-128"/>
               </a:rPr>
               <a:t>2.</a:t>
             </a:r>
@@ -11929,8 +13284,8 @@
                 <a:solidFill>
                   <a:schemeClr val="tx1"/>
                 </a:solidFill>
-                <a:latin typeface="Meiryo UI" panose="020B0604030504040204" pitchFamily="50" charset="-128"/>
-                <a:ea typeface="Meiryo UI" panose="020B0604030504040204" pitchFamily="50" charset="-128"/>
+                <a:latin typeface="Noto Sans JP" panose="020B0200000000000000" pitchFamily="50" charset="-128"/>
+                <a:ea typeface="Noto Sans JP" panose="020B0200000000000000" pitchFamily="50" charset="-128"/>
               </a:rPr>
               <a:t>アプリ開発目的</a:t>
             </a:r>
@@ -11938,8 +13293,8 @@
               <a:solidFill>
                 <a:schemeClr val="tx1"/>
               </a:solidFill>
-              <a:latin typeface="Meiryo UI" panose="020B0604030504040204" pitchFamily="50" charset="-128"/>
-              <a:ea typeface="Meiryo UI" panose="020B0604030504040204" pitchFamily="50" charset="-128"/>
+              <a:latin typeface="Noto Sans JP" panose="020B0200000000000000" pitchFamily="50" charset="-128"/>
+              <a:ea typeface="Noto Sans JP" panose="020B0200000000000000" pitchFamily="50" charset="-128"/>
             </a:endParaRPr>
           </a:p>
         </p:txBody>
@@ -12005,8 +13360,8 @@
             </a:pPr>
             <a:r>
               <a:rPr lang="ja-JP" altLang="en-US" sz="2400" dirty="0">
-                <a:latin typeface="Meiryo UI" panose="020B0604030504040204" pitchFamily="50" charset="-128"/>
-                <a:ea typeface="Meiryo UI" panose="020B0604030504040204" pitchFamily="50" charset="-128"/>
+                <a:latin typeface="Noto Sans JP" panose="020B0200000000000000" pitchFamily="50" charset="-128"/>
+                <a:ea typeface="Noto Sans JP" panose="020B0200000000000000" pitchFamily="50" charset="-128"/>
               </a:rPr>
               <a:t>目的</a:t>
             </a:r>
@@ -12018,8 +13373,8 @@
                 <a:schemeClr val="tx1"/>
               </a:solidFill>
               <a:effectLst/>
-              <a:latin typeface="Meiryo UI" panose="020B0604030504040204" pitchFamily="50" charset="-128"/>
-              <a:ea typeface="Meiryo UI" panose="020B0604030504040204" pitchFamily="50" charset="-128"/>
+              <a:latin typeface="Noto Sans JP" panose="020B0200000000000000" pitchFamily="50" charset="-128"/>
+              <a:ea typeface="Noto Sans JP" panose="020B0200000000000000" pitchFamily="50" charset="-128"/>
             </a:endParaRPr>
           </a:p>
         </p:txBody>
@@ -12073,7 +13428,10 @@
               </a:spcAft>
             </a:pPr>
             <a:r>
-              <a:rPr lang="ja-JP" altLang="en-US" sz="2400" dirty="0"/>
+              <a:rPr lang="ja-JP" altLang="en-US" sz="2400" dirty="0">
+                <a:latin typeface="Noto Sans JP" panose="020B0200000000000000" pitchFamily="50" charset="-128"/>
+                <a:ea typeface="Noto Sans JP" panose="020B0200000000000000" pitchFamily="50" charset="-128"/>
+              </a:rPr>
               <a:t>本アプリは、初対面の人との関係構築を支援することを目的とする</a:t>
             </a:r>
             <a:endParaRPr kumimoji="0" lang="ja-JP" altLang="en-US" sz="2400" i="0" u="none" strike="noStrike" cap="none" normalizeH="0" baseline="0" dirty="0">
@@ -12084,8 +13442,8 @@
                 <a:schemeClr val="tx1"/>
               </a:solidFill>
               <a:effectLst/>
-              <a:latin typeface="Meiryo UI" panose="020B0604030504040204" pitchFamily="50" charset="-128"/>
-              <a:ea typeface="Meiryo UI" panose="020B0604030504040204" pitchFamily="50" charset="-128"/>
+              <a:latin typeface="Noto Sans JP" panose="020B0200000000000000" pitchFamily="50" charset="-128"/>
+              <a:ea typeface="Noto Sans JP" panose="020B0200000000000000" pitchFamily="50" charset="-128"/>
             </a:endParaRPr>
           </a:p>
         </p:txBody>
@@ -12169,7 +13527,10 @@
           <a:p>
             <a:pPr algn="ctr"/>
             <a:r>
-              <a:rPr kumimoji="1" lang="ja-JP" altLang="en-US" sz="1200" dirty="0"/>
+              <a:rPr kumimoji="1" lang="ja-JP" altLang="en-US" sz="1200" dirty="0">
+                <a:latin typeface="Noto Sans JP" panose="020B0200000000000000" pitchFamily="50" charset="-128"/>
+                <a:ea typeface="Noto Sans JP" panose="020B0200000000000000" pitchFamily="50" charset="-128"/>
+              </a:rPr>
               <a:t>オンライン</a:t>
             </a:r>
           </a:p>
@@ -12229,8 +13590,8 @@
         </p:nvSpPr>
         <p:spPr>
           <a:xfrm>
-            <a:off x="677333" y="609600"/>
-            <a:ext cx="3760196" cy="582706"/>
+            <a:off x="677332" y="609600"/>
+            <a:ext cx="5119169" cy="582706"/>
           </a:xfrm>
         </p:spPr>
         <p:txBody>
@@ -12249,8 +13610,8 @@
                 <a:solidFill>
                   <a:schemeClr val="tx1"/>
                 </a:solidFill>
-                <a:latin typeface="Meiryo UI" panose="020B0604030504040204" pitchFamily="50" charset="-128"/>
-                <a:ea typeface="Meiryo UI" panose="020B0604030504040204" pitchFamily="50" charset="-128"/>
+                <a:latin typeface="Noto Sans JP" panose="020B0200000000000000" pitchFamily="50" charset="-128"/>
+                <a:ea typeface="Noto Sans JP" panose="020B0200000000000000" pitchFamily="50" charset="-128"/>
               </a:rPr>
               <a:t>3.</a:t>
             </a:r>
@@ -12259,8 +13620,8 @@
                 <a:solidFill>
                   <a:schemeClr val="tx1"/>
                 </a:solidFill>
-                <a:latin typeface="Meiryo UI" panose="020B0604030504040204" pitchFamily="50" charset="-128"/>
-                <a:ea typeface="Meiryo UI" panose="020B0604030504040204" pitchFamily="50" charset="-128"/>
+                <a:latin typeface="Noto Sans JP" panose="020B0200000000000000" pitchFamily="50" charset="-128"/>
+                <a:ea typeface="Noto Sans JP" panose="020B0200000000000000" pitchFamily="50" charset="-128"/>
               </a:rPr>
               <a:t>共通点発見</a:t>
             </a:r>
@@ -12269,8 +13630,8 @@
                 <a:solidFill>
                   <a:schemeClr val="tx1"/>
                 </a:solidFill>
-                <a:latin typeface="Meiryo UI" panose="020B0604030504040204" pitchFamily="50" charset="-128"/>
-                <a:ea typeface="Meiryo UI" panose="020B0604030504040204" pitchFamily="50" charset="-128"/>
+                <a:latin typeface="Noto Sans JP" panose="020B0200000000000000" pitchFamily="50" charset="-128"/>
+                <a:ea typeface="Noto Sans JP" panose="020B0200000000000000" pitchFamily="50" charset="-128"/>
               </a:rPr>
               <a:t>アプリの概要</a:t>
             </a:r>
@@ -12278,8 +13639,8 @@
               <a:solidFill>
                 <a:schemeClr val="tx1"/>
               </a:solidFill>
-              <a:latin typeface="Meiryo UI" panose="020B0604030504040204" pitchFamily="50" charset="-128"/>
-              <a:ea typeface="Meiryo UI" panose="020B0604030504040204" pitchFamily="50" charset="-128"/>
+              <a:latin typeface="Noto Sans JP" panose="020B0200000000000000" pitchFamily="50" charset="-128"/>
+              <a:ea typeface="Noto Sans JP" panose="020B0200000000000000" pitchFamily="50" charset="-128"/>
             </a:endParaRPr>
           </a:p>
         </p:txBody>
@@ -12338,12 +13699,15 @@
               </a:spcAft>
             </a:pPr>
             <a:r>
-              <a:rPr lang="ja-JP" altLang="en-US" sz="2400" dirty="0"/>
+              <a:rPr lang="ja-JP" altLang="en-US" sz="2400" dirty="0">
+                <a:latin typeface="Noto Sans JP" panose="020B0200000000000000" pitchFamily="50" charset="-128"/>
+                <a:ea typeface="Noto Sans JP" panose="020B0200000000000000" pitchFamily="50" charset="-128"/>
+              </a:rPr>
               <a:t>利用者（ユーザー）</a:t>
             </a:r>
             <a:endParaRPr lang="ja-JP" altLang="ja-JP" sz="2400" dirty="0">
-              <a:latin typeface="Meiryo UI" panose="020B0604030504040204" pitchFamily="50" charset="-128"/>
-              <a:ea typeface="Meiryo UI" panose="020B0604030504040204" pitchFamily="50" charset="-128"/>
+              <a:latin typeface="Noto Sans JP" panose="020B0200000000000000" pitchFamily="50" charset="-128"/>
+              <a:ea typeface="Noto Sans JP" panose="020B0200000000000000" pitchFamily="50" charset="-128"/>
             </a:endParaRPr>
           </a:p>
         </p:txBody>
@@ -12397,11 +13761,17 @@
               </a:spcAft>
             </a:pPr>
             <a:r>
-              <a:rPr lang="ja-JP" altLang="en-US" sz="2400" dirty="0"/>
+              <a:rPr lang="ja-JP" altLang="en-US" sz="2400" dirty="0">
+                <a:latin typeface="Noto Sans JP" panose="020B0200000000000000" pitchFamily="50" charset="-128"/>
+                <a:ea typeface="Noto Sans JP" panose="020B0200000000000000" pitchFamily="50" charset="-128"/>
+              </a:rPr>
               <a:t>初対面同士が集まるオンラインイベントの</a:t>
             </a:r>
             <a:r>
-              <a:rPr lang="ja-JP" altLang="en-US" sz="2400" b="1" u="sng" dirty="0"/>
+              <a:rPr lang="ja-JP" altLang="en-US" sz="2400" b="1" u="sng" dirty="0">
+                <a:latin typeface="Noto Sans JP" panose="020B0200000000000000" pitchFamily="50" charset="-128"/>
+                <a:ea typeface="Noto Sans JP" panose="020B0200000000000000" pitchFamily="50" charset="-128"/>
+              </a:rPr>
               <a:t>参加者</a:t>
             </a:r>
             <a:endParaRPr kumimoji="0" lang="ja-JP" altLang="en-US" sz="2400" b="1" i="0" u="sng" strike="noStrike" cap="none" normalizeH="0" baseline="0" dirty="0">
@@ -12412,8 +13782,8 @@
                 <a:schemeClr val="tx1"/>
               </a:solidFill>
               <a:effectLst/>
-              <a:latin typeface="Meiryo UI" panose="020B0604030504040204" pitchFamily="50" charset="-128"/>
-              <a:ea typeface="Meiryo UI" panose="020B0604030504040204" pitchFamily="50" charset="-128"/>
+              <a:latin typeface="Noto Sans JP" panose="020B0200000000000000" pitchFamily="50" charset="-128"/>
+              <a:ea typeface="Noto Sans JP" panose="020B0200000000000000" pitchFamily="50" charset="-128"/>
             </a:endParaRPr>
           </a:p>
         </p:txBody>
@@ -12472,16 +13842,22 @@
               </a:spcAft>
             </a:pPr>
             <a:r>
-              <a:rPr lang="en-US" altLang="ja-JP" sz="2400" dirty="0"/>
+              <a:rPr lang="en-US" altLang="ja-JP" sz="2400" dirty="0">
+                <a:latin typeface="Noto Sans JP" panose="020B0200000000000000" pitchFamily="50" charset="-128"/>
+                <a:ea typeface="Noto Sans JP" panose="020B0200000000000000" pitchFamily="50" charset="-128"/>
+              </a:rPr>
               <a:t>1</a:t>
             </a:r>
             <a:r>
-              <a:rPr lang="ja-JP" altLang="en-US" sz="2400" dirty="0"/>
+              <a:rPr lang="ja-JP" altLang="en-US" sz="2400" dirty="0">
+                <a:latin typeface="Noto Sans JP" panose="020B0200000000000000" pitchFamily="50" charset="-128"/>
+                <a:ea typeface="Noto Sans JP" panose="020B0200000000000000" pitchFamily="50" charset="-128"/>
+              </a:rPr>
               <a:t>グループあたりの利用人数</a:t>
             </a:r>
             <a:endParaRPr lang="ja-JP" altLang="ja-JP" sz="2400" dirty="0">
-              <a:latin typeface="Meiryo UI" panose="020B0604030504040204" pitchFamily="50" charset="-128"/>
-              <a:ea typeface="Meiryo UI" panose="020B0604030504040204" pitchFamily="50" charset="-128"/>
+              <a:latin typeface="Noto Sans JP" panose="020B0200000000000000" pitchFamily="50" charset="-128"/>
+              <a:ea typeface="Noto Sans JP" panose="020B0200000000000000" pitchFamily="50" charset="-128"/>
             </a:endParaRPr>
           </a:p>
         </p:txBody>
@@ -12536,29 +13912,29 @@
             </a:pPr>
             <a:r>
               <a:rPr lang="en-US" altLang="ja-JP" sz="2400" dirty="0">
-                <a:latin typeface="Meiryo UI" panose="020B0604030504040204" pitchFamily="50" charset="-128"/>
-                <a:ea typeface="Meiryo UI" panose="020B0604030504040204" pitchFamily="50" charset="-128"/>
+                <a:latin typeface="Noto Sans JP" panose="020B0200000000000000" pitchFamily="50" charset="-128"/>
+                <a:ea typeface="Noto Sans JP" panose="020B0200000000000000" pitchFamily="50" charset="-128"/>
               </a:rPr>
               <a:t>2</a:t>
             </a:r>
             <a:r>
               <a:rPr lang="ja-JP" altLang="en-US" sz="2400" dirty="0">
-                <a:latin typeface="Meiryo UI" panose="020B0604030504040204" pitchFamily="50" charset="-128"/>
-                <a:ea typeface="Meiryo UI" panose="020B0604030504040204" pitchFamily="50" charset="-128"/>
+                <a:latin typeface="Noto Sans JP" panose="020B0200000000000000" pitchFamily="50" charset="-128"/>
+                <a:ea typeface="Noto Sans JP" panose="020B0200000000000000" pitchFamily="50" charset="-128"/>
               </a:rPr>
               <a:t>～</a:t>
             </a:r>
             <a:r>
               <a:rPr lang="en-US" altLang="ja-JP" sz="2400" dirty="0">
-                <a:latin typeface="Meiryo UI" panose="020B0604030504040204" pitchFamily="50" charset="-128"/>
-                <a:ea typeface="Meiryo UI" panose="020B0604030504040204" pitchFamily="50" charset="-128"/>
+                <a:latin typeface="Noto Sans JP" panose="020B0200000000000000" pitchFamily="50" charset="-128"/>
+                <a:ea typeface="Noto Sans JP" panose="020B0200000000000000" pitchFamily="50" charset="-128"/>
               </a:rPr>
               <a:t>3</a:t>
             </a:r>
             <a:r>
               <a:rPr lang="ja-JP" altLang="en-US" sz="2400" dirty="0">
-                <a:latin typeface="Meiryo UI" panose="020B0604030504040204" pitchFamily="50" charset="-128"/>
-                <a:ea typeface="Meiryo UI" panose="020B0604030504040204" pitchFamily="50" charset="-128"/>
+                <a:latin typeface="Noto Sans JP" panose="020B0200000000000000" pitchFamily="50" charset="-128"/>
+                <a:ea typeface="Noto Sans JP" panose="020B0200000000000000" pitchFamily="50" charset="-128"/>
               </a:rPr>
               <a:t>人</a:t>
             </a:r>
@@ -12570,8 +13946,8 @@
                 <a:schemeClr val="tx1"/>
               </a:solidFill>
               <a:effectLst/>
-              <a:latin typeface="Meiryo UI" panose="020B0604030504040204" pitchFamily="50" charset="-128"/>
-              <a:ea typeface="Meiryo UI" panose="020B0604030504040204" pitchFamily="50" charset="-128"/>
+              <a:latin typeface="Noto Sans JP" panose="020B0200000000000000" pitchFamily="50" charset="-128"/>
+              <a:ea typeface="Noto Sans JP" panose="020B0200000000000000" pitchFamily="50" charset="-128"/>
             </a:endParaRPr>
           </a:p>
         </p:txBody>
@@ -12630,12 +14006,15 @@
               </a:spcAft>
             </a:pPr>
             <a:r>
-              <a:rPr lang="ja-JP" altLang="en-US" sz="2400" dirty="0"/>
+              <a:rPr lang="ja-JP" altLang="en-US" sz="2400" dirty="0">
+                <a:latin typeface="Noto Sans JP" panose="020B0200000000000000" pitchFamily="50" charset="-128"/>
+                <a:ea typeface="Noto Sans JP" panose="020B0200000000000000" pitchFamily="50" charset="-128"/>
+              </a:rPr>
               <a:t>利用シーン</a:t>
             </a:r>
             <a:endParaRPr lang="ja-JP" altLang="ja-JP" sz="2400" dirty="0">
-              <a:latin typeface="Meiryo UI" panose="020B0604030504040204" pitchFamily="50" charset="-128"/>
-              <a:ea typeface="Meiryo UI" panose="020B0604030504040204" pitchFamily="50" charset="-128"/>
+              <a:latin typeface="Noto Sans JP" panose="020B0200000000000000" pitchFamily="50" charset="-128"/>
+              <a:ea typeface="Noto Sans JP" panose="020B0200000000000000" pitchFamily="50" charset="-128"/>
             </a:endParaRPr>
           </a:p>
         </p:txBody>
@@ -12689,11 +14068,17 @@
               </a:spcAft>
             </a:pPr>
             <a:r>
-              <a:rPr lang="ja-JP" altLang="en-US" sz="2400" dirty="0"/>
+              <a:rPr lang="ja-JP" altLang="en-US" sz="2400" dirty="0">
+                <a:latin typeface="Noto Sans JP" panose="020B0200000000000000" pitchFamily="50" charset="-128"/>
+                <a:ea typeface="Noto Sans JP" panose="020B0200000000000000" pitchFamily="50" charset="-128"/>
+              </a:rPr>
               <a:t>オンラインイベント開始後の</a:t>
             </a:r>
             <a:r>
-              <a:rPr lang="ja-JP" altLang="en-US" sz="2400" b="1" u="sng" dirty="0"/>
+              <a:rPr lang="ja-JP" altLang="en-US" sz="2400" b="1" u="sng" dirty="0">
+                <a:latin typeface="Noto Sans JP" panose="020B0200000000000000" pitchFamily="50" charset="-128"/>
+                <a:ea typeface="Noto Sans JP" panose="020B0200000000000000" pitchFamily="50" charset="-128"/>
+              </a:rPr>
               <a:t>アイスブレイク</a:t>
             </a:r>
             <a:endParaRPr kumimoji="0" lang="ja-JP" altLang="en-US" sz="2400" b="1" i="0" u="sng" strike="noStrike" cap="none" normalizeH="0" baseline="0" dirty="0">
@@ -12704,8 +14089,8 @@
                 <a:schemeClr val="tx1"/>
               </a:solidFill>
               <a:effectLst/>
-              <a:latin typeface="Meiryo UI" panose="020B0604030504040204" pitchFamily="50" charset="-128"/>
-              <a:ea typeface="Meiryo UI" panose="020B0604030504040204" pitchFamily="50" charset="-128"/>
+              <a:latin typeface="Noto Sans JP" panose="020B0200000000000000" pitchFamily="50" charset="-128"/>
+              <a:ea typeface="Noto Sans JP" panose="020B0200000000000000" pitchFamily="50" charset="-128"/>
             </a:endParaRPr>
           </a:p>
         </p:txBody>
@@ -12798,6 +14183,8 @@
                 <a:solidFill>
                   <a:schemeClr val="tx1"/>
                 </a:solidFill>
+                <a:latin typeface="Noto Sans JP" panose="020B0200000000000000" pitchFamily="50" charset="-128"/>
+                <a:ea typeface="Noto Sans JP" panose="020B0200000000000000" pitchFamily="50" charset="-128"/>
               </a:rPr>
               <a:t>はじめまして</a:t>
             </a:r>
@@ -12854,14 +14241,14 @@
             </a:pPr>
             <a:r>
               <a:rPr lang="ja-JP" altLang="en-US" sz="1200" dirty="0">
-                <a:latin typeface="Meiryo UI" panose="020B0604030504040204" pitchFamily="50" charset="-128"/>
-                <a:ea typeface="Meiryo UI" panose="020B0604030504040204" pitchFamily="50" charset="-128"/>
+                <a:latin typeface="Noto Sans JP" panose="020B0200000000000000" pitchFamily="50" charset="-128"/>
+                <a:ea typeface="Noto Sans JP" panose="020B0200000000000000" pitchFamily="50" charset="-128"/>
               </a:rPr>
               <a:t>アイスブレイク</a:t>
             </a:r>
             <a:endParaRPr lang="en-US" altLang="ja-JP" sz="1200" dirty="0">
-              <a:latin typeface="Meiryo UI" panose="020B0604030504040204" pitchFamily="50" charset="-128"/>
-              <a:ea typeface="Meiryo UI" panose="020B0604030504040204" pitchFamily="50" charset="-128"/>
+              <a:latin typeface="Noto Sans JP" panose="020B0200000000000000" pitchFamily="50" charset="-128"/>
+              <a:ea typeface="Noto Sans JP" panose="020B0200000000000000" pitchFamily="50" charset="-128"/>
             </a:endParaRPr>
           </a:p>
         </p:txBody>
@@ -12954,6 +14341,8 @@
                 <a:solidFill>
                   <a:schemeClr val="tx1"/>
                 </a:solidFill>
+                <a:latin typeface="Noto Sans JP" panose="020B0200000000000000" pitchFamily="50" charset="-128"/>
+                <a:ea typeface="Noto Sans JP" panose="020B0200000000000000" pitchFamily="50" charset="-128"/>
               </a:rPr>
               <a:t>グループになって自己紹介をしてください</a:t>
             </a:r>
@@ -13010,14 +14399,14 @@
             </a:pPr>
             <a:r>
               <a:rPr lang="ja-JP" altLang="en-US" sz="1200" dirty="0">
-                <a:latin typeface="Meiryo UI" panose="020B0604030504040204" pitchFamily="50" charset="-128"/>
-                <a:ea typeface="Meiryo UI" panose="020B0604030504040204" pitchFamily="50" charset="-128"/>
+                <a:latin typeface="Noto Sans JP" panose="020B0200000000000000" pitchFamily="50" charset="-128"/>
+                <a:ea typeface="Noto Sans JP" panose="020B0200000000000000" pitchFamily="50" charset="-128"/>
               </a:rPr>
               <a:t>オンラインイベント開始後</a:t>
             </a:r>
             <a:endParaRPr lang="en-US" altLang="ja-JP" sz="1200" dirty="0">
-              <a:latin typeface="Meiryo UI" panose="020B0604030504040204" pitchFamily="50" charset="-128"/>
-              <a:ea typeface="Meiryo UI" panose="020B0604030504040204" pitchFamily="50" charset="-128"/>
+              <a:latin typeface="Noto Sans JP" panose="020B0200000000000000" pitchFamily="50" charset="-128"/>
+              <a:ea typeface="Noto Sans JP" panose="020B0200000000000000" pitchFamily="50" charset="-128"/>
             </a:endParaRPr>
           </a:p>
         </p:txBody>
@@ -13073,7 +14462,10 @@
           <a:lstStyle/>
           <a:p>
             <a:pPr algn="ctr"/>
-            <a:endParaRPr kumimoji="1" lang="ja-JP" altLang="en-US"/>
+            <a:endParaRPr kumimoji="1" lang="ja-JP" altLang="en-US">
+              <a:latin typeface="Noto Sans JP" panose="020B0200000000000000" pitchFamily="50" charset="-128"/>
+              <a:ea typeface="Noto Sans JP" panose="020B0200000000000000" pitchFamily="50" charset="-128"/>
+            </a:endParaRPr>
           </a:p>
         </p:txBody>
       </p:sp>
@@ -13131,8 +14523,8 @@
         </p:nvSpPr>
         <p:spPr>
           <a:xfrm>
-            <a:off x="677333" y="609600"/>
-            <a:ext cx="5096466" cy="582706"/>
+            <a:off x="677332" y="609600"/>
+            <a:ext cx="5579629" cy="582706"/>
           </a:xfrm>
         </p:spPr>
         <p:txBody>
@@ -13151,8 +14543,8 @@
                 <a:solidFill>
                   <a:schemeClr val="tx1"/>
                 </a:solidFill>
-                <a:latin typeface="Meiryo UI" panose="020B0604030504040204" pitchFamily="50" charset="-128"/>
-                <a:ea typeface="Meiryo UI" panose="020B0604030504040204" pitchFamily="50" charset="-128"/>
+                <a:latin typeface="Noto Sans JP" panose="020B0200000000000000" pitchFamily="50" charset="-128"/>
+                <a:ea typeface="Noto Sans JP" panose="020B0200000000000000" pitchFamily="50" charset="-128"/>
               </a:rPr>
               <a:t>4.</a:t>
             </a:r>
@@ -13161,8 +14553,8 @@
                 <a:solidFill>
                   <a:schemeClr val="tx1"/>
                 </a:solidFill>
-                <a:latin typeface="Meiryo UI" panose="020B0604030504040204" pitchFamily="50" charset="-128"/>
-                <a:ea typeface="Meiryo UI" panose="020B0604030504040204" pitchFamily="50" charset="-128"/>
+                <a:latin typeface="Noto Sans JP" panose="020B0200000000000000" pitchFamily="50" charset="-128"/>
+                <a:ea typeface="Noto Sans JP" panose="020B0200000000000000" pitchFamily="50" charset="-128"/>
               </a:rPr>
               <a:t>共通点発見アプリ使用手順</a:t>
             </a:r>
@@ -13170,8 +14562,8 @@
               <a:solidFill>
                 <a:schemeClr val="tx1"/>
               </a:solidFill>
-              <a:latin typeface="Meiryo UI" panose="020B0604030504040204" pitchFamily="50" charset="-128"/>
-              <a:ea typeface="Meiryo UI" panose="020B0604030504040204" pitchFamily="50" charset="-128"/>
+              <a:latin typeface="Noto Sans JP" panose="020B0200000000000000" pitchFamily="50" charset="-128"/>
+              <a:ea typeface="Noto Sans JP" panose="020B0200000000000000" pitchFamily="50" charset="-128"/>
             </a:endParaRPr>
           </a:p>
         </p:txBody>
@@ -13231,45 +14623,24 @@
             </a:pPr>
             <a:r>
               <a:rPr lang="ja-JP" altLang="en-US" sz="2400" dirty="0">
-                <a:latin typeface="Meiryo UI" panose="020B0604030504040204" pitchFamily="50" charset="-128"/>
-                <a:ea typeface="Meiryo UI" panose="020B0604030504040204" pitchFamily="50" charset="-128"/>
+                <a:latin typeface="Noto Sans JP" panose="020B0200000000000000" pitchFamily="50" charset="-128"/>
+                <a:ea typeface="Noto Sans JP" panose="020B0200000000000000" pitchFamily="50" charset="-128"/>
               </a:rPr>
               <a:t>フェーズ</a:t>
             </a:r>
             <a:r>
               <a:rPr lang="en-US" altLang="ja-JP" sz="2400" dirty="0">
-                <a:latin typeface="Meiryo UI" panose="020B0604030504040204" pitchFamily="50" charset="-128"/>
-                <a:ea typeface="Meiryo UI" panose="020B0604030504040204" pitchFamily="50" charset="-128"/>
+                <a:latin typeface="Noto Sans JP" panose="020B0200000000000000" pitchFamily="50" charset="-128"/>
+                <a:ea typeface="Noto Sans JP" panose="020B0200000000000000" pitchFamily="50" charset="-128"/>
               </a:rPr>
               <a:t>1.</a:t>
             </a:r>
             <a:r>
               <a:rPr lang="ja-JP" altLang="en-US" sz="2400" dirty="0">
-                <a:latin typeface="Meiryo UI" panose="020B0604030504040204" pitchFamily="50" charset="-128"/>
-                <a:ea typeface="Meiryo UI" panose="020B0604030504040204" pitchFamily="50" charset="-128"/>
-              </a:rPr>
-              <a:t>イベント開始後</a:t>
-            </a:r>
-            <a:r>
-              <a:rPr lang="en-US" altLang="ja-JP" sz="2400" dirty="0">
-                <a:latin typeface="Meiryo UI" panose="020B0604030504040204" pitchFamily="50" charset="-128"/>
-                <a:ea typeface="Meiryo UI" panose="020B0604030504040204" pitchFamily="50" charset="-128"/>
-              </a:rPr>
-              <a:t>(</a:t>
-            </a:r>
-            <a:r>
-              <a:rPr lang="ja-JP" altLang="en-US" sz="2400" dirty="0">
-                <a:latin typeface="Meiryo UI" panose="020B0604030504040204" pitchFamily="50" charset="-128"/>
-                <a:ea typeface="Meiryo UI" panose="020B0604030504040204" pitchFamily="50" charset="-128"/>
-              </a:rPr>
-              <a:t>ニックネームを入力</a:t>
-            </a:r>
-            <a:r>
-              <a:rPr lang="en-US" altLang="ja-JP" sz="2400" dirty="0">
-                <a:latin typeface="Meiryo UI" panose="020B0604030504040204" pitchFamily="50" charset="-128"/>
-                <a:ea typeface="Meiryo UI" panose="020B0604030504040204" pitchFamily="50" charset="-128"/>
-              </a:rPr>
-              <a:t>)</a:t>
+                <a:latin typeface="Noto Sans JP" panose="020B0200000000000000" pitchFamily="50" charset="-128"/>
+                <a:ea typeface="Noto Sans JP" panose="020B0200000000000000" pitchFamily="50" charset="-128"/>
+              </a:rPr>
+              <a:t>参加者人数入力</a:t>
             </a:r>
             <a:endParaRPr kumimoji="0" lang="ja-JP" altLang="en-US" sz="2400" i="0" u="none" strike="noStrike" cap="none" normalizeH="0" baseline="0" dirty="0">
               <a:ln>
@@ -13279,8 +14650,8 @@
                 <a:schemeClr val="tx1"/>
               </a:solidFill>
               <a:effectLst/>
-              <a:latin typeface="Meiryo UI" panose="020B0604030504040204" pitchFamily="50" charset="-128"/>
-              <a:ea typeface="Meiryo UI" panose="020B0604030504040204" pitchFamily="50" charset="-128"/>
+              <a:latin typeface="Noto Sans JP" panose="020B0200000000000000" pitchFamily="50" charset="-128"/>
+              <a:ea typeface="Noto Sans JP" panose="020B0200000000000000" pitchFamily="50" charset="-128"/>
             </a:endParaRPr>
           </a:p>
         </p:txBody>
@@ -13302,7 +14673,7 @@
         <p:spPr bwMode="auto">
           <a:xfrm>
             <a:off x="677331" y="1775012"/>
-            <a:ext cx="9314394" cy="461665"/>
+            <a:ext cx="6946094" cy="461665"/>
           </a:xfrm>
           <a:prstGeom prst="rect">
             <a:avLst/>
@@ -13335,24 +14706,24 @@
             </a:pPr>
             <a:r>
               <a:rPr lang="ja-JP" altLang="en-US" sz="2400" dirty="0">
-                <a:latin typeface="Meiryo UI" panose="020B0604030504040204" pitchFamily="50" charset="-128"/>
-                <a:ea typeface="Meiryo UI" panose="020B0604030504040204" pitchFamily="50" charset="-128"/>
-              </a:rPr>
-              <a:t>ニックネーム入力画面にて参加者が、各々の端末にてニックネームを入力する</a:t>
+                <a:latin typeface="Noto Sans JP" panose="020B0200000000000000" pitchFamily="50" charset="-128"/>
+                <a:ea typeface="Noto Sans JP" panose="020B0200000000000000" pitchFamily="50" charset="-128"/>
+              </a:rPr>
+              <a:t>主催者が参加者人数を入力してアプリを開始する</a:t>
             </a:r>
             <a:endParaRPr lang="en-US" altLang="ja-JP" sz="2400" dirty="0">
-              <a:latin typeface="Meiryo UI" panose="020B0604030504040204" pitchFamily="50" charset="-128"/>
-              <a:ea typeface="Meiryo UI" panose="020B0604030504040204" pitchFamily="50" charset="-128"/>
+              <a:latin typeface="Noto Sans JP" panose="020B0200000000000000" pitchFamily="50" charset="-128"/>
+              <a:ea typeface="Noto Sans JP" panose="020B0200000000000000" pitchFamily="50" charset="-128"/>
             </a:endParaRPr>
           </a:p>
         </p:txBody>
       </p:sp>
       <p:sp>
         <p:nvSpPr>
-          <p:cNvPr id="17" name="Rectangle 2">
+          <p:cNvPr id="3" name="Rectangle 2">
             <a:extLst>
               <a:ext uri="{FF2B5EF4-FFF2-40B4-BE49-F238E27FC236}">
-                <a16:creationId xmlns:a16="http://schemas.microsoft.com/office/drawing/2014/main" id="{7842934A-7986-C779-92E9-04DE2AF559E3}"/>
+                <a16:creationId xmlns:a16="http://schemas.microsoft.com/office/drawing/2014/main" id="{D9FDA850-F2EA-DACC-007F-09AF9022D07E}"/>
               </a:ext>
             </a:extLst>
           </p:cNvPr>
@@ -13363,8 +14734,244 @@
         </p:nvSpPr>
         <p:spPr bwMode="auto">
           <a:xfrm>
-            <a:off x="3459044" y="3487633"/>
-            <a:ext cx="1875484" cy="276999"/>
+            <a:off x="3853359" y="6488526"/>
+            <a:ext cx="1481169" cy="276999"/>
+          </a:xfrm>
+          <a:prstGeom prst="rect">
+            <a:avLst/>
+          </a:prstGeom>
+          <a:noFill/>
+          <a:ln w="9525">
+            <a:noFill/>
+            <a:miter lim="800000"/>
+            <a:headEnd/>
+            <a:tailEnd/>
+          </a:ln>
+          <a:effectLst/>
+        </p:spPr>
+        <p:txBody>
+          <a:bodyPr vert="horz" wrap="square" lIns="91440" tIns="45720" rIns="91440" bIns="45720" numCol="1" anchor="ctr" anchorCtr="0" compatLnSpc="1">
+            <a:prstTxWarp prst="textNoShape">
+              <a:avLst/>
+            </a:prstTxWarp>
+            <a:spAutoFit/>
+          </a:bodyPr>
+          <a:lstStyle/>
+          <a:p>
+            <a:pPr lvl="0" defTabSz="914400" eaLnBrk="0" fontAlgn="base" hangingPunct="0">
+              <a:spcBef>
+                <a:spcPct val="0"/>
+              </a:spcBef>
+              <a:spcAft>
+                <a:spcPct val="0"/>
+              </a:spcAft>
+            </a:pPr>
+            <a:r>
+              <a:rPr lang="ja-JP" altLang="en-US" sz="1200" dirty="0">
+                <a:latin typeface="Noto Sans JP" panose="020B0200000000000000" pitchFamily="50" charset="-128"/>
+                <a:ea typeface="Noto Sans JP" panose="020B0200000000000000" pitchFamily="50" charset="-128"/>
+              </a:rPr>
+              <a:t>参加人数入力画面</a:t>
+            </a:r>
+            <a:endParaRPr lang="en-US" altLang="ja-JP" sz="1200" dirty="0">
+              <a:latin typeface="Noto Sans JP" panose="020B0200000000000000" pitchFamily="50" charset="-128"/>
+              <a:ea typeface="Noto Sans JP" panose="020B0200000000000000" pitchFamily="50" charset="-128"/>
+            </a:endParaRPr>
+          </a:p>
+        </p:txBody>
+      </p:sp>
+      <p:sp>
+        <p:nvSpPr>
+          <p:cNvPr id="6" name="Rectangle 2">
+            <a:extLst>
+              <a:ext uri="{FF2B5EF4-FFF2-40B4-BE49-F238E27FC236}">
+                <a16:creationId xmlns:a16="http://schemas.microsoft.com/office/drawing/2014/main" id="{A59237B9-5C72-EA1A-1651-4E16FB791F9E}"/>
+              </a:ext>
+            </a:extLst>
+          </p:cNvPr>
+          <p:cNvSpPr>
+            <a:spLocks noChangeArrowheads="1"/>
+          </p:cNvSpPr>
+          <p:nvPr/>
+        </p:nvSpPr>
+        <p:spPr bwMode="auto">
+          <a:xfrm>
+            <a:off x="3459044" y="4052156"/>
+            <a:ext cx="973090" cy="276999"/>
+          </a:xfrm>
+          <a:prstGeom prst="rect">
+            <a:avLst/>
+          </a:prstGeom>
+          <a:noFill/>
+          <a:ln w="9525">
+            <a:noFill/>
+            <a:miter lim="800000"/>
+            <a:headEnd/>
+            <a:tailEnd/>
+          </a:ln>
+          <a:effectLst/>
+        </p:spPr>
+        <p:txBody>
+          <a:bodyPr vert="horz" wrap="square" lIns="91440" tIns="45720" rIns="91440" bIns="45720" numCol="1" anchor="ctr" anchorCtr="0" compatLnSpc="1">
+            <a:prstTxWarp prst="textNoShape">
+              <a:avLst/>
+            </a:prstTxWarp>
+            <a:spAutoFit/>
+          </a:bodyPr>
+          <a:lstStyle/>
+          <a:p>
+            <a:pPr lvl="0" defTabSz="914400" eaLnBrk="0" fontAlgn="base" hangingPunct="0">
+              <a:spcBef>
+                <a:spcPct val="0"/>
+              </a:spcBef>
+              <a:spcAft>
+                <a:spcPct val="0"/>
+              </a:spcAft>
+            </a:pPr>
+            <a:r>
+              <a:rPr lang="ja-JP" altLang="en-US" sz="1200" dirty="0">
+                <a:latin typeface="Noto Sans JP" panose="020B0200000000000000" pitchFamily="50" charset="-128"/>
+                <a:ea typeface="Noto Sans JP" panose="020B0200000000000000" pitchFamily="50" charset="-128"/>
+              </a:rPr>
+              <a:t>参加人数</a:t>
+            </a:r>
+            <a:endParaRPr lang="en-US" altLang="ja-JP" sz="1200" dirty="0">
+              <a:latin typeface="Noto Sans JP" panose="020B0200000000000000" pitchFamily="50" charset="-128"/>
+              <a:ea typeface="Noto Sans JP" panose="020B0200000000000000" pitchFamily="50" charset="-128"/>
+            </a:endParaRPr>
+          </a:p>
+        </p:txBody>
+      </p:sp>
+      <p:sp>
+        <p:nvSpPr>
+          <p:cNvPr id="8" name="Rectangle 2">
+            <a:extLst>
+              <a:ext uri="{FF2B5EF4-FFF2-40B4-BE49-F238E27FC236}">
+                <a16:creationId xmlns:a16="http://schemas.microsoft.com/office/drawing/2014/main" id="{B7FD7F17-4B4D-5DD3-ADA2-E766EC0014A2}"/>
+              </a:ext>
+            </a:extLst>
+          </p:cNvPr>
+          <p:cNvSpPr>
+            <a:spLocks noChangeArrowheads="1"/>
+          </p:cNvSpPr>
+          <p:nvPr/>
+        </p:nvSpPr>
+        <p:spPr bwMode="auto">
+          <a:xfrm>
+            <a:off x="4315289" y="4061160"/>
+            <a:ext cx="1120434" cy="276999"/>
+          </a:xfrm>
+          <a:prstGeom prst="rect">
+            <a:avLst/>
+          </a:prstGeom>
+          <a:solidFill>
+            <a:schemeClr val="bg1">
+              <a:lumMod val="85000"/>
+            </a:schemeClr>
+          </a:solidFill>
+          <a:ln w="9525">
+            <a:noFill/>
+            <a:miter lim="800000"/>
+            <a:headEnd/>
+            <a:tailEnd/>
+          </a:ln>
+          <a:effectLst/>
+        </p:spPr>
+        <p:txBody>
+          <a:bodyPr vert="horz" wrap="square" lIns="91440" tIns="45720" rIns="91440" bIns="45720" numCol="1" anchor="ctr" anchorCtr="0" compatLnSpc="1">
+            <a:prstTxWarp prst="textNoShape">
+              <a:avLst/>
+            </a:prstTxWarp>
+            <a:spAutoFit/>
+          </a:bodyPr>
+          <a:lstStyle/>
+          <a:p>
+            <a:pPr lvl="0" defTabSz="914400" eaLnBrk="0" fontAlgn="base" hangingPunct="0">
+              <a:spcBef>
+                <a:spcPct val="0"/>
+              </a:spcBef>
+              <a:spcAft>
+                <a:spcPct val="0"/>
+              </a:spcAft>
+            </a:pPr>
+            <a:endParaRPr lang="en-US" altLang="ja-JP" sz="1200" dirty="0">
+              <a:latin typeface="Noto Sans JP" panose="020B0200000000000000" pitchFamily="50" charset="-128"/>
+              <a:ea typeface="Noto Sans JP" panose="020B0200000000000000" pitchFamily="50" charset="-128"/>
+            </a:endParaRPr>
+          </a:p>
+        </p:txBody>
+      </p:sp>
+      <p:sp>
+        <p:nvSpPr>
+          <p:cNvPr id="20" name="正方形/長方形 19">
+            <a:extLst>
+              <a:ext uri="{FF2B5EF4-FFF2-40B4-BE49-F238E27FC236}">
+                <a16:creationId xmlns:a16="http://schemas.microsoft.com/office/drawing/2014/main" id="{25AF0142-BEAB-B61E-5F33-947B3CC4B0E0}"/>
+              </a:ext>
+            </a:extLst>
+          </p:cNvPr>
+          <p:cNvSpPr/>
+          <p:nvPr/>
+        </p:nvSpPr>
+        <p:spPr>
+          <a:xfrm>
+            <a:off x="3307976" y="2236677"/>
+            <a:ext cx="2501153" cy="4168588"/>
+          </a:xfrm>
+          <a:prstGeom prst="rect">
+            <a:avLst/>
+          </a:prstGeom>
+          <a:noFill/>
+        </p:spPr>
+        <p:style>
+          <a:lnRef idx="2">
+            <a:schemeClr val="accent1">
+              <a:shade val="15000"/>
+            </a:schemeClr>
+          </a:lnRef>
+          <a:fillRef idx="1">
+            <a:schemeClr val="accent1"/>
+          </a:fillRef>
+          <a:effectRef idx="0">
+            <a:schemeClr val="accent1"/>
+          </a:effectRef>
+          <a:fontRef idx="minor">
+            <a:schemeClr val="lt1"/>
+          </a:fontRef>
+        </p:style>
+        <p:txBody>
+          <a:bodyPr rtlCol="0" anchor="ctr"/>
+          <a:lstStyle/>
+          <a:p>
+            <a:pPr algn="ctr"/>
+            <a:endParaRPr kumimoji="1" lang="en-US" altLang="ja-JP" dirty="0">
+              <a:solidFill>
+                <a:schemeClr val="tx1"/>
+              </a:solidFill>
+              <a:latin typeface="Noto Sans JP" panose="020B0200000000000000" pitchFamily="50" charset="-128"/>
+              <a:ea typeface="Noto Sans JP" panose="020B0200000000000000" pitchFamily="50" charset="-128"/>
+            </a:endParaRPr>
+          </a:p>
+        </p:txBody>
+      </p:sp>
+      <p:sp>
+        <p:nvSpPr>
+          <p:cNvPr id="7" name="Rectangle 2">
+            <a:extLst>
+              <a:ext uri="{FF2B5EF4-FFF2-40B4-BE49-F238E27FC236}">
+                <a16:creationId xmlns:a16="http://schemas.microsoft.com/office/drawing/2014/main" id="{4B2B0C5A-39A9-2397-F53D-E18AAAB098A4}"/>
+              </a:ext>
+            </a:extLst>
+          </p:cNvPr>
+          <p:cNvSpPr>
+            <a:spLocks noChangeArrowheads="1"/>
+          </p:cNvSpPr>
+          <p:nvPr/>
+        </p:nvSpPr>
+        <p:spPr bwMode="auto">
+          <a:xfrm>
+            <a:off x="3383509" y="4789879"/>
+            <a:ext cx="2350085" cy="276999"/>
           </a:xfrm>
           <a:prstGeom prst="rect">
             <a:avLst/>
@@ -13402,24 +15009,24 @@
             </a:pPr>
             <a:r>
               <a:rPr lang="ja-JP" altLang="en-US" sz="1200" dirty="0">
-                <a:latin typeface="Meiryo UI" panose="020B0604030504040204" pitchFamily="50" charset="-128"/>
-                <a:ea typeface="Meiryo UI" panose="020B0604030504040204" pitchFamily="50" charset="-128"/>
-              </a:rPr>
-              <a:t>ニックネームを入れて下さい</a:t>
+                <a:latin typeface="Noto Sans JP" panose="020B0200000000000000" pitchFamily="50" charset="-128"/>
+                <a:ea typeface="Noto Sans JP" panose="020B0200000000000000" pitchFamily="50" charset="-128"/>
+              </a:rPr>
+              <a:t>共通点発見アプリを開始します</a:t>
             </a:r>
             <a:endParaRPr lang="en-US" altLang="ja-JP" sz="1200" dirty="0">
-              <a:latin typeface="Meiryo UI" panose="020B0604030504040204" pitchFamily="50" charset="-128"/>
-              <a:ea typeface="Meiryo UI" panose="020B0604030504040204" pitchFamily="50" charset="-128"/>
+              <a:latin typeface="Noto Sans JP" panose="020B0200000000000000" pitchFamily="50" charset="-128"/>
+              <a:ea typeface="Noto Sans JP" panose="020B0200000000000000" pitchFamily="50" charset="-128"/>
             </a:endParaRPr>
           </a:p>
         </p:txBody>
       </p:sp>
       <p:sp>
         <p:nvSpPr>
-          <p:cNvPr id="3" name="Rectangle 2">
+          <p:cNvPr id="10" name="Rectangle 2">
             <a:extLst>
               <a:ext uri="{FF2B5EF4-FFF2-40B4-BE49-F238E27FC236}">
-                <a16:creationId xmlns:a16="http://schemas.microsoft.com/office/drawing/2014/main" id="{D9FDA850-F2EA-DACC-007F-09AF9022D07E}"/>
+                <a16:creationId xmlns:a16="http://schemas.microsoft.com/office/drawing/2014/main" id="{4617D976-73E2-3DFA-BA5C-4AE2C87635F8}"/>
               </a:ext>
             </a:extLst>
           </p:cNvPr>
@@ -13430,8 +15037,299 @@
         </p:nvSpPr>
         <p:spPr bwMode="auto">
           <a:xfrm>
-            <a:off x="3853359" y="6488526"/>
-            <a:ext cx="1481169" cy="276999"/>
+            <a:off x="3980287" y="2528846"/>
+            <a:ext cx="1455436" cy="276999"/>
+          </a:xfrm>
+          <a:prstGeom prst="rect">
+            <a:avLst/>
+          </a:prstGeom>
+          <a:solidFill>
+            <a:schemeClr val="accent1">
+              <a:lumMod val="20000"/>
+              <a:lumOff val="80000"/>
+            </a:schemeClr>
+          </a:solidFill>
+          <a:ln w="9525">
+            <a:noFill/>
+            <a:miter lim="800000"/>
+            <a:headEnd/>
+            <a:tailEnd/>
+          </a:ln>
+          <a:effectLst/>
+        </p:spPr>
+        <p:txBody>
+          <a:bodyPr vert="horz" wrap="square" lIns="91440" tIns="45720" rIns="91440" bIns="45720" numCol="1" anchor="ctr" anchorCtr="0" compatLnSpc="1">
+            <a:prstTxWarp prst="textNoShape">
+              <a:avLst/>
+            </a:prstTxWarp>
+            <a:spAutoFit/>
+          </a:bodyPr>
+          <a:lstStyle/>
+          <a:p>
+            <a:pPr lvl="0" defTabSz="914400" eaLnBrk="0" fontAlgn="base" hangingPunct="0">
+              <a:spcBef>
+                <a:spcPct val="0"/>
+              </a:spcBef>
+              <a:spcAft>
+                <a:spcPct val="0"/>
+              </a:spcAft>
+            </a:pPr>
+            <a:r>
+              <a:rPr lang="ja-JP" altLang="en-US" sz="1200" dirty="0">
+                <a:latin typeface="Noto Sans JP" panose="020B0200000000000000" pitchFamily="50" charset="-128"/>
+                <a:ea typeface="Noto Sans JP" panose="020B0200000000000000" pitchFamily="50" charset="-128"/>
+              </a:rPr>
+              <a:t>共通点発見アプリ</a:t>
+            </a:r>
+            <a:endParaRPr lang="en-US" altLang="ja-JP" sz="1200" dirty="0">
+              <a:latin typeface="Noto Sans JP" panose="020B0200000000000000" pitchFamily="50" charset="-128"/>
+              <a:ea typeface="Noto Sans JP" panose="020B0200000000000000" pitchFamily="50" charset="-128"/>
+            </a:endParaRPr>
+          </a:p>
+        </p:txBody>
+      </p:sp>
+      <p:pic>
+        <p:nvPicPr>
+          <p:cNvPr id="11" name="図 10">
+            <a:extLst>
+              <a:ext uri="{FF2B5EF4-FFF2-40B4-BE49-F238E27FC236}">
+                <a16:creationId xmlns:a16="http://schemas.microsoft.com/office/drawing/2014/main" id="{E765F724-DFDE-A937-A73A-177333363275}"/>
+              </a:ext>
+            </a:extLst>
+          </p:cNvPr>
+          <p:cNvPicPr>
+            <a:picLocks noChangeAspect="1"/>
+          </p:cNvPicPr>
+          <p:nvPr/>
+        </p:nvPicPr>
+        <p:blipFill>
+          <a:blip r:embed="rId2"/>
+          <a:stretch>
+            <a:fillRect/>
+          </a:stretch>
+        </p:blipFill>
+        <p:spPr>
+          <a:xfrm>
+            <a:off x="4081861" y="2862335"/>
+            <a:ext cx="1024164" cy="1032491"/>
+          </a:xfrm>
+          <a:prstGeom prst="rect">
+            <a:avLst/>
+          </a:prstGeom>
+        </p:spPr>
+      </p:pic>
+    </p:spTree>
+    <p:extLst>
+      <p:ext uri="{BB962C8B-B14F-4D97-AF65-F5344CB8AC3E}">
+        <p14:creationId xmlns:p14="http://schemas.microsoft.com/office/powerpoint/2010/main" val="4123177062"/>
+      </p:ext>
+    </p:extLst>
+  </p:cSld>
+  <p:clrMapOvr>
+    <a:masterClrMapping/>
+  </p:clrMapOvr>
+</p:sld>
+</file>
+
+<file path=ppt/slides/slide7.xml><?xml version="1.0" encoding="utf-8"?>
+<p:sld xmlns:a="http://schemas.openxmlformats.org/drawingml/2006/main" xmlns:r="http://schemas.openxmlformats.org/officeDocument/2006/relationships" xmlns:p="http://schemas.openxmlformats.org/presentationml/2006/main">
+  <p:cSld>
+    <p:spTree>
+      <p:nvGrpSpPr>
+        <p:cNvPr id="1" name="">
+          <a:extLst>
+            <a:ext uri="{FF2B5EF4-FFF2-40B4-BE49-F238E27FC236}">
+              <a16:creationId xmlns:a16="http://schemas.microsoft.com/office/drawing/2014/main" id="{D13F9FC1-C0FE-F6B0-09A4-697C2D65333A}"/>
+            </a:ext>
+          </a:extLst>
+        </p:cNvPr>
+        <p:cNvGrpSpPr/>
+        <p:nvPr/>
+      </p:nvGrpSpPr>
+      <p:grpSpPr>
+        <a:xfrm>
+          <a:off x="0" y="0"/>
+          <a:ext cx="0" cy="0"/>
+          <a:chOff x="0" y="0"/>
+          <a:chExt cx="0" cy="0"/>
+        </a:xfrm>
+      </p:grpSpPr>
+      <p:sp>
+        <p:nvSpPr>
+          <p:cNvPr id="2" name="タイトル 1">
+            <a:extLst>
+              <a:ext uri="{FF2B5EF4-FFF2-40B4-BE49-F238E27FC236}">
+                <a16:creationId xmlns:a16="http://schemas.microsoft.com/office/drawing/2014/main" id="{F728B1F2-4B80-1DBD-43FF-B8CA9B461E5B}"/>
+              </a:ext>
+            </a:extLst>
+          </p:cNvPr>
+          <p:cNvSpPr>
+            <a:spLocks noGrp="1"/>
+          </p:cNvSpPr>
+          <p:nvPr>
+            <p:ph type="title"/>
+          </p:nvPr>
+        </p:nvSpPr>
+        <p:spPr>
+          <a:xfrm>
+            <a:off x="677332" y="609600"/>
+            <a:ext cx="5418667" cy="582706"/>
+          </a:xfrm>
+        </p:spPr>
+        <p:txBody>
+          <a:bodyPr>
+            <a:normAutofit fontScale="90000"/>
+          </a:bodyPr>
+          <a:lstStyle/>
+          <a:p>
+            <a:pPr lvl="0" defTabSz="914400" eaLnBrk="0" fontAlgn="base" hangingPunct="0">
+              <a:spcAft>
+                <a:spcPct val="0"/>
+              </a:spcAft>
+            </a:pPr>
+            <a:r>
+              <a:rPr kumimoji="0" lang="en-US" altLang="ja-JP" dirty="0">
+                <a:solidFill>
+                  <a:schemeClr val="tx1"/>
+                </a:solidFill>
+                <a:latin typeface="Noto Sans JP" panose="020B0200000000000000" pitchFamily="50" charset="-128"/>
+                <a:ea typeface="Noto Sans JP" panose="020B0200000000000000" pitchFamily="50" charset="-128"/>
+                <a:cs typeface="Arial" panose="020B0604020202020204" pitchFamily="34" charset="0"/>
+              </a:rPr>
+              <a:t>4.</a:t>
+            </a:r>
+            <a:r>
+              <a:rPr kumimoji="0" lang="ja-JP" altLang="en-US" dirty="0">
+                <a:solidFill>
+                  <a:schemeClr val="tx1"/>
+                </a:solidFill>
+                <a:latin typeface="Noto Sans JP" panose="020B0200000000000000" pitchFamily="50" charset="-128"/>
+                <a:ea typeface="Noto Sans JP" panose="020B0200000000000000" pitchFamily="50" charset="-128"/>
+                <a:cs typeface="Arial" panose="020B0604020202020204" pitchFamily="34" charset="0"/>
+              </a:rPr>
+              <a:t>共通点発見アプリ使用手順</a:t>
+            </a:r>
+            <a:endParaRPr kumimoji="0" lang="en-US" altLang="ja-JP" dirty="0">
+              <a:solidFill>
+                <a:schemeClr val="tx1"/>
+              </a:solidFill>
+              <a:latin typeface="Noto Sans JP" panose="020B0200000000000000" pitchFamily="50" charset="-128"/>
+              <a:ea typeface="Noto Sans JP" panose="020B0200000000000000" pitchFamily="50" charset="-128"/>
+              <a:cs typeface="Arial" panose="020B0604020202020204" pitchFamily="34" charset="0"/>
+            </a:endParaRPr>
+          </a:p>
+        </p:txBody>
+      </p:sp>
+      <p:sp>
+        <p:nvSpPr>
+          <p:cNvPr id="5" name="Rectangle 2">
+            <a:extLst>
+              <a:ext uri="{FF2B5EF4-FFF2-40B4-BE49-F238E27FC236}">
+                <a16:creationId xmlns:a16="http://schemas.microsoft.com/office/drawing/2014/main" id="{4CDCE61B-872C-FF44-B9B9-E497FD4CB29E}"/>
+              </a:ext>
+            </a:extLst>
+          </p:cNvPr>
+          <p:cNvSpPr>
+            <a:spLocks noChangeArrowheads="1"/>
+          </p:cNvSpPr>
+          <p:nvPr/>
+        </p:nvSpPr>
+        <p:spPr bwMode="auto">
+          <a:xfrm>
+            <a:off x="677334" y="1192307"/>
+            <a:ext cx="5771091" cy="461665"/>
+          </a:xfrm>
+          <a:prstGeom prst="rect">
+            <a:avLst/>
+          </a:prstGeom>
+          <a:solidFill>
+            <a:schemeClr val="accent1">
+              <a:lumMod val="20000"/>
+              <a:lumOff val="80000"/>
+            </a:schemeClr>
+          </a:solidFill>
+          <a:ln w="9525">
+            <a:noFill/>
+            <a:miter lim="800000"/>
+            <a:headEnd/>
+            <a:tailEnd/>
+          </a:ln>
+          <a:effectLst/>
+        </p:spPr>
+        <p:txBody>
+          <a:bodyPr vert="horz" wrap="square" lIns="91440" tIns="45720" rIns="91440" bIns="45720" numCol="1" anchor="ctr" anchorCtr="0" compatLnSpc="1">
+            <a:prstTxWarp prst="textNoShape">
+              <a:avLst/>
+            </a:prstTxWarp>
+            <a:spAutoFit/>
+          </a:bodyPr>
+          <a:lstStyle/>
+          <a:p>
+            <a:pPr lvl="0" defTabSz="914400" eaLnBrk="0" fontAlgn="base" hangingPunct="0">
+              <a:spcBef>
+                <a:spcPct val="0"/>
+              </a:spcBef>
+              <a:spcAft>
+                <a:spcPct val="0"/>
+              </a:spcAft>
+            </a:pPr>
+            <a:r>
+              <a:rPr lang="ja-JP" altLang="en-US" sz="2400" dirty="0">
+                <a:latin typeface="Noto Sans JP" panose="020B0200000000000000" pitchFamily="50" charset="-128"/>
+                <a:ea typeface="Noto Sans JP" panose="020B0200000000000000" pitchFamily="50" charset="-128"/>
+                <a:cs typeface="Arial" panose="020B0604020202020204" pitchFamily="34" charset="0"/>
+              </a:rPr>
+              <a:t>フェーズ</a:t>
+            </a:r>
+            <a:r>
+              <a:rPr lang="en-US" altLang="ja-JP" sz="2400" dirty="0">
+                <a:latin typeface="Noto Sans JP" panose="020B0200000000000000" pitchFamily="50" charset="-128"/>
+                <a:ea typeface="Noto Sans JP" panose="020B0200000000000000" pitchFamily="50" charset="-128"/>
+                <a:cs typeface="Arial" panose="020B0604020202020204" pitchFamily="34" charset="0"/>
+              </a:rPr>
+              <a:t>2.</a:t>
+            </a:r>
+            <a:r>
+              <a:rPr lang="ja-JP" altLang="en-US" sz="2400" dirty="0">
+                <a:latin typeface="Noto Sans JP" panose="020B0200000000000000" pitchFamily="50" charset="-128"/>
+                <a:ea typeface="Noto Sans JP" panose="020B0200000000000000" pitchFamily="50" charset="-128"/>
+                <a:cs typeface="Arial" panose="020B0604020202020204" pitchFamily="34" charset="0"/>
+              </a:rPr>
+              <a:t>ニックネームを入力</a:t>
+            </a:r>
+            <a:endParaRPr kumimoji="0" lang="ja-JP" altLang="en-US" sz="2400" i="0" u="none" strike="noStrike" cap="none" normalizeH="0" baseline="0" dirty="0">
+              <a:ln>
+                <a:noFill/>
+              </a:ln>
+              <a:solidFill>
+                <a:schemeClr val="tx1"/>
+              </a:solidFill>
+              <a:effectLst/>
+              <a:latin typeface="Noto Sans JP" panose="020B0200000000000000" pitchFamily="50" charset="-128"/>
+              <a:ea typeface="Noto Sans JP" panose="020B0200000000000000" pitchFamily="50" charset="-128"/>
+              <a:cs typeface="Arial" panose="020B0604020202020204" pitchFamily="34" charset="0"/>
+            </a:endParaRPr>
+          </a:p>
+        </p:txBody>
+      </p:sp>
+      <p:sp>
+        <p:nvSpPr>
+          <p:cNvPr id="4" name="Rectangle 2">
+            <a:extLst>
+              <a:ext uri="{FF2B5EF4-FFF2-40B4-BE49-F238E27FC236}">
+                <a16:creationId xmlns:a16="http://schemas.microsoft.com/office/drawing/2014/main" id="{D7404791-CCE8-2313-2EF9-5B8AFF19E334}"/>
+              </a:ext>
+            </a:extLst>
+          </p:cNvPr>
+          <p:cNvSpPr>
+            <a:spLocks noChangeArrowheads="1"/>
+          </p:cNvSpPr>
+          <p:nvPr/>
+        </p:nvSpPr>
+        <p:spPr bwMode="auto">
+          <a:xfrm>
+            <a:off x="677331" y="1590346"/>
+            <a:ext cx="9314394" cy="830997"/>
           </a:xfrm>
           <a:prstGeom prst="rect">
             <a:avLst/>
@@ -13463,25 +15361,27 @@
               </a:spcAft>
             </a:pPr>
             <a:r>
-              <a:rPr lang="ja-JP" altLang="en-US" sz="1200" dirty="0">
-                <a:latin typeface="Meiryo UI" panose="020B0604030504040204" pitchFamily="50" charset="-128"/>
-                <a:ea typeface="Meiryo UI" panose="020B0604030504040204" pitchFamily="50" charset="-128"/>
-              </a:rPr>
-              <a:t>ニックネーム入力画面</a:t>
-            </a:r>
-            <a:endParaRPr lang="en-US" altLang="ja-JP" sz="1200" dirty="0">
-              <a:latin typeface="Meiryo UI" panose="020B0604030504040204" pitchFamily="50" charset="-128"/>
-              <a:ea typeface="Meiryo UI" panose="020B0604030504040204" pitchFamily="50" charset="-128"/>
+              <a:rPr lang="ja-JP" altLang="en-US" sz="2400" dirty="0">
+                <a:latin typeface="Noto Sans JP" panose="020B0200000000000000" pitchFamily="50" charset="-128"/>
+                <a:ea typeface="Noto Sans JP" panose="020B0200000000000000" pitchFamily="50" charset="-128"/>
+                <a:cs typeface="Arial" panose="020B0604020202020204" pitchFamily="34" charset="0"/>
+              </a:rPr>
+              <a:t>ニックネーム入力画面にて参加者が、各々の端末にてニックネームを入力する</a:t>
+            </a:r>
+            <a:endParaRPr lang="en-US" altLang="ja-JP" sz="2400" dirty="0">
+              <a:latin typeface="Noto Sans JP" panose="020B0200000000000000" pitchFamily="50" charset="-128"/>
+              <a:ea typeface="Noto Sans JP" panose="020B0200000000000000" pitchFamily="50" charset="-128"/>
+              <a:cs typeface="Arial" panose="020B0604020202020204" pitchFamily="34" charset="0"/>
             </a:endParaRPr>
           </a:p>
         </p:txBody>
       </p:sp>
       <p:sp>
         <p:nvSpPr>
-          <p:cNvPr id="6" name="Rectangle 2">
+          <p:cNvPr id="17" name="Rectangle 2">
             <a:extLst>
               <a:ext uri="{FF2B5EF4-FFF2-40B4-BE49-F238E27FC236}">
-                <a16:creationId xmlns:a16="http://schemas.microsoft.com/office/drawing/2014/main" id="{A59237B9-5C72-EA1A-1651-4E16FB791F9E}"/>
+                <a16:creationId xmlns:a16="http://schemas.microsoft.com/office/drawing/2014/main" id="{9CE2F6A3-63AC-8D03-C3B9-B1683DE70931}"/>
               </a:ext>
             </a:extLst>
           </p:cNvPr>
@@ -13492,8 +15392,77 @@
         </p:nvSpPr>
         <p:spPr bwMode="auto">
           <a:xfrm>
-            <a:off x="3459044" y="4023522"/>
-            <a:ext cx="973090" cy="276999"/>
+            <a:off x="3228202" y="3487633"/>
+            <a:ext cx="2229487" cy="276999"/>
+          </a:xfrm>
+          <a:prstGeom prst="rect">
+            <a:avLst/>
+          </a:prstGeom>
+          <a:solidFill>
+            <a:schemeClr val="accent1">
+              <a:lumMod val="20000"/>
+              <a:lumOff val="80000"/>
+            </a:schemeClr>
+          </a:solidFill>
+          <a:ln w="9525">
+            <a:noFill/>
+            <a:miter lim="800000"/>
+            <a:headEnd/>
+            <a:tailEnd/>
+          </a:ln>
+          <a:effectLst/>
+        </p:spPr>
+        <p:txBody>
+          <a:bodyPr vert="horz" wrap="square" lIns="91440" tIns="45720" rIns="91440" bIns="45720" numCol="1" anchor="ctr" anchorCtr="0" compatLnSpc="1">
+            <a:prstTxWarp prst="textNoShape">
+              <a:avLst/>
+            </a:prstTxWarp>
+            <a:spAutoFit/>
+          </a:bodyPr>
+          <a:lstStyle/>
+          <a:p>
+            <a:pPr lvl="0" defTabSz="914400" eaLnBrk="0" fontAlgn="base" hangingPunct="0">
+              <a:spcBef>
+                <a:spcPct val="0"/>
+              </a:spcBef>
+              <a:spcAft>
+                <a:spcPct val="0"/>
+              </a:spcAft>
+            </a:pPr>
+            <a:r>
+              <a:rPr lang="ja-JP" altLang="en-US" sz="1200" dirty="0">
+                <a:latin typeface="Noto Sans JP" panose="020B0200000000000000" pitchFamily="50" charset="-128"/>
+                <a:ea typeface="Noto Sans JP" panose="020B0200000000000000" pitchFamily="50" charset="-128"/>
+                <a:cs typeface="Arial" panose="020B0604020202020204" pitchFamily="34" charset="0"/>
+              </a:rPr>
+              <a:t>ニックネームを入れて下さい</a:t>
+            </a:r>
+            <a:endParaRPr lang="en-US" altLang="ja-JP" sz="1200" dirty="0">
+              <a:latin typeface="Noto Sans JP" panose="020B0200000000000000" pitchFamily="50" charset="-128"/>
+              <a:ea typeface="Noto Sans JP" panose="020B0200000000000000" pitchFamily="50" charset="-128"/>
+              <a:cs typeface="Arial" panose="020B0604020202020204" pitchFamily="34" charset="0"/>
+            </a:endParaRPr>
+          </a:p>
+        </p:txBody>
+      </p:sp>
+      <p:sp>
+        <p:nvSpPr>
+          <p:cNvPr id="3" name="Rectangle 2">
+            <a:extLst>
+              <a:ext uri="{FF2B5EF4-FFF2-40B4-BE49-F238E27FC236}">
+                <a16:creationId xmlns:a16="http://schemas.microsoft.com/office/drawing/2014/main" id="{CD214DD4-7FCA-9BF8-679F-967DB200840D}"/>
+              </a:ext>
+            </a:extLst>
+          </p:cNvPr>
+          <p:cNvSpPr>
+            <a:spLocks noChangeArrowheads="1"/>
+          </p:cNvSpPr>
+          <p:nvPr/>
+        </p:nvSpPr>
+        <p:spPr bwMode="auto">
+          <a:xfrm>
+            <a:off x="3619165" y="6488526"/>
+            <a:ext cx="1838524" cy="276999"/>
           </a:xfrm>
           <a:prstGeom prst="rect">
             <a:avLst/>
@@ -13526,14 +15495,80 @@
             </a:pPr>
             <a:r>
               <a:rPr lang="ja-JP" altLang="en-US" sz="1200" dirty="0">
-                <a:latin typeface="Meiryo UI" panose="020B0604030504040204" pitchFamily="50" charset="-128"/>
-                <a:ea typeface="Meiryo UI" panose="020B0604030504040204" pitchFamily="50" charset="-128"/>
+                <a:latin typeface="Noto Sans JP" panose="020B0200000000000000" pitchFamily="50" charset="-128"/>
+                <a:ea typeface="Noto Sans JP" panose="020B0200000000000000" pitchFamily="50" charset="-128"/>
+                <a:cs typeface="Arial" panose="020B0604020202020204" pitchFamily="34" charset="0"/>
+              </a:rPr>
+              <a:t>ニックネーム入力画面</a:t>
+            </a:r>
+            <a:endParaRPr lang="en-US" altLang="ja-JP" sz="1200" dirty="0">
+              <a:latin typeface="Noto Sans JP" panose="020B0200000000000000" pitchFamily="50" charset="-128"/>
+              <a:ea typeface="Noto Sans JP" panose="020B0200000000000000" pitchFamily="50" charset="-128"/>
+              <a:cs typeface="Arial" panose="020B0604020202020204" pitchFamily="34" charset="0"/>
+            </a:endParaRPr>
+          </a:p>
+        </p:txBody>
+      </p:sp>
+      <p:sp>
+        <p:nvSpPr>
+          <p:cNvPr id="6" name="Rectangle 2">
+            <a:extLst>
+              <a:ext uri="{FF2B5EF4-FFF2-40B4-BE49-F238E27FC236}">
+                <a16:creationId xmlns:a16="http://schemas.microsoft.com/office/drawing/2014/main" id="{5A57CAAD-1F41-DDDC-C4CF-CAB00532FAAE}"/>
+              </a:ext>
+            </a:extLst>
+          </p:cNvPr>
+          <p:cNvSpPr>
+            <a:spLocks noChangeArrowheads="1"/>
+          </p:cNvSpPr>
+          <p:nvPr/>
+        </p:nvSpPr>
+        <p:spPr bwMode="auto">
+          <a:xfrm>
+            <a:off x="3194855" y="4023522"/>
+            <a:ext cx="1120434" cy="276999"/>
+          </a:xfrm>
+          <a:prstGeom prst="rect">
+            <a:avLst/>
+          </a:prstGeom>
+          <a:noFill/>
+          <a:ln w="9525">
+            <a:noFill/>
+            <a:miter lim="800000"/>
+            <a:headEnd/>
+            <a:tailEnd/>
+          </a:ln>
+          <a:effectLst/>
+        </p:spPr>
+        <p:txBody>
+          <a:bodyPr vert="horz" wrap="square" lIns="91440" tIns="45720" rIns="91440" bIns="45720" numCol="1" anchor="ctr" anchorCtr="0" compatLnSpc="1">
+            <a:prstTxWarp prst="textNoShape">
+              <a:avLst/>
+            </a:prstTxWarp>
+            <a:spAutoFit/>
+          </a:bodyPr>
+          <a:lstStyle/>
+          <a:p>
+            <a:pPr lvl="0" defTabSz="914400" eaLnBrk="0" fontAlgn="base" hangingPunct="0">
+              <a:spcBef>
+                <a:spcPct val="0"/>
+              </a:spcBef>
+              <a:spcAft>
+                <a:spcPct val="0"/>
+              </a:spcAft>
+            </a:pPr>
+            <a:r>
+              <a:rPr lang="ja-JP" altLang="en-US" sz="1200" dirty="0">
+                <a:latin typeface="Noto Sans JP" panose="020B0200000000000000" pitchFamily="50" charset="-128"/>
+                <a:ea typeface="Noto Sans JP" panose="020B0200000000000000" pitchFamily="50" charset="-128"/>
+                <a:cs typeface="Arial" panose="020B0604020202020204" pitchFamily="34" charset="0"/>
               </a:rPr>
               <a:t>ニックネーム</a:t>
             </a:r>
             <a:endParaRPr lang="en-US" altLang="ja-JP" sz="1200" dirty="0">
-              <a:latin typeface="Meiryo UI" panose="020B0604030504040204" pitchFamily="50" charset="-128"/>
-              <a:ea typeface="Meiryo UI" panose="020B0604030504040204" pitchFamily="50" charset="-128"/>
+              <a:latin typeface="Noto Sans JP" panose="020B0200000000000000" pitchFamily="50" charset="-128"/>
+              <a:ea typeface="Noto Sans JP" panose="020B0200000000000000" pitchFamily="50" charset="-128"/>
+              <a:cs typeface="Arial" panose="020B0604020202020204" pitchFamily="34" charset="0"/>
             </a:endParaRPr>
           </a:p>
         </p:txBody>
@@ -13543,7 +15578,7 @@
           <p:cNvPr id="8" name="Rectangle 2">
             <a:extLst>
               <a:ext uri="{FF2B5EF4-FFF2-40B4-BE49-F238E27FC236}">
-                <a16:creationId xmlns:a16="http://schemas.microsoft.com/office/drawing/2014/main" id="{B7FD7F17-4B4D-5DD3-ADA2-E766EC0014A2}"/>
+                <a16:creationId xmlns:a16="http://schemas.microsoft.com/office/drawing/2014/main" id="{9DEE70DA-14C5-AD9D-5586-6DECA7A4F057}"/>
               </a:ext>
             </a:extLst>
           </p:cNvPr>
@@ -13591,8 +15626,9 @@
               </a:spcAft>
             </a:pPr>
             <a:endParaRPr lang="en-US" altLang="ja-JP" sz="1200" dirty="0">
-              <a:latin typeface="Meiryo UI" panose="020B0604030504040204" pitchFamily="50" charset="-128"/>
-              <a:ea typeface="Meiryo UI" panose="020B0604030504040204" pitchFamily="50" charset="-128"/>
+              <a:latin typeface="Noto Sans JP" panose="020B0200000000000000" pitchFamily="50" charset="-128"/>
+              <a:ea typeface="Noto Sans JP" panose="020B0200000000000000" pitchFamily="50" charset="-128"/>
+              <a:cs typeface="Arial" panose="020B0604020202020204" pitchFamily="34" charset="0"/>
             </a:endParaRPr>
           </a:p>
         </p:txBody>
@@ -13602,7 +15638,7 @@
           <p:cNvPr id="9" name="Rectangle 2">
             <a:extLst>
               <a:ext uri="{FF2B5EF4-FFF2-40B4-BE49-F238E27FC236}">
-                <a16:creationId xmlns:a16="http://schemas.microsoft.com/office/drawing/2014/main" id="{98A72AAE-782C-A379-F38E-C7C05346171C}"/>
+                <a16:creationId xmlns:a16="http://schemas.microsoft.com/office/drawing/2014/main" id="{2DFBF000-10AB-1C5E-4A9A-93776D311A12}"/>
               </a:ext>
             </a:extLst>
           </p:cNvPr>
@@ -13613,7 +15649,7 @@
         </p:nvSpPr>
         <p:spPr bwMode="auto">
           <a:xfrm>
-            <a:off x="4895257" y="5407744"/>
+            <a:off x="4669226" y="5407744"/>
             <a:ext cx="878542" cy="276999"/>
           </a:xfrm>
           <a:prstGeom prst="rect">
@@ -13652,14 +15688,16 @@
             </a:pPr>
             <a:r>
               <a:rPr lang="ja-JP" altLang="en-US" sz="1200" dirty="0">
-                <a:latin typeface="Meiryo UI" panose="020B0604030504040204" pitchFamily="50" charset="-128"/>
-                <a:ea typeface="Meiryo UI" panose="020B0604030504040204" pitchFamily="50" charset="-128"/>
+                <a:latin typeface="Noto Sans JP" panose="020B0200000000000000" pitchFamily="50" charset="-128"/>
+                <a:ea typeface="Noto Sans JP" panose="020B0200000000000000" pitchFamily="50" charset="-128"/>
+                <a:cs typeface="Arial" panose="020B0604020202020204" pitchFamily="34" charset="0"/>
               </a:rPr>
               <a:t>入力完了</a:t>
             </a:r>
             <a:endParaRPr lang="en-US" altLang="ja-JP" sz="1200" dirty="0">
-              <a:latin typeface="Meiryo UI" panose="020B0604030504040204" pitchFamily="50" charset="-128"/>
-              <a:ea typeface="Meiryo UI" panose="020B0604030504040204" pitchFamily="50" charset="-128"/>
+              <a:latin typeface="Noto Sans JP" panose="020B0200000000000000" pitchFamily="50" charset="-128"/>
+              <a:ea typeface="Noto Sans JP" panose="020B0200000000000000" pitchFamily="50" charset="-128"/>
+              <a:cs typeface="Arial" panose="020B0604020202020204" pitchFamily="34" charset="0"/>
             </a:endParaRPr>
           </a:p>
         </p:txBody>
@@ -13669,7 +15707,7 @@
           <p:cNvPr id="20" name="正方形/長方形 19">
             <a:extLst>
               <a:ext uri="{FF2B5EF4-FFF2-40B4-BE49-F238E27FC236}">
-                <a16:creationId xmlns:a16="http://schemas.microsoft.com/office/drawing/2014/main" id="{25AF0142-BEAB-B61E-5F33-947B3CC4B0E0}"/>
+                <a16:creationId xmlns:a16="http://schemas.microsoft.com/office/drawing/2014/main" id="{EC3C17EF-C03C-32BB-89D8-53E6BD258CAF}"/>
               </a:ext>
             </a:extLst>
           </p:cNvPr>
@@ -13678,8 +15716,8 @@
         </p:nvSpPr>
         <p:spPr>
           <a:xfrm>
-            <a:off x="3307976" y="2236677"/>
-            <a:ext cx="2501153" cy="4168588"/>
+            <a:off x="2876764" y="2236677"/>
+            <a:ext cx="2932365" cy="4168588"/>
           </a:xfrm>
           <a:prstGeom prst="rect">
             <a:avLst/>
@@ -13711,6 +15749,9 @@
               <a:solidFill>
                 <a:schemeClr val="tx1"/>
               </a:solidFill>
+              <a:latin typeface="Noto Sans JP" panose="020B0200000000000000" pitchFamily="50" charset="-128"/>
+              <a:ea typeface="Noto Sans JP" panose="020B0200000000000000" pitchFamily="50" charset="-128"/>
+              <a:cs typeface="Arial" panose="020B0604020202020204" pitchFamily="34" charset="0"/>
             </a:endParaRPr>
           </a:p>
         </p:txBody>
@@ -13718,7 +15759,7 @@
     </p:spTree>
     <p:extLst>
       <p:ext uri="{BB962C8B-B14F-4D97-AF65-F5344CB8AC3E}">
-        <p14:creationId xmlns:p14="http://schemas.microsoft.com/office/powerpoint/2010/main" val="4123177062"/>
+        <p14:creationId xmlns:p14="http://schemas.microsoft.com/office/powerpoint/2010/main" val="3077741478"/>
       </p:ext>
     </p:extLst>
   </p:cSld>
@@ -13728,7 +15769,7 @@
 </p:sld>
 </file>
 
-<file path=ppt/slides/slide7.xml><?xml version="1.0" encoding="utf-8"?>
+<file path=ppt/slides/slide8.xml><?xml version="1.0" encoding="utf-8"?>
 <p:sld xmlns:a="http://schemas.openxmlformats.org/drawingml/2006/main" xmlns:r="http://schemas.openxmlformats.org/officeDocument/2006/relationships" xmlns:p="http://schemas.openxmlformats.org/presentationml/2006/main">
   <p:cSld>
     <p:spTree>
@@ -13789,8 +15830,8 @@
                 <a:solidFill>
                   <a:schemeClr val="tx1"/>
                 </a:solidFill>
-                <a:latin typeface="Meiryo UI" panose="020B0604030504040204" pitchFamily="50" charset="-128"/>
-                <a:ea typeface="Meiryo UI" panose="020B0604030504040204" pitchFamily="50" charset="-128"/>
+                <a:latin typeface="Noto Sans JP" panose="020B0200000000000000" pitchFamily="50" charset="-128"/>
+                <a:ea typeface="Noto Sans JP" panose="020B0200000000000000" pitchFamily="50" charset="-128"/>
               </a:rPr>
               <a:t>4.</a:t>
             </a:r>
@@ -13799,8 +15840,8 @@
                 <a:solidFill>
                   <a:schemeClr val="tx1"/>
                 </a:solidFill>
-                <a:latin typeface="Meiryo UI" panose="020B0604030504040204" pitchFamily="50" charset="-128"/>
-                <a:ea typeface="Meiryo UI" panose="020B0604030504040204" pitchFamily="50" charset="-128"/>
+                <a:latin typeface="Noto Sans JP" panose="020B0200000000000000" pitchFamily="50" charset="-128"/>
+                <a:ea typeface="Noto Sans JP" panose="020B0200000000000000" pitchFamily="50" charset="-128"/>
               </a:rPr>
               <a:t>共通点発見アプリ使用手順</a:t>
             </a:r>
@@ -13808,8 +15849,8 @@
               <a:solidFill>
                 <a:schemeClr val="tx1"/>
               </a:solidFill>
-              <a:latin typeface="Meiryo UI" panose="020B0604030504040204" pitchFamily="50" charset="-128"/>
-              <a:ea typeface="Meiryo UI" panose="020B0604030504040204" pitchFamily="50" charset="-128"/>
+              <a:latin typeface="Noto Sans JP" panose="020B0200000000000000" pitchFamily="50" charset="-128"/>
+              <a:ea typeface="Noto Sans JP" panose="020B0200000000000000" pitchFamily="50" charset="-128"/>
             </a:endParaRPr>
           </a:p>
         </p:txBody>
@@ -13869,45 +15910,24 @@
             </a:pPr>
             <a:r>
               <a:rPr lang="ja-JP" altLang="en-US" sz="2400" dirty="0">
-                <a:latin typeface="Meiryo UI" panose="020B0604030504040204" pitchFamily="50" charset="-128"/>
-                <a:ea typeface="Meiryo UI" panose="020B0604030504040204" pitchFamily="50" charset="-128"/>
+                <a:latin typeface="Noto Sans JP" panose="020B0200000000000000" pitchFamily="50" charset="-128"/>
+                <a:ea typeface="Noto Sans JP" panose="020B0200000000000000" pitchFamily="50" charset="-128"/>
               </a:rPr>
               <a:t>フェーズ</a:t>
             </a:r>
             <a:r>
               <a:rPr lang="en-US" altLang="ja-JP" sz="2400" dirty="0">
-                <a:latin typeface="Meiryo UI" panose="020B0604030504040204" pitchFamily="50" charset="-128"/>
-                <a:ea typeface="Meiryo UI" panose="020B0604030504040204" pitchFamily="50" charset="-128"/>
-              </a:rPr>
-              <a:t>2.</a:t>
+                <a:latin typeface="Noto Sans JP" panose="020B0200000000000000" pitchFamily="50" charset="-128"/>
+                <a:ea typeface="Noto Sans JP" panose="020B0200000000000000" pitchFamily="50" charset="-128"/>
+              </a:rPr>
+              <a:t>3.</a:t>
             </a:r>
             <a:r>
               <a:rPr lang="ja-JP" altLang="en-US" sz="2400" dirty="0">
-                <a:latin typeface="Meiryo UI" panose="020B0604030504040204" pitchFamily="50" charset="-128"/>
-                <a:ea typeface="Meiryo UI" panose="020B0604030504040204" pitchFamily="50" charset="-128"/>
-              </a:rPr>
-              <a:t>イベント開始後</a:t>
-            </a:r>
-            <a:r>
-              <a:rPr lang="en-US" altLang="ja-JP" sz="2400" dirty="0">
-                <a:latin typeface="Meiryo UI" panose="020B0604030504040204" pitchFamily="50" charset="-128"/>
-                <a:ea typeface="Meiryo UI" panose="020B0604030504040204" pitchFamily="50" charset="-128"/>
-              </a:rPr>
-              <a:t>(</a:t>
-            </a:r>
-            <a:r>
-              <a:rPr lang="ja-JP" altLang="en-US" sz="2400" dirty="0">
-                <a:latin typeface="Meiryo UI" panose="020B0604030504040204" pitchFamily="50" charset="-128"/>
-                <a:ea typeface="Meiryo UI" panose="020B0604030504040204" pitchFamily="50" charset="-128"/>
+                <a:latin typeface="Noto Sans JP" panose="020B0200000000000000" pitchFamily="50" charset="-128"/>
+                <a:ea typeface="Noto Sans JP" panose="020B0200000000000000" pitchFamily="50" charset="-128"/>
               </a:rPr>
               <a:t>質問回答</a:t>
-            </a:r>
-            <a:r>
-              <a:rPr lang="en-US" altLang="ja-JP" sz="2400" dirty="0">
-                <a:latin typeface="Meiryo UI" panose="020B0604030504040204" pitchFamily="50" charset="-128"/>
-                <a:ea typeface="Meiryo UI" panose="020B0604030504040204" pitchFamily="50" charset="-128"/>
-              </a:rPr>
-              <a:t>)</a:t>
             </a:r>
             <a:endParaRPr kumimoji="0" lang="ja-JP" altLang="en-US" sz="2400" i="0" u="none" strike="noStrike" cap="none" normalizeH="0" baseline="0" dirty="0">
               <a:ln>
@@ -13917,8 +15937,8 @@
                 <a:schemeClr val="tx1"/>
               </a:solidFill>
               <a:effectLst/>
-              <a:latin typeface="Meiryo UI" panose="020B0604030504040204" pitchFamily="50" charset="-128"/>
-              <a:ea typeface="Meiryo UI" panose="020B0604030504040204" pitchFamily="50" charset="-128"/>
+              <a:latin typeface="Noto Sans JP" panose="020B0200000000000000" pitchFamily="50" charset="-128"/>
+              <a:ea typeface="Noto Sans JP" panose="020B0200000000000000" pitchFamily="50" charset="-128"/>
             </a:endParaRPr>
           </a:p>
         </p:txBody>
@@ -13940,7 +15960,7 @@
         <p:spPr bwMode="auto">
           <a:xfrm>
             <a:off x="677333" y="1775012"/>
-            <a:ext cx="7750230" cy="461665"/>
+            <a:ext cx="8148168" cy="461665"/>
           </a:xfrm>
           <a:prstGeom prst="rect">
             <a:avLst/>
@@ -13973,14 +15993,14 @@
             </a:pPr>
             <a:r>
               <a:rPr lang="ja-JP" altLang="en-US" sz="2400" dirty="0">
-                <a:latin typeface="Meiryo UI" panose="020B0604030504040204" pitchFamily="50" charset="-128"/>
-                <a:ea typeface="Meiryo UI" panose="020B0604030504040204" pitchFamily="50" charset="-128"/>
+                <a:latin typeface="Noto Sans JP" panose="020B0200000000000000" pitchFamily="50" charset="-128"/>
+                <a:ea typeface="Noto Sans JP" panose="020B0200000000000000" pitchFamily="50" charset="-128"/>
               </a:rPr>
               <a:t>回答送信画面により主催者は各々の端末で質問を回答する</a:t>
             </a:r>
             <a:endParaRPr lang="en-US" altLang="ja-JP" sz="2400" dirty="0">
-              <a:latin typeface="Meiryo UI" panose="020B0604030504040204" pitchFamily="50" charset="-128"/>
-              <a:ea typeface="Meiryo UI" panose="020B0604030504040204" pitchFamily="50" charset="-128"/>
+              <a:latin typeface="Noto Sans JP" panose="020B0200000000000000" pitchFamily="50" charset="-128"/>
+              <a:ea typeface="Noto Sans JP" panose="020B0200000000000000" pitchFamily="50" charset="-128"/>
             </a:endParaRPr>
           </a:p>
         </p:txBody>
@@ -14032,6 +16052,8 @@
               <a:solidFill>
                 <a:schemeClr val="tx1"/>
               </a:solidFill>
+              <a:latin typeface="Noto Sans JP" panose="020B0200000000000000" pitchFamily="50" charset="-128"/>
+              <a:ea typeface="Noto Sans JP" panose="020B0200000000000000" pitchFamily="50" charset="-128"/>
             </a:endParaRPr>
           </a:p>
         </p:txBody>
@@ -14086,25 +16108,28 @@
             </a:pPr>
             <a:r>
               <a:rPr lang="ja-JP" altLang="en-US" sz="1200" dirty="0">
-                <a:latin typeface="Meiryo UI" panose="020B0604030504040204" pitchFamily="50" charset="-128"/>
-                <a:ea typeface="Meiryo UI" panose="020B0604030504040204" pitchFamily="50" charset="-128"/>
+                <a:latin typeface="Noto Sans JP" panose="020B0200000000000000" pitchFamily="50" charset="-128"/>
+                <a:ea typeface="Noto Sans JP" panose="020B0200000000000000" pitchFamily="50" charset="-128"/>
               </a:rPr>
               <a:t>質問</a:t>
             </a:r>
             <a:r>
               <a:rPr lang="en-US" altLang="ja-JP" sz="1200" dirty="0">
-                <a:latin typeface="Meiryo UI" panose="020B0604030504040204" pitchFamily="50" charset="-128"/>
-                <a:ea typeface="Meiryo UI" panose="020B0604030504040204" pitchFamily="50" charset="-128"/>
+                <a:latin typeface="Noto Sans JP" panose="020B0200000000000000" pitchFamily="50" charset="-128"/>
+                <a:ea typeface="Noto Sans JP" panose="020B0200000000000000" pitchFamily="50" charset="-128"/>
               </a:rPr>
               <a:t>1.</a:t>
             </a:r>
             <a:r>
-              <a:rPr lang="ja-JP" altLang="en-US" sz="1200" dirty="0"/>
+              <a:rPr lang="ja-JP" altLang="en-US" sz="1200" dirty="0">
+                <a:latin typeface="Noto Sans JP" panose="020B0200000000000000" pitchFamily="50" charset="-128"/>
+                <a:ea typeface="Noto Sans JP" panose="020B0200000000000000" pitchFamily="50" charset="-128"/>
+              </a:rPr>
               <a:t>今日は運動しましたか？</a:t>
             </a:r>
             <a:endParaRPr lang="en-US" altLang="ja-JP" sz="1200" dirty="0">
-              <a:latin typeface="Meiryo UI" panose="020B0604030504040204" pitchFamily="50" charset="-128"/>
-              <a:ea typeface="Meiryo UI" panose="020B0604030504040204" pitchFamily="50" charset="-128"/>
+              <a:latin typeface="Noto Sans JP" panose="020B0200000000000000" pitchFamily="50" charset="-128"/>
+              <a:ea typeface="Noto Sans JP" panose="020B0200000000000000" pitchFamily="50" charset="-128"/>
             </a:endParaRPr>
           </a:p>
         </p:txBody>
@@ -14126,7 +16151,7 @@
         <p:spPr bwMode="auto">
           <a:xfrm>
             <a:off x="3514164" y="2585394"/>
-            <a:ext cx="454521" cy="276999"/>
+            <a:ext cx="560091" cy="276999"/>
           </a:xfrm>
           <a:prstGeom prst="rect">
             <a:avLst/>
@@ -14159,14 +16184,14 @@
             </a:pPr>
             <a:r>
               <a:rPr lang="ja-JP" altLang="en-US" sz="1200" dirty="0">
-                <a:latin typeface="Meiryo UI" panose="020B0604030504040204" pitchFamily="50" charset="-128"/>
-                <a:ea typeface="Meiryo UI" panose="020B0604030504040204" pitchFamily="50" charset="-128"/>
+                <a:latin typeface="Noto Sans JP" panose="020B0200000000000000" pitchFamily="50" charset="-128"/>
+                <a:ea typeface="Noto Sans JP" panose="020B0200000000000000" pitchFamily="50" charset="-128"/>
               </a:rPr>
               <a:t>はい</a:t>
             </a:r>
             <a:endParaRPr lang="en-US" altLang="ja-JP" sz="1200" dirty="0">
-              <a:latin typeface="Meiryo UI" panose="020B0604030504040204" pitchFamily="50" charset="-128"/>
-              <a:ea typeface="Meiryo UI" panose="020B0604030504040204" pitchFamily="50" charset="-128"/>
+              <a:latin typeface="Noto Sans JP" panose="020B0200000000000000" pitchFamily="50" charset="-128"/>
+              <a:ea typeface="Noto Sans JP" panose="020B0200000000000000" pitchFamily="50" charset="-128"/>
             </a:endParaRPr>
           </a:p>
         </p:txBody>
@@ -14221,25 +16246,28 @@
             </a:pPr>
             <a:r>
               <a:rPr lang="ja-JP" altLang="en-US" sz="1200" dirty="0">
-                <a:latin typeface="Meiryo UI" panose="020B0604030504040204" pitchFamily="50" charset="-128"/>
-                <a:ea typeface="Meiryo UI" panose="020B0604030504040204" pitchFamily="50" charset="-128"/>
+                <a:latin typeface="Noto Sans JP" panose="020B0200000000000000" pitchFamily="50" charset="-128"/>
+                <a:ea typeface="Noto Sans JP" panose="020B0200000000000000" pitchFamily="50" charset="-128"/>
               </a:rPr>
               <a:t>質問</a:t>
             </a:r>
             <a:r>
               <a:rPr lang="en-US" altLang="ja-JP" sz="1200" dirty="0">
-                <a:latin typeface="Meiryo UI" panose="020B0604030504040204" pitchFamily="50" charset="-128"/>
-                <a:ea typeface="Meiryo UI" panose="020B0604030504040204" pitchFamily="50" charset="-128"/>
+                <a:latin typeface="Noto Sans JP" panose="020B0200000000000000" pitchFamily="50" charset="-128"/>
+                <a:ea typeface="Noto Sans JP" panose="020B0200000000000000" pitchFamily="50" charset="-128"/>
               </a:rPr>
               <a:t>10.</a:t>
             </a:r>
             <a:r>
-              <a:rPr lang="ja-JP" altLang="en-US" sz="1200" dirty="0"/>
+              <a:rPr lang="ja-JP" altLang="en-US" sz="1200" dirty="0">
+                <a:latin typeface="Noto Sans JP" panose="020B0200000000000000" pitchFamily="50" charset="-128"/>
+                <a:ea typeface="Noto Sans JP" panose="020B0200000000000000" pitchFamily="50" charset="-128"/>
+              </a:rPr>
               <a:t>今日は外に出ましたか？</a:t>
             </a:r>
             <a:endParaRPr lang="en-US" altLang="ja-JP" sz="1200" dirty="0">
-              <a:latin typeface="Meiryo UI" panose="020B0604030504040204" pitchFamily="50" charset="-128"/>
-              <a:ea typeface="Meiryo UI" panose="020B0604030504040204" pitchFamily="50" charset="-128"/>
+              <a:latin typeface="Noto Sans JP" panose="020B0200000000000000" pitchFamily="50" charset="-128"/>
+              <a:ea typeface="Noto Sans JP" panose="020B0200000000000000" pitchFamily="50" charset="-128"/>
             </a:endParaRPr>
           </a:p>
         </p:txBody>
@@ -14294,14 +16322,14 @@
             </a:pPr>
             <a:r>
               <a:rPr lang="ja-JP" altLang="en-US" sz="1200" dirty="0">
-                <a:latin typeface="Meiryo UI" panose="020B0604030504040204" pitchFamily="50" charset="-128"/>
-                <a:ea typeface="Meiryo UI" panose="020B0604030504040204" pitchFamily="50" charset="-128"/>
+                <a:latin typeface="Noto Sans JP" panose="020B0200000000000000" pitchFamily="50" charset="-128"/>
+                <a:ea typeface="Noto Sans JP" panose="020B0200000000000000" pitchFamily="50" charset="-128"/>
               </a:rPr>
               <a:t>・</a:t>
             </a:r>
             <a:endParaRPr lang="en-US" altLang="ja-JP" sz="1200" dirty="0">
-              <a:latin typeface="Meiryo UI" panose="020B0604030504040204" pitchFamily="50" charset="-128"/>
-              <a:ea typeface="Meiryo UI" panose="020B0604030504040204" pitchFamily="50" charset="-128"/>
+              <a:latin typeface="Noto Sans JP" panose="020B0200000000000000" pitchFamily="50" charset="-128"/>
+              <a:ea typeface="Noto Sans JP" panose="020B0200000000000000" pitchFamily="50" charset="-128"/>
             </a:endParaRPr>
           </a:p>
           <a:p>
@@ -14315,14 +16343,14 @@
             </a:pPr>
             <a:r>
               <a:rPr lang="ja-JP" altLang="en-US" sz="1200" dirty="0">
-                <a:latin typeface="Meiryo UI" panose="020B0604030504040204" pitchFamily="50" charset="-128"/>
-                <a:ea typeface="Meiryo UI" panose="020B0604030504040204" pitchFamily="50" charset="-128"/>
+                <a:latin typeface="Noto Sans JP" panose="020B0200000000000000" pitchFamily="50" charset="-128"/>
+                <a:ea typeface="Noto Sans JP" panose="020B0200000000000000" pitchFamily="50" charset="-128"/>
               </a:rPr>
               <a:t>・</a:t>
             </a:r>
             <a:endParaRPr lang="en-US" altLang="ja-JP" sz="1200" dirty="0">
-              <a:latin typeface="Meiryo UI" panose="020B0604030504040204" pitchFamily="50" charset="-128"/>
-              <a:ea typeface="Meiryo UI" panose="020B0604030504040204" pitchFamily="50" charset="-128"/>
+              <a:latin typeface="Noto Sans JP" panose="020B0200000000000000" pitchFamily="50" charset="-128"/>
+              <a:ea typeface="Noto Sans JP" panose="020B0200000000000000" pitchFamily="50" charset="-128"/>
             </a:endParaRPr>
           </a:p>
           <a:p>
@@ -14336,14 +16364,14 @@
             </a:pPr>
             <a:r>
               <a:rPr lang="ja-JP" altLang="en-US" sz="1200" dirty="0">
-                <a:latin typeface="Meiryo UI" panose="020B0604030504040204" pitchFamily="50" charset="-128"/>
-                <a:ea typeface="Meiryo UI" panose="020B0604030504040204" pitchFamily="50" charset="-128"/>
+                <a:latin typeface="Noto Sans JP" panose="020B0200000000000000" pitchFamily="50" charset="-128"/>
+                <a:ea typeface="Noto Sans JP" panose="020B0200000000000000" pitchFamily="50" charset="-128"/>
               </a:rPr>
               <a:t>・</a:t>
             </a:r>
             <a:endParaRPr lang="en-US" altLang="ja-JP" sz="1200" dirty="0">
-              <a:latin typeface="Meiryo UI" panose="020B0604030504040204" pitchFamily="50" charset="-128"/>
-              <a:ea typeface="Meiryo UI" panose="020B0604030504040204" pitchFamily="50" charset="-128"/>
+              <a:latin typeface="Noto Sans JP" panose="020B0200000000000000" pitchFamily="50" charset="-128"/>
+              <a:ea typeface="Noto Sans JP" panose="020B0200000000000000" pitchFamily="50" charset="-128"/>
             </a:endParaRPr>
           </a:p>
           <a:p>
@@ -14357,14 +16385,14 @@
             </a:pPr>
             <a:r>
               <a:rPr lang="ja-JP" altLang="en-US" sz="1200" dirty="0">
-                <a:latin typeface="Meiryo UI" panose="020B0604030504040204" pitchFamily="50" charset="-128"/>
-                <a:ea typeface="Meiryo UI" panose="020B0604030504040204" pitchFamily="50" charset="-128"/>
+                <a:latin typeface="Noto Sans JP" panose="020B0200000000000000" pitchFamily="50" charset="-128"/>
+                <a:ea typeface="Noto Sans JP" panose="020B0200000000000000" pitchFamily="50" charset="-128"/>
               </a:rPr>
               <a:t>・</a:t>
             </a:r>
             <a:endParaRPr lang="en-US" altLang="ja-JP" sz="1200" dirty="0">
-              <a:latin typeface="Meiryo UI" panose="020B0604030504040204" pitchFamily="50" charset="-128"/>
-              <a:ea typeface="Meiryo UI" panose="020B0604030504040204" pitchFamily="50" charset="-128"/>
+              <a:latin typeface="Noto Sans JP" panose="020B0200000000000000" pitchFamily="50" charset="-128"/>
+              <a:ea typeface="Noto Sans JP" panose="020B0200000000000000" pitchFamily="50" charset="-128"/>
             </a:endParaRPr>
           </a:p>
         </p:txBody>
@@ -14424,14 +16452,14 @@
             </a:pPr>
             <a:r>
               <a:rPr lang="ja-JP" altLang="en-US" sz="1200" dirty="0">
-                <a:latin typeface="Meiryo UI" panose="020B0604030504040204" pitchFamily="50" charset="-128"/>
-                <a:ea typeface="Meiryo UI" panose="020B0604030504040204" pitchFamily="50" charset="-128"/>
+                <a:latin typeface="Noto Sans JP" panose="020B0200000000000000" pitchFamily="50" charset="-128"/>
+                <a:ea typeface="Noto Sans JP" panose="020B0200000000000000" pitchFamily="50" charset="-128"/>
               </a:rPr>
               <a:t>回答送信</a:t>
             </a:r>
             <a:endParaRPr lang="en-US" altLang="ja-JP" sz="1200" dirty="0">
-              <a:latin typeface="Meiryo UI" panose="020B0604030504040204" pitchFamily="50" charset="-128"/>
-              <a:ea typeface="Meiryo UI" panose="020B0604030504040204" pitchFamily="50" charset="-128"/>
+              <a:latin typeface="Noto Sans JP" panose="020B0200000000000000" pitchFamily="50" charset="-128"/>
+              <a:ea typeface="Noto Sans JP" panose="020B0200000000000000" pitchFamily="50" charset="-128"/>
             </a:endParaRPr>
           </a:p>
         </p:txBody>
@@ -14606,14 +16634,14 @@
             </a:pPr>
             <a:r>
               <a:rPr lang="ja-JP" altLang="en-US" sz="1200" dirty="0">
-                <a:latin typeface="Meiryo UI" panose="020B0604030504040204" pitchFamily="50" charset="-128"/>
-                <a:ea typeface="Meiryo UI" panose="020B0604030504040204" pitchFamily="50" charset="-128"/>
+                <a:latin typeface="Noto Sans JP" panose="020B0200000000000000" pitchFamily="50" charset="-128"/>
+                <a:ea typeface="Noto Sans JP" panose="020B0200000000000000" pitchFamily="50" charset="-128"/>
               </a:rPr>
               <a:t>回答画面</a:t>
             </a:r>
             <a:endParaRPr lang="en-US" altLang="ja-JP" sz="1200" dirty="0">
-              <a:latin typeface="Meiryo UI" panose="020B0604030504040204" pitchFamily="50" charset="-128"/>
-              <a:ea typeface="Meiryo UI" panose="020B0604030504040204" pitchFamily="50" charset="-128"/>
+              <a:latin typeface="Noto Sans JP" panose="020B0200000000000000" pitchFamily="50" charset="-128"/>
+              <a:ea typeface="Noto Sans JP" panose="020B0200000000000000" pitchFamily="50" charset="-128"/>
             </a:endParaRPr>
           </a:p>
         </p:txBody>
@@ -14635,7 +16663,7 @@
         <p:spPr bwMode="auto">
           <a:xfrm>
             <a:off x="3516525" y="2917278"/>
-            <a:ext cx="564715" cy="276999"/>
+            <a:ext cx="695879" cy="276999"/>
           </a:xfrm>
           <a:prstGeom prst="rect">
             <a:avLst/>
@@ -14668,14 +16696,14 @@
             </a:pPr>
             <a:r>
               <a:rPr lang="ja-JP" altLang="en-US" sz="1200" dirty="0">
-                <a:latin typeface="Meiryo UI" panose="020B0604030504040204" pitchFamily="50" charset="-128"/>
-                <a:ea typeface="Meiryo UI" panose="020B0604030504040204" pitchFamily="50" charset="-128"/>
+                <a:latin typeface="Noto Sans JP" panose="020B0200000000000000" pitchFamily="50" charset="-128"/>
+                <a:ea typeface="Noto Sans JP" panose="020B0200000000000000" pitchFamily="50" charset="-128"/>
               </a:rPr>
               <a:t>いいえ</a:t>
             </a:r>
             <a:endParaRPr lang="en-US" altLang="ja-JP" sz="1200" dirty="0">
-              <a:latin typeface="Meiryo UI" panose="020B0604030504040204" pitchFamily="50" charset="-128"/>
-              <a:ea typeface="Meiryo UI" panose="020B0604030504040204" pitchFamily="50" charset="-128"/>
+              <a:latin typeface="Noto Sans JP" panose="020B0200000000000000" pitchFamily="50" charset="-128"/>
+              <a:ea typeface="Noto Sans JP" panose="020B0200000000000000" pitchFamily="50" charset="-128"/>
             </a:endParaRPr>
           </a:p>
         </p:txBody>
@@ -14697,7 +16725,7 @@
         <p:spPr bwMode="auto">
           <a:xfrm>
             <a:off x="3551872" y="4727011"/>
-            <a:ext cx="454521" cy="276999"/>
+            <a:ext cx="560091" cy="276999"/>
           </a:xfrm>
           <a:prstGeom prst="rect">
             <a:avLst/>
@@ -14730,14 +16758,14 @@
             </a:pPr>
             <a:r>
               <a:rPr lang="ja-JP" altLang="en-US" sz="1200" dirty="0">
-                <a:latin typeface="Meiryo UI" panose="020B0604030504040204" pitchFamily="50" charset="-128"/>
-                <a:ea typeface="Meiryo UI" panose="020B0604030504040204" pitchFamily="50" charset="-128"/>
+                <a:latin typeface="Noto Sans JP" panose="020B0200000000000000" pitchFamily="50" charset="-128"/>
+                <a:ea typeface="Noto Sans JP" panose="020B0200000000000000" pitchFamily="50" charset="-128"/>
               </a:rPr>
               <a:t>はい</a:t>
             </a:r>
             <a:endParaRPr lang="en-US" altLang="ja-JP" sz="1200" dirty="0">
-              <a:latin typeface="Meiryo UI" panose="020B0604030504040204" pitchFamily="50" charset="-128"/>
-              <a:ea typeface="Meiryo UI" panose="020B0604030504040204" pitchFamily="50" charset="-128"/>
+              <a:latin typeface="Noto Sans JP" panose="020B0200000000000000" pitchFamily="50" charset="-128"/>
+              <a:ea typeface="Noto Sans JP" panose="020B0200000000000000" pitchFamily="50" charset="-128"/>
             </a:endParaRPr>
           </a:p>
         </p:txBody>
@@ -14759,7 +16787,7 @@
         <p:spPr bwMode="auto">
           <a:xfrm>
             <a:off x="3554233" y="5058895"/>
-            <a:ext cx="564715" cy="276999"/>
+            <a:ext cx="695879" cy="276999"/>
           </a:xfrm>
           <a:prstGeom prst="rect">
             <a:avLst/>
@@ -14792,14 +16820,14 @@
             </a:pPr>
             <a:r>
               <a:rPr lang="ja-JP" altLang="en-US" sz="1200" dirty="0">
-                <a:latin typeface="Meiryo UI" panose="020B0604030504040204" pitchFamily="50" charset="-128"/>
-                <a:ea typeface="Meiryo UI" panose="020B0604030504040204" pitchFamily="50" charset="-128"/>
+                <a:latin typeface="Noto Sans JP" panose="020B0200000000000000" pitchFamily="50" charset="-128"/>
+                <a:ea typeface="Noto Sans JP" panose="020B0200000000000000" pitchFamily="50" charset="-128"/>
               </a:rPr>
               <a:t>いいえ</a:t>
             </a:r>
             <a:endParaRPr lang="en-US" altLang="ja-JP" sz="1200" dirty="0">
-              <a:latin typeface="Meiryo UI" panose="020B0604030504040204" pitchFamily="50" charset="-128"/>
-              <a:ea typeface="Meiryo UI" panose="020B0604030504040204" pitchFamily="50" charset="-128"/>
+              <a:latin typeface="Noto Sans JP" panose="020B0200000000000000" pitchFamily="50" charset="-128"/>
+              <a:ea typeface="Noto Sans JP" panose="020B0200000000000000" pitchFamily="50" charset="-128"/>
             </a:endParaRPr>
           </a:p>
         </p:txBody>
@@ -14817,7 +16845,7 @@
 </p:sld>
 </file>
 
-<file path=ppt/slides/slide8.xml><?xml version="1.0" encoding="utf-8"?>
+<file path=ppt/slides/slide9.xml><?xml version="1.0" encoding="utf-8"?>
 <p:sld xmlns:a="http://schemas.openxmlformats.org/drawingml/2006/main" xmlns:r="http://schemas.openxmlformats.org/officeDocument/2006/relationships" xmlns:p="http://schemas.openxmlformats.org/presentationml/2006/main">
   <p:cSld>
     <p:spTree>
@@ -14878,8 +16906,8 @@
                 <a:solidFill>
                   <a:schemeClr val="tx1"/>
                 </a:solidFill>
-                <a:latin typeface="Meiryo UI" panose="020B0604030504040204" pitchFamily="50" charset="-128"/>
-                <a:ea typeface="Meiryo UI" panose="020B0604030504040204" pitchFamily="50" charset="-128"/>
+                <a:latin typeface="Noto Sans JP" panose="020B0200000000000000" pitchFamily="50" charset="-128"/>
+                <a:ea typeface="Noto Sans JP" panose="020B0200000000000000" pitchFamily="50" charset="-128"/>
               </a:rPr>
               <a:t>4.</a:t>
             </a:r>
@@ -14888,8 +16916,8 @@
                 <a:solidFill>
                   <a:schemeClr val="tx1"/>
                 </a:solidFill>
-                <a:latin typeface="Meiryo UI" panose="020B0604030504040204" pitchFamily="50" charset="-128"/>
-                <a:ea typeface="Meiryo UI" panose="020B0604030504040204" pitchFamily="50" charset="-128"/>
+                <a:latin typeface="Noto Sans JP" panose="020B0200000000000000" pitchFamily="50" charset="-128"/>
+                <a:ea typeface="Noto Sans JP" panose="020B0200000000000000" pitchFamily="50" charset="-128"/>
               </a:rPr>
               <a:t>共通点発見アプリ使用手順</a:t>
             </a:r>
@@ -14897,8 +16925,8 @@
               <a:solidFill>
                 <a:schemeClr val="tx1"/>
               </a:solidFill>
-              <a:latin typeface="Meiryo UI" panose="020B0604030504040204" pitchFamily="50" charset="-128"/>
-              <a:ea typeface="Meiryo UI" panose="020B0604030504040204" pitchFamily="50" charset="-128"/>
+              <a:latin typeface="Noto Sans JP" panose="020B0200000000000000" pitchFamily="50" charset="-128"/>
+              <a:ea typeface="Noto Sans JP" panose="020B0200000000000000" pitchFamily="50" charset="-128"/>
             </a:endParaRPr>
           </a:p>
         </p:txBody>
@@ -14989,14 +17017,14 @@
             </a:pPr>
             <a:r>
               <a:rPr lang="ja-JP" altLang="en-US" sz="1200" dirty="0">
-                <a:latin typeface="Meiryo UI" panose="020B0604030504040204" pitchFamily="50" charset="-128"/>
-                <a:ea typeface="Meiryo UI" panose="020B0604030504040204" pitchFamily="50" charset="-128"/>
+                <a:latin typeface="Noto Sans JP" panose="020B0200000000000000" pitchFamily="50" charset="-128"/>
+                <a:ea typeface="Noto Sans JP" panose="020B0200000000000000" pitchFamily="50" charset="-128"/>
               </a:rPr>
               <a:t>主催者</a:t>
             </a:r>
             <a:endParaRPr lang="en-US" altLang="ja-JP" sz="1200" dirty="0">
-              <a:latin typeface="Meiryo UI" panose="020B0604030504040204" pitchFamily="50" charset="-128"/>
-              <a:ea typeface="Meiryo UI" panose="020B0604030504040204" pitchFamily="50" charset="-128"/>
+              <a:latin typeface="Noto Sans JP" panose="020B0200000000000000" pitchFamily="50" charset="-128"/>
+              <a:ea typeface="Noto Sans JP" panose="020B0200000000000000" pitchFamily="50" charset="-128"/>
             </a:endParaRPr>
           </a:p>
         </p:txBody>
@@ -15189,15 +17217,15 @@
             </a:pPr>
             <a:r>
               <a:rPr lang="ja-JP" altLang="en-US" sz="1200" dirty="0">
-                <a:latin typeface="Meiryo UI" panose="020B0604030504040204" pitchFamily="50" charset="-128"/>
-                <a:ea typeface="Meiryo UI" panose="020B0604030504040204" pitchFamily="50" charset="-128"/>
+                <a:latin typeface="Noto Sans JP" panose="020B0200000000000000" pitchFamily="50" charset="-128"/>
+                <a:ea typeface="Noto Sans JP" panose="020B0200000000000000" pitchFamily="50" charset="-128"/>
               </a:rPr>
               <a:t>グループ</a:t>
             </a:r>
             <a:r>
               <a:rPr lang="en-US" altLang="ja-JP" sz="1200" dirty="0">
-                <a:latin typeface="Meiryo UI" panose="020B0604030504040204" pitchFamily="50" charset="-128"/>
-                <a:ea typeface="Meiryo UI" panose="020B0604030504040204" pitchFamily="50" charset="-128"/>
+                <a:latin typeface="Noto Sans JP" panose="020B0200000000000000" pitchFamily="50" charset="-128"/>
+                <a:ea typeface="Noto Sans JP" panose="020B0200000000000000" pitchFamily="50" charset="-128"/>
               </a:rPr>
               <a:t>A</a:t>
             </a:r>
@@ -15254,15 +17282,15 @@
             </a:pPr>
             <a:r>
               <a:rPr lang="ja-JP" altLang="en-US" sz="1200" dirty="0">
-                <a:latin typeface="Meiryo UI" panose="020B0604030504040204" pitchFamily="50" charset="-128"/>
-                <a:ea typeface="Meiryo UI" panose="020B0604030504040204" pitchFamily="50" charset="-128"/>
+                <a:latin typeface="Noto Sans JP" panose="020B0200000000000000" pitchFamily="50" charset="-128"/>
+                <a:ea typeface="Noto Sans JP" panose="020B0200000000000000" pitchFamily="50" charset="-128"/>
               </a:rPr>
               <a:t>グループ</a:t>
             </a:r>
             <a:r>
               <a:rPr lang="en-US" altLang="ja-JP" sz="1200" dirty="0">
-                <a:latin typeface="Meiryo UI" panose="020B0604030504040204" pitchFamily="50" charset="-128"/>
-                <a:ea typeface="Meiryo UI" panose="020B0604030504040204" pitchFamily="50" charset="-128"/>
+                <a:latin typeface="Noto Sans JP" panose="020B0200000000000000" pitchFamily="50" charset="-128"/>
+                <a:ea typeface="Noto Sans JP" panose="020B0200000000000000" pitchFamily="50" charset="-128"/>
               </a:rPr>
               <a:t>C</a:t>
             </a:r>
@@ -15355,15 +17383,15 @@
             </a:pPr>
             <a:r>
               <a:rPr lang="ja-JP" altLang="en-US" sz="1200" dirty="0">
-                <a:latin typeface="Meiryo UI" panose="020B0604030504040204" pitchFamily="50" charset="-128"/>
-                <a:ea typeface="Meiryo UI" panose="020B0604030504040204" pitchFamily="50" charset="-128"/>
+                <a:latin typeface="Noto Sans JP" panose="020B0200000000000000" pitchFamily="50" charset="-128"/>
+                <a:ea typeface="Noto Sans JP" panose="020B0200000000000000" pitchFamily="50" charset="-128"/>
               </a:rPr>
               <a:t>参加者</a:t>
             </a:r>
             <a:r>
               <a:rPr lang="en-US" altLang="ja-JP" sz="1200" dirty="0">
-                <a:latin typeface="Meiryo UI" panose="020B0604030504040204" pitchFamily="50" charset="-128"/>
-                <a:ea typeface="Meiryo UI" panose="020B0604030504040204" pitchFamily="50" charset="-128"/>
+                <a:latin typeface="Noto Sans JP" panose="020B0200000000000000" pitchFamily="50" charset="-128"/>
+                <a:ea typeface="Noto Sans JP" panose="020B0200000000000000" pitchFamily="50" charset="-128"/>
               </a:rPr>
               <a:t>1</a:t>
             </a:r>
@@ -15452,7 +17480,10 @@
           <a:lstStyle/>
           <a:p>
             <a:pPr algn="ctr"/>
-            <a:endParaRPr kumimoji="1" lang="ja-JP" altLang="en-US"/>
+            <a:endParaRPr kumimoji="1" lang="ja-JP" altLang="en-US">
+              <a:latin typeface="Noto Sans JP" panose="020B0200000000000000" pitchFamily="50" charset="-128"/>
+              <a:ea typeface="Noto Sans JP" panose="020B0200000000000000" pitchFamily="50" charset="-128"/>
+            </a:endParaRPr>
           </a:p>
         </p:txBody>
       </p:sp>
@@ -15578,15 +17609,15 @@
             </a:pPr>
             <a:r>
               <a:rPr lang="ja-JP" altLang="en-US" sz="1200" dirty="0">
-                <a:latin typeface="Meiryo UI" panose="020B0604030504040204" pitchFamily="50" charset="-128"/>
-                <a:ea typeface="Meiryo UI" panose="020B0604030504040204" pitchFamily="50" charset="-128"/>
+                <a:latin typeface="Noto Sans JP" panose="020B0200000000000000" pitchFamily="50" charset="-128"/>
+                <a:ea typeface="Noto Sans JP" panose="020B0200000000000000" pitchFamily="50" charset="-128"/>
               </a:rPr>
               <a:t>参加者</a:t>
             </a:r>
             <a:r>
               <a:rPr lang="en-US" altLang="ja-JP" sz="1200" dirty="0">
-                <a:latin typeface="Meiryo UI" panose="020B0604030504040204" pitchFamily="50" charset="-128"/>
-                <a:ea typeface="Meiryo UI" panose="020B0604030504040204" pitchFamily="50" charset="-128"/>
+                <a:latin typeface="Noto Sans JP" panose="020B0200000000000000" pitchFamily="50" charset="-128"/>
+                <a:ea typeface="Noto Sans JP" panose="020B0200000000000000" pitchFamily="50" charset="-128"/>
               </a:rPr>
               <a:t>2</a:t>
             </a:r>
@@ -15679,15 +17710,15 @@
             </a:pPr>
             <a:r>
               <a:rPr lang="ja-JP" altLang="en-US" sz="1200" dirty="0">
-                <a:latin typeface="Meiryo UI" panose="020B0604030504040204" pitchFamily="50" charset="-128"/>
-                <a:ea typeface="Meiryo UI" panose="020B0604030504040204" pitchFamily="50" charset="-128"/>
+                <a:latin typeface="Noto Sans JP" panose="020B0200000000000000" pitchFamily="50" charset="-128"/>
+                <a:ea typeface="Noto Sans JP" panose="020B0200000000000000" pitchFamily="50" charset="-128"/>
               </a:rPr>
               <a:t>参加者</a:t>
             </a:r>
             <a:r>
               <a:rPr lang="en-US" altLang="ja-JP" sz="1200" dirty="0">
-                <a:latin typeface="Meiryo UI" panose="020B0604030504040204" pitchFamily="50" charset="-128"/>
-                <a:ea typeface="Meiryo UI" panose="020B0604030504040204" pitchFamily="50" charset="-128"/>
+                <a:latin typeface="Noto Sans JP" panose="020B0200000000000000" pitchFamily="50" charset="-128"/>
+                <a:ea typeface="Noto Sans JP" panose="020B0200000000000000" pitchFamily="50" charset="-128"/>
               </a:rPr>
               <a:t>5</a:t>
             </a:r>
@@ -15812,7 +17843,10 @@
           <a:lstStyle/>
           <a:p>
             <a:pPr algn="ctr"/>
-            <a:endParaRPr kumimoji="1" lang="ja-JP" altLang="en-US"/>
+            <a:endParaRPr kumimoji="1" lang="ja-JP" altLang="en-US">
+              <a:latin typeface="Noto Sans JP" panose="020B0200000000000000" pitchFamily="50" charset="-128"/>
+              <a:ea typeface="Noto Sans JP" panose="020B0200000000000000" pitchFamily="50" charset="-128"/>
+            </a:endParaRPr>
           </a:p>
         </p:txBody>
       </p:sp>
@@ -15974,15 +18008,15 @@
             </a:pPr>
             <a:r>
               <a:rPr lang="ja-JP" altLang="en-US" sz="1200" dirty="0">
-                <a:latin typeface="Meiryo UI" panose="020B0604030504040204" pitchFamily="50" charset="-128"/>
-                <a:ea typeface="Meiryo UI" panose="020B0604030504040204" pitchFamily="50" charset="-128"/>
+                <a:latin typeface="Noto Sans JP" panose="020B0200000000000000" pitchFamily="50" charset="-128"/>
+                <a:ea typeface="Noto Sans JP" panose="020B0200000000000000" pitchFamily="50" charset="-128"/>
               </a:rPr>
               <a:t>参加者</a:t>
             </a:r>
             <a:r>
               <a:rPr lang="en-US" altLang="ja-JP" sz="1200" dirty="0">
-                <a:latin typeface="Meiryo UI" panose="020B0604030504040204" pitchFamily="50" charset="-128"/>
-                <a:ea typeface="Meiryo UI" panose="020B0604030504040204" pitchFamily="50" charset="-128"/>
+                <a:latin typeface="Noto Sans JP" panose="020B0200000000000000" pitchFamily="50" charset="-128"/>
+                <a:ea typeface="Noto Sans JP" panose="020B0200000000000000" pitchFamily="50" charset="-128"/>
               </a:rPr>
               <a:t>7</a:t>
             </a:r>
@@ -16039,15 +18073,15 @@
             </a:pPr>
             <a:r>
               <a:rPr lang="ja-JP" altLang="en-US" sz="1200" dirty="0">
-                <a:latin typeface="Meiryo UI" panose="020B0604030504040204" pitchFamily="50" charset="-128"/>
-                <a:ea typeface="Meiryo UI" panose="020B0604030504040204" pitchFamily="50" charset="-128"/>
+                <a:latin typeface="Noto Sans JP" panose="020B0200000000000000" pitchFamily="50" charset="-128"/>
+                <a:ea typeface="Noto Sans JP" panose="020B0200000000000000" pitchFamily="50" charset="-128"/>
               </a:rPr>
               <a:t>参加者</a:t>
             </a:r>
             <a:r>
               <a:rPr lang="en-US" altLang="ja-JP" sz="1200" dirty="0">
-                <a:latin typeface="Meiryo UI" panose="020B0604030504040204" pitchFamily="50" charset="-128"/>
-                <a:ea typeface="Meiryo UI" panose="020B0604030504040204" pitchFamily="50" charset="-128"/>
+                <a:latin typeface="Noto Sans JP" panose="020B0200000000000000" pitchFamily="50" charset="-128"/>
+                <a:ea typeface="Noto Sans JP" panose="020B0200000000000000" pitchFamily="50" charset="-128"/>
               </a:rPr>
               <a:t>6</a:t>
             </a:r>
@@ -16109,45 +18143,24 @@
             </a:pPr>
             <a:r>
               <a:rPr lang="ja-JP" altLang="en-US" sz="2400" dirty="0">
-                <a:latin typeface="Meiryo UI" panose="020B0604030504040204" pitchFamily="50" charset="-128"/>
-                <a:ea typeface="Meiryo UI" panose="020B0604030504040204" pitchFamily="50" charset="-128"/>
+                <a:latin typeface="Noto Sans JP" panose="020B0200000000000000" pitchFamily="50" charset="-128"/>
+                <a:ea typeface="Noto Sans JP" panose="020B0200000000000000" pitchFamily="50" charset="-128"/>
               </a:rPr>
               <a:t>フェーズ</a:t>
             </a:r>
             <a:r>
               <a:rPr lang="en-US" altLang="ja-JP" sz="2400" dirty="0">
-                <a:latin typeface="Meiryo UI" panose="020B0604030504040204" pitchFamily="50" charset="-128"/>
-                <a:ea typeface="Meiryo UI" panose="020B0604030504040204" pitchFamily="50" charset="-128"/>
-              </a:rPr>
-              <a:t>3.</a:t>
+                <a:latin typeface="Noto Sans JP" panose="020B0200000000000000" pitchFamily="50" charset="-128"/>
+                <a:ea typeface="Noto Sans JP" panose="020B0200000000000000" pitchFamily="50" charset="-128"/>
+              </a:rPr>
+              <a:t>4.</a:t>
             </a:r>
             <a:r>
               <a:rPr lang="ja-JP" altLang="en-US" sz="2400" dirty="0">
-                <a:latin typeface="Meiryo UI" panose="020B0604030504040204" pitchFamily="50" charset="-128"/>
-                <a:ea typeface="Meiryo UI" panose="020B0604030504040204" pitchFamily="50" charset="-128"/>
-              </a:rPr>
-              <a:t>イベント開始前</a:t>
-            </a:r>
-            <a:r>
-              <a:rPr lang="en-US" altLang="ja-JP" sz="2400" dirty="0">
-                <a:latin typeface="Meiryo UI" panose="020B0604030504040204" pitchFamily="50" charset="-128"/>
-                <a:ea typeface="Meiryo UI" panose="020B0604030504040204" pitchFamily="50" charset="-128"/>
-              </a:rPr>
-              <a:t>(</a:t>
-            </a:r>
-            <a:r>
-              <a:rPr lang="ja-JP" altLang="en-US" sz="2400" dirty="0">
-                <a:latin typeface="Meiryo UI" panose="020B0604030504040204" pitchFamily="50" charset="-128"/>
-                <a:ea typeface="Meiryo UI" panose="020B0604030504040204" pitchFamily="50" charset="-128"/>
+                <a:latin typeface="Noto Sans JP" panose="020B0200000000000000" pitchFamily="50" charset="-128"/>
+                <a:ea typeface="Noto Sans JP" panose="020B0200000000000000" pitchFamily="50" charset="-128"/>
               </a:rPr>
               <a:t>グループ割振り</a:t>
-            </a:r>
-            <a:r>
-              <a:rPr lang="en-US" altLang="ja-JP" sz="2400" dirty="0">
-                <a:latin typeface="Meiryo UI" panose="020B0604030504040204" pitchFamily="50" charset="-128"/>
-                <a:ea typeface="Meiryo UI" panose="020B0604030504040204" pitchFamily="50" charset="-128"/>
-              </a:rPr>
-              <a:t>)</a:t>
             </a:r>
             <a:endParaRPr kumimoji="0" lang="ja-JP" altLang="en-US" sz="2400" i="0" u="none" strike="noStrike" cap="none" normalizeH="0" baseline="0" dirty="0">
               <a:ln>
@@ -16157,8 +18170,8 @@
                 <a:schemeClr val="tx1"/>
               </a:solidFill>
               <a:effectLst/>
-              <a:latin typeface="Meiryo UI" panose="020B0604030504040204" pitchFamily="50" charset="-128"/>
-              <a:ea typeface="Meiryo UI" panose="020B0604030504040204" pitchFamily="50" charset="-128"/>
+              <a:latin typeface="Noto Sans JP" panose="020B0200000000000000" pitchFamily="50" charset="-128"/>
+              <a:ea typeface="Noto Sans JP" panose="020B0200000000000000" pitchFamily="50" charset="-128"/>
             </a:endParaRPr>
           </a:p>
         </p:txBody>
@@ -16213,14 +18226,14 @@
             </a:pPr>
             <a:r>
               <a:rPr lang="ja-JP" altLang="en-US" sz="2400" dirty="0">
-                <a:latin typeface="Meiryo UI" panose="020B0604030504040204" pitchFamily="50" charset="-128"/>
-                <a:ea typeface="Meiryo UI" panose="020B0604030504040204" pitchFamily="50" charset="-128"/>
+                <a:latin typeface="Noto Sans JP" panose="020B0200000000000000" pitchFamily="50" charset="-128"/>
+                <a:ea typeface="Noto Sans JP" panose="020B0200000000000000" pitchFamily="50" charset="-128"/>
               </a:rPr>
               <a:t>主催者はグループ割振り画面で、参加者のグループを割り振る</a:t>
             </a:r>
             <a:endParaRPr lang="en-US" altLang="ja-JP" sz="2400" dirty="0">
-              <a:latin typeface="Meiryo UI" panose="020B0604030504040204" pitchFamily="50" charset="-128"/>
-              <a:ea typeface="Meiryo UI" panose="020B0604030504040204" pitchFamily="50" charset="-128"/>
+              <a:latin typeface="Noto Sans JP" panose="020B0200000000000000" pitchFamily="50" charset="-128"/>
+              <a:ea typeface="Noto Sans JP" panose="020B0200000000000000" pitchFamily="50" charset="-128"/>
             </a:endParaRPr>
           </a:p>
         </p:txBody>
@@ -16275,15 +18288,15 @@
             </a:pPr>
             <a:r>
               <a:rPr lang="ja-JP" altLang="en-US" sz="1200" dirty="0">
-                <a:latin typeface="Meiryo UI" panose="020B0604030504040204" pitchFamily="50" charset="-128"/>
-                <a:ea typeface="Meiryo UI" panose="020B0604030504040204" pitchFamily="50" charset="-128"/>
+                <a:latin typeface="Noto Sans JP" panose="020B0200000000000000" pitchFamily="50" charset="-128"/>
+                <a:ea typeface="Noto Sans JP" panose="020B0200000000000000" pitchFamily="50" charset="-128"/>
               </a:rPr>
               <a:t>グループ</a:t>
             </a:r>
             <a:r>
               <a:rPr lang="en-US" altLang="ja-JP" sz="1200" dirty="0">
-                <a:latin typeface="Meiryo UI" panose="020B0604030504040204" pitchFamily="50" charset="-128"/>
-                <a:ea typeface="Meiryo UI" panose="020B0604030504040204" pitchFamily="50" charset="-128"/>
+                <a:latin typeface="Noto Sans JP" panose="020B0200000000000000" pitchFamily="50" charset="-128"/>
+                <a:ea typeface="Noto Sans JP" panose="020B0200000000000000" pitchFamily="50" charset="-128"/>
               </a:rPr>
               <a:t>B</a:t>
             </a:r>
@@ -16376,15 +18389,15 @@
             </a:pPr>
             <a:r>
               <a:rPr lang="ja-JP" altLang="en-US" sz="1200" dirty="0">
-                <a:latin typeface="Meiryo UI" panose="020B0604030504040204" pitchFamily="50" charset="-128"/>
-                <a:ea typeface="Meiryo UI" panose="020B0604030504040204" pitchFamily="50" charset="-128"/>
+                <a:latin typeface="Noto Sans JP" panose="020B0200000000000000" pitchFamily="50" charset="-128"/>
+                <a:ea typeface="Noto Sans JP" panose="020B0200000000000000" pitchFamily="50" charset="-128"/>
               </a:rPr>
               <a:t>参加者</a:t>
             </a:r>
             <a:r>
               <a:rPr lang="en-US" altLang="ja-JP" sz="1200" dirty="0">
-                <a:latin typeface="Meiryo UI" panose="020B0604030504040204" pitchFamily="50" charset="-128"/>
-                <a:ea typeface="Meiryo UI" panose="020B0604030504040204" pitchFamily="50" charset="-128"/>
+                <a:latin typeface="Noto Sans JP" panose="020B0200000000000000" pitchFamily="50" charset="-128"/>
+                <a:ea typeface="Noto Sans JP" panose="020B0200000000000000" pitchFamily="50" charset="-128"/>
               </a:rPr>
               <a:t>3</a:t>
             </a:r>
@@ -16473,7 +18486,10 @@
           <a:lstStyle/>
           <a:p>
             <a:pPr algn="ctr"/>
-            <a:endParaRPr kumimoji="1" lang="ja-JP" altLang="en-US"/>
+            <a:endParaRPr kumimoji="1" lang="ja-JP" altLang="en-US">
+              <a:latin typeface="Noto Sans JP" panose="020B0200000000000000" pitchFamily="50" charset="-128"/>
+              <a:ea typeface="Noto Sans JP" panose="020B0200000000000000" pitchFamily="50" charset="-128"/>
+            </a:endParaRPr>
           </a:p>
         </p:txBody>
       </p:sp>
@@ -16599,15 +18615,15 @@
             </a:pPr>
             <a:r>
               <a:rPr lang="ja-JP" altLang="en-US" sz="1200" dirty="0">
-                <a:latin typeface="Meiryo UI" panose="020B0604030504040204" pitchFamily="50" charset="-128"/>
-                <a:ea typeface="Meiryo UI" panose="020B0604030504040204" pitchFamily="50" charset="-128"/>
+                <a:latin typeface="Noto Sans JP" panose="020B0200000000000000" pitchFamily="50" charset="-128"/>
+                <a:ea typeface="Noto Sans JP" panose="020B0200000000000000" pitchFamily="50" charset="-128"/>
               </a:rPr>
               <a:t>参加者</a:t>
             </a:r>
             <a:r>
               <a:rPr lang="en-US" altLang="ja-JP" sz="1200" dirty="0">
-                <a:latin typeface="Meiryo UI" panose="020B0604030504040204" pitchFamily="50" charset="-128"/>
-                <a:ea typeface="Meiryo UI" panose="020B0604030504040204" pitchFamily="50" charset="-128"/>
+                <a:latin typeface="Noto Sans JP" panose="020B0200000000000000" pitchFamily="50" charset="-128"/>
+                <a:ea typeface="Noto Sans JP" panose="020B0200000000000000" pitchFamily="50" charset="-128"/>
               </a:rPr>
               <a:t>4</a:t>
             </a:r>
@@ -16661,6 +18677,8 @@
               <a:solidFill>
                 <a:schemeClr val="tx1"/>
               </a:solidFill>
+              <a:latin typeface="Noto Sans JP" panose="020B0200000000000000" pitchFamily="50" charset="-128"/>
+              <a:ea typeface="Noto Sans JP" panose="020B0200000000000000" pitchFamily="50" charset="-128"/>
             </a:endParaRPr>
           </a:p>
         </p:txBody>
@@ -16682,7 +18700,7 @@
         <p:spPr bwMode="auto">
           <a:xfrm>
             <a:off x="6605991" y="6464890"/>
-            <a:ext cx="1481169" cy="276999"/>
+            <a:ext cx="1783108" cy="276999"/>
           </a:xfrm>
           <a:prstGeom prst="rect">
             <a:avLst/>
@@ -16715,14 +18733,14 @@
             </a:pPr>
             <a:r>
               <a:rPr lang="ja-JP" altLang="en-US" sz="1200" dirty="0">
-                <a:latin typeface="Meiryo UI" panose="020B0604030504040204" pitchFamily="50" charset="-128"/>
-                <a:ea typeface="Meiryo UI" panose="020B0604030504040204" pitchFamily="50" charset="-128"/>
+                <a:latin typeface="Noto Sans JP" panose="020B0200000000000000" pitchFamily="50" charset="-128"/>
+                <a:ea typeface="Noto Sans JP" panose="020B0200000000000000" pitchFamily="50" charset="-128"/>
               </a:rPr>
               <a:t>グループ割振り画面</a:t>
             </a:r>
             <a:endParaRPr lang="en-US" altLang="ja-JP" sz="1200" dirty="0">
-              <a:latin typeface="Meiryo UI" panose="020B0604030504040204" pitchFamily="50" charset="-128"/>
-              <a:ea typeface="Meiryo UI" panose="020B0604030504040204" pitchFamily="50" charset="-128"/>
+              <a:latin typeface="Noto Sans JP" panose="020B0200000000000000" pitchFamily="50" charset="-128"/>
+              <a:ea typeface="Noto Sans JP" panose="020B0200000000000000" pitchFamily="50" charset="-128"/>
             </a:endParaRPr>
           </a:p>
         </p:txBody>
@@ -16782,14 +18800,14 @@
             </a:pPr>
             <a:r>
               <a:rPr lang="ja-JP" altLang="en-US" sz="1200" dirty="0">
-                <a:latin typeface="Meiryo UI" panose="020B0604030504040204" pitchFamily="50" charset="-128"/>
-                <a:ea typeface="Meiryo UI" panose="020B0604030504040204" pitchFamily="50" charset="-128"/>
+                <a:latin typeface="Noto Sans JP" panose="020B0200000000000000" pitchFamily="50" charset="-128"/>
+                <a:ea typeface="Noto Sans JP" panose="020B0200000000000000" pitchFamily="50" charset="-128"/>
               </a:rPr>
               <a:t>グループを割振る</a:t>
             </a:r>
             <a:endParaRPr lang="en-US" altLang="ja-JP" sz="1200" dirty="0">
-              <a:latin typeface="Meiryo UI" panose="020B0604030504040204" pitchFamily="50" charset="-128"/>
-              <a:ea typeface="Meiryo UI" panose="020B0604030504040204" pitchFamily="50" charset="-128"/>
+              <a:latin typeface="Noto Sans JP" panose="020B0200000000000000" pitchFamily="50" charset="-128"/>
+              <a:ea typeface="Noto Sans JP" panose="020B0200000000000000" pitchFamily="50" charset="-128"/>
             </a:endParaRPr>
           </a:p>
         </p:txBody>
@@ -16811,7 +18829,7 @@
         <p:spPr bwMode="auto">
           <a:xfrm>
             <a:off x="6096000" y="2415372"/>
-            <a:ext cx="2293099" cy="461665"/>
+            <a:ext cx="2421276" cy="461665"/>
           </a:xfrm>
           <a:prstGeom prst="rect">
             <a:avLst/>
@@ -16844,28 +18862,28 @@
             </a:pPr>
             <a:r>
               <a:rPr lang="ja-JP" altLang="en-US" sz="1200" dirty="0">
-                <a:latin typeface="Meiryo UI" panose="020B0604030504040204" pitchFamily="50" charset="-128"/>
-                <a:ea typeface="Meiryo UI" panose="020B0604030504040204" pitchFamily="50" charset="-128"/>
+                <a:latin typeface="Noto Sans JP" panose="020B0200000000000000" pitchFamily="50" charset="-128"/>
+                <a:ea typeface="Noto Sans JP" panose="020B0200000000000000" pitchFamily="50" charset="-128"/>
               </a:rPr>
               <a:t>現在</a:t>
             </a:r>
             <a:r>
               <a:rPr lang="en-US" altLang="ja-JP" sz="1200" dirty="0">
-                <a:latin typeface="Meiryo UI" panose="020B0604030504040204" pitchFamily="50" charset="-128"/>
-                <a:ea typeface="Meiryo UI" panose="020B0604030504040204" pitchFamily="50" charset="-128"/>
+                <a:latin typeface="Noto Sans JP" panose="020B0200000000000000" pitchFamily="50" charset="-128"/>
+                <a:ea typeface="Noto Sans JP" panose="020B0200000000000000" pitchFamily="50" charset="-128"/>
               </a:rPr>
               <a:t>10</a:t>
             </a:r>
             <a:r>
               <a:rPr lang="ja-JP" altLang="en-US" sz="1200" dirty="0">
-                <a:latin typeface="Meiryo UI" panose="020B0604030504040204" pitchFamily="50" charset="-128"/>
-                <a:ea typeface="Meiryo UI" panose="020B0604030504040204" pitchFamily="50" charset="-128"/>
+                <a:latin typeface="Noto Sans JP" panose="020B0200000000000000" pitchFamily="50" charset="-128"/>
+                <a:ea typeface="Noto Sans JP" panose="020B0200000000000000" pitchFamily="50" charset="-128"/>
               </a:rPr>
               <a:t>人入力完了しています。</a:t>
             </a:r>
             <a:endParaRPr lang="en-US" altLang="ja-JP" sz="1200" dirty="0">
-              <a:latin typeface="Meiryo UI" panose="020B0604030504040204" pitchFamily="50" charset="-128"/>
-              <a:ea typeface="Meiryo UI" panose="020B0604030504040204" pitchFamily="50" charset="-128"/>
+              <a:latin typeface="Noto Sans JP" panose="020B0200000000000000" pitchFamily="50" charset="-128"/>
+              <a:ea typeface="Noto Sans JP" panose="020B0200000000000000" pitchFamily="50" charset="-128"/>
             </a:endParaRPr>
           </a:p>
           <a:p>
@@ -16879,14 +18897,14 @@
             </a:pPr>
             <a:r>
               <a:rPr lang="ja-JP" altLang="en-US" sz="1200" dirty="0">
-                <a:latin typeface="Meiryo UI" panose="020B0604030504040204" pitchFamily="50" charset="-128"/>
-                <a:ea typeface="Meiryo UI" panose="020B0604030504040204" pitchFamily="50" charset="-128"/>
+                <a:latin typeface="Noto Sans JP" panose="020B0200000000000000" pitchFamily="50" charset="-128"/>
+                <a:ea typeface="Noto Sans JP" panose="020B0200000000000000" pitchFamily="50" charset="-128"/>
               </a:rPr>
               <a:t>（１００人中）</a:t>
             </a:r>
             <a:endParaRPr lang="en-US" altLang="ja-JP" sz="1200" dirty="0">
-              <a:latin typeface="Meiryo UI" panose="020B0604030504040204" pitchFamily="50" charset="-128"/>
-              <a:ea typeface="Meiryo UI" panose="020B0604030504040204" pitchFamily="50" charset="-128"/>
+              <a:latin typeface="Noto Sans JP" panose="020B0200000000000000" pitchFamily="50" charset="-128"/>
+              <a:ea typeface="Noto Sans JP" panose="020B0200000000000000" pitchFamily="50" charset="-128"/>
             </a:endParaRPr>
           </a:p>
         </p:txBody>
@@ -16895,1464 +18913,6 @@
     <p:extLst>
       <p:ext uri="{BB962C8B-B14F-4D97-AF65-F5344CB8AC3E}">
         <p14:creationId xmlns:p14="http://schemas.microsoft.com/office/powerpoint/2010/main" val="130628023"/>
-      </p:ext>
-    </p:extLst>
-  </p:cSld>
-  <p:clrMapOvr>
-    <a:masterClrMapping/>
-  </p:clrMapOvr>
-</p:sld>
-</file>
-
-<file path=ppt/slides/slide9.xml><?xml version="1.0" encoding="utf-8"?>
-<p:sld xmlns:a="http://schemas.openxmlformats.org/drawingml/2006/main" xmlns:r="http://schemas.openxmlformats.org/officeDocument/2006/relationships" xmlns:p="http://schemas.openxmlformats.org/presentationml/2006/main">
-  <p:cSld>
-    <p:spTree>
-      <p:nvGrpSpPr>
-        <p:cNvPr id="1" name="">
-          <a:extLst>
-            <a:ext uri="{FF2B5EF4-FFF2-40B4-BE49-F238E27FC236}">
-              <a16:creationId xmlns:a16="http://schemas.microsoft.com/office/drawing/2014/main" id="{48DB6FC3-B502-51E1-1ADF-1B69A161DA4A}"/>
-            </a:ext>
-          </a:extLst>
-        </p:cNvPr>
-        <p:cNvGrpSpPr/>
-        <p:nvPr/>
-      </p:nvGrpSpPr>
-      <p:grpSpPr>
-        <a:xfrm>
-          <a:off x="0" y="0"/>
-          <a:ext cx="0" cy="0"/>
-          <a:chOff x="0" y="0"/>
-          <a:chExt cx="0" cy="0"/>
-        </a:xfrm>
-      </p:grpSpPr>
-      <p:sp>
-        <p:nvSpPr>
-          <p:cNvPr id="2" name="タイトル 1">
-            <a:extLst>
-              <a:ext uri="{FF2B5EF4-FFF2-40B4-BE49-F238E27FC236}">
-                <a16:creationId xmlns:a16="http://schemas.microsoft.com/office/drawing/2014/main" id="{212DFAD3-50EF-9098-1B56-0A10E4212E64}"/>
-              </a:ext>
-            </a:extLst>
-          </p:cNvPr>
-          <p:cNvSpPr>
-            <a:spLocks noGrp="1"/>
-          </p:cNvSpPr>
-          <p:nvPr>
-            <p:ph type="title"/>
-          </p:nvPr>
-        </p:nvSpPr>
-        <p:spPr>
-          <a:xfrm>
-            <a:off x="677333" y="609600"/>
-            <a:ext cx="5332942" cy="582706"/>
-          </a:xfrm>
-        </p:spPr>
-        <p:txBody>
-          <a:bodyPr>
-            <a:normAutofit fontScale="90000"/>
-          </a:bodyPr>
-          <a:lstStyle/>
-          <a:p>
-            <a:pPr lvl="0" defTabSz="914400" eaLnBrk="0" fontAlgn="base" hangingPunct="0">
-              <a:spcAft>
-                <a:spcPct val="0"/>
-              </a:spcAft>
-            </a:pPr>
-            <a:r>
-              <a:rPr kumimoji="0" lang="en-US" altLang="ja-JP" dirty="0">
-                <a:solidFill>
-                  <a:schemeClr val="tx1"/>
-                </a:solidFill>
-                <a:latin typeface="Meiryo UI" panose="020B0604030504040204" pitchFamily="50" charset="-128"/>
-                <a:ea typeface="Meiryo UI" panose="020B0604030504040204" pitchFamily="50" charset="-128"/>
-              </a:rPr>
-              <a:t>4.</a:t>
-            </a:r>
-            <a:r>
-              <a:rPr kumimoji="0" lang="ja-JP" altLang="en-US" dirty="0">
-                <a:solidFill>
-                  <a:schemeClr val="tx1"/>
-                </a:solidFill>
-                <a:latin typeface="Meiryo UI" panose="020B0604030504040204" pitchFamily="50" charset="-128"/>
-                <a:ea typeface="Meiryo UI" panose="020B0604030504040204" pitchFamily="50" charset="-128"/>
-              </a:rPr>
-              <a:t>共通点発見アプリ使用手順</a:t>
-            </a:r>
-            <a:endParaRPr kumimoji="0" lang="en-US" altLang="ja-JP" dirty="0">
-              <a:solidFill>
-                <a:schemeClr val="tx1"/>
-              </a:solidFill>
-              <a:latin typeface="Meiryo UI" panose="020B0604030504040204" pitchFamily="50" charset="-128"/>
-              <a:ea typeface="Meiryo UI" panose="020B0604030504040204" pitchFamily="50" charset="-128"/>
-            </a:endParaRPr>
-          </a:p>
-        </p:txBody>
-      </p:sp>
-      <p:sp>
-        <p:nvSpPr>
-          <p:cNvPr id="5" name="Rectangle 2">
-            <a:extLst>
-              <a:ext uri="{FF2B5EF4-FFF2-40B4-BE49-F238E27FC236}">
-                <a16:creationId xmlns:a16="http://schemas.microsoft.com/office/drawing/2014/main" id="{F58F66A6-FB25-2803-2785-810CC6476083}"/>
-              </a:ext>
-            </a:extLst>
-          </p:cNvPr>
-          <p:cNvSpPr>
-            <a:spLocks noChangeArrowheads="1"/>
-          </p:cNvSpPr>
-          <p:nvPr/>
-        </p:nvSpPr>
-        <p:spPr bwMode="auto">
-          <a:xfrm>
-            <a:off x="677334" y="1192307"/>
-            <a:ext cx="5019239" cy="461665"/>
-          </a:xfrm>
-          <a:prstGeom prst="rect">
-            <a:avLst/>
-          </a:prstGeom>
-          <a:solidFill>
-            <a:schemeClr val="accent1">
-              <a:lumMod val="20000"/>
-              <a:lumOff val="80000"/>
-            </a:schemeClr>
-          </a:solidFill>
-          <a:ln w="9525">
-            <a:noFill/>
-            <a:miter lim="800000"/>
-            <a:headEnd/>
-            <a:tailEnd/>
-          </a:ln>
-          <a:effectLst/>
-        </p:spPr>
-        <p:txBody>
-          <a:bodyPr vert="horz" wrap="square" lIns="91440" tIns="45720" rIns="91440" bIns="45720" numCol="1" anchor="ctr" anchorCtr="0" compatLnSpc="1">
-            <a:prstTxWarp prst="textNoShape">
-              <a:avLst/>
-            </a:prstTxWarp>
-            <a:spAutoFit/>
-          </a:bodyPr>
-          <a:lstStyle/>
-          <a:p>
-            <a:pPr lvl="0" defTabSz="914400" eaLnBrk="0" fontAlgn="base" hangingPunct="0">
-              <a:spcBef>
-                <a:spcPct val="0"/>
-              </a:spcBef>
-              <a:spcAft>
-                <a:spcPct val="0"/>
-              </a:spcAft>
-            </a:pPr>
-            <a:r>
-              <a:rPr lang="ja-JP" altLang="en-US" sz="2400" dirty="0">
-                <a:latin typeface="Meiryo UI" panose="020B0604030504040204" pitchFamily="50" charset="-128"/>
-                <a:ea typeface="Meiryo UI" panose="020B0604030504040204" pitchFamily="50" charset="-128"/>
-              </a:rPr>
-              <a:t>フェーズ</a:t>
-            </a:r>
-            <a:r>
-              <a:rPr lang="en-US" altLang="ja-JP" sz="2400" dirty="0">
-                <a:latin typeface="Meiryo UI" panose="020B0604030504040204" pitchFamily="50" charset="-128"/>
-                <a:ea typeface="Meiryo UI" panose="020B0604030504040204" pitchFamily="50" charset="-128"/>
-              </a:rPr>
-              <a:t>4.</a:t>
-            </a:r>
-            <a:r>
-              <a:rPr lang="ja-JP" altLang="en-US" sz="2400" dirty="0">
-                <a:latin typeface="Meiryo UI" panose="020B0604030504040204" pitchFamily="50" charset="-128"/>
-                <a:ea typeface="Meiryo UI" panose="020B0604030504040204" pitchFamily="50" charset="-128"/>
-              </a:rPr>
-              <a:t>イベント開始後</a:t>
-            </a:r>
-            <a:r>
-              <a:rPr lang="en-US" altLang="ja-JP" sz="2400" dirty="0">
-                <a:latin typeface="Meiryo UI" panose="020B0604030504040204" pitchFamily="50" charset="-128"/>
-                <a:ea typeface="Meiryo UI" panose="020B0604030504040204" pitchFamily="50" charset="-128"/>
-              </a:rPr>
-              <a:t>(</a:t>
-            </a:r>
-            <a:r>
-              <a:rPr lang="ja-JP" altLang="en-US" sz="2400" dirty="0">
-                <a:latin typeface="Meiryo UI" panose="020B0604030504040204" pitchFamily="50" charset="-128"/>
-                <a:ea typeface="Meiryo UI" panose="020B0604030504040204" pitchFamily="50" charset="-128"/>
-              </a:rPr>
-              <a:t>共通度表示</a:t>
-            </a:r>
-            <a:r>
-              <a:rPr lang="en-US" altLang="ja-JP" sz="2400" dirty="0">
-                <a:latin typeface="Meiryo UI" panose="020B0604030504040204" pitchFamily="50" charset="-128"/>
-                <a:ea typeface="Meiryo UI" panose="020B0604030504040204" pitchFamily="50" charset="-128"/>
-              </a:rPr>
-              <a:t>)</a:t>
-            </a:r>
-            <a:endParaRPr kumimoji="0" lang="ja-JP" altLang="en-US" sz="2400" i="0" u="none" strike="noStrike" cap="none" normalizeH="0" baseline="0" dirty="0">
-              <a:ln>
-                <a:noFill/>
-              </a:ln>
-              <a:solidFill>
-                <a:schemeClr val="tx1"/>
-              </a:solidFill>
-              <a:effectLst/>
-              <a:latin typeface="Meiryo UI" panose="020B0604030504040204" pitchFamily="50" charset="-128"/>
-              <a:ea typeface="Meiryo UI" panose="020B0604030504040204" pitchFamily="50" charset="-128"/>
-            </a:endParaRPr>
-          </a:p>
-        </p:txBody>
-      </p:sp>
-      <p:sp>
-        <p:nvSpPr>
-          <p:cNvPr id="4" name="Rectangle 2">
-            <a:extLst>
-              <a:ext uri="{FF2B5EF4-FFF2-40B4-BE49-F238E27FC236}">
-                <a16:creationId xmlns:a16="http://schemas.microsoft.com/office/drawing/2014/main" id="{CAD479DF-5EBE-BB2B-DDF6-B53018C3C3A2}"/>
-              </a:ext>
-            </a:extLst>
-          </p:cNvPr>
-          <p:cNvSpPr>
-            <a:spLocks noChangeArrowheads="1"/>
-          </p:cNvSpPr>
-          <p:nvPr/>
-        </p:nvSpPr>
-        <p:spPr bwMode="auto">
-          <a:xfrm>
-            <a:off x="677332" y="1775012"/>
-            <a:ext cx="8114243" cy="461665"/>
-          </a:xfrm>
-          <a:prstGeom prst="rect">
-            <a:avLst/>
-          </a:prstGeom>
-          <a:noFill/>
-          <a:ln w="9525">
-            <a:noFill/>
-            <a:miter lim="800000"/>
-            <a:headEnd/>
-            <a:tailEnd/>
-          </a:ln>
-          <a:effectLst/>
-        </p:spPr>
-        <p:txBody>
-          <a:bodyPr vert="horz" wrap="square" lIns="91440" tIns="45720" rIns="91440" bIns="45720" numCol="1" anchor="ctr" anchorCtr="0" compatLnSpc="1">
-            <a:prstTxWarp prst="textNoShape">
-              <a:avLst/>
-            </a:prstTxWarp>
-            <a:spAutoFit/>
-          </a:bodyPr>
-          <a:lstStyle/>
-          <a:p>
-            <a:pPr lvl="0" defTabSz="914400" eaLnBrk="0" fontAlgn="base" hangingPunct="0">
-              <a:spcBef>
-                <a:spcPct val="0"/>
-              </a:spcBef>
-              <a:spcAft>
-                <a:spcPct val="0"/>
-              </a:spcAft>
-            </a:pPr>
-            <a:r>
-              <a:rPr lang="ja-JP" altLang="en-US" sz="2400" dirty="0">
-                <a:latin typeface="Meiryo UI" panose="020B0604030504040204" pitchFamily="50" charset="-128"/>
-                <a:ea typeface="Meiryo UI" panose="020B0604030504040204" pitchFamily="50" charset="-128"/>
-              </a:rPr>
-              <a:t>共通度一覧画面によりグループメンバー同士の共通度を確認する</a:t>
-            </a:r>
-            <a:endParaRPr lang="en-US" altLang="ja-JP" sz="2400" dirty="0">
-              <a:latin typeface="Meiryo UI" panose="020B0604030504040204" pitchFamily="50" charset="-128"/>
-              <a:ea typeface="Meiryo UI" panose="020B0604030504040204" pitchFamily="50" charset="-128"/>
-            </a:endParaRPr>
-          </a:p>
-        </p:txBody>
-      </p:sp>
-      <p:sp>
-        <p:nvSpPr>
-          <p:cNvPr id="18" name="Rectangle 2">
-            <a:extLst>
-              <a:ext uri="{FF2B5EF4-FFF2-40B4-BE49-F238E27FC236}">
-                <a16:creationId xmlns:a16="http://schemas.microsoft.com/office/drawing/2014/main" id="{93C3573A-3737-DEB1-4D3D-0B7CB8AB748A}"/>
-              </a:ext>
-            </a:extLst>
-          </p:cNvPr>
-          <p:cNvSpPr>
-            <a:spLocks noChangeArrowheads="1"/>
-          </p:cNvSpPr>
-          <p:nvPr/>
-        </p:nvSpPr>
-        <p:spPr bwMode="auto">
-          <a:xfrm>
-            <a:off x="1833909" y="5285854"/>
-            <a:ext cx="920129" cy="276999"/>
-          </a:xfrm>
-          <a:prstGeom prst="rect">
-            <a:avLst/>
-          </a:prstGeom>
-          <a:noFill/>
-          <a:ln w="9525">
-            <a:noFill/>
-            <a:miter lim="800000"/>
-            <a:headEnd/>
-            <a:tailEnd/>
-          </a:ln>
-          <a:effectLst/>
-        </p:spPr>
-        <p:txBody>
-          <a:bodyPr vert="horz" wrap="square" lIns="91440" tIns="45720" rIns="91440" bIns="45720" numCol="1" anchor="ctr" anchorCtr="0" compatLnSpc="1">
-            <a:prstTxWarp prst="textNoShape">
-              <a:avLst/>
-            </a:prstTxWarp>
-            <a:spAutoFit/>
-          </a:bodyPr>
-          <a:lstStyle/>
-          <a:p>
-            <a:pPr lvl="0" defTabSz="914400" eaLnBrk="0" fontAlgn="base" hangingPunct="0">
-              <a:spcBef>
-                <a:spcPct val="0"/>
-              </a:spcBef>
-              <a:spcAft>
-                <a:spcPct val="0"/>
-              </a:spcAft>
-            </a:pPr>
-            <a:r>
-              <a:rPr lang="ja-JP" altLang="en-US" sz="1200" dirty="0">
-                <a:latin typeface="Meiryo UI" panose="020B0604030504040204" pitchFamily="50" charset="-128"/>
-                <a:ea typeface="Meiryo UI" panose="020B0604030504040204" pitchFamily="50" charset="-128"/>
-              </a:rPr>
-              <a:t>グループ</a:t>
-            </a:r>
-            <a:r>
-              <a:rPr lang="en-US" altLang="ja-JP" sz="1200" dirty="0">
-                <a:latin typeface="Meiryo UI" panose="020B0604030504040204" pitchFamily="50" charset="-128"/>
-                <a:ea typeface="Meiryo UI" panose="020B0604030504040204" pitchFamily="50" charset="-128"/>
-              </a:rPr>
-              <a:t>C</a:t>
-            </a:r>
-          </a:p>
-        </p:txBody>
-      </p:sp>
-      <p:pic>
-        <p:nvPicPr>
-          <p:cNvPr id="28" name="グラフィックス 27" descr="ユーザー">
-            <a:extLst>
-              <a:ext uri="{FF2B5EF4-FFF2-40B4-BE49-F238E27FC236}">
-                <a16:creationId xmlns:a16="http://schemas.microsoft.com/office/drawing/2014/main" id="{4141091D-A007-B788-D1B2-2C9BCBC2618E}"/>
-              </a:ext>
-            </a:extLst>
-          </p:cNvPr>
-          <p:cNvPicPr>
-            <a:picLocks noChangeAspect="1"/>
-          </p:cNvPicPr>
-          <p:nvPr/>
-        </p:nvPicPr>
-        <p:blipFill>
-          <a:blip r:embed="rId2">
-            <a:extLst>
-              <a:ext uri="{96DAC541-7B7A-43D3-8B79-37D633B846F1}">
-                <asvg:svgBlip xmlns:asvg="http://schemas.microsoft.com/office/drawing/2016/SVG/main" r:embed="rId3"/>
-              </a:ext>
-            </a:extLst>
-          </a:blip>
-          <a:stretch>
-            <a:fillRect/>
-          </a:stretch>
-        </p:blipFill>
-        <p:spPr>
-          <a:xfrm>
-            <a:off x="1311465" y="4423408"/>
-            <a:ext cx="519956" cy="519956"/>
-          </a:xfrm>
-          <a:prstGeom prst="rect">
-            <a:avLst/>
-          </a:prstGeom>
-        </p:spPr>
-      </p:pic>
-      <p:sp>
-        <p:nvSpPr>
-          <p:cNvPr id="29" name="Rectangle 2">
-            <a:extLst>
-              <a:ext uri="{FF2B5EF4-FFF2-40B4-BE49-F238E27FC236}">
-                <a16:creationId xmlns:a16="http://schemas.microsoft.com/office/drawing/2014/main" id="{1AC2E30F-783A-5294-FE2F-76A27C710B9B}"/>
-              </a:ext>
-            </a:extLst>
-          </p:cNvPr>
-          <p:cNvSpPr>
-            <a:spLocks noChangeArrowheads="1"/>
-          </p:cNvSpPr>
-          <p:nvPr/>
-        </p:nvSpPr>
-        <p:spPr bwMode="auto">
-          <a:xfrm>
-            <a:off x="1161556" y="4907509"/>
-            <a:ext cx="765985" cy="276999"/>
-          </a:xfrm>
-          <a:prstGeom prst="rect">
-            <a:avLst/>
-          </a:prstGeom>
-          <a:noFill/>
-          <a:ln w="9525">
-            <a:noFill/>
-            <a:miter lim="800000"/>
-            <a:headEnd/>
-            <a:tailEnd/>
-          </a:ln>
-          <a:effectLst/>
-        </p:spPr>
-        <p:txBody>
-          <a:bodyPr vert="horz" wrap="square" lIns="91440" tIns="45720" rIns="91440" bIns="45720" numCol="1" anchor="ctr" anchorCtr="0" compatLnSpc="1">
-            <a:prstTxWarp prst="textNoShape">
-              <a:avLst/>
-            </a:prstTxWarp>
-            <a:spAutoFit/>
-          </a:bodyPr>
-          <a:lstStyle/>
-          <a:p>
-            <a:pPr lvl="0" defTabSz="914400" eaLnBrk="0" fontAlgn="base" hangingPunct="0">
-              <a:spcBef>
-                <a:spcPct val="0"/>
-              </a:spcBef>
-              <a:spcAft>
-                <a:spcPct val="0"/>
-              </a:spcAft>
-            </a:pPr>
-            <a:r>
-              <a:rPr lang="ja-JP" altLang="en-US" sz="1200" dirty="0">
-                <a:latin typeface="Meiryo UI" panose="020B0604030504040204" pitchFamily="50" charset="-128"/>
-                <a:ea typeface="Meiryo UI" panose="020B0604030504040204" pitchFamily="50" charset="-128"/>
-              </a:rPr>
-              <a:t>参加者</a:t>
-            </a:r>
-            <a:r>
-              <a:rPr lang="en-US" altLang="ja-JP" sz="1200" dirty="0">
-                <a:latin typeface="Meiryo UI" panose="020B0604030504040204" pitchFamily="50" charset="-128"/>
-                <a:ea typeface="Meiryo UI" panose="020B0604030504040204" pitchFamily="50" charset="-128"/>
-              </a:rPr>
-              <a:t>5</a:t>
-            </a:r>
-          </a:p>
-        </p:txBody>
-      </p:sp>
-      <p:pic>
-        <p:nvPicPr>
-          <p:cNvPr id="30" name="グラフィックス 29" descr="ユーザー">
-            <a:extLst>
-              <a:ext uri="{FF2B5EF4-FFF2-40B4-BE49-F238E27FC236}">
-                <a16:creationId xmlns:a16="http://schemas.microsoft.com/office/drawing/2014/main" id="{BAC2B9B2-9DE7-34F8-0821-594D8E461A52}"/>
-              </a:ext>
-            </a:extLst>
-          </p:cNvPr>
-          <p:cNvPicPr>
-            <a:picLocks noChangeAspect="1"/>
-          </p:cNvPicPr>
-          <p:nvPr/>
-        </p:nvPicPr>
-        <p:blipFill>
-          <a:blip r:embed="rId2">
-            <a:extLst>
-              <a:ext uri="{96DAC541-7B7A-43D3-8B79-37D633B846F1}">
-                <asvg:svgBlip xmlns:asvg="http://schemas.microsoft.com/office/drawing/2016/SVG/main" r:embed="rId3"/>
-              </a:ext>
-            </a:extLst>
-          </a:blip>
-          <a:stretch>
-            <a:fillRect/>
-          </a:stretch>
-        </p:blipFill>
-        <p:spPr>
-          <a:xfrm>
-            <a:off x="1915340" y="4423408"/>
-            <a:ext cx="519956" cy="519956"/>
-          </a:xfrm>
-          <a:prstGeom prst="rect">
-            <a:avLst/>
-          </a:prstGeom>
-        </p:spPr>
-      </p:pic>
-      <p:pic>
-        <p:nvPicPr>
-          <p:cNvPr id="32" name="グラフィックス 31" descr="ユーザー">
-            <a:extLst>
-              <a:ext uri="{FF2B5EF4-FFF2-40B4-BE49-F238E27FC236}">
-                <a16:creationId xmlns:a16="http://schemas.microsoft.com/office/drawing/2014/main" id="{BEE8349F-8E85-6654-C70A-9E324FD5228F}"/>
-              </a:ext>
-            </a:extLst>
-          </p:cNvPr>
-          <p:cNvPicPr>
-            <a:picLocks noChangeAspect="1"/>
-          </p:cNvPicPr>
-          <p:nvPr/>
-        </p:nvPicPr>
-        <p:blipFill>
-          <a:blip r:embed="rId2">
-            <a:extLst>
-              <a:ext uri="{96DAC541-7B7A-43D3-8B79-37D633B846F1}">
-                <asvg:svgBlip xmlns:asvg="http://schemas.microsoft.com/office/drawing/2016/SVG/main" r:embed="rId3"/>
-              </a:ext>
-            </a:extLst>
-          </a:blip>
-          <a:stretch>
-            <a:fillRect/>
-          </a:stretch>
-        </p:blipFill>
-        <p:spPr>
-          <a:xfrm>
-            <a:off x="2603134" y="4423408"/>
-            <a:ext cx="519956" cy="519956"/>
-          </a:xfrm>
-          <a:prstGeom prst="rect">
-            <a:avLst/>
-          </a:prstGeom>
-        </p:spPr>
-      </p:pic>
-      <p:sp>
-        <p:nvSpPr>
-          <p:cNvPr id="33" name="正方形/長方形 32">
-            <a:extLst>
-              <a:ext uri="{FF2B5EF4-FFF2-40B4-BE49-F238E27FC236}">
-                <a16:creationId xmlns:a16="http://schemas.microsoft.com/office/drawing/2014/main" id="{A5B44715-9670-6DEE-97D5-3FC7132620F6}"/>
-              </a:ext>
-            </a:extLst>
-          </p:cNvPr>
-          <p:cNvSpPr/>
-          <p:nvPr/>
-        </p:nvSpPr>
-        <p:spPr>
-          <a:xfrm>
-            <a:off x="1143627" y="3863776"/>
-            <a:ext cx="2184902" cy="1398501"/>
-          </a:xfrm>
-          <a:prstGeom prst="rect">
-            <a:avLst/>
-          </a:prstGeom>
-          <a:noFill/>
-          <a:ln>
-            <a:prstDash val="sysDot"/>
-          </a:ln>
-        </p:spPr>
-        <p:style>
-          <a:lnRef idx="2">
-            <a:schemeClr val="accent1">
-              <a:shade val="15000"/>
-            </a:schemeClr>
-          </a:lnRef>
-          <a:fillRef idx="1">
-            <a:schemeClr val="accent1"/>
-          </a:fillRef>
-          <a:effectRef idx="0">
-            <a:schemeClr val="accent1"/>
-          </a:effectRef>
-          <a:fontRef idx="minor">
-            <a:schemeClr val="lt1"/>
-          </a:fontRef>
-        </p:style>
-        <p:txBody>
-          <a:bodyPr rtlCol="0" anchor="ctr"/>
-          <a:lstStyle/>
-          <a:p>
-            <a:pPr algn="ctr"/>
-            <a:endParaRPr kumimoji="1" lang="ja-JP" altLang="en-US"/>
-          </a:p>
-        </p:txBody>
-      </p:sp>
-      <p:pic>
-        <p:nvPicPr>
-          <p:cNvPr id="37" name="グラフィックス 36" descr="インターネット">
-            <a:extLst>
-              <a:ext uri="{FF2B5EF4-FFF2-40B4-BE49-F238E27FC236}">
-                <a16:creationId xmlns:a16="http://schemas.microsoft.com/office/drawing/2014/main" id="{4AA6423E-6F9E-495A-3F24-4EC04DD8D53B}"/>
-              </a:ext>
-            </a:extLst>
-          </p:cNvPr>
-          <p:cNvPicPr>
-            <a:picLocks noChangeAspect="1"/>
-          </p:cNvPicPr>
-          <p:nvPr/>
-        </p:nvPicPr>
-        <p:blipFill>
-          <a:blip r:embed="rId4">
-            <a:extLst>
-              <a:ext uri="{96DAC541-7B7A-43D3-8B79-37D633B846F1}">
-                <asvg:svgBlip xmlns:asvg="http://schemas.microsoft.com/office/drawing/2016/SVG/main" r:embed="rId5"/>
-              </a:ext>
-            </a:extLst>
-          </a:blip>
-          <a:stretch>
-            <a:fillRect/>
-          </a:stretch>
-        </p:blipFill>
-        <p:spPr>
-          <a:xfrm>
-            <a:off x="1927046" y="3985021"/>
-            <a:ext cx="516155" cy="516155"/>
-          </a:xfrm>
-          <a:prstGeom prst="rect">
-            <a:avLst/>
-          </a:prstGeom>
-        </p:spPr>
-      </p:pic>
-      <p:pic>
-        <p:nvPicPr>
-          <p:cNvPr id="39" name="グラフィックス 38" descr="インターネット">
-            <a:extLst>
-              <a:ext uri="{FF2B5EF4-FFF2-40B4-BE49-F238E27FC236}">
-                <a16:creationId xmlns:a16="http://schemas.microsoft.com/office/drawing/2014/main" id="{9DF64CD0-DFDA-733B-76F7-CBCB0C50B853}"/>
-              </a:ext>
-            </a:extLst>
-          </p:cNvPr>
-          <p:cNvPicPr>
-            <a:picLocks noChangeAspect="1"/>
-          </p:cNvPicPr>
-          <p:nvPr/>
-        </p:nvPicPr>
-        <p:blipFill>
-          <a:blip r:embed="rId4">
-            <a:extLst>
-              <a:ext uri="{96DAC541-7B7A-43D3-8B79-37D633B846F1}">
-                <asvg:svgBlip xmlns:asvg="http://schemas.microsoft.com/office/drawing/2016/SVG/main" r:embed="rId5"/>
-              </a:ext>
-            </a:extLst>
-          </a:blip>
-          <a:stretch>
-            <a:fillRect/>
-          </a:stretch>
-        </p:blipFill>
-        <p:spPr>
-          <a:xfrm>
-            <a:off x="1269538" y="3985021"/>
-            <a:ext cx="516155" cy="516155"/>
-          </a:xfrm>
-          <a:prstGeom prst="rect">
-            <a:avLst/>
-          </a:prstGeom>
-        </p:spPr>
-      </p:pic>
-      <p:pic>
-        <p:nvPicPr>
-          <p:cNvPr id="42" name="グラフィックス 41" descr="インターネット">
-            <a:extLst>
-              <a:ext uri="{FF2B5EF4-FFF2-40B4-BE49-F238E27FC236}">
-                <a16:creationId xmlns:a16="http://schemas.microsoft.com/office/drawing/2014/main" id="{5B449C65-EDDA-006A-DBD7-7793A2B16D04}"/>
-              </a:ext>
-            </a:extLst>
-          </p:cNvPr>
-          <p:cNvPicPr>
-            <a:picLocks noChangeAspect="1"/>
-          </p:cNvPicPr>
-          <p:nvPr/>
-        </p:nvPicPr>
-        <p:blipFill>
-          <a:blip r:embed="rId4">
-            <a:extLst>
-              <a:ext uri="{96DAC541-7B7A-43D3-8B79-37D633B846F1}">
-                <asvg:svgBlip xmlns:asvg="http://schemas.microsoft.com/office/drawing/2016/SVG/main" r:embed="rId5"/>
-              </a:ext>
-            </a:extLst>
-          </a:blip>
-          <a:stretch>
-            <a:fillRect/>
-          </a:stretch>
-        </p:blipFill>
-        <p:spPr>
-          <a:xfrm>
-            <a:off x="2600149" y="3985021"/>
-            <a:ext cx="516155" cy="516155"/>
-          </a:xfrm>
-          <a:prstGeom prst="rect">
-            <a:avLst/>
-          </a:prstGeom>
-        </p:spPr>
-      </p:pic>
-      <p:sp>
-        <p:nvSpPr>
-          <p:cNvPr id="43" name="Rectangle 2">
-            <a:extLst>
-              <a:ext uri="{FF2B5EF4-FFF2-40B4-BE49-F238E27FC236}">
-                <a16:creationId xmlns:a16="http://schemas.microsoft.com/office/drawing/2014/main" id="{EFA43C2A-06DF-2565-052B-9AF051031337}"/>
-              </a:ext>
-            </a:extLst>
-          </p:cNvPr>
-          <p:cNvSpPr>
-            <a:spLocks noChangeArrowheads="1"/>
-          </p:cNvSpPr>
-          <p:nvPr/>
-        </p:nvSpPr>
-        <p:spPr bwMode="auto">
-          <a:xfrm>
-            <a:off x="2509533" y="4907509"/>
-            <a:ext cx="765985" cy="276999"/>
-          </a:xfrm>
-          <a:prstGeom prst="rect">
-            <a:avLst/>
-          </a:prstGeom>
-          <a:noFill/>
-          <a:ln w="9525">
-            <a:noFill/>
-            <a:miter lim="800000"/>
-            <a:headEnd/>
-            <a:tailEnd/>
-          </a:ln>
-          <a:effectLst/>
-        </p:spPr>
-        <p:txBody>
-          <a:bodyPr vert="horz" wrap="square" lIns="91440" tIns="45720" rIns="91440" bIns="45720" numCol="1" anchor="ctr" anchorCtr="0" compatLnSpc="1">
-            <a:prstTxWarp prst="textNoShape">
-              <a:avLst/>
-            </a:prstTxWarp>
-            <a:spAutoFit/>
-          </a:bodyPr>
-          <a:lstStyle/>
-          <a:p>
-            <a:pPr lvl="0" defTabSz="914400" eaLnBrk="0" fontAlgn="base" hangingPunct="0">
-              <a:spcBef>
-                <a:spcPct val="0"/>
-              </a:spcBef>
-              <a:spcAft>
-                <a:spcPct val="0"/>
-              </a:spcAft>
-            </a:pPr>
-            <a:r>
-              <a:rPr lang="ja-JP" altLang="en-US" sz="1200" dirty="0">
-                <a:latin typeface="Meiryo UI" panose="020B0604030504040204" pitchFamily="50" charset="-128"/>
-                <a:ea typeface="Meiryo UI" panose="020B0604030504040204" pitchFamily="50" charset="-128"/>
-              </a:rPr>
-              <a:t>参加者</a:t>
-            </a:r>
-            <a:r>
-              <a:rPr lang="en-US" altLang="ja-JP" sz="1200" dirty="0">
-                <a:latin typeface="Meiryo UI" panose="020B0604030504040204" pitchFamily="50" charset="-128"/>
-                <a:ea typeface="Meiryo UI" panose="020B0604030504040204" pitchFamily="50" charset="-128"/>
-              </a:rPr>
-              <a:t>7</a:t>
-            </a:r>
-          </a:p>
-        </p:txBody>
-      </p:sp>
-      <p:sp>
-        <p:nvSpPr>
-          <p:cNvPr id="44" name="Rectangle 2">
-            <a:extLst>
-              <a:ext uri="{FF2B5EF4-FFF2-40B4-BE49-F238E27FC236}">
-                <a16:creationId xmlns:a16="http://schemas.microsoft.com/office/drawing/2014/main" id="{D4C0C47A-0828-9217-E8EE-6F34D6D0CF21}"/>
-              </a:ext>
-            </a:extLst>
-          </p:cNvPr>
-          <p:cNvSpPr>
-            <a:spLocks noChangeArrowheads="1"/>
-          </p:cNvSpPr>
-          <p:nvPr/>
-        </p:nvSpPr>
-        <p:spPr bwMode="auto">
-          <a:xfrm>
-            <a:off x="1793250" y="4907509"/>
-            <a:ext cx="765985" cy="276999"/>
-          </a:xfrm>
-          <a:prstGeom prst="rect">
-            <a:avLst/>
-          </a:prstGeom>
-          <a:noFill/>
-          <a:ln w="9525">
-            <a:noFill/>
-            <a:miter lim="800000"/>
-            <a:headEnd/>
-            <a:tailEnd/>
-          </a:ln>
-          <a:effectLst/>
-        </p:spPr>
-        <p:txBody>
-          <a:bodyPr vert="horz" wrap="square" lIns="91440" tIns="45720" rIns="91440" bIns="45720" numCol="1" anchor="ctr" anchorCtr="0" compatLnSpc="1">
-            <a:prstTxWarp prst="textNoShape">
-              <a:avLst/>
-            </a:prstTxWarp>
-            <a:spAutoFit/>
-          </a:bodyPr>
-          <a:lstStyle/>
-          <a:p>
-            <a:pPr lvl="0" defTabSz="914400" eaLnBrk="0" fontAlgn="base" hangingPunct="0">
-              <a:spcBef>
-                <a:spcPct val="0"/>
-              </a:spcBef>
-              <a:spcAft>
-                <a:spcPct val="0"/>
-              </a:spcAft>
-            </a:pPr>
-            <a:r>
-              <a:rPr lang="ja-JP" altLang="en-US" sz="1200" dirty="0">
-                <a:latin typeface="Meiryo UI" panose="020B0604030504040204" pitchFamily="50" charset="-128"/>
-                <a:ea typeface="Meiryo UI" panose="020B0604030504040204" pitchFamily="50" charset="-128"/>
-              </a:rPr>
-              <a:t>参加者</a:t>
-            </a:r>
-            <a:r>
-              <a:rPr lang="en-US" altLang="ja-JP" sz="1200" dirty="0">
-                <a:latin typeface="Meiryo UI" panose="020B0604030504040204" pitchFamily="50" charset="-128"/>
-                <a:ea typeface="Meiryo UI" panose="020B0604030504040204" pitchFamily="50" charset="-128"/>
-              </a:rPr>
-              <a:t>6</a:t>
-            </a:r>
-          </a:p>
-        </p:txBody>
-      </p:sp>
-      <p:sp>
-        <p:nvSpPr>
-          <p:cNvPr id="46" name="矢印: 下カーブ 45">
-            <a:extLst>
-              <a:ext uri="{FF2B5EF4-FFF2-40B4-BE49-F238E27FC236}">
-                <a16:creationId xmlns:a16="http://schemas.microsoft.com/office/drawing/2014/main" id="{67AD79A5-C323-C658-EF68-4406B094C26E}"/>
-              </a:ext>
-            </a:extLst>
-          </p:cNvPr>
-          <p:cNvSpPr/>
-          <p:nvPr/>
-        </p:nvSpPr>
-        <p:spPr>
-          <a:xfrm rot="20555155">
-            <a:off x="1037380" y="2361050"/>
-            <a:ext cx="4035139" cy="1130861"/>
-          </a:xfrm>
-          <a:prstGeom prst="curvedDownArrow">
-            <a:avLst/>
-          </a:prstGeom>
-          <a:solidFill>
-            <a:schemeClr val="accent1">
-              <a:lumMod val="20000"/>
-              <a:lumOff val="80000"/>
-            </a:schemeClr>
-          </a:solidFill>
-          <a:ln>
-            <a:noFill/>
-          </a:ln>
-        </p:spPr>
-        <p:style>
-          <a:lnRef idx="2">
-            <a:schemeClr val="accent1">
-              <a:shade val="15000"/>
-            </a:schemeClr>
-          </a:lnRef>
-          <a:fillRef idx="1">
-            <a:schemeClr val="accent1"/>
-          </a:fillRef>
-          <a:effectRef idx="0">
-            <a:schemeClr val="accent1"/>
-          </a:effectRef>
-          <a:fontRef idx="minor">
-            <a:schemeClr val="lt1"/>
-          </a:fontRef>
-        </p:style>
-        <p:txBody>
-          <a:bodyPr rtlCol="0" anchor="ctr"/>
-          <a:lstStyle/>
-          <a:p>
-            <a:pPr algn="ctr"/>
-            <a:endParaRPr kumimoji="1" lang="ja-JP" altLang="en-US">
-              <a:solidFill>
-                <a:schemeClr val="tx1"/>
-              </a:solidFill>
-            </a:endParaRPr>
-          </a:p>
-        </p:txBody>
-      </p:sp>
-      <p:sp>
-        <p:nvSpPr>
-          <p:cNvPr id="6" name="正方形/長方形 5">
-            <a:extLst>
-              <a:ext uri="{FF2B5EF4-FFF2-40B4-BE49-F238E27FC236}">
-                <a16:creationId xmlns:a16="http://schemas.microsoft.com/office/drawing/2014/main" id="{A4AAB3E5-FB77-37B3-E49A-2D81A1D32438}"/>
-              </a:ext>
-            </a:extLst>
-          </p:cNvPr>
-          <p:cNvSpPr/>
-          <p:nvPr/>
-        </p:nvSpPr>
-        <p:spPr>
-          <a:xfrm>
-            <a:off x="5176301" y="2262748"/>
-            <a:ext cx="2501153" cy="4168588"/>
-          </a:xfrm>
-          <a:prstGeom prst="rect">
-            <a:avLst/>
-          </a:prstGeom>
-          <a:noFill/>
-        </p:spPr>
-        <p:style>
-          <a:lnRef idx="2">
-            <a:schemeClr val="accent1">
-              <a:shade val="15000"/>
-            </a:schemeClr>
-          </a:lnRef>
-          <a:fillRef idx="1">
-            <a:schemeClr val="accent1"/>
-          </a:fillRef>
-          <a:effectRef idx="0">
-            <a:schemeClr val="accent1"/>
-          </a:effectRef>
-          <a:fontRef idx="minor">
-            <a:schemeClr val="lt1"/>
-          </a:fontRef>
-        </p:style>
-        <p:txBody>
-          <a:bodyPr rtlCol="0" anchor="ctr"/>
-          <a:lstStyle/>
-          <a:p>
-            <a:pPr algn="ctr"/>
-            <a:endParaRPr kumimoji="1" lang="en-US" altLang="ja-JP" dirty="0">
-              <a:solidFill>
-                <a:schemeClr val="tx1"/>
-              </a:solidFill>
-            </a:endParaRPr>
-          </a:p>
-        </p:txBody>
-      </p:sp>
-      <p:sp>
-        <p:nvSpPr>
-          <p:cNvPr id="25" name="Rectangle 2">
-            <a:extLst>
-              <a:ext uri="{FF2B5EF4-FFF2-40B4-BE49-F238E27FC236}">
-                <a16:creationId xmlns:a16="http://schemas.microsoft.com/office/drawing/2014/main" id="{305B5F80-863E-64DE-4E6E-BE12C0A6AFDD}"/>
-              </a:ext>
-            </a:extLst>
-          </p:cNvPr>
-          <p:cNvSpPr>
-            <a:spLocks noChangeArrowheads="1"/>
-          </p:cNvSpPr>
-          <p:nvPr/>
-        </p:nvSpPr>
-        <p:spPr bwMode="auto">
-          <a:xfrm>
-            <a:off x="5608949" y="6489663"/>
-            <a:ext cx="1994546" cy="276999"/>
-          </a:xfrm>
-          <a:prstGeom prst="rect">
-            <a:avLst/>
-          </a:prstGeom>
-          <a:noFill/>
-          <a:ln w="9525">
-            <a:noFill/>
-            <a:miter lim="800000"/>
-            <a:headEnd/>
-            <a:tailEnd/>
-          </a:ln>
-          <a:effectLst/>
-        </p:spPr>
-        <p:txBody>
-          <a:bodyPr vert="horz" wrap="square" lIns="91440" tIns="45720" rIns="91440" bIns="45720" numCol="1" anchor="ctr" anchorCtr="0" compatLnSpc="1">
-            <a:prstTxWarp prst="textNoShape">
-              <a:avLst/>
-            </a:prstTxWarp>
-            <a:spAutoFit/>
-          </a:bodyPr>
-          <a:lstStyle/>
-          <a:p>
-            <a:pPr lvl="0" defTabSz="914400" eaLnBrk="0" fontAlgn="base" hangingPunct="0">
-              <a:spcBef>
-                <a:spcPct val="0"/>
-              </a:spcBef>
-              <a:spcAft>
-                <a:spcPct val="0"/>
-              </a:spcAft>
-            </a:pPr>
-            <a:r>
-              <a:rPr lang="ja-JP" altLang="en-US" sz="1200" dirty="0">
-                <a:latin typeface="Meiryo UI" panose="020B0604030504040204" pitchFamily="50" charset="-128"/>
-                <a:ea typeface="Meiryo UI" panose="020B0604030504040204" pitchFamily="50" charset="-128"/>
-              </a:rPr>
-              <a:t>参加者</a:t>
-            </a:r>
-            <a:r>
-              <a:rPr lang="en-US" altLang="ja-JP" sz="1200" dirty="0">
-                <a:latin typeface="Meiryo UI" panose="020B0604030504040204" pitchFamily="50" charset="-128"/>
-                <a:ea typeface="Meiryo UI" panose="020B0604030504040204" pitchFamily="50" charset="-128"/>
-              </a:rPr>
-              <a:t>5</a:t>
-            </a:r>
-            <a:r>
-              <a:rPr lang="ja-JP" altLang="en-US" sz="1200" dirty="0">
-                <a:latin typeface="Meiryo UI" panose="020B0604030504040204" pitchFamily="50" charset="-128"/>
-                <a:ea typeface="Meiryo UI" panose="020B0604030504040204" pitchFamily="50" charset="-128"/>
-              </a:rPr>
-              <a:t>共通度一覧画面</a:t>
-            </a:r>
-            <a:endParaRPr lang="en-US" altLang="ja-JP" sz="1200" dirty="0">
-              <a:latin typeface="Meiryo UI" panose="020B0604030504040204" pitchFamily="50" charset="-128"/>
-              <a:ea typeface="Meiryo UI" panose="020B0604030504040204" pitchFamily="50" charset="-128"/>
-            </a:endParaRPr>
-          </a:p>
-        </p:txBody>
-      </p:sp>
-      <p:sp>
-        <p:nvSpPr>
-          <p:cNvPr id="26" name="Rectangle 2">
-            <a:extLst>
-              <a:ext uri="{FF2B5EF4-FFF2-40B4-BE49-F238E27FC236}">
-                <a16:creationId xmlns:a16="http://schemas.microsoft.com/office/drawing/2014/main" id="{FA7972C0-3DBD-D528-BFB1-D6B82C91CACB}"/>
-              </a:ext>
-            </a:extLst>
-          </p:cNvPr>
-          <p:cNvSpPr>
-            <a:spLocks noChangeArrowheads="1"/>
-          </p:cNvSpPr>
-          <p:nvPr/>
-        </p:nvSpPr>
-        <p:spPr bwMode="auto">
-          <a:xfrm>
-            <a:off x="5152659" y="2772224"/>
-            <a:ext cx="2598405" cy="276999"/>
-          </a:xfrm>
-          <a:prstGeom prst="rect">
-            <a:avLst/>
-          </a:prstGeom>
-          <a:noFill/>
-          <a:ln w="9525">
-            <a:noFill/>
-            <a:miter lim="800000"/>
-            <a:headEnd/>
-            <a:tailEnd/>
-          </a:ln>
-          <a:effectLst/>
-        </p:spPr>
-        <p:txBody>
-          <a:bodyPr vert="horz" wrap="square" lIns="91440" tIns="45720" rIns="91440" bIns="45720" numCol="1" anchor="ctr" anchorCtr="0" compatLnSpc="1">
-            <a:prstTxWarp prst="textNoShape">
-              <a:avLst/>
-            </a:prstTxWarp>
-            <a:spAutoFit/>
-          </a:bodyPr>
-          <a:lstStyle/>
-          <a:p>
-            <a:pPr lvl="0" defTabSz="914400" eaLnBrk="0" fontAlgn="base" hangingPunct="0">
-              <a:spcBef>
-                <a:spcPct val="0"/>
-              </a:spcBef>
-              <a:spcAft>
-                <a:spcPct val="0"/>
-              </a:spcAft>
-            </a:pPr>
-            <a:r>
-              <a:rPr lang="ja-JP" altLang="en-US" sz="1200" b="1" dirty="0">
-                <a:latin typeface="Meiryo UI" panose="020B0604030504040204" pitchFamily="50" charset="-128"/>
-                <a:ea typeface="Meiryo UI" panose="020B0604030504040204" pitchFamily="50" charset="-128"/>
-              </a:rPr>
-              <a:t>参加者</a:t>
-            </a:r>
-            <a:r>
-              <a:rPr lang="en-US" altLang="ja-JP" sz="1200" b="1" dirty="0">
-                <a:latin typeface="Meiryo UI" panose="020B0604030504040204" pitchFamily="50" charset="-128"/>
-                <a:ea typeface="Meiryo UI" panose="020B0604030504040204" pitchFamily="50" charset="-128"/>
-              </a:rPr>
-              <a:t>6</a:t>
-            </a:r>
-            <a:r>
-              <a:rPr lang="ja-JP" altLang="en-US" sz="1200" b="1" dirty="0">
-                <a:latin typeface="Meiryo UI" panose="020B0604030504040204" pitchFamily="50" charset="-128"/>
-                <a:ea typeface="Meiryo UI" panose="020B0604030504040204" pitchFamily="50" charset="-128"/>
-              </a:rPr>
-              <a:t>さんとの共通度は</a:t>
-            </a:r>
-            <a:r>
-              <a:rPr lang="en-US" altLang="ja-JP" sz="1200" b="1" dirty="0">
-                <a:solidFill>
-                  <a:srgbClr val="FF0000"/>
-                </a:solidFill>
-                <a:latin typeface="Meiryo UI" panose="020B0604030504040204" pitchFamily="50" charset="-128"/>
-                <a:ea typeface="Meiryo UI" panose="020B0604030504040204" pitchFamily="50" charset="-128"/>
-              </a:rPr>
-              <a:t>80</a:t>
-            </a:r>
-            <a:r>
-              <a:rPr lang="ja-JP" altLang="en-US" sz="1200" b="1" dirty="0">
-                <a:solidFill>
-                  <a:srgbClr val="FF0000"/>
-                </a:solidFill>
-                <a:latin typeface="Meiryo UI" panose="020B0604030504040204" pitchFamily="50" charset="-128"/>
-                <a:ea typeface="Meiryo UI" panose="020B0604030504040204" pitchFamily="50" charset="-128"/>
-              </a:rPr>
-              <a:t>％</a:t>
-            </a:r>
-            <a:r>
-              <a:rPr lang="ja-JP" altLang="en-US" sz="1200" b="1" dirty="0">
-                <a:latin typeface="Meiryo UI" panose="020B0604030504040204" pitchFamily="50" charset="-128"/>
-                <a:ea typeface="Meiryo UI" panose="020B0604030504040204" pitchFamily="50" charset="-128"/>
-              </a:rPr>
-              <a:t>です</a:t>
-            </a:r>
-            <a:endParaRPr lang="en-US" altLang="ja-JP" sz="1200" b="1" dirty="0">
-              <a:latin typeface="Meiryo UI" panose="020B0604030504040204" pitchFamily="50" charset="-128"/>
-              <a:ea typeface="Meiryo UI" panose="020B0604030504040204" pitchFamily="50" charset="-128"/>
-            </a:endParaRPr>
-          </a:p>
-        </p:txBody>
-      </p:sp>
-      <p:sp>
-        <p:nvSpPr>
-          <p:cNvPr id="27" name="Rectangle 2">
-            <a:extLst>
-              <a:ext uri="{FF2B5EF4-FFF2-40B4-BE49-F238E27FC236}">
-                <a16:creationId xmlns:a16="http://schemas.microsoft.com/office/drawing/2014/main" id="{67E6DEA1-6D6B-E471-3F25-E34FF01C0BE1}"/>
-              </a:ext>
-            </a:extLst>
-          </p:cNvPr>
-          <p:cNvSpPr>
-            <a:spLocks noChangeArrowheads="1"/>
-          </p:cNvSpPr>
-          <p:nvPr/>
-        </p:nvSpPr>
-        <p:spPr bwMode="auto">
-          <a:xfrm>
-            <a:off x="6686942" y="3049223"/>
-            <a:ext cx="1064121" cy="276999"/>
-          </a:xfrm>
-          <a:prstGeom prst="rect">
-            <a:avLst/>
-          </a:prstGeom>
-          <a:noFill/>
-          <a:ln w="9525">
-            <a:noFill/>
-            <a:miter lim="800000"/>
-            <a:headEnd/>
-            <a:tailEnd/>
-          </a:ln>
-          <a:effectLst/>
-        </p:spPr>
-        <p:txBody>
-          <a:bodyPr vert="horz" wrap="square" lIns="91440" tIns="45720" rIns="91440" bIns="45720" numCol="1" anchor="ctr" anchorCtr="0" compatLnSpc="1">
-            <a:prstTxWarp prst="textNoShape">
-              <a:avLst/>
-            </a:prstTxWarp>
-            <a:spAutoFit/>
-          </a:bodyPr>
-          <a:lstStyle/>
-          <a:p>
-            <a:pPr lvl="0" defTabSz="914400" eaLnBrk="0" fontAlgn="base" hangingPunct="0">
-              <a:spcBef>
-                <a:spcPct val="0"/>
-              </a:spcBef>
-              <a:spcAft>
-                <a:spcPct val="0"/>
-              </a:spcAft>
-            </a:pPr>
-            <a:r>
-              <a:rPr lang="ja-JP" altLang="en-US" sz="1200" b="1" dirty="0">
-                <a:solidFill>
-                  <a:srgbClr val="0070C0"/>
-                </a:solidFill>
-                <a:latin typeface="Meiryo UI" panose="020B0604030504040204" pitchFamily="50" charset="-128"/>
-                <a:ea typeface="Meiryo UI" panose="020B0604030504040204" pitchFamily="50" charset="-128"/>
-              </a:rPr>
-              <a:t>詳細はこちら</a:t>
-            </a:r>
-            <a:endParaRPr lang="en-US" altLang="ja-JP" sz="1200" b="1" dirty="0">
-              <a:solidFill>
-                <a:srgbClr val="0070C0"/>
-              </a:solidFill>
-              <a:latin typeface="Meiryo UI" panose="020B0604030504040204" pitchFamily="50" charset="-128"/>
-              <a:ea typeface="Meiryo UI" panose="020B0604030504040204" pitchFamily="50" charset="-128"/>
-            </a:endParaRPr>
-          </a:p>
-        </p:txBody>
-      </p:sp>
-      <p:sp>
-        <p:nvSpPr>
-          <p:cNvPr id="31" name="Rectangle 2">
-            <a:extLst>
-              <a:ext uri="{FF2B5EF4-FFF2-40B4-BE49-F238E27FC236}">
-                <a16:creationId xmlns:a16="http://schemas.microsoft.com/office/drawing/2014/main" id="{C8BB63AB-7AAE-7765-BA9B-E5FB5735B641}"/>
-              </a:ext>
-            </a:extLst>
-          </p:cNvPr>
-          <p:cNvSpPr>
-            <a:spLocks noChangeArrowheads="1"/>
-          </p:cNvSpPr>
-          <p:nvPr/>
-        </p:nvSpPr>
-        <p:spPr bwMode="auto">
-          <a:xfrm>
-            <a:off x="5152659" y="3432290"/>
-            <a:ext cx="2598405" cy="276999"/>
-          </a:xfrm>
-          <a:prstGeom prst="rect">
-            <a:avLst/>
-          </a:prstGeom>
-          <a:noFill/>
-          <a:ln w="9525">
-            <a:noFill/>
-            <a:miter lim="800000"/>
-            <a:headEnd/>
-            <a:tailEnd/>
-          </a:ln>
-          <a:effectLst/>
-        </p:spPr>
-        <p:txBody>
-          <a:bodyPr vert="horz" wrap="square" lIns="91440" tIns="45720" rIns="91440" bIns="45720" numCol="1" anchor="ctr" anchorCtr="0" compatLnSpc="1">
-            <a:prstTxWarp prst="textNoShape">
-              <a:avLst/>
-            </a:prstTxWarp>
-            <a:spAutoFit/>
-          </a:bodyPr>
-          <a:lstStyle/>
-          <a:p>
-            <a:pPr lvl="0" defTabSz="914400" eaLnBrk="0" fontAlgn="base" hangingPunct="0">
-              <a:spcBef>
-                <a:spcPct val="0"/>
-              </a:spcBef>
-              <a:spcAft>
-                <a:spcPct val="0"/>
-              </a:spcAft>
-            </a:pPr>
-            <a:r>
-              <a:rPr lang="ja-JP" altLang="en-US" sz="1200" b="1" dirty="0">
-                <a:latin typeface="Meiryo UI" panose="020B0604030504040204" pitchFamily="50" charset="-128"/>
-                <a:ea typeface="Meiryo UI" panose="020B0604030504040204" pitchFamily="50" charset="-128"/>
-              </a:rPr>
-              <a:t>参加者</a:t>
-            </a:r>
-            <a:r>
-              <a:rPr lang="en-US" altLang="ja-JP" sz="1200" b="1" dirty="0">
-                <a:latin typeface="Meiryo UI" panose="020B0604030504040204" pitchFamily="50" charset="-128"/>
-                <a:ea typeface="Meiryo UI" panose="020B0604030504040204" pitchFamily="50" charset="-128"/>
-              </a:rPr>
-              <a:t>7</a:t>
-            </a:r>
-            <a:r>
-              <a:rPr lang="ja-JP" altLang="en-US" sz="1200" b="1" dirty="0">
-                <a:latin typeface="Meiryo UI" panose="020B0604030504040204" pitchFamily="50" charset="-128"/>
-                <a:ea typeface="Meiryo UI" panose="020B0604030504040204" pitchFamily="50" charset="-128"/>
-              </a:rPr>
-              <a:t>さんとの共通度は</a:t>
-            </a:r>
-            <a:r>
-              <a:rPr lang="en-US" altLang="ja-JP" sz="1200" b="1" dirty="0">
-                <a:solidFill>
-                  <a:srgbClr val="FF0000"/>
-                </a:solidFill>
-                <a:latin typeface="Meiryo UI" panose="020B0604030504040204" pitchFamily="50" charset="-128"/>
-                <a:ea typeface="Meiryo UI" panose="020B0604030504040204" pitchFamily="50" charset="-128"/>
-              </a:rPr>
-              <a:t>20</a:t>
-            </a:r>
-            <a:r>
-              <a:rPr lang="ja-JP" altLang="en-US" sz="1200" b="1" dirty="0">
-                <a:solidFill>
-                  <a:srgbClr val="FF0000"/>
-                </a:solidFill>
-                <a:latin typeface="Meiryo UI" panose="020B0604030504040204" pitchFamily="50" charset="-128"/>
-                <a:ea typeface="Meiryo UI" panose="020B0604030504040204" pitchFamily="50" charset="-128"/>
-              </a:rPr>
-              <a:t>％</a:t>
-            </a:r>
-            <a:r>
-              <a:rPr lang="ja-JP" altLang="en-US" sz="1200" b="1" dirty="0">
-                <a:latin typeface="Meiryo UI" panose="020B0604030504040204" pitchFamily="50" charset="-128"/>
-                <a:ea typeface="Meiryo UI" panose="020B0604030504040204" pitchFamily="50" charset="-128"/>
-              </a:rPr>
-              <a:t>です</a:t>
-            </a:r>
-            <a:endParaRPr lang="en-US" altLang="ja-JP" sz="1200" b="1" dirty="0">
-              <a:latin typeface="Meiryo UI" panose="020B0604030504040204" pitchFamily="50" charset="-128"/>
-              <a:ea typeface="Meiryo UI" panose="020B0604030504040204" pitchFamily="50" charset="-128"/>
-            </a:endParaRPr>
-          </a:p>
-        </p:txBody>
-      </p:sp>
-      <p:sp>
-        <p:nvSpPr>
-          <p:cNvPr id="34" name="Rectangle 2">
-            <a:extLst>
-              <a:ext uri="{FF2B5EF4-FFF2-40B4-BE49-F238E27FC236}">
-                <a16:creationId xmlns:a16="http://schemas.microsoft.com/office/drawing/2014/main" id="{F22B912D-C974-DC56-E7BE-0F4AD5ACCC9B}"/>
-              </a:ext>
-            </a:extLst>
-          </p:cNvPr>
-          <p:cNvSpPr>
-            <a:spLocks noChangeArrowheads="1"/>
-          </p:cNvSpPr>
-          <p:nvPr/>
-        </p:nvSpPr>
-        <p:spPr bwMode="auto">
-          <a:xfrm>
-            <a:off x="6686943" y="3709289"/>
-            <a:ext cx="1064120" cy="276999"/>
-          </a:xfrm>
-          <a:prstGeom prst="rect">
-            <a:avLst/>
-          </a:prstGeom>
-          <a:noFill/>
-          <a:ln w="9525">
-            <a:noFill/>
-            <a:miter lim="800000"/>
-            <a:headEnd/>
-            <a:tailEnd/>
-          </a:ln>
-          <a:effectLst/>
-        </p:spPr>
-        <p:txBody>
-          <a:bodyPr vert="horz" wrap="square" lIns="91440" tIns="45720" rIns="91440" bIns="45720" numCol="1" anchor="ctr" anchorCtr="0" compatLnSpc="1">
-            <a:prstTxWarp prst="textNoShape">
-              <a:avLst/>
-            </a:prstTxWarp>
-            <a:spAutoFit/>
-          </a:bodyPr>
-          <a:lstStyle/>
-          <a:p>
-            <a:pPr lvl="0" defTabSz="914400" eaLnBrk="0" fontAlgn="base" hangingPunct="0">
-              <a:spcBef>
-                <a:spcPct val="0"/>
-              </a:spcBef>
-              <a:spcAft>
-                <a:spcPct val="0"/>
-              </a:spcAft>
-            </a:pPr>
-            <a:r>
-              <a:rPr lang="ja-JP" altLang="en-US" sz="1200" b="1" dirty="0">
-                <a:solidFill>
-                  <a:srgbClr val="0070C0"/>
-                </a:solidFill>
-                <a:latin typeface="Meiryo UI" panose="020B0604030504040204" pitchFamily="50" charset="-128"/>
-                <a:ea typeface="Meiryo UI" panose="020B0604030504040204" pitchFamily="50" charset="-128"/>
-              </a:rPr>
-              <a:t>詳細はこちら</a:t>
-            </a:r>
-            <a:endParaRPr lang="en-US" altLang="ja-JP" sz="1200" b="1" dirty="0">
-              <a:solidFill>
-                <a:srgbClr val="0070C0"/>
-              </a:solidFill>
-              <a:latin typeface="Meiryo UI" panose="020B0604030504040204" pitchFamily="50" charset="-128"/>
-              <a:ea typeface="Meiryo UI" panose="020B0604030504040204" pitchFamily="50" charset="-128"/>
-            </a:endParaRPr>
-          </a:p>
-        </p:txBody>
-      </p:sp>
-      <p:sp>
-        <p:nvSpPr>
-          <p:cNvPr id="35" name="Rectangle 2">
-            <a:extLst>
-              <a:ext uri="{FF2B5EF4-FFF2-40B4-BE49-F238E27FC236}">
-                <a16:creationId xmlns:a16="http://schemas.microsoft.com/office/drawing/2014/main" id="{7915244F-3AA5-1756-5003-4C38D71FFC8F}"/>
-              </a:ext>
-            </a:extLst>
-          </p:cNvPr>
-          <p:cNvSpPr>
-            <a:spLocks noChangeArrowheads="1"/>
-          </p:cNvSpPr>
-          <p:nvPr/>
-        </p:nvSpPr>
-        <p:spPr bwMode="auto">
-          <a:xfrm>
-            <a:off x="5307020" y="4933939"/>
-            <a:ext cx="2182260" cy="276999"/>
-          </a:xfrm>
-          <a:prstGeom prst="rect">
-            <a:avLst/>
-          </a:prstGeom>
-          <a:solidFill>
-            <a:schemeClr val="tx2">
-              <a:lumMod val="20000"/>
-              <a:lumOff val="80000"/>
-            </a:schemeClr>
-          </a:solidFill>
-          <a:ln w="9525">
-            <a:noFill/>
-            <a:miter lim="800000"/>
-            <a:headEnd/>
-            <a:tailEnd/>
-          </a:ln>
-          <a:effectLst/>
-        </p:spPr>
-        <p:txBody>
-          <a:bodyPr vert="horz" wrap="square" lIns="91440" tIns="45720" rIns="91440" bIns="45720" numCol="1" anchor="ctr" anchorCtr="0" compatLnSpc="1">
-            <a:prstTxWarp prst="textNoShape">
-              <a:avLst/>
-            </a:prstTxWarp>
-            <a:spAutoFit/>
-          </a:bodyPr>
-          <a:lstStyle/>
-          <a:p>
-            <a:pPr lvl="0" defTabSz="914400" eaLnBrk="0" fontAlgn="base" hangingPunct="0">
-              <a:spcBef>
-                <a:spcPct val="0"/>
-              </a:spcBef>
-              <a:spcAft>
-                <a:spcPct val="0"/>
-              </a:spcAft>
-            </a:pPr>
-            <a:r>
-              <a:rPr lang="ja-JP" altLang="en-US" sz="1200" b="1" dirty="0">
-                <a:latin typeface="Meiryo UI" panose="020B0604030504040204" pitchFamily="50" charset="-128"/>
-                <a:ea typeface="Meiryo UI" panose="020B0604030504040204" pitchFamily="50" charset="-128"/>
-              </a:rPr>
-              <a:t>メンバーの回答結果を表示する</a:t>
-            </a:r>
-            <a:endParaRPr lang="en-US" altLang="ja-JP" sz="1200" b="1" dirty="0">
-              <a:latin typeface="Meiryo UI" panose="020B0604030504040204" pitchFamily="50" charset="-128"/>
-              <a:ea typeface="Meiryo UI" panose="020B0604030504040204" pitchFamily="50" charset="-128"/>
-            </a:endParaRPr>
-          </a:p>
-        </p:txBody>
-      </p:sp>
-      <p:sp>
-        <p:nvSpPr>
-          <p:cNvPr id="36" name="Rectangle 2">
-            <a:extLst>
-              <a:ext uri="{FF2B5EF4-FFF2-40B4-BE49-F238E27FC236}">
-                <a16:creationId xmlns:a16="http://schemas.microsoft.com/office/drawing/2014/main" id="{1BE44FC2-BC5D-6E28-8897-1A6BCFE51808}"/>
-              </a:ext>
-            </a:extLst>
-          </p:cNvPr>
-          <p:cNvSpPr>
-            <a:spLocks noChangeArrowheads="1"/>
-          </p:cNvSpPr>
-          <p:nvPr/>
-        </p:nvSpPr>
-        <p:spPr bwMode="auto">
-          <a:xfrm>
-            <a:off x="6686942" y="5304915"/>
-            <a:ext cx="811158" cy="276999"/>
-          </a:xfrm>
-          <a:prstGeom prst="rect">
-            <a:avLst/>
-          </a:prstGeom>
-          <a:solidFill>
-            <a:schemeClr val="tx2">
-              <a:lumMod val="20000"/>
-              <a:lumOff val="80000"/>
-            </a:schemeClr>
-          </a:solidFill>
-          <a:ln w="9525">
-            <a:noFill/>
-            <a:miter lim="800000"/>
-            <a:headEnd/>
-            <a:tailEnd/>
-          </a:ln>
-          <a:effectLst/>
-        </p:spPr>
-        <p:txBody>
-          <a:bodyPr vert="horz" wrap="square" lIns="91440" tIns="45720" rIns="91440" bIns="45720" numCol="1" anchor="ctr" anchorCtr="0" compatLnSpc="1">
-            <a:prstTxWarp prst="textNoShape">
-              <a:avLst/>
-            </a:prstTxWarp>
-            <a:spAutoFit/>
-          </a:bodyPr>
-          <a:lstStyle/>
-          <a:p>
-            <a:pPr lvl="0" defTabSz="914400" eaLnBrk="0" fontAlgn="base" hangingPunct="0">
-              <a:spcBef>
-                <a:spcPct val="0"/>
-              </a:spcBef>
-              <a:spcAft>
-                <a:spcPct val="0"/>
-              </a:spcAft>
-            </a:pPr>
-            <a:r>
-              <a:rPr lang="ja-JP" altLang="en-US" sz="1200" b="1" dirty="0">
-                <a:latin typeface="Meiryo UI" panose="020B0604030504040204" pitchFamily="50" charset="-128"/>
-                <a:ea typeface="Meiryo UI" panose="020B0604030504040204" pitchFamily="50" charset="-128"/>
-              </a:rPr>
-              <a:t>終了する</a:t>
-            </a:r>
-            <a:endParaRPr lang="en-US" altLang="ja-JP" sz="1200" b="1" dirty="0">
-              <a:latin typeface="Meiryo UI" panose="020B0604030504040204" pitchFamily="50" charset="-128"/>
-              <a:ea typeface="Meiryo UI" panose="020B0604030504040204" pitchFamily="50" charset="-128"/>
-            </a:endParaRPr>
-          </a:p>
-        </p:txBody>
-      </p:sp>
-    </p:spTree>
-    <p:extLst>
-      <p:ext uri="{BB962C8B-B14F-4D97-AF65-F5344CB8AC3E}">
-        <p14:creationId xmlns:p14="http://schemas.microsoft.com/office/powerpoint/2010/main" val="1912537477"/>
       </p:ext>
     </p:extLst>
   </p:cSld>
